--- a/A조 발표/A조 발표.pptx
+++ b/A조 발표/A조 발표.pptx
@@ -2,7 +2,7 @@
 <file path=ppt/presentation.xml><?xml version="1.0" encoding="utf-8"?>
 <p:presentation xmlns:r="http://schemas.openxmlformats.org/officeDocument/2006/relationships" xmlns:c="http://schemas.openxmlformats.org/drawingml/2006/chart" xmlns:a="http://schemas.openxmlformats.org/drawingml/2006/main" xmlns:dgm="http://schemas.openxmlformats.org/drawingml/2006/diagram" xmlns:dsp="http://schemas.microsoft.com/office/drawing/2008/diagram" xmlns:p="http://schemas.openxmlformats.org/presentationml/2006/main">
   <p:sldMasterIdLst>
-    <p:sldMasterId id="2147483798" r:id="rId1"/>
+    <p:sldMasterId id="2147483785" r:id="rId1"/>
   </p:sldMasterIdLst>
   <p:notesMasterIdLst>
     <p:notesMasterId r:id="rId2"/>
@@ -1354,7 +1354,7 @@
               <a:rPr lang="en-US" altLang="ko-KR"/>
               <a:t>.</a:t>
             </a:r>
-            <a:endParaRPr lang="ko-KR" altLang="en-US"/>
+            <a:endParaRPr lang="en-US" altLang="ko-KR"/>
           </a:p>
           <a:p>
             <a:pPr lvl="0">
@@ -2109,6 +2109,190 @@
             <a:r>
               <a:rPr lang="ko-KR" altLang="en-US"/>
               <a:t>개로 설정하였을때를 예시로 표현하였습니다</a:t>
+            </a:r>
+            <a:r>
+              <a:rPr lang="en-US" altLang="ko-KR"/>
+              <a:t>.</a:t>
+            </a:r>
+            <a:endParaRPr lang="en-US" altLang="ko-KR"/>
+          </a:p>
+          <a:p>
+            <a:pPr>
+              <a:defRPr/>
+            </a:pPr>
+            <a:endParaRPr lang="en-US" altLang="ko-KR"/>
+          </a:p>
+          <a:p>
+            <a:pPr>
+              <a:defRPr/>
+            </a:pPr>
+            <a:r>
+              <a:rPr lang="ko-KR" altLang="en-US"/>
+              <a:t>보시는 것과 같이 </a:t>
+            </a:r>
+            <a:r>
+              <a:rPr lang="en-US" altLang="ko-KR"/>
+              <a:t>Central Control</a:t>
+            </a:r>
+            <a:r>
+              <a:rPr lang="ko-KR" altLang="en-US"/>
+              <a:t>은 프로그램 종료시 까지 작동되면 다른 스레드를 순차적으로 동작시키는 역할을 하는 것을 보실 수 있습니다</a:t>
+            </a:r>
+            <a:r>
+              <a:rPr lang="en-US" altLang="ko-KR"/>
+              <a:t>.</a:t>
+            </a:r>
+            <a:endParaRPr lang="en-US" altLang="ko-KR"/>
+          </a:p>
+          <a:p>
+            <a:pPr>
+              <a:defRPr/>
+            </a:pPr>
+            <a:endParaRPr lang="en-US" altLang="ko-KR"/>
+          </a:p>
+          <a:p>
+            <a:pPr>
+              <a:defRPr/>
+            </a:pPr>
+            <a:r>
+              <a:rPr lang="ko-KR" altLang="en-US"/>
+              <a:t>그와 동시에 </a:t>
+            </a:r>
+            <a:r>
+              <a:rPr lang="en-US" altLang="ko-KR"/>
+              <a:t>Time</a:t>
+            </a:r>
+            <a:r>
+              <a:rPr lang="ko-KR" altLang="en-US"/>
+              <a:t> 스레드도 동작하면서 </a:t>
+            </a:r>
+            <a:r>
+              <a:rPr lang="en-US" altLang="ko-KR"/>
+              <a:t>Simulator</a:t>
+            </a:r>
+            <a:r>
+              <a:rPr lang="ko-KR" altLang="en-US"/>
+              <a:t>의 동작시간을 측정하여 </a:t>
+            </a:r>
+            <a:r>
+              <a:rPr lang="en-US" altLang="ko-KR"/>
+              <a:t>Wafer</a:t>
+            </a:r>
+            <a:r>
+              <a:rPr lang="ko-KR" altLang="en-US"/>
+              <a:t>의</a:t>
+            </a:r>
+            <a:r>
+              <a:rPr lang="en-US" altLang="ko-KR"/>
+              <a:t> </a:t>
+            </a:r>
+            <a:r>
+              <a:rPr lang="ko-KR" altLang="en-US"/>
+              <a:t>출력과 </a:t>
+            </a:r>
+            <a:r>
+              <a:rPr lang="en-US" altLang="ko-KR"/>
+              <a:t>Throughtput</a:t>
+            </a:r>
+            <a:r>
+              <a:rPr lang="ko-KR" altLang="en-US"/>
+              <a:t>을 계산하는데 이바지 합니다</a:t>
+            </a:r>
+            <a:r>
+              <a:rPr lang="en-US" altLang="ko-KR"/>
+              <a:t>.</a:t>
+            </a:r>
+            <a:endParaRPr lang="en-US" altLang="ko-KR"/>
+          </a:p>
+          <a:p>
+            <a:pPr>
+              <a:defRPr/>
+            </a:pPr>
+            <a:endParaRPr lang="en-US" altLang="ko-KR"/>
+          </a:p>
+          <a:p>
+            <a:pPr>
+              <a:defRPr/>
+            </a:pPr>
+            <a:r>
+              <a:rPr lang="ko-KR" altLang="en-US"/>
+              <a:t>또한</a:t>
+            </a:r>
+            <a:r>
+              <a:rPr lang="en-US" altLang="ko-KR"/>
+              <a:t>,</a:t>
+            </a:r>
+            <a:r>
+              <a:rPr lang="ko-KR" altLang="en-US"/>
+              <a:t> </a:t>
+            </a:r>
+            <a:r>
+              <a:rPr lang="en-US" altLang="ko-KR"/>
+              <a:t>LPM2LL</a:t>
+            </a:r>
+            <a:r>
+              <a:rPr lang="ko-KR" altLang="en-US"/>
+              <a:t> 스레드</a:t>
+            </a:r>
+            <a:r>
+              <a:rPr lang="en-US" altLang="ko-KR"/>
+              <a:t>,</a:t>
+            </a:r>
+            <a:r>
+              <a:rPr lang="ko-KR" altLang="en-US"/>
+              <a:t> </a:t>
+            </a:r>
+            <a:r>
+              <a:rPr lang="en-US" altLang="ko-KR"/>
+              <a:t>LL</a:t>
+            </a:r>
+            <a:r>
+              <a:rPr lang="ko-KR" altLang="en-US"/>
+              <a:t> 스레드</a:t>
+            </a:r>
+            <a:r>
+              <a:rPr lang="en-US" altLang="ko-KR"/>
+              <a:t>,</a:t>
+            </a:r>
+            <a:r>
+              <a:rPr lang="ko-KR" altLang="en-US"/>
+              <a:t> </a:t>
+            </a:r>
+            <a:r>
+              <a:rPr lang="en-US" altLang="ko-KR"/>
+              <a:t>LL2PM</a:t>
+            </a:r>
+            <a:r>
+              <a:rPr lang="ko-KR" altLang="en-US"/>
+              <a:t>스레드는 모듈이 </a:t>
+            </a:r>
+            <a:r>
+              <a:rPr lang="en-US" altLang="ko-KR"/>
+              <a:t>2</a:t>
+            </a:r>
+            <a:r>
+              <a:rPr lang="ko-KR" altLang="en-US"/>
+              <a:t>개 이상일 경우 멀티스레드로 동작을 하여야 하는데 보시는 것과 같이 구현 되어져 있는 것을 확일하실 수 있습니다</a:t>
+            </a:r>
+            <a:r>
+              <a:rPr lang="en-US" altLang="ko-KR"/>
+              <a:t>.</a:t>
+            </a:r>
+            <a:endParaRPr lang="en-US" altLang="ko-KR"/>
+          </a:p>
+          <a:p>
+            <a:pPr>
+              <a:defRPr/>
+            </a:pPr>
+            <a:endParaRPr lang="en-US" altLang="ko-KR"/>
+          </a:p>
+          <a:p>
+            <a:pPr>
+              <a:defRPr/>
+            </a:pPr>
+            <a:r>
+              <a:rPr lang="ko-KR" altLang="en-US"/>
+              <a:t>좀 더 자세한 흐름은 시연을 통해 보여드리겠습니다</a:t>
             </a:r>
             <a:r>
               <a:rPr lang="en-US" altLang="ko-KR"/>
@@ -15101,8 +15285,8 @@
         </p:nvSpPr>
         <p:spPr>
           <a:xfrm>
-            <a:off x="6835622" y="2094909"/>
-            <a:ext cx="741653" cy="332061"/>
+            <a:off x="6554282" y="2094909"/>
+            <a:ext cx="1022993" cy="332061"/>
           </a:xfrm>
           <a:prstGeom prst="rect">
             <a:avLst/>
@@ -15135,7 +15319,7 @@
                 <a:latin typeface="맑은 고딕"/>
                 <a:ea typeface="맑은 고딕"/>
               </a:rPr>
-              <a:t>Vent</a:t>
+              <a:t>LL(Vent)</a:t>
             </a:r>
             <a:endParaRPr xmlns:mc="http://schemas.openxmlformats.org/markup-compatibility/2006" xmlns:hp="http://schemas.haansoft.com/office/presentation/8.0" kumimoji="0" lang="en-US" altLang="ko-KR" sz="1600" b="1" i="0" u="none" strike="noStrike" kern="1200" cap="none" spc="0" normalizeH="0" baseline="0" mc:Ignorable="hp" hp:hslEmbossed="0">
               <a:solidFill>
@@ -15155,8 +15339,8 @@
         </p:nvSpPr>
         <p:spPr>
           <a:xfrm>
-            <a:off x="608113" y="2068471"/>
-            <a:ext cx="924324" cy="329924"/>
+            <a:off x="383083" y="2091683"/>
+            <a:ext cx="1078508" cy="329924"/>
           </a:xfrm>
           <a:prstGeom prst="rect">
             <a:avLst/>
@@ -15189,7 +15373,7 @@
                 <a:latin typeface="맑은 고딕"/>
                 <a:ea typeface="맑은 고딕"/>
               </a:rPr>
-              <a:t>Pump</a:t>
+              <a:t>LL(Pump)</a:t>
             </a:r>
             <a:endParaRPr xmlns:mc="http://schemas.openxmlformats.org/markup-compatibility/2006" xmlns:hp="http://schemas.haansoft.com/office/presentation/8.0" kumimoji="0" lang="en-US" altLang="ko-KR" sz="1600" b="1" i="0" u="none" strike="noStrike" kern="1200" cap="none" spc="0" normalizeH="0" baseline="0" mc:Ignorable="hp" hp:hslEmbossed="0">
               <a:solidFill>

--- a/A조 발표/A조 발표.pptx
+++ b/A조 발표/A조 발표.pptx
@@ -2,7 +2,7 @@
 <file path=ppt/presentation.xml><?xml version="1.0" encoding="utf-8"?>
 <p:presentation xmlns:r="http://schemas.openxmlformats.org/officeDocument/2006/relationships" xmlns:c="http://schemas.openxmlformats.org/drawingml/2006/chart" xmlns:a="http://schemas.openxmlformats.org/drawingml/2006/main" xmlns:dgm="http://schemas.openxmlformats.org/drawingml/2006/diagram" xmlns:dsp="http://schemas.microsoft.com/office/drawing/2008/diagram" xmlns:p="http://schemas.openxmlformats.org/presentationml/2006/main">
   <p:sldMasterIdLst>
-    <p:sldMasterId id="2147483785" r:id="rId1"/>
+    <p:sldMasterId id="2147483782" r:id="rId1"/>
   </p:sldMasterIdLst>
   <p:notesMasterIdLst>
     <p:notesMasterId r:id="rId2"/>
@@ -6938,9 +6938,33 @@
                 <a:rPr lang="en-US" altLang="ko-KR" sz="2000" b="1">
                   <a:latin typeface="Amasis MT Pro Black"/>
                 </a:rPr>
-                <a:t>[System UI ]</a:t>
+                <a:t>[</a:t>
               </a:r>
-              <a:endParaRPr lang="ko-KR" altLang="en-US" sz="2000" b="1">
+              <a:r>
+                <a:rPr lang="ko-KR" altLang="en-US" sz="2000" b="1">
+                  <a:latin typeface="Amasis MT Pro Black"/>
+                </a:rPr>
+                <a:t> </a:t>
+              </a:r>
+              <a:r>
+                <a:rPr lang="en-US" altLang="ko-KR" sz="2000" b="1">
+                  <a:latin typeface="Amasis MT Pro Black"/>
+                </a:rPr>
+                <a:t>System UI</a:t>
+              </a:r>
+              <a:r>
+                <a:rPr lang="ko-KR" altLang="en-US" sz="2000" b="1">
+                  <a:latin typeface="Amasis MT Pro Black"/>
+                </a:rPr>
+                <a:t> </a:t>
+              </a:r>
+              <a:r>
+                <a:rPr lang="en-US" altLang="ko-KR" sz="2000" b="1">
+                  <a:latin typeface="Amasis MT Pro Black"/>
+                </a:rPr>
+                <a:t>]</a:t>
+              </a:r>
+              <a:endParaRPr lang="en-US" altLang="ko-KR" sz="2000" b="1">
                 <a:latin typeface="Amasis MT Pro Black"/>
               </a:endParaRPr>
             </a:p>
@@ -7260,8 +7284,8 @@
         </p:nvGrpSpPr>
         <p:grpSpPr>
           <a:xfrm rot="0">
-            <a:off x="5081929" y="1708963"/>
-            <a:ext cx="6616735" cy="3947120"/>
+            <a:off x="5081928" y="1708963"/>
+            <a:ext cx="6877695" cy="3947120"/>
             <a:chOff x="5081929" y="1708963"/>
             <a:chExt cx="6616735" cy="3947120"/>
           </a:xfrm>
@@ -7274,7 +7298,7 @@
           </p:nvSpPr>
           <p:spPr>
             <a:xfrm>
-              <a:off x="5081930" y="1708963"/>
+              <a:off x="5081929" y="1708963"/>
               <a:ext cx="2028140" cy="338554"/>
             </a:xfrm>
             <a:prstGeom prst="rect">

--- a/A조 발표/A조 발표.pptx
+++ b/A조 발표/A조 발표.pptx
@@ -2,7 +2,7 @@
 <file path=ppt/presentation.xml><?xml version="1.0" encoding="utf-8"?>
 <p:presentation xmlns:r="http://schemas.openxmlformats.org/officeDocument/2006/relationships" xmlns:c="http://schemas.openxmlformats.org/drawingml/2006/chart" xmlns:a="http://schemas.openxmlformats.org/drawingml/2006/main" xmlns:dgm="http://schemas.openxmlformats.org/drawingml/2006/diagram" xmlns:dsp="http://schemas.microsoft.com/office/drawing/2008/diagram" xmlns:p="http://schemas.openxmlformats.org/presentationml/2006/main">
   <p:sldMasterIdLst>
-    <p:sldMasterId id="2147483782" r:id="rId1"/>
+    <p:sldMasterId id="2147483805" r:id="rId1"/>
   </p:sldMasterIdLst>
   <p:notesMasterIdLst>
     <p:notesMasterId r:id="rId2"/>
@@ -13,7 +13,7 @@
   <p:sldIdLst>
     <p:sldId id="292" r:id="rId4"/>
     <p:sldId id="280" r:id="rId5"/>
-    <p:sldId id="281" r:id="rId6"/>
+    <p:sldId id="299" r:id="rId6"/>
     <p:sldId id="259" r:id="rId7"/>
     <p:sldId id="283" r:id="rId8"/>
     <p:sldId id="284" r:id="rId9"/>
@@ -221,7 +221,7 @@
               <a:pPr lvl="0">
                 <a:defRPr/>
               </a:pPr>
-              <a:t>2022-10-24</a:t>
+              <a:t>2022-10-25</a:t>
             </a:fld>
             <a:endParaRPr lang="ko-KR" altLang="en-US"/>
           </a:p>
@@ -407,7 +407,7 @@
               <a:pPr lvl="0">
                 <a:defRPr/>
               </a:pPr>
-              <a:t>2022-10-24</a:t>
+              <a:t>2022-10-25</a:t>
             </a:fld>
             <a:endParaRPr lang="ko-KR" altLang="en-US"/>
           </a:p>
@@ -864,39 +864,500 @@
           <a:lstStyle/>
           <a:p>
             <a:pPr>
-              <a:defRPr/>
-            </a:pPr>
-            <a:r>
-              <a:rPr lang="en-US" altLang="ko-KR"/>
+              <a:lnSpc>
+                <a:spcPct val="160000"/>
+              </a:lnSpc>
+              <a:spcBef>
+                <a:spcPts val="0"/>
+              </a:spcBef>
+              <a:spcAft>
+                <a:spcPts val="0"/>
+              </a:spcAft>
+              <a:defRPr/>
+            </a:pPr>
+            <a:r>
+              <a:rPr xmlns:mc="http://schemas.openxmlformats.org/markup-compatibility/2006" xmlns:hp="http://schemas.haansoft.com/office/presentation/8.0" lang="EN-US" b="0" i="0" u="none" strike="noStrike" mc:Ignorable="hp" hp:hslEmbossed="0">
+                <a:solidFill>
+                  <a:srgbClr val="000000"/>
+                </a:solidFill>
+                <a:latin typeface="돋움"/>
+                <a:ea typeface="돋움"/>
+                <a:cs typeface="돋움"/>
+              </a:rPr>
+              <a:t>Main UI </a:t>
+            </a:r>
+            <a:r>
+              <a:rPr xmlns:mc="http://schemas.openxmlformats.org/markup-compatibility/2006" xmlns:hp="http://schemas.haansoft.com/office/presentation/8.0" b="0" i="0" u="none" strike="noStrike" mc:Ignorable="hp" hp:hslEmbossed="0">
+                <a:solidFill>
+                  <a:srgbClr val="000000"/>
+                </a:solidFill>
+                <a:latin typeface="돋움"/>
+                <a:ea typeface="돋움"/>
+                <a:cs typeface="돋움"/>
+              </a:rPr>
+              <a:t>입니다</a:t>
+            </a:r>
+            <a:r>
+              <a:rPr xmlns:mc="http://schemas.openxmlformats.org/markup-compatibility/2006" xmlns:hp="http://schemas.haansoft.com/office/presentation/8.0" lang="EN-US" b="0" i="0" u="none" strike="noStrike" mc:Ignorable="hp" hp:hslEmbossed="0">
+                <a:solidFill>
+                  <a:srgbClr val="000000"/>
+                </a:solidFill>
+                <a:latin typeface="돋움"/>
+                <a:ea typeface="돋움"/>
+                <a:cs typeface="돋움"/>
+              </a:rPr>
+              <a:t>. </a:t>
+            </a:r>
+            <a:r>
+              <a:rPr xmlns:mc="http://schemas.openxmlformats.org/markup-compatibility/2006" xmlns:hp="http://schemas.haansoft.com/office/presentation/8.0" b="0" i="0" u="none" strike="noStrike" mc:Ignorable="hp" hp:hslEmbossed="0">
+                <a:solidFill>
+                  <a:srgbClr val="000000"/>
+                </a:solidFill>
+                <a:latin typeface="돋움"/>
+                <a:ea typeface="돋움"/>
+                <a:cs typeface="돋움"/>
+              </a:rPr>
+              <a:t>한가운데 움직이는 그림을 통해 로봇이 작동하는 순서를 쉽게 알수 있으며</a:t>
+            </a:r>
+            <a:endParaRPr xmlns:mc="http://schemas.openxmlformats.org/markup-compatibility/2006" xmlns:hp="http://schemas.haansoft.com/office/presentation/8.0" b="0" i="0" u="none" strike="noStrike" mc:Ignorable="hp" hp:hslEmbossed="0">
+              <a:solidFill>
+                <a:srgbClr val="000000"/>
+              </a:solidFill>
+              <a:latin typeface="돋움"/>
+              <a:ea typeface="돋움"/>
+              <a:cs typeface="돋움"/>
+            </a:endParaRPr>
+          </a:p>
+          <a:p>
+            <a:pPr>
+              <a:lnSpc>
+                <a:spcPct val="160000"/>
+              </a:lnSpc>
+              <a:spcBef>
+                <a:spcPts val="0"/>
+              </a:spcBef>
+              <a:spcAft>
+                <a:spcPts val="0"/>
+              </a:spcAft>
+              <a:defRPr/>
+            </a:pPr>
+            <a:r>
+              <a:rPr xmlns:mc="http://schemas.openxmlformats.org/markup-compatibility/2006" xmlns:hp="http://schemas.haansoft.com/office/presentation/8.0" b="0" i="0" u="none" strike="noStrike" mc:Ignorable="hp" hp:hslEmbossed="0">
+                <a:solidFill>
+                  <a:srgbClr val="000000"/>
+                </a:solidFill>
+                <a:latin typeface="돋움"/>
+                <a:ea typeface="돋움"/>
+                <a:cs typeface="돋움"/>
+              </a:rPr>
+              <a:t>직관적이고 가벼운 </a:t>
+            </a:r>
+            <a:r>
+              <a:rPr xmlns:mc="http://schemas.openxmlformats.org/markup-compatibility/2006" xmlns:hp="http://schemas.haansoft.com/office/presentation/8.0" lang="EN-US" b="0" i="0" u="none" strike="noStrike" mc:Ignorable="hp" hp:hslEmbossed="0">
+                <a:solidFill>
+                  <a:srgbClr val="000000"/>
+                </a:solidFill>
+                <a:latin typeface="돋움"/>
+                <a:ea typeface="돋움"/>
+                <a:cs typeface="돋움"/>
+              </a:rPr>
+              <a:t>UI</a:t>
+            </a:r>
+            <a:r>
+              <a:rPr xmlns:mc="http://schemas.openxmlformats.org/markup-compatibility/2006" xmlns:hp="http://schemas.haansoft.com/office/presentation/8.0" b="0" i="0" u="none" strike="noStrike" mc:Ignorable="hp" hp:hslEmbossed="0">
+                <a:solidFill>
+                  <a:srgbClr val="000000"/>
+                </a:solidFill>
+                <a:latin typeface="돋움"/>
+                <a:ea typeface="돋움"/>
+                <a:cs typeface="돋움"/>
+              </a:rPr>
+              <a:t>를 통해 장비에 대해 잘 모르는 사람이라도 </a:t>
+            </a:r>
+            <a:endParaRPr xmlns:mc="http://schemas.openxmlformats.org/markup-compatibility/2006" xmlns:hp="http://schemas.haansoft.com/office/presentation/8.0" b="0" i="0" u="none" strike="noStrike" mc:Ignorable="hp" hp:hslEmbossed="0">
+              <a:solidFill>
+                <a:srgbClr val="000000"/>
+              </a:solidFill>
+              <a:latin typeface="돋움"/>
+              <a:ea typeface="돋움"/>
+              <a:cs typeface="돋움"/>
+            </a:endParaRPr>
+          </a:p>
+          <a:p>
+            <a:pPr>
+              <a:lnSpc>
+                <a:spcPct val="160000"/>
+              </a:lnSpc>
+              <a:spcBef>
+                <a:spcPts val="0"/>
+              </a:spcBef>
+              <a:spcAft>
+                <a:spcPts val="0"/>
+              </a:spcAft>
+              <a:defRPr/>
+            </a:pPr>
+            <a:r>
+              <a:rPr xmlns:mc="http://schemas.openxmlformats.org/markup-compatibility/2006" xmlns:hp="http://schemas.haansoft.com/office/presentation/8.0" b="0" i="0" u="none" strike="noStrike" mc:Ignorable="hp" hp:hslEmbossed="0">
+                <a:solidFill>
+                  <a:srgbClr val="000000"/>
+                </a:solidFill>
+                <a:latin typeface="돋움"/>
+                <a:ea typeface="돋움"/>
+                <a:cs typeface="돋움"/>
+              </a:rPr>
+              <a:t>어떤식으로 작동을 하고 저 로봇이 웨이퍼를 어디서 어디로 옮기는지 등을한눈에 알아보기 편하게 만들었습니</a:t>
+            </a:r>
+            <a:r>
+              <a:rPr xmlns:mc="http://schemas.openxmlformats.org/markup-compatibility/2006" xmlns:hp="http://schemas.haansoft.com/office/presentation/8.0" lang="ko-KR" altLang="en-US" b="0" i="0" u="none" strike="noStrike" mc:Ignorable="hp" hp:hslEmbossed="0">
+                <a:solidFill>
+                  <a:srgbClr val="000000"/>
+                </a:solidFill>
+                <a:latin typeface="돋움"/>
+                <a:ea typeface="돋움"/>
+                <a:cs typeface="돋움"/>
+              </a:rPr>
+              <a:t>다</a:t>
+            </a:r>
+            <a:r>
+              <a:rPr xmlns:mc="http://schemas.openxmlformats.org/markup-compatibility/2006" xmlns:hp="http://schemas.haansoft.com/office/presentation/8.0" lang="EN-US" b="0" i="0" u="none" strike="noStrike" mc:Ignorable="hp" hp:hslEmbossed="0">
+                <a:solidFill>
+                  <a:srgbClr val="000000"/>
+                </a:solidFill>
+                <a:latin typeface="돋움"/>
+                <a:ea typeface="돋움"/>
+                <a:cs typeface="돋움"/>
+              </a:rPr>
+              <a:t>. </a:t>
+            </a:r>
+            <a:endParaRPr xmlns:mc="http://schemas.openxmlformats.org/markup-compatibility/2006" xmlns:hp="http://schemas.haansoft.com/office/presentation/8.0" lang="EN-US" b="0" i="0" u="none" strike="noStrike" mc:Ignorable="hp" hp:hslEmbossed="0">
+              <a:solidFill>
+                <a:srgbClr val="000000"/>
+              </a:solidFill>
+              <a:latin typeface="돋움"/>
+              <a:ea typeface="돋움"/>
+              <a:cs typeface="돋움"/>
+            </a:endParaRPr>
+          </a:p>
+          <a:p>
+            <a:pPr>
+              <a:lnSpc>
+                <a:spcPct val="160000"/>
+              </a:lnSpc>
+              <a:spcBef>
+                <a:spcPts val="0"/>
+              </a:spcBef>
+              <a:spcAft>
+                <a:spcPts val="0"/>
+              </a:spcAft>
+              <a:defRPr/>
+            </a:pPr>
+            <a:r>
+              <a:rPr xmlns:mc="http://schemas.openxmlformats.org/markup-compatibility/2006" xmlns:hp="http://schemas.haansoft.com/office/presentation/8.0" b="0" i="0" u="none" strike="noStrike" mc:Ignorable="hp" hp:hslEmbossed="0">
+                <a:solidFill>
+                  <a:srgbClr val="000000"/>
+                </a:solidFill>
+                <a:latin typeface="돋움"/>
+                <a:ea typeface="돋움"/>
+                <a:cs typeface="돋움"/>
+              </a:rPr>
+              <a:t>또한 웨이퍼에 상태에 따라 색깔을 표시함으로써 실시간으로 무슨 공정을 진행하고 있는지와 </a:t>
+            </a:r>
+            <a:endParaRPr xmlns:mc="http://schemas.openxmlformats.org/markup-compatibility/2006" xmlns:hp="http://schemas.haansoft.com/office/presentation/8.0" b="0" i="0" u="none" strike="noStrike" mc:Ignorable="hp" hp:hslEmbossed="0">
+              <a:solidFill>
+                <a:srgbClr val="000000"/>
+              </a:solidFill>
+              <a:latin typeface="돋움"/>
+              <a:ea typeface="돋움"/>
+              <a:cs typeface="돋움"/>
+            </a:endParaRPr>
+          </a:p>
+          <a:p>
+            <a:pPr>
+              <a:lnSpc>
+                <a:spcPct val="160000"/>
+              </a:lnSpc>
+              <a:spcBef>
+                <a:spcPts val="0"/>
+              </a:spcBef>
+              <a:spcAft>
+                <a:spcPts val="0"/>
+              </a:spcAft>
+              <a:defRPr/>
+            </a:pPr>
+            <a:r>
+              <a:rPr xmlns:mc="http://schemas.openxmlformats.org/markup-compatibility/2006" xmlns:hp="http://schemas.haansoft.com/office/presentation/8.0" b="0" i="0" u="none" strike="noStrike" mc:Ignorable="hp" hp:hslEmbossed="0">
+                <a:solidFill>
+                  <a:srgbClr val="000000"/>
+                </a:solidFill>
+                <a:latin typeface="돋움"/>
+                <a:ea typeface="돋움"/>
+                <a:cs typeface="돋움"/>
+              </a:rPr>
+              <a:t>좌우의 </a:t>
+            </a:r>
+            <a:r>
+              <a:rPr xmlns:mc="http://schemas.openxmlformats.org/markup-compatibility/2006" xmlns:hp="http://schemas.haansoft.com/office/presentation/8.0" lang="EN-US" b="0" i="0" u="none" strike="noStrike" mc:Ignorable="hp" hp:hslEmbossed="0">
+                <a:solidFill>
+                  <a:srgbClr val="000000"/>
+                </a:solidFill>
+                <a:latin typeface="돋움"/>
+                <a:ea typeface="돋움"/>
+                <a:cs typeface="돋움"/>
+              </a:rPr>
+              <a:t>LPM </a:t>
+            </a:r>
+            <a:r>
+              <a:rPr xmlns:mc="http://schemas.openxmlformats.org/markup-compatibility/2006" xmlns:hp="http://schemas.haansoft.com/office/presentation/8.0" b="0" i="0" u="none" strike="noStrike" mc:Ignorable="hp" hp:hslEmbossed="0">
+                <a:solidFill>
+                  <a:srgbClr val="000000"/>
+                </a:solidFill>
+                <a:latin typeface="돋움"/>
+                <a:ea typeface="돋움"/>
+                <a:cs typeface="돋움"/>
+              </a:rPr>
+              <a:t>과 </a:t>
+            </a:r>
+            <a:r>
+              <a:rPr xmlns:mc="http://schemas.openxmlformats.org/markup-compatibility/2006" xmlns:hp="http://schemas.haansoft.com/office/presentation/8.0" lang="EN-US" b="0" i="0" u="none" strike="noStrike" mc:Ignorable="hp" hp:hslEmbossed="0">
+                <a:solidFill>
+                  <a:srgbClr val="000000"/>
+                </a:solidFill>
+                <a:latin typeface="돋움"/>
+                <a:ea typeface="돋움"/>
+                <a:cs typeface="돋움"/>
+              </a:rPr>
+              <a:t>Load Lock </a:t>
+            </a:r>
+            <a:r>
+              <a:rPr xmlns:mc="http://schemas.openxmlformats.org/markup-compatibility/2006" xmlns:hp="http://schemas.haansoft.com/office/presentation/8.0" b="0" i="0" u="none" strike="noStrike" mc:Ignorable="hp" hp:hslEmbossed="0">
+                <a:solidFill>
+                  <a:srgbClr val="000000"/>
+                </a:solidFill>
+                <a:latin typeface="돋움"/>
+                <a:ea typeface="돋움"/>
+                <a:cs typeface="돋움"/>
+              </a:rPr>
+              <a:t>의 </a:t>
+            </a:r>
+            <a:r>
+              <a:rPr xmlns:mc="http://schemas.openxmlformats.org/markup-compatibility/2006" xmlns:hp="http://schemas.haansoft.com/office/presentation/8.0" lang="en-US" altLang="ko-KR" b="0" i="0" u="none" strike="noStrike" mc:Ignorable="hp" hp:hslEmbossed="0">
+                <a:solidFill>
+                  <a:srgbClr val="000000"/>
+                </a:solidFill>
+                <a:latin typeface="돋움"/>
+                <a:ea typeface="돋움"/>
+                <a:cs typeface="돋움"/>
+              </a:rPr>
+              <a:t>UI</a:t>
+            </a:r>
+            <a:r>
+              <a:rPr xmlns:mc="http://schemas.openxmlformats.org/markup-compatibility/2006" xmlns:hp="http://schemas.haansoft.com/office/presentation/8.0" b="0" i="0" u="none" strike="noStrike" mc:Ignorable="hp" hp:hslEmbossed="0">
+                <a:solidFill>
+                  <a:srgbClr val="000000"/>
+                </a:solidFill>
+                <a:latin typeface="돋움"/>
+                <a:ea typeface="돋움"/>
+                <a:cs typeface="돋움"/>
+              </a:rPr>
+              <a:t>와 연관지어 그림상으로 로봇이 </a:t>
+            </a:r>
+            <a:r>
+              <a:rPr xmlns:mc="http://schemas.openxmlformats.org/markup-compatibility/2006" xmlns:hp="http://schemas.haansoft.com/office/presentation/8.0" lang="EN-US" b="0" i="0" u="none" strike="noStrike" mc:Ignorable="hp" hp:hslEmbossed="0">
+                <a:solidFill>
+                  <a:srgbClr val="000000"/>
+                </a:solidFill>
+                <a:latin typeface="돋움"/>
+                <a:ea typeface="돋움"/>
+                <a:cs typeface="돋움"/>
+              </a:rPr>
+              <a:t>Load Lock </a:t>
+            </a:r>
+            <a:r>
+              <a:rPr xmlns:mc="http://schemas.openxmlformats.org/markup-compatibility/2006" xmlns:hp="http://schemas.haansoft.com/office/presentation/8.0" b="0" i="0" u="none" strike="noStrike" mc:Ignorable="hp" hp:hslEmbossed="0">
+                <a:solidFill>
+                  <a:srgbClr val="000000"/>
+                </a:solidFill>
+                <a:latin typeface="돋움"/>
+                <a:ea typeface="돋움"/>
+                <a:cs typeface="돋움"/>
+              </a:rPr>
+              <a:t>에 웨이퍼를 넣으면 </a:t>
+            </a:r>
+            <a:endParaRPr xmlns:mc="http://schemas.openxmlformats.org/markup-compatibility/2006" xmlns:hp="http://schemas.haansoft.com/office/presentation/8.0" b="0" i="0" u="none" strike="noStrike" mc:Ignorable="hp" hp:hslEmbossed="0">
+              <a:solidFill>
+                <a:srgbClr val="000000"/>
+              </a:solidFill>
+              <a:latin typeface="돋움"/>
+              <a:ea typeface="돋움"/>
+              <a:cs typeface="돋움"/>
+            </a:endParaRPr>
+          </a:p>
+          <a:p>
+            <a:pPr>
+              <a:lnSpc>
+                <a:spcPct val="160000"/>
+              </a:lnSpc>
+              <a:spcBef>
+                <a:spcPts val="0"/>
+              </a:spcBef>
+              <a:spcAft>
+                <a:spcPts val="0"/>
+              </a:spcAft>
+              <a:defRPr/>
+            </a:pPr>
+            <a:r>
+              <a:rPr xmlns:mc="http://schemas.openxmlformats.org/markup-compatibility/2006" xmlns:hp="http://schemas.haansoft.com/office/presentation/8.0" b="0" i="0" u="none" strike="noStrike" mc:Ignorable="hp" hp:hslEmbossed="0">
+                <a:solidFill>
+                  <a:srgbClr val="000000"/>
+                </a:solidFill>
+                <a:latin typeface="돋움"/>
+                <a:ea typeface="돋움"/>
+                <a:cs typeface="돋움"/>
+              </a:rPr>
+              <a:t>바로 </a:t>
+            </a:r>
+            <a:r>
+              <a:rPr xmlns:mc="http://schemas.openxmlformats.org/markup-compatibility/2006" xmlns:hp="http://schemas.haansoft.com/office/presentation/8.0" lang="en-US" altLang="ko-KR" b="0" i="0" u="none" strike="noStrike" mc:Ignorable="hp" hp:hslEmbossed="0">
+                <a:solidFill>
+                  <a:srgbClr val="000000"/>
+                </a:solidFill>
+                <a:latin typeface="돋움"/>
+                <a:ea typeface="돋움"/>
+                <a:cs typeface="돋움"/>
+              </a:rPr>
+              <a:t>UI</a:t>
+            </a:r>
+            <a:r>
+              <a:rPr xmlns:mc="http://schemas.openxmlformats.org/markup-compatibility/2006" xmlns:hp="http://schemas.haansoft.com/office/presentation/8.0" b="0" i="0" u="none" strike="noStrike" mc:Ignorable="hp" hp:hslEmbossed="0">
+                <a:solidFill>
+                  <a:srgbClr val="000000"/>
+                </a:solidFill>
+                <a:latin typeface="돋움"/>
+                <a:ea typeface="돋움"/>
+                <a:cs typeface="돋움"/>
+              </a:rPr>
+              <a:t>로 웨이퍼를 채울수 있도록 상호 호환되게 만들었습니다</a:t>
+            </a:r>
+            <a:r>
+              <a:rPr xmlns:mc="http://schemas.openxmlformats.org/markup-compatibility/2006" xmlns:hp="http://schemas.haansoft.com/office/presentation/8.0" lang="EN-US" b="0" i="0" u="none" strike="noStrike" mc:Ignorable="hp" hp:hslEmbossed="0">
+                <a:solidFill>
+                  <a:srgbClr val="000000"/>
+                </a:solidFill>
+                <a:latin typeface="돋움"/>
+                <a:ea typeface="돋움"/>
+                <a:cs typeface="돋움"/>
+              </a:rPr>
+              <a:t>.</a:t>
+            </a:r>
+            <a:endParaRPr xmlns:mc="http://schemas.openxmlformats.org/markup-compatibility/2006" xmlns:hp="http://schemas.haansoft.com/office/presentation/8.0" lang="EN-US" b="0" i="0" u="none" strike="noStrike" mc:Ignorable="hp" hp:hslEmbossed="0">
+              <a:solidFill>
+                <a:srgbClr val="000000"/>
+              </a:solidFill>
+              <a:latin typeface="돋움"/>
+              <a:ea typeface="돋움"/>
+              <a:cs typeface="돋움"/>
+            </a:endParaRPr>
+          </a:p>
+          <a:p>
+            <a:pPr>
+              <a:lnSpc>
+                <a:spcPct val="160000"/>
+              </a:lnSpc>
+              <a:spcBef>
+                <a:spcPts val="0"/>
+              </a:spcBef>
+              <a:spcAft>
+                <a:spcPts val="0"/>
+              </a:spcAft>
+              <a:defRPr/>
+            </a:pPr>
+            <a:endParaRPr xmlns:mc="http://schemas.openxmlformats.org/markup-compatibility/2006" xmlns:hp="http://schemas.haansoft.com/office/presentation/8.0" lang="EN-US" b="0" i="0" u="none" strike="noStrike" mc:Ignorable="hp" hp:hslEmbossed="0">
+              <a:solidFill>
+                <a:srgbClr val="000000"/>
+              </a:solidFill>
+              <a:latin typeface="돋움"/>
+              <a:ea typeface="돋움"/>
+              <a:cs typeface="돋움"/>
+            </a:endParaRPr>
+          </a:p>
+          <a:p>
+            <a:pPr>
+              <a:lnSpc>
+                <a:spcPct val="160000"/>
+              </a:lnSpc>
+              <a:spcBef>
+                <a:spcPts val="0"/>
+              </a:spcBef>
+              <a:spcAft>
+                <a:spcPts val="0"/>
+              </a:spcAft>
+              <a:defRPr/>
+            </a:pPr>
+            <a:r>
+              <a:rPr xmlns:mc="http://schemas.openxmlformats.org/markup-compatibility/2006" xmlns:hp="http://schemas.haansoft.com/office/presentation/8.0" b="0" i="0" u="none" strike="noStrike" mc:Ignorable="hp" hp:hslEmbossed="0">
+                <a:solidFill>
+                  <a:srgbClr val="000000"/>
+                </a:solidFill>
+                <a:latin typeface="돋움"/>
+                <a:ea typeface="돋움"/>
+                <a:cs typeface="돋움"/>
+              </a:rPr>
+              <a:t>이로써 사용자는 가운데 </a:t>
+            </a:r>
+            <a:r>
+              <a:rPr xmlns:mc="http://schemas.openxmlformats.org/markup-compatibility/2006" xmlns:hp="http://schemas.haansoft.com/office/presentation/8.0" lang="EN-US" b="0" i="0" u="none" strike="noStrike" mc:Ignorable="hp" hp:hslEmbossed="0">
+                <a:solidFill>
+                  <a:srgbClr val="000000"/>
+                </a:solidFill>
+                <a:latin typeface="돋움"/>
+                <a:ea typeface="돋움"/>
+                <a:cs typeface="돋움"/>
+              </a:rPr>
               <a:t>Main UI</a:t>
             </a:r>
             <a:r>
-              <a:rPr lang="ko-KR" altLang="en-US"/>
-              <a:t>의 가운데에는 </a:t>
-            </a:r>
-            <a:r>
-              <a:rPr lang="en-US" altLang="ko-KR"/>
-              <a:t>Wafer</a:t>
-            </a:r>
-            <a:r>
-              <a:rPr lang="ko-KR" altLang="en-US"/>
-              <a:t>의 상태에 따라 색만 변화하는 모습만으로는 부족해보여 </a:t>
-            </a:r>
-            <a:r>
-              <a:rPr lang="en-US" altLang="ko-KR"/>
-              <a:t>PPT</a:t>
-            </a:r>
-            <a:r>
-              <a:rPr lang="ko-KR" altLang="en-US"/>
-              <a:t>를 통해 만든 그림들을 통하여 </a:t>
-            </a:r>
-            <a:r>
-              <a:rPr lang="en-US" altLang="ko-KR"/>
-              <a:t>Wafer</a:t>
-            </a:r>
-            <a:r>
-              <a:rPr lang="ko-KR" altLang="en-US"/>
-              <a:t>의 현재 상태와 이동경로를 </a:t>
+              <a:rPr xmlns:mc="http://schemas.openxmlformats.org/markup-compatibility/2006" xmlns:hp="http://schemas.haansoft.com/office/presentation/8.0" b="0" i="0" u="none" strike="noStrike" mc:Ignorable="hp" hp:hslEmbossed="0">
+                <a:solidFill>
+                  <a:srgbClr val="000000"/>
+                </a:solidFill>
+                <a:latin typeface="돋움"/>
+                <a:ea typeface="돋움"/>
+                <a:cs typeface="돋움"/>
+              </a:rPr>
+              <a:t>를 통해 전체적인 장비 상황을 파악할수 있고 좌우의 </a:t>
+            </a:r>
+            <a:r>
+              <a:rPr xmlns:mc="http://schemas.openxmlformats.org/markup-compatibility/2006" xmlns:hp="http://schemas.haansoft.com/office/presentation/8.0" lang="EN-US" b="0" i="0" u="none" strike="noStrike" mc:Ignorable="hp" hp:hslEmbossed="0">
+                <a:solidFill>
+                  <a:srgbClr val="000000"/>
+                </a:solidFill>
+                <a:latin typeface="돋움"/>
+                <a:ea typeface="돋움"/>
+                <a:cs typeface="돋움"/>
+              </a:rPr>
+              <a:t>GDI</a:t>
+            </a:r>
+            <a:r>
+              <a:rPr xmlns:mc="http://schemas.openxmlformats.org/markup-compatibility/2006" xmlns:hp="http://schemas.haansoft.com/office/presentation/8.0" b="0" i="0" u="none" strike="noStrike" mc:Ignorable="hp" hp:hslEmbossed="0">
+                <a:solidFill>
+                  <a:srgbClr val="000000"/>
+                </a:solidFill>
+                <a:latin typeface="돋움"/>
+                <a:ea typeface="돋움"/>
+                <a:cs typeface="돋움"/>
+              </a:rPr>
+              <a:t>를 통해 개별적인 모듈 상황을 볼수 있습니다</a:t>
+            </a:r>
+            <a:r>
+              <a:rPr xmlns:mc="http://schemas.openxmlformats.org/markup-compatibility/2006" xmlns:hp="http://schemas.haansoft.com/office/presentation/8.0" lang="EN-US" b="0" i="0" u="none" strike="noStrike" mc:Ignorable="hp" hp:hslEmbossed="0">
+                <a:solidFill>
+                  <a:srgbClr val="000000"/>
+                </a:solidFill>
+                <a:latin typeface="돋움"/>
+                <a:ea typeface="돋움"/>
+                <a:cs typeface="돋움"/>
+              </a:rPr>
+              <a:t>.</a:t>
             </a:r>
             <a:endParaRPr lang="ko-KR" altLang="en-US"/>
           </a:p>
@@ -940,6 +1401,1056 @@
 </file>
 
 <file path=ppt/notesSlides/notesSlide11.xml><?xml version="1.0" encoding="utf-8"?>
+<p:notes xmlns:r="http://schemas.openxmlformats.org/officeDocument/2006/relationships" xmlns:c="http://schemas.openxmlformats.org/drawingml/2006/chart" xmlns:a="http://schemas.openxmlformats.org/drawingml/2006/main" xmlns:dgm="http://schemas.openxmlformats.org/drawingml/2006/diagram" xmlns:dsp="http://schemas.microsoft.com/office/drawing/2008/diagram" xmlns:p="http://schemas.openxmlformats.org/presentationml/2006/main">
+  <p:cSld>
+    <p:spTree>
+      <p:nvGrpSpPr>
+        <p:cNvPr id="1" name=""/>
+        <p:cNvGrpSpPr/>
+        <p:nvPr/>
+      </p:nvGrpSpPr>
+      <p:grpSpPr>
+        <a:xfrm>
+          <a:off x="0" y="0"/>
+          <a:ext cx="0" cy="0"/>
+          <a:chOff x="0" y="0"/>
+          <a:chExt cx="0" cy="0"/>
+        </a:xfrm>
+      </p:grpSpPr>
+      <p:sp>
+        <p:nvSpPr>
+          <p:cNvPr id="2" name="슬라이드 이미지 개체 틀 3"/>
+          <p:cNvSpPr>
+            <a:spLocks noGrp="1" noRot="1" noChangeAspect="1" noTextEdit="1"/>
+          </p:cNvSpPr>
+          <p:nvPr>
+            <p:ph type="sldImg" idx="2"/>
+          </p:nvPr>
+        </p:nvSpPr>
+        <p:spPr/>
+        <p:txBody>
+          <a:bodyPr/>
+          <a:lstStyle/>
+          <a:p>
+            <a:pPr>
+              <a:defRPr/>
+            </a:pPr>
+            <a:endParaRPr lang="ko-KR" altLang="en-US"/>
+          </a:p>
+        </p:txBody>
+      </p:sp>
+      <p:sp>
+        <p:nvSpPr>
+          <p:cNvPr id="3" name="슬라이드 노트 개체 틀 4"/>
+          <p:cNvSpPr>
+            <a:spLocks noGrp="1"/>
+          </p:cNvSpPr>
+          <p:nvPr>
+            <p:ph type="body" sz="quarter" idx="3"/>
+          </p:nvPr>
+        </p:nvSpPr>
+        <p:spPr/>
+        <p:txBody>
+          <a:bodyPr/>
+          <a:lstStyle/>
+          <a:p>
+            <a:pPr>
+              <a:lnSpc>
+                <a:spcPct val="160000"/>
+              </a:lnSpc>
+              <a:spcBef>
+                <a:spcPts val="0"/>
+              </a:spcBef>
+              <a:spcAft>
+                <a:spcPts val="0"/>
+              </a:spcAft>
+              <a:defRPr/>
+            </a:pPr>
+            <a:r>
+              <a:rPr xmlns:mc="http://schemas.openxmlformats.org/markup-compatibility/2006" xmlns:hp="http://schemas.haansoft.com/office/presentation/8.0" b="0" i="0" u="none" strike="noStrike" mc:Ignorable="hp" hp:hslEmbossed="0">
+                <a:solidFill>
+                  <a:srgbClr val="000000"/>
+                </a:solidFill>
+                <a:latin typeface="돋움"/>
+                <a:ea typeface="돋움"/>
+                <a:cs typeface="돋움"/>
+              </a:rPr>
+              <a:t>다음은 증착 공정 등 실제 공정이 이루어지는 프로세스 모듈입니다</a:t>
+            </a:r>
+            <a:r>
+              <a:rPr xmlns:mc="http://schemas.openxmlformats.org/markup-compatibility/2006" xmlns:hp="http://schemas.haansoft.com/office/presentation/8.0" lang="EN-US" b="0" i="0" u="none" strike="noStrike" mc:Ignorable="hp" hp:hslEmbossed="0">
+                <a:solidFill>
+                  <a:srgbClr val="000000"/>
+                </a:solidFill>
+                <a:latin typeface="돋움"/>
+                <a:ea typeface="돋움"/>
+                <a:cs typeface="돋움"/>
+              </a:rPr>
+              <a:t>.</a:t>
+            </a:r>
+            <a:endParaRPr xmlns:mc="http://schemas.openxmlformats.org/markup-compatibility/2006" xmlns:hp="http://schemas.haansoft.com/office/presentation/8.0" lang="EN-US" b="0" i="0" u="none" strike="noStrike" mc:Ignorable="hp" hp:hslEmbossed="0">
+              <a:solidFill>
+                <a:srgbClr val="000000"/>
+              </a:solidFill>
+              <a:latin typeface="돋움"/>
+              <a:ea typeface="돋움"/>
+              <a:cs typeface="돋움"/>
+            </a:endParaRPr>
+          </a:p>
+          <a:p>
+            <a:pPr>
+              <a:lnSpc>
+                <a:spcPct val="160000"/>
+              </a:lnSpc>
+              <a:spcBef>
+                <a:spcPts val="0"/>
+              </a:spcBef>
+              <a:spcAft>
+                <a:spcPts val="0"/>
+              </a:spcAft>
+              <a:defRPr/>
+            </a:pPr>
+            <a:r>
+              <a:rPr xmlns:mc="http://schemas.openxmlformats.org/markup-compatibility/2006" xmlns:hp="http://schemas.haansoft.com/office/presentation/8.0" b="0" i="0" u="none" strike="noStrike" mc:Ignorable="hp" hp:hslEmbossed="0">
+                <a:solidFill>
+                  <a:srgbClr val="000000"/>
+                </a:solidFill>
+                <a:latin typeface="돋움"/>
+                <a:ea typeface="돋움"/>
+                <a:cs typeface="돋움"/>
+              </a:rPr>
+              <a:t>해당 모듈도 마찬가지로 사용자가 슬롯 개수 및 모듈 개수를 범용으로 사용할 수 있도록 구현하였습니다</a:t>
+            </a:r>
+            <a:r>
+              <a:rPr xmlns:mc="http://schemas.openxmlformats.org/markup-compatibility/2006" xmlns:hp="http://schemas.haansoft.com/office/presentation/8.0" lang="EN-US" b="0" i="0" u="none" strike="noStrike" mc:Ignorable="hp" hp:hslEmbossed="0">
+                <a:solidFill>
+                  <a:srgbClr val="000000"/>
+                </a:solidFill>
+                <a:latin typeface="돋움"/>
+                <a:ea typeface="돋움"/>
+                <a:cs typeface="돋움"/>
+              </a:rPr>
+              <a:t>.</a:t>
+            </a:r>
+            <a:endParaRPr xmlns:mc="http://schemas.openxmlformats.org/markup-compatibility/2006" xmlns:hp="http://schemas.haansoft.com/office/presentation/8.0" lang="EN-US" b="0" i="0" u="none" strike="noStrike" mc:Ignorable="hp" hp:hslEmbossed="0">
+              <a:solidFill>
+                <a:srgbClr val="000000"/>
+              </a:solidFill>
+              <a:latin typeface="돋움"/>
+              <a:ea typeface="돋움"/>
+              <a:cs typeface="돋움"/>
+            </a:endParaRPr>
+          </a:p>
+          <a:p>
+            <a:pPr>
+              <a:lnSpc>
+                <a:spcPct val="160000"/>
+              </a:lnSpc>
+              <a:spcBef>
+                <a:spcPts val="0"/>
+              </a:spcBef>
+              <a:spcAft>
+                <a:spcPts val="0"/>
+              </a:spcAft>
+              <a:defRPr/>
+            </a:pPr>
+            <a:r>
+              <a:rPr xmlns:mc="http://schemas.openxmlformats.org/markup-compatibility/2006" xmlns:hp="http://schemas.haansoft.com/office/presentation/8.0" b="0" i="0" u="none" strike="noStrike" mc:Ignorable="hp" hp:hslEmbossed="0">
+                <a:solidFill>
+                  <a:srgbClr val="000000"/>
+                </a:solidFill>
+                <a:latin typeface="돋움"/>
+                <a:ea typeface="돋움"/>
+                <a:cs typeface="돋움"/>
+              </a:rPr>
+              <a:t>프로세스 모듈의 개수는 </a:t>
+            </a:r>
+            <a:r>
+              <a:rPr xmlns:mc="http://schemas.openxmlformats.org/markup-compatibility/2006" xmlns:hp="http://schemas.haansoft.com/office/presentation/8.0" lang="EN-US" b="0" i="0" u="none" strike="noStrike" mc:Ignorable="hp" hp:hslEmbossed="0">
+                <a:solidFill>
+                  <a:srgbClr val="000000"/>
+                </a:solidFill>
+                <a:latin typeface="돋움"/>
+                <a:ea typeface="돋움"/>
+                <a:cs typeface="돋움"/>
+              </a:rPr>
+              <a:t>1</a:t>
+            </a:r>
+            <a:r>
+              <a:rPr xmlns:mc="http://schemas.openxmlformats.org/markup-compatibility/2006" xmlns:hp="http://schemas.haansoft.com/office/presentation/8.0" b="0" i="0" u="none" strike="noStrike" mc:Ignorable="hp" hp:hslEmbossed="0">
+                <a:solidFill>
+                  <a:srgbClr val="000000"/>
+                </a:solidFill>
+                <a:latin typeface="돋움"/>
+                <a:ea typeface="돋움"/>
+                <a:cs typeface="돋움"/>
+              </a:rPr>
+              <a:t>개부터 최대 </a:t>
+            </a:r>
+            <a:r>
+              <a:rPr xmlns:mc="http://schemas.openxmlformats.org/markup-compatibility/2006" xmlns:hp="http://schemas.haansoft.com/office/presentation/8.0" lang="EN-US" b="0" i="0" u="none" strike="noStrike" mc:Ignorable="hp" hp:hslEmbossed="0">
+                <a:solidFill>
+                  <a:srgbClr val="000000"/>
+                </a:solidFill>
+                <a:latin typeface="돋움"/>
+                <a:ea typeface="돋움"/>
+                <a:cs typeface="돋움"/>
+              </a:rPr>
+              <a:t>6</a:t>
+            </a:r>
+            <a:r>
+              <a:rPr xmlns:mc="http://schemas.openxmlformats.org/markup-compatibility/2006" xmlns:hp="http://schemas.haansoft.com/office/presentation/8.0" b="0" i="0" u="none" strike="noStrike" mc:Ignorable="hp" hp:hslEmbossed="0">
+                <a:solidFill>
+                  <a:srgbClr val="000000"/>
+                </a:solidFill>
+                <a:latin typeface="돋움"/>
+                <a:ea typeface="돋움"/>
+                <a:cs typeface="돋움"/>
+              </a:rPr>
+              <a:t>개까지</a:t>
+            </a:r>
+            <a:r>
+              <a:rPr xmlns:mc="http://schemas.openxmlformats.org/markup-compatibility/2006" xmlns:hp="http://schemas.haansoft.com/office/presentation/8.0" lang="EN-US" b="0" i="0" u="none" strike="noStrike" mc:Ignorable="hp" hp:hslEmbossed="0">
+                <a:solidFill>
+                  <a:srgbClr val="000000"/>
+                </a:solidFill>
+                <a:latin typeface="돋움"/>
+                <a:ea typeface="돋움"/>
+                <a:cs typeface="돋움"/>
+              </a:rPr>
+              <a:t>, (</a:t>
+            </a:r>
+            <a:r>
+              <a:rPr xmlns:mc="http://schemas.openxmlformats.org/markup-compatibility/2006" xmlns:hp="http://schemas.haansoft.com/office/presentation/8.0" b="0" i="0" u="none" strike="noStrike" mc:Ignorable="hp" hp:hslEmbossed="0">
+                <a:solidFill>
+                  <a:srgbClr val="000000"/>
+                </a:solidFill>
+                <a:latin typeface="돋움"/>
+                <a:ea typeface="돋움"/>
+                <a:cs typeface="돋움"/>
+              </a:rPr>
+              <a:t>한 번 쉬고</a:t>
+            </a:r>
+            <a:r>
+              <a:rPr xmlns:mc="http://schemas.openxmlformats.org/markup-compatibility/2006" xmlns:hp="http://schemas.haansoft.com/office/presentation/8.0" lang="EN-US" b="0" i="0" u="none" strike="noStrike" mc:Ignorable="hp" hp:hslEmbossed="0">
+                <a:solidFill>
+                  <a:srgbClr val="000000"/>
+                </a:solidFill>
+                <a:latin typeface="돋움"/>
+                <a:ea typeface="돋움"/>
+                <a:cs typeface="돋움"/>
+              </a:rPr>
+              <a:t>) </a:t>
+            </a:r>
+            <a:r>
+              <a:rPr xmlns:mc="http://schemas.openxmlformats.org/markup-compatibility/2006" xmlns:hp="http://schemas.haansoft.com/office/presentation/8.0" b="0" i="0" u="none" strike="noStrike" mc:Ignorable="hp" hp:hslEmbossed="0">
+                <a:solidFill>
+                  <a:srgbClr val="000000"/>
+                </a:solidFill>
+                <a:latin typeface="돋움"/>
+                <a:ea typeface="돋움"/>
+                <a:cs typeface="돋움"/>
+              </a:rPr>
+              <a:t>모듈별 슬롯의 개수는 </a:t>
+            </a:r>
+            <a:r>
+              <a:rPr xmlns:mc="http://schemas.openxmlformats.org/markup-compatibility/2006" xmlns:hp="http://schemas.haansoft.com/office/presentation/8.0" lang="EN-US" b="0" i="0" u="none" strike="noStrike" mc:Ignorable="hp" hp:hslEmbossed="0">
+                <a:solidFill>
+                  <a:srgbClr val="000000"/>
+                </a:solidFill>
+                <a:latin typeface="돋움"/>
+                <a:ea typeface="돋움"/>
+                <a:cs typeface="돋움"/>
+              </a:rPr>
+              <a:t>1</a:t>
+            </a:r>
+            <a:r>
+              <a:rPr xmlns:mc="http://schemas.openxmlformats.org/markup-compatibility/2006" xmlns:hp="http://schemas.haansoft.com/office/presentation/8.0" b="0" i="0" u="none" strike="noStrike" mc:Ignorable="hp" hp:hslEmbossed="0">
+                <a:solidFill>
+                  <a:srgbClr val="000000"/>
+                </a:solidFill>
+                <a:latin typeface="돋움"/>
+                <a:ea typeface="돋움"/>
+                <a:cs typeface="돋움"/>
+              </a:rPr>
+              <a:t>개부터 최대 </a:t>
+            </a:r>
+            <a:r>
+              <a:rPr xmlns:mc="http://schemas.openxmlformats.org/markup-compatibility/2006" xmlns:hp="http://schemas.haansoft.com/office/presentation/8.0" lang="EN-US" b="0" i="0" u="none" strike="noStrike" mc:Ignorable="hp" hp:hslEmbossed="0">
+                <a:solidFill>
+                  <a:srgbClr val="000000"/>
+                </a:solidFill>
+                <a:latin typeface="돋움"/>
+                <a:ea typeface="돋움"/>
+                <a:cs typeface="돋움"/>
+              </a:rPr>
+              <a:t>6</a:t>
+            </a:r>
+            <a:r>
+              <a:rPr xmlns:mc="http://schemas.openxmlformats.org/markup-compatibility/2006" xmlns:hp="http://schemas.haansoft.com/office/presentation/8.0" b="0" i="0" u="none" strike="noStrike" mc:Ignorable="hp" hp:hslEmbossed="0">
+                <a:solidFill>
+                  <a:srgbClr val="000000"/>
+                </a:solidFill>
+                <a:latin typeface="돋움"/>
+                <a:ea typeface="돋움"/>
+                <a:cs typeface="돋움"/>
+              </a:rPr>
+              <a:t>개까지 설정할 수 있습니다</a:t>
+            </a:r>
+            <a:r>
+              <a:rPr xmlns:mc="http://schemas.openxmlformats.org/markup-compatibility/2006" xmlns:hp="http://schemas.haansoft.com/office/presentation/8.0" lang="EN-US" b="0" i="0" u="none" strike="noStrike" mc:Ignorable="hp" hp:hslEmbossed="0">
+                <a:solidFill>
+                  <a:srgbClr val="000000"/>
+                </a:solidFill>
+                <a:latin typeface="돋움"/>
+                <a:ea typeface="돋움"/>
+                <a:cs typeface="돋움"/>
+              </a:rPr>
+              <a:t>.</a:t>
+            </a:r>
+            <a:endParaRPr xmlns:mc="http://schemas.openxmlformats.org/markup-compatibility/2006" xmlns:hp="http://schemas.haansoft.com/office/presentation/8.0" lang="EN-US" b="0" i="0" u="none" strike="noStrike" mc:Ignorable="hp" hp:hslEmbossed="0">
+              <a:solidFill>
+                <a:srgbClr val="000000"/>
+              </a:solidFill>
+              <a:latin typeface="돋움"/>
+              <a:ea typeface="돋움"/>
+              <a:cs typeface="돋움"/>
+            </a:endParaRPr>
+          </a:p>
+          <a:p>
+            <a:pPr>
+              <a:lnSpc>
+                <a:spcPct val="160000"/>
+              </a:lnSpc>
+              <a:spcBef>
+                <a:spcPts val="0"/>
+              </a:spcBef>
+              <a:spcAft>
+                <a:spcPts val="0"/>
+              </a:spcAft>
+              <a:defRPr/>
+            </a:pPr>
+            <a:r>
+              <a:rPr xmlns:mc="http://schemas.openxmlformats.org/markup-compatibility/2006" xmlns:hp="http://schemas.haansoft.com/office/presentation/8.0" b="0" i="0" u="none" strike="noStrike" mc:Ignorable="hp" hp:hslEmbossed="0">
+                <a:solidFill>
+                  <a:srgbClr val="000000"/>
+                </a:solidFill>
+                <a:latin typeface="돋움"/>
+                <a:ea typeface="돋움"/>
+                <a:cs typeface="돋움"/>
+              </a:rPr>
+              <a:t>두 그림 중 오른쪽 그림에서 차례로 </a:t>
+            </a:r>
+            <a:r>
+              <a:rPr xmlns:mc="http://schemas.openxmlformats.org/markup-compatibility/2006" xmlns:hp="http://schemas.haansoft.com/office/presentation/8.0" lang="EN-US" b="0" i="0" u="none" strike="noStrike" mc:Ignorable="hp" hp:hslEmbossed="0">
+                <a:solidFill>
+                  <a:srgbClr val="000000"/>
+                </a:solidFill>
+                <a:latin typeface="돋움"/>
+                <a:ea typeface="돋움"/>
+                <a:cs typeface="돋움"/>
+              </a:rPr>
+              <a:t>‘NUM’ </a:t>
+            </a:r>
+            <a:r>
+              <a:rPr xmlns:mc="http://schemas.openxmlformats.org/markup-compatibility/2006" xmlns:hp="http://schemas.haansoft.com/office/presentation/8.0" b="0" i="0" u="none" strike="noStrike" mc:Ignorable="hp" hp:hslEmbossed="0">
+                <a:solidFill>
+                  <a:srgbClr val="000000"/>
+                </a:solidFill>
+                <a:latin typeface="돋움"/>
+                <a:ea typeface="돋움"/>
+                <a:cs typeface="돋움"/>
+              </a:rPr>
+              <a:t>은 사용자가 설정한 슬롯 개수와 현재 모듈에 투입된 웨이퍼의 개수를 표현하였습니다</a:t>
+            </a:r>
+            <a:r>
+              <a:rPr xmlns:mc="http://schemas.openxmlformats.org/markup-compatibility/2006" xmlns:hp="http://schemas.haansoft.com/office/presentation/8.0" lang="EN-US" b="0" i="0" u="none" strike="noStrike" mc:Ignorable="hp" hp:hslEmbossed="0">
+                <a:solidFill>
+                  <a:srgbClr val="000000"/>
+                </a:solidFill>
+                <a:latin typeface="돋움"/>
+                <a:ea typeface="돋움"/>
+                <a:cs typeface="돋움"/>
+              </a:rPr>
+              <a:t>.</a:t>
+            </a:r>
+            <a:endParaRPr xmlns:mc="http://schemas.openxmlformats.org/markup-compatibility/2006" xmlns:hp="http://schemas.haansoft.com/office/presentation/8.0" lang="EN-US" b="0" i="0" u="none" strike="noStrike" mc:Ignorable="hp" hp:hslEmbossed="0">
+              <a:solidFill>
+                <a:srgbClr val="000000"/>
+              </a:solidFill>
+              <a:latin typeface="돋움"/>
+              <a:ea typeface="돋움"/>
+              <a:cs typeface="돋움"/>
+            </a:endParaRPr>
+          </a:p>
+          <a:p>
+            <a:pPr>
+              <a:lnSpc>
+                <a:spcPct val="160000"/>
+              </a:lnSpc>
+              <a:spcBef>
+                <a:spcPts val="0"/>
+              </a:spcBef>
+              <a:spcAft>
+                <a:spcPts val="0"/>
+              </a:spcAft>
+              <a:defRPr/>
+            </a:pPr>
+            <a:r>
+              <a:rPr xmlns:mc="http://schemas.openxmlformats.org/markup-compatibility/2006" xmlns:hp="http://schemas.haansoft.com/office/presentation/8.0" b="0" i="0" u="none" strike="noStrike" mc:Ignorable="hp" hp:hslEmbossed="0">
+                <a:solidFill>
+                  <a:srgbClr val="000000"/>
+                </a:solidFill>
+                <a:latin typeface="돋움"/>
+                <a:ea typeface="돋움"/>
+                <a:cs typeface="돋움"/>
+              </a:rPr>
+              <a:t>바로 옆에 </a:t>
+            </a:r>
+            <a:r>
+              <a:rPr xmlns:mc="http://schemas.openxmlformats.org/markup-compatibility/2006" xmlns:hp="http://schemas.haansoft.com/office/presentation/8.0" lang="EN-US" b="0" i="0" u="none" strike="noStrike" mc:Ignorable="hp" hp:hslEmbossed="0">
+                <a:solidFill>
+                  <a:srgbClr val="000000"/>
+                </a:solidFill>
+                <a:latin typeface="돋움"/>
+                <a:ea typeface="돋움"/>
+                <a:cs typeface="돋움"/>
+              </a:rPr>
+              <a:t>‘TOTAL’</a:t>
+            </a:r>
+            <a:r>
+              <a:rPr xmlns:mc="http://schemas.openxmlformats.org/markup-compatibility/2006" xmlns:hp="http://schemas.haansoft.com/office/presentation/8.0" b="0" i="0" u="none" strike="noStrike" mc:Ignorable="hp" hp:hslEmbossed="0">
+                <a:solidFill>
+                  <a:srgbClr val="000000"/>
+                </a:solidFill>
+                <a:latin typeface="돋움"/>
+                <a:ea typeface="돋움"/>
+                <a:cs typeface="돋움"/>
+              </a:rPr>
+              <a:t>의 경우 해당 프로세스 모듈에서 공정을 완료한 웨이퍼의 총개수를 의미합니다</a:t>
+            </a:r>
+            <a:r>
+              <a:rPr xmlns:mc="http://schemas.openxmlformats.org/markup-compatibility/2006" xmlns:hp="http://schemas.haansoft.com/office/presentation/8.0" lang="EN-US" b="0" i="0" u="none" strike="noStrike" mc:Ignorable="hp" hp:hslEmbossed="0">
+                <a:solidFill>
+                  <a:srgbClr val="000000"/>
+                </a:solidFill>
+                <a:latin typeface="돋움"/>
+                <a:ea typeface="돋움"/>
+                <a:cs typeface="돋움"/>
+              </a:rPr>
+              <a:t>.</a:t>
+            </a:r>
+            <a:endParaRPr xmlns:mc="http://schemas.openxmlformats.org/markup-compatibility/2006" xmlns:hp="http://schemas.haansoft.com/office/presentation/8.0" lang="EN-US" b="0" i="0" u="none" strike="noStrike" mc:Ignorable="hp" hp:hslEmbossed="0">
+              <a:solidFill>
+                <a:srgbClr val="000000"/>
+              </a:solidFill>
+              <a:latin typeface="돋움"/>
+              <a:ea typeface="돋움"/>
+              <a:cs typeface="돋움"/>
+            </a:endParaRPr>
+          </a:p>
+          <a:p>
+            <a:pPr>
+              <a:lnSpc>
+                <a:spcPct val="160000"/>
+              </a:lnSpc>
+              <a:spcBef>
+                <a:spcPts val="0"/>
+              </a:spcBef>
+              <a:spcAft>
+                <a:spcPts val="0"/>
+              </a:spcAft>
+              <a:defRPr/>
+            </a:pPr>
+            <a:r>
+              <a:rPr xmlns:mc="http://schemas.openxmlformats.org/markup-compatibility/2006" xmlns:hp="http://schemas.haansoft.com/office/presentation/8.0" b="0" i="0" u="none" strike="noStrike" mc:Ignorable="hp" hp:hslEmbossed="0">
+                <a:solidFill>
+                  <a:srgbClr val="000000"/>
+                </a:solidFill>
+                <a:latin typeface="돋움"/>
+                <a:ea typeface="돋움"/>
+                <a:cs typeface="돋움"/>
+              </a:rPr>
+              <a:t>다음으로 라디오 버튼을 통해 해당 모듈이 현재 공정을 진행 중인가 혹은 </a:t>
+            </a:r>
+            <a:r>
+              <a:rPr xmlns:mc="http://schemas.openxmlformats.org/markup-compatibility/2006" xmlns:hp="http://schemas.haansoft.com/office/presentation/8.0" lang="EN-US" b="0" i="0" u="none" strike="noStrike" mc:Ignorable="hp" hp:hslEmbossed="0">
+                <a:solidFill>
+                  <a:srgbClr val="000000"/>
+                </a:solidFill>
+                <a:latin typeface="돋움"/>
+                <a:ea typeface="돋움"/>
+                <a:cs typeface="돋움"/>
+              </a:rPr>
+              <a:t>Clean job</a:t>
+            </a:r>
+            <a:r>
+              <a:rPr xmlns:mc="http://schemas.openxmlformats.org/markup-compatibility/2006" xmlns:hp="http://schemas.haansoft.com/office/presentation/8.0" b="0" i="0" u="none" strike="noStrike" mc:Ignorable="hp" hp:hslEmbossed="0">
+                <a:solidFill>
+                  <a:srgbClr val="000000"/>
+                </a:solidFill>
+                <a:latin typeface="돋움"/>
+                <a:ea typeface="돋움"/>
+                <a:cs typeface="돋움"/>
+              </a:rPr>
+              <a:t>을 진행 중인가를 확인할 수 있습니다</a:t>
+            </a:r>
+            <a:r>
+              <a:rPr xmlns:mc="http://schemas.openxmlformats.org/markup-compatibility/2006" xmlns:hp="http://schemas.haansoft.com/office/presentation/8.0" lang="EN-US" b="0" i="0" u="none" strike="noStrike" mc:Ignorable="hp" hp:hslEmbossed="0">
+                <a:solidFill>
+                  <a:srgbClr val="000000"/>
+                </a:solidFill>
+                <a:latin typeface="돋움"/>
+                <a:ea typeface="돋움"/>
+                <a:cs typeface="돋움"/>
+              </a:rPr>
+              <a:t>.</a:t>
+            </a:r>
+            <a:endParaRPr xmlns:mc="http://schemas.openxmlformats.org/markup-compatibility/2006" xmlns:hp="http://schemas.haansoft.com/office/presentation/8.0" lang="EN-US" b="0" i="0" u="none" strike="noStrike" mc:Ignorable="hp" hp:hslEmbossed="0">
+              <a:solidFill>
+                <a:srgbClr val="000000"/>
+              </a:solidFill>
+              <a:latin typeface="돋움"/>
+              <a:ea typeface="돋움"/>
+              <a:cs typeface="돋움"/>
+            </a:endParaRPr>
+          </a:p>
+          <a:p>
+            <a:pPr>
+              <a:lnSpc>
+                <a:spcPct val="160000"/>
+              </a:lnSpc>
+              <a:spcBef>
+                <a:spcPts val="0"/>
+              </a:spcBef>
+              <a:spcAft>
+                <a:spcPts val="0"/>
+              </a:spcAft>
+              <a:defRPr/>
+            </a:pPr>
+            <a:r>
+              <a:rPr xmlns:mc="http://schemas.openxmlformats.org/markup-compatibility/2006" xmlns:hp="http://schemas.haansoft.com/office/presentation/8.0" b="0" i="0" u="none" strike="noStrike" mc:Ignorable="hp" hp:hslEmbossed="0">
+                <a:solidFill>
+                  <a:srgbClr val="000000"/>
+                </a:solidFill>
+                <a:latin typeface="돋움"/>
+                <a:ea typeface="돋움"/>
+                <a:cs typeface="돋움"/>
+              </a:rPr>
+              <a:t>마지막으로 프로그레스 컨트롤과 이를 수치로 보여주며</a:t>
+            </a:r>
+            <a:r>
+              <a:rPr xmlns:mc="http://schemas.openxmlformats.org/markup-compatibility/2006" xmlns:hp="http://schemas.haansoft.com/office/presentation/8.0" lang="EN-US" b="0" i="0" u="none" strike="noStrike" mc:Ignorable="hp" hp:hslEmbossed="0">
+                <a:solidFill>
+                  <a:srgbClr val="000000"/>
+                </a:solidFill>
+                <a:latin typeface="돋움"/>
+                <a:ea typeface="돋움"/>
+                <a:cs typeface="돋움"/>
+              </a:rPr>
+              <a:t>,</a:t>
+            </a:r>
+            <a:r>
+              <a:rPr xmlns:mc="http://schemas.openxmlformats.org/markup-compatibility/2006" xmlns:hp="http://schemas.haansoft.com/office/presentation/8.0" b="0" i="0" u="none" strike="noStrike" mc:Ignorable="hp" hp:hslEmbossed="0">
+                <a:solidFill>
+                  <a:srgbClr val="000000"/>
+                </a:solidFill>
+                <a:latin typeface="돋움"/>
+                <a:ea typeface="돋움"/>
+                <a:cs typeface="돋움"/>
+              </a:rPr>
+              <a:t>해당 모듈의 공정 진행 상황을 직관적으로 확인할 수 있도록 설계하였습니다</a:t>
+            </a:r>
+            <a:r>
+              <a:rPr xmlns:mc="http://schemas.openxmlformats.org/markup-compatibility/2006" xmlns:hp="http://schemas.haansoft.com/office/presentation/8.0" lang="EN-US" b="0" i="0" u="none" strike="noStrike" mc:Ignorable="hp" hp:hslEmbossed="0">
+                <a:solidFill>
+                  <a:srgbClr val="000000"/>
+                </a:solidFill>
+                <a:latin typeface="돋움"/>
+                <a:ea typeface="돋움"/>
+                <a:cs typeface="돋움"/>
+              </a:rPr>
+              <a:t>.</a:t>
+            </a:r>
+            <a:endParaRPr lang="ko-KR" altLang="en-US"/>
+          </a:p>
+        </p:txBody>
+      </p:sp>
+      <p:sp>
+        <p:nvSpPr>
+          <p:cNvPr id="4" name="슬라이드 번호 개체 틀 6"/>
+          <p:cNvSpPr>
+            <a:spLocks noGrp="1"/>
+          </p:cNvSpPr>
+          <p:nvPr>
+            <p:ph type="sldNum" sz="quarter" idx="5"/>
+          </p:nvPr>
+        </p:nvSpPr>
+        <p:spPr/>
+        <p:txBody>
+          <a:bodyPr/>
+          <a:lstStyle/>
+          <a:p>
+            <a:pPr lvl="0">
+              <a:defRPr/>
+            </a:pPr>
+            <a:fld id="{09F4262C-968C-4EE9-8164-CE16364706B3}" type="slidenum">
+              <a:rPr lang="en-US" altLang="en-US"/>
+              <a:pPr lvl="0">
+                <a:defRPr/>
+              </a:pPr>
+              <a:t>12</a:t>
+            </a:fld>
+            <a:endParaRPr lang="en-US" altLang="en-US"/>
+          </a:p>
+        </p:txBody>
+      </p:sp>
+    </p:spTree>
+  </p:cSld>
+  <p:clrMapOvr>
+    <a:masterClrMapping/>
+  </p:clrMapOvr>
+</p:notes>
+</file>
+
+<file path=ppt/notesSlides/notesSlide12.xml><?xml version="1.0" encoding="utf-8"?>
+<p:notes xmlns:r="http://schemas.openxmlformats.org/officeDocument/2006/relationships" xmlns:c="http://schemas.openxmlformats.org/drawingml/2006/chart" xmlns:a="http://schemas.openxmlformats.org/drawingml/2006/main" xmlns:dgm="http://schemas.openxmlformats.org/drawingml/2006/diagram" xmlns:dsp="http://schemas.microsoft.com/office/drawing/2008/diagram" xmlns:p="http://schemas.openxmlformats.org/presentationml/2006/main">
+  <p:cSld>
+    <p:spTree>
+      <p:nvGrpSpPr>
+        <p:cNvPr id="1" name=""/>
+        <p:cNvGrpSpPr/>
+        <p:nvPr/>
+      </p:nvGrpSpPr>
+      <p:grpSpPr>
+        <a:xfrm>
+          <a:off x="0" y="0"/>
+          <a:ext cx="0" cy="0"/>
+          <a:chOff x="0" y="0"/>
+          <a:chExt cx="0" cy="0"/>
+        </a:xfrm>
+      </p:grpSpPr>
+      <p:sp>
+        <p:nvSpPr>
+          <p:cNvPr id="2" name="슬라이드 이미지 개체 틀 3"/>
+          <p:cNvSpPr>
+            <a:spLocks noGrp="1" noRot="1" noChangeAspect="1" noTextEdit="1"/>
+          </p:cNvSpPr>
+          <p:nvPr>
+            <p:ph type="sldImg" idx="2"/>
+          </p:nvPr>
+        </p:nvSpPr>
+        <p:spPr/>
+        <p:txBody>
+          <a:bodyPr/>
+          <a:lstStyle/>
+          <a:p>
+            <a:pPr>
+              <a:defRPr/>
+            </a:pPr>
+            <a:endParaRPr lang="ko-KR" altLang="en-US"/>
+          </a:p>
+        </p:txBody>
+      </p:sp>
+      <p:sp>
+        <p:nvSpPr>
+          <p:cNvPr id="3" name="슬라이드 노트 개체 틀 4"/>
+          <p:cNvSpPr>
+            <a:spLocks noGrp="1"/>
+          </p:cNvSpPr>
+          <p:nvPr>
+            <p:ph type="body" sz="quarter" idx="3"/>
+          </p:nvPr>
+        </p:nvSpPr>
+        <p:spPr/>
+        <p:txBody>
+          <a:bodyPr/>
+          <a:lstStyle/>
+          <a:p>
+            <a:pPr>
+              <a:lnSpc>
+                <a:spcPct val="160000"/>
+              </a:lnSpc>
+              <a:spcBef>
+                <a:spcPts val="0"/>
+              </a:spcBef>
+              <a:spcAft>
+                <a:spcPts val="0"/>
+              </a:spcAft>
+              <a:defRPr/>
+            </a:pPr>
+            <a:r>
+              <a:rPr xmlns:mc="http://schemas.openxmlformats.org/markup-compatibility/2006" xmlns:hp="http://schemas.haansoft.com/office/presentation/8.0" b="0" i="0" u="none" strike="noStrike" mc:Ignorable="hp" hp:hslEmbossed="0">
+                <a:solidFill>
+                  <a:srgbClr val="000000"/>
+                </a:solidFill>
+                <a:latin typeface="돋움"/>
+                <a:ea typeface="돋움"/>
+                <a:cs typeface="돋움"/>
+              </a:rPr>
+              <a:t>앞서 설명 드린 프로세스 모듈 </a:t>
+            </a:r>
+            <a:r>
+              <a:rPr xmlns:mc="http://schemas.openxmlformats.org/markup-compatibility/2006" xmlns:hp="http://schemas.haansoft.com/office/presentation/8.0" lang="EN-US" b="0" i="0" u="none" strike="noStrike" mc:Ignorable="hp" hp:hslEmbossed="0">
+                <a:solidFill>
+                  <a:srgbClr val="000000"/>
+                </a:solidFill>
+                <a:latin typeface="돋움"/>
+                <a:ea typeface="돋움"/>
+                <a:cs typeface="돋움"/>
+              </a:rPr>
+              <a:t>UI </a:t>
+            </a:r>
+            <a:r>
+              <a:rPr xmlns:mc="http://schemas.openxmlformats.org/markup-compatibility/2006" xmlns:hp="http://schemas.haansoft.com/office/presentation/8.0" b="0" i="0" u="none" strike="noStrike" mc:Ignorable="hp" hp:hslEmbossed="0">
+                <a:solidFill>
+                  <a:srgbClr val="000000"/>
+                </a:solidFill>
+                <a:latin typeface="돋움"/>
+                <a:ea typeface="돋움"/>
+                <a:cs typeface="돋움"/>
+              </a:rPr>
+              <a:t>오른편에는 시뮬레이터의 가속이 가능하도록 스피드 컨트롤러를 배치하였습니다</a:t>
+            </a:r>
+            <a:r>
+              <a:rPr xmlns:mc="http://schemas.openxmlformats.org/markup-compatibility/2006" xmlns:hp="http://schemas.haansoft.com/office/presentation/8.0" lang="EN-US" b="0" i="0" u="none" strike="noStrike" mc:Ignorable="hp" hp:hslEmbossed="0">
+                <a:solidFill>
+                  <a:srgbClr val="000000"/>
+                </a:solidFill>
+                <a:latin typeface="돋움"/>
+                <a:ea typeface="돋움"/>
+                <a:cs typeface="돋움"/>
+              </a:rPr>
+              <a:t>.</a:t>
+            </a:r>
+            <a:endParaRPr xmlns:mc="http://schemas.openxmlformats.org/markup-compatibility/2006" xmlns:hp="http://schemas.haansoft.com/office/presentation/8.0" lang="EN-US" b="0" i="0" u="none" strike="noStrike" mc:Ignorable="hp" hp:hslEmbossed="0">
+              <a:solidFill>
+                <a:srgbClr val="000000"/>
+              </a:solidFill>
+              <a:latin typeface="돋움"/>
+              <a:ea typeface="돋움"/>
+              <a:cs typeface="돋움"/>
+            </a:endParaRPr>
+          </a:p>
+          <a:p>
+            <a:pPr>
+              <a:lnSpc>
+                <a:spcPct val="160000"/>
+              </a:lnSpc>
+              <a:spcBef>
+                <a:spcPts val="0"/>
+              </a:spcBef>
+              <a:spcAft>
+                <a:spcPts val="0"/>
+              </a:spcAft>
+              <a:defRPr/>
+            </a:pPr>
+            <a:r>
+              <a:rPr xmlns:mc="http://schemas.openxmlformats.org/markup-compatibility/2006" xmlns:hp="http://schemas.haansoft.com/office/presentation/8.0" b="0" i="0" u="none" strike="noStrike" mc:Ignorable="hp" hp:hslEmbossed="0">
+                <a:solidFill>
+                  <a:srgbClr val="000000"/>
+                </a:solidFill>
+                <a:latin typeface="돋움"/>
+                <a:ea typeface="돋움"/>
+                <a:cs typeface="돋움"/>
+              </a:rPr>
+              <a:t>사용자는 최소 </a:t>
+            </a:r>
+            <a:r>
+              <a:rPr xmlns:mc="http://schemas.openxmlformats.org/markup-compatibility/2006" xmlns:hp="http://schemas.haansoft.com/office/presentation/8.0" lang="EN-US" b="0" i="0" u="none" strike="noStrike" mc:Ignorable="hp" hp:hslEmbossed="0">
+                <a:solidFill>
+                  <a:srgbClr val="000000"/>
+                </a:solidFill>
+                <a:latin typeface="돋움"/>
+                <a:ea typeface="돋움"/>
+                <a:cs typeface="돋움"/>
+              </a:rPr>
+              <a:t>1</a:t>
+            </a:r>
+            <a:r>
+              <a:rPr xmlns:mc="http://schemas.openxmlformats.org/markup-compatibility/2006" xmlns:hp="http://schemas.haansoft.com/office/presentation/8.0" b="0" i="0" u="none" strike="noStrike" mc:Ignorable="hp" hp:hslEmbossed="0">
+                <a:solidFill>
+                  <a:srgbClr val="000000"/>
+                </a:solidFill>
+                <a:latin typeface="돋움"/>
+                <a:ea typeface="돋움"/>
+                <a:cs typeface="돋움"/>
+              </a:rPr>
+              <a:t>배속에서 최대 </a:t>
+            </a:r>
+            <a:r>
+              <a:rPr xmlns:mc="http://schemas.openxmlformats.org/markup-compatibility/2006" xmlns:hp="http://schemas.haansoft.com/office/presentation/8.0" lang="EN-US" b="0" i="0" u="none" strike="noStrike" mc:Ignorable="hp" hp:hslEmbossed="0">
+                <a:solidFill>
+                  <a:srgbClr val="000000"/>
+                </a:solidFill>
+                <a:latin typeface="돋움"/>
+                <a:ea typeface="돋움"/>
+                <a:cs typeface="돋움"/>
+              </a:rPr>
+              <a:t>50</a:t>
+            </a:r>
+            <a:r>
+              <a:rPr xmlns:mc="http://schemas.openxmlformats.org/markup-compatibility/2006" xmlns:hp="http://schemas.haansoft.com/office/presentation/8.0" b="0" i="0" u="none" strike="noStrike" mc:Ignorable="hp" hp:hslEmbossed="0">
+                <a:solidFill>
+                  <a:srgbClr val="000000"/>
+                </a:solidFill>
+                <a:latin typeface="돋움"/>
+                <a:ea typeface="돋움"/>
+                <a:cs typeface="돋움"/>
+              </a:rPr>
+              <a:t>배속까지 시뮬레이터를 가속할 수 있도록 구현하였습니다</a:t>
+            </a:r>
+            <a:r>
+              <a:rPr xmlns:mc="http://schemas.openxmlformats.org/markup-compatibility/2006" xmlns:hp="http://schemas.haansoft.com/office/presentation/8.0" lang="EN-US" b="0" i="0" u="none" strike="noStrike" mc:Ignorable="hp" hp:hslEmbossed="0">
+                <a:solidFill>
+                  <a:srgbClr val="000000"/>
+                </a:solidFill>
+                <a:latin typeface="돋움"/>
+                <a:ea typeface="돋움"/>
+                <a:cs typeface="돋움"/>
+              </a:rPr>
+              <a:t>.</a:t>
+            </a:r>
+            <a:endParaRPr xmlns:mc="http://schemas.openxmlformats.org/markup-compatibility/2006" xmlns:hp="http://schemas.haansoft.com/office/presentation/8.0" lang="EN-US" b="0" i="0" u="none" strike="noStrike" mc:Ignorable="hp" hp:hslEmbossed="0">
+              <a:solidFill>
+                <a:srgbClr val="000000"/>
+              </a:solidFill>
+              <a:latin typeface="돋움"/>
+              <a:ea typeface="돋움"/>
+              <a:cs typeface="돋움"/>
+            </a:endParaRPr>
+          </a:p>
+          <a:p>
+            <a:pPr>
+              <a:lnSpc>
+                <a:spcPct val="160000"/>
+              </a:lnSpc>
+              <a:spcBef>
+                <a:spcPts val="0"/>
+              </a:spcBef>
+              <a:spcAft>
+                <a:spcPts val="0"/>
+              </a:spcAft>
+              <a:defRPr/>
+            </a:pPr>
+            <a:r>
+              <a:rPr xmlns:mc="http://schemas.openxmlformats.org/markup-compatibility/2006" xmlns:hp="http://schemas.haansoft.com/office/presentation/8.0" b="0" i="0" u="none" strike="noStrike" mc:Ignorable="hp" hp:hslEmbossed="0">
+                <a:solidFill>
+                  <a:srgbClr val="000000"/>
+                </a:solidFill>
+                <a:latin typeface="돋움"/>
+                <a:ea typeface="돋움"/>
+                <a:cs typeface="돋움"/>
+              </a:rPr>
+              <a:t>스피드 컨트롤러 하단에는 두가지의 세이브와 로드 버튼이 위치하도록 하였습니다</a:t>
+            </a:r>
+            <a:r>
+              <a:rPr xmlns:mc="http://schemas.openxmlformats.org/markup-compatibility/2006" xmlns:hp="http://schemas.haansoft.com/office/presentation/8.0" lang="EN-US" b="0" i="0" u="none" strike="noStrike" mc:Ignorable="hp" hp:hslEmbossed="0">
+                <a:solidFill>
+                  <a:srgbClr val="000000"/>
+                </a:solidFill>
+                <a:latin typeface="돋움"/>
+                <a:ea typeface="돋움"/>
+                <a:cs typeface="돋움"/>
+              </a:rPr>
+              <a:t>.</a:t>
+            </a:r>
+            <a:endParaRPr xmlns:mc="http://schemas.openxmlformats.org/markup-compatibility/2006" xmlns:hp="http://schemas.haansoft.com/office/presentation/8.0" lang="EN-US" b="0" i="0" u="none" strike="noStrike" mc:Ignorable="hp" hp:hslEmbossed="0">
+              <a:solidFill>
+                <a:srgbClr val="000000"/>
+              </a:solidFill>
+              <a:latin typeface="돋움"/>
+              <a:ea typeface="돋움"/>
+              <a:cs typeface="돋움"/>
+            </a:endParaRPr>
+          </a:p>
+          <a:p>
+            <a:pPr>
+              <a:lnSpc>
+                <a:spcPct val="160000"/>
+              </a:lnSpc>
+              <a:spcBef>
+                <a:spcPts val="0"/>
+              </a:spcBef>
+              <a:spcAft>
+                <a:spcPts val="0"/>
+              </a:spcAft>
+              <a:defRPr/>
+            </a:pPr>
+            <a:r>
+              <a:rPr xmlns:mc="http://schemas.openxmlformats.org/markup-compatibility/2006" xmlns:hp="http://schemas.haansoft.com/office/presentation/8.0" b="0" i="0" u="none" strike="noStrike" mc:Ignorable="hp" hp:hslEmbossed="0">
+                <a:solidFill>
+                  <a:srgbClr val="000000"/>
+                </a:solidFill>
+                <a:latin typeface="돋움"/>
+                <a:ea typeface="돋움"/>
+                <a:cs typeface="돋움"/>
+              </a:rPr>
+              <a:t>보시는 바와 같이 왼쪽 두 개의 버튼은 사용자가 시뮬레이터를 동작하긴 전 입력하였던 시뮬레이션의 환경 및 변수들을 저장하거나 불러올 수 있도록 구현하였습니다</a:t>
+            </a:r>
+            <a:r>
+              <a:rPr xmlns:mc="http://schemas.openxmlformats.org/markup-compatibility/2006" xmlns:hp="http://schemas.haansoft.com/office/presentation/8.0" lang="EN-US" b="0" i="0" u="none" strike="noStrike" mc:Ignorable="hp" hp:hslEmbossed="0">
+                <a:solidFill>
+                  <a:srgbClr val="000000"/>
+                </a:solidFill>
+                <a:latin typeface="돋움"/>
+                <a:ea typeface="돋움"/>
+                <a:cs typeface="돋움"/>
+              </a:rPr>
+              <a:t>.</a:t>
+            </a:r>
+            <a:endParaRPr xmlns:mc="http://schemas.openxmlformats.org/markup-compatibility/2006" xmlns:hp="http://schemas.haansoft.com/office/presentation/8.0" lang="EN-US" b="0" i="0" u="none" strike="noStrike" mc:Ignorable="hp" hp:hslEmbossed="0">
+              <a:solidFill>
+                <a:srgbClr val="000000"/>
+              </a:solidFill>
+              <a:latin typeface="돋움"/>
+              <a:ea typeface="돋움"/>
+              <a:cs typeface="돋움"/>
+            </a:endParaRPr>
+          </a:p>
+          <a:p>
+            <a:pPr>
+              <a:lnSpc>
+                <a:spcPct val="160000"/>
+              </a:lnSpc>
+              <a:spcBef>
+                <a:spcPts val="0"/>
+              </a:spcBef>
+              <a:spcAft>
+                <a:spcPts val="0"/>
+              </a:spcAft>
+              <a:defRPr/>
+            </a:pPr>
+            <a:r>
+              <a:rPr xmlns:mc="http://schemas.openxmlformats.org/markup-compatibility/2006" xmlns:hp="http://schemas.haansoft.com/office/presentation/8.0" b="0" i="0" u="none" strike="noStrike" mc:Ignorable="hp" hp:hslEmbossed="0">
+                <a:solidFill>
+                  <a:srgbClr val="000000"/>
+                </a:solidFill>
+                <a:latin typeface="돋움"/>
+                <a:ea typeface="돋움"/>
+                <a:cs typeface="돋움"/>
+              </a:rPr>
+              <a:t>한편</a:t>
+            </a:r>
+            <a:r>
+              <a:rPr xmlns:mc="http://schemas.openxmlformats.org/markup-compatibility/2006" xmlns:hp="http://schemas.haansoft.com/office/presentation/8.0" lang="EN-US" b="0" i="0" u="none" strike="noStrike" mc:Ignorable="hp" hp:hslEmbossed="0">
+                <a:solidFill>
+                  <a:srgbClr val="000000"/>
+                </a:solidFill>
+                <a:latin typeface="돋움"/>
+                <a:ea typeface="돋움"/>
+                <a:cs typeface="돋움"/>
+              </a:rPr>
+              <a:t>,</a:t>
+            </a:r>
+            <a:r>
+              <a:rPr xmlns:mc="http://schemas.openxmlformats.org/markup-compatibility/2006" xmlns:hp="http://schemas.haansoft.com/office/presentation/8.0" b="0" i="0" u="none" strike="noStrike" mc:Ignorable="hp" hp:hslEmbossed="0">
+                <a:solidFill>
+                  <a:srgbClr val="000000"/>
+                </a:solidFill>
+                <a:latin typeface="돋움"/>
+                <a:ea typeface="돋움"/>
+                <a:cs typeface="돋움"/>
+              </a:rPr>
+              <a:t>그 오른편에는 시뮬레이션을 통해 나온 결과가 얼마의 시간 동안 몇 장의 </a:t>
+            </a:r>
+            <a:r>
+              <a:rPr xmlns:mc="http://schemas.openxmlformats.org/markup-compatibility/2006" xmlns:hp="http://schemas.haansoft.com/office/presentation/8.0" lang="EN-US" b="0" i="0" u="none" strike="noStrike" mc:Ignorable="hp" hp:hslEmbossed="0">
+                <a:solidFill>
+                  <a:srgbClr val="000000"/>
+                </a:solidFill>
+                <a:latin typeface="돋움"/>
+                <a:ea typeface="돋움"/>
+                <a:cs typeface="돋움"/>
+              </a:rPr>
+              <a:t>Wafer</a:t>
+            </a:r>
+            <a:r>
+              <a:rPr xmlns:mc="http://schemas.openxmlformats.org/markup-compatibility/2006" xmlns:hp="http://schemas.haansoft.com/office/presentation/8.0" b="0" i="0" u="none" strike="noStrike" mc:Ignorable="hp" hp:hslEmbossed="0">
+                <a:solidFill>
+                  <a:srgbClr val="000000"/>
+                </a:solidFill>
+                <a:latin typeface="돋움"/>
+                <a:ea typeface="돋움"/>
+                <a:cs typeface="돋움"/>
+              </a:rPr>
+              <a:t>의 작업을 진행했는지를 보여주는 </a:t>
+            </a:r>
+            <a:r>
+              <a:rPr xmlns:mc="http://schemas.openxmlformats.org/markup-compatibility/2006" xmlns:hp="http://schemas.haansoft.com/office/presentation/8.0" lang="EN-US" b="0" i="0" u="none" strike="noStrike" mc:Ignorable="hp" hp:hslEmbossed="0">
+                <a:solidFill>
+                  <a:srgbClr val="000000"/>
+                </a:solidFill>
+                <a:latin typeface="돋움"/>
+                <a:ea typeface="돋움"/>
+                <a:cs typeface="돋움"/>
+              </a:rPr>
+              <a:t>Throughput</a:t>
+            </a:r>
+            <a:r>
+              <a:rPr xmlns:mc="http://schemas.openxmlformats.org/markup-compatibility/2006" xmlns:hp="http://schemas.haansoft.com/office/presentation/8.0" b="0" i="0" u="none" strike="noStrike" mc:Ignorable="hp" hp:hslEmbossed="0">
+                <a:solidFill>
+                  <a:srgbClr val="000000"/>
+                </a:solidFill>
+                <a:latin typeface="돋움"/>
+                <a:ea typeface="돋움"/>
+                <a:cs typeface="돋움"/>
+              </a:rPr>
+              <a:t>을 저장하거나 불러올 수 있도록 설계하였습니다</a:t>
+            </a:r>
+            <a:r>
+              <a:rPr xmlns:mc="http://schemas.openxmlformats.org/markup-compatibility/2006" xmlns:hp="http://schemas.haansoft.com/office/presentation/8.0" lang="EN-US" b="0" i="0" u="none" strike="noStrike" mc:Ignorable="hp" hp:hslEmbossed="0">
+                <a:solidFill>
+                  <a:srgbClr val="000000"/>
+                </a:solidFill>
+                <a:latin typeface="돋움"/>
+                <a:ea typeface="돋움"/>
+                <a:cs typeface="돋움"/>
+              </a:rPr>
+              <a:t>.</a:t>
+            </a:r>
+            <a:endParaRPr lang="ko-KR" altLang="en-US"/>
+          </a:p>
+        </p:txBody>
+      </p:sp>
+      <p:sp>
+        <p:nvSpPr>
+          <p:cNvPr id="4" name="슬라이드 번호 개체 틀 6"/>
+          <p:cNvSpPr>
+            <a:spLocks noGrp="1"/>
+          </p:cNvSpPr>
+          <p:nvPr>
+            <p:ph type="sldNum" sz="quarter" idx="5"/>
+          </p:nvPr>
+        </p:nvSpPr>
+        <p:spPr/>
+        <p:txBody>
+          <a:bodyPr/>
+          <a:lstStyle/>
+          <a:p>
+            <a:pPr lvl="0">
+              <a:defRPr/>
+            </a:pPr>
+            <a:fld id="{09F4262C-968C-4EE9-8164-CE16364706B3}" type="slidenum">
+              <a:rPr lang="en-US" altLang="en-US"/>
+              <a:pPr lvl="0">
+                <a:defRPr/>
+              </a:pPr>
+              <a:t>13</a:t>
+            </a:fld>
+            <a:endParaRPr lang="en-US" altLang="en-US"/>
+          </a:p>
+        </p:txBody>
+      </p:sp>
+    </p:spTree>
+  </p:cSld>
+  <p:clrMapOvr>
+    <a:masterClrMapping/>
+  </p:clrMapOvr>
+</p:notes>
+</file>
+
+<file path=ppt/notesSlides/notesSlide13.xml><?xml version="1.0" encoding="utf-8"?>
 <p:notes xmlns:r="http://schemas.openxmlformats.org/officeDocument/2006/relationships" xmlns:c="http://schemas.openxmlformats.org/drawingml/2006/chart" xmlns:a="http://schemas.openxmlformats.org/drawingml/2006/main" xmlns:dgm="http://schemas.openxmlformats.org/drawingml/2006/diagram" xmlns:dsp="http://schemas.microsoft.com/office/drawing/2008/diagram" xmlns:p="http://schemas.openxmlformats.org/presentationml/2006/main">
   <p:cSld>
     <p:spTree>
@@ -983,12 +2494,325 @@
           <a:bodyPr/>
           <a:lstStyle/>
           <a:p>
-            <a:pPr lvl="0">
-              <a:defRPr/>
-            </a:pPr>
-            <a:r>
-              <a:rPr lang="ko-KR" altLang="en-US"/>
-              <a:t/>
+            <a:pPr>
+              <a:lnSpc>
+                <a:spcPct val="160000"/>
+              </a:lnSpc>
+              <a:spcBef>
+                <a:spcPts val="0"/>
+              </a:spcBef>
+              <a:spcAft>
+                <a:spcPts val="0"/>
+              </a:spcAft>
+              <a:defRPr/>
+            </a:pPr>
+            <a:r>
+              <a:rPr xmlns:mc="http://schemas.openxmlformats.org/markup-compatibility/2006" xmlns:hp="http://schemas.haansoft.com/office/presentation/8.0" b="0" i="0" u="none" strike="noStrike" mc:Ignorable="hp" hp:hslEmbossed="0">
+                <a:solidFill>
+                  <a:srgbClr val="000000"/>
+                </a:solidFill>
+                <a:latin typeface="돋움"/>
+                <a:ea typeface="돋움"/>
+                <a:cs typeface="돋움"/>
+              </a:rPr>
+              <a:t>마지막으로 사용자가 시뮬레이션의 환경 및 변수를 설정할 수 있는 시스템 설정 화면입니다</a:t>
+            </a:r>
+            <a:r>
+              <a:rPr xmlns:mc="http://schemas.openxmlformats.org/markup-compatibility/2006" xmlns:hp="http://schemas.haansoft.com/office/presentation/8.0" lang="EN-US" b="0" i="0" u="none" strike="noStrike" mc:Ignorable="hp" hp:hslEmbossed="0">
+                <a:solidFill>
+                  <a:srgbClr val="000000"/>
+                </a:solidFill>
+                <a:latin typeface="돋움"/>
+                <a:ea typeface="돋움"/>
+                <a:cs typeface="돋움"/>
+              </a:rPr>
+              <a:t>.</a:t>
+            </a:r>
+            <a:endParaRPr xmlns:mc="http://schemas.openxmlformats.org/markup-compatibility/2006" xmlns:hp="http://schemas.haansoft.com/office/presentation/8.0" lang="EN-US" b="0" i="0" u="none" strike="noStrike" mc:Ignorable="hp" hp:hslEmbossed="0">
+              <a:solidFill>
+                <a:srgbClr val="000000"/>
+              </a:solidFill>
+              <a:latin typeface="돋움"/>
+              <a:ea typeface="돋움"/>
+              <a:cs typeface="돋움"/>
+            </a:endParaRPr>
+          </a:p>
+          <a:p>
+            <a:pPr>
+              <a:lnSpc>
+                <a:spcPct val="160000"/>
+              </a:lnSpc>
+              <a:spcBef>
+                <a:spcPts val="0"/>
+              </a:spcBef>
+              <a:spcAft>
+                <a:spcPts val="0"/>
+              </a:spcAft>
+              <a:defRPr/>
+            </a:pPr>
+            <a:r>
+              <a:rPr xmlns:mc="http://schemas.openxmlformats.org/markup-compatibility/2006" xmlns:hp="http://schemas.haansoft.com/office/presentation/8.0" b="0" i="0" u="none" strike="noStrike" mc:Ignorable="hp" hp:hslEmbossed="0">
+                <a:solidFill>
+                  <a:srgbClr val="000000"/>
+                </a:solidFill>
+                <a:latin typeface="돋움"/>
+                <a:ea typeface="돋움"/>
+                <a:cs typeface="돋움"/>
+              </a:rPr>
+              <a:t>모듈 및 슬롯의 개수</a:t>
+            </a:r>
+            <a:r>
+              <a:rPr xmlns:mc="http://schemas.openxmlformats.org/markup-compatibility/2006" xmlns:hp="http://schemas.haansoft.com/office/presentation/8.0" lang="EN-US" b="0" i="0" u="none" strike="noStrike" mc:Ignorable="hp" hp:hslEmbossed="0">
+                <a:solidFill>
+                  <a:srgbClr val="000000"/>
+                </a:solidFill>
+                <a:latin typeface="돋움"/>
+                <a:ea typeface="돋움"/>
+                <a:cs typeface="돋움"/>
+              </a:rPr>
+              <a:t>, </a:t>
+            </a:r>
+            <a:r>
+              <a:rPr xmlns:mc="http://schemas.openxmlformats.org/markup-compatibility/2006" xmlns:hp="http://schemas.haansoft.com/office/presentation/8.0" b="0" i="0" u="none" strike="noStrike" mc:Ignorable="hp" hp:hslEmbossed="0">
+                <a:solidFill>
+                  <a:srgbClr val="000000"/>
+                </a:solidFill>
+                <a:latin typeface="돋움"/>
+                <a:ea typeface="돋움"/>
+                <a:cs typeface="돋움"/>
+              </a:rPr>
+              <a:t>그리고 해당 모듈에서의 구동 시간을 사용자가 자유롭게 입력할 수 있도록 구현하였습니다</a:t>
+            </a:r>
+            <a:r>
+              <a:rPr xmlns:mc="http://schemas.openxmlformats.org/markup-compatibility/2006" xmlns:hp="http://schemas.haansoft.com/office/presentation/8.0" lang="EN-US" b="0" i="0" u="none" strike="noStrike" mc:Ignorable="hp" hp:hslEmbossed="0">
+                <a:solidFill>
+                  <a:srgbClr val="000000"/>
+                </a:solidFill>
+                <a:latin typeface="돋움"/>
+                <a:ea typeface="돋움"/>
+                <a:cs typeface="돋움"/>
+              </a:rPr>
+              <a:t>.</a:t>
+            </a:r>
+            <a:endParaRPr xmlns:mc="http://schemas.openxmlformats.org/markup-compatibility/2006" xmlns:hp="http://schemas.haansoft.com/office/presentation/8.0" lang="EN-US" b="0" i="0" u="none" strike="noStrike" mc:Ignorable="hp" hp:hslEmbossed="0">
+              <a:solidFill>
+                <a:srgbClr val="000000"/>
+              </a:solidFill>
+              <a:latin typeface="돋움"/>
+              <a:ea typeface="돋움"/>
+              <a:cs typeface="돋움"/>
+            </a:endParaRPr>
+          </a:p>
+          <a:p>
+            <a:pPr>
+              <a:lnSpc>
+                <a:spcPct val="160000"/>
+              </a:lnSpc>
+              <a:spcBef>
+                <a:spcPts val="0"/>
+              </a:spcBef>
+              <a:spcAft>
+                <a:spcPts val="0"/>
+              </a:spcAft>
+              <a:defRPr/>
+            </a:pPr>
+            <a:r>
+              <a:rPr xmlns:mc="http://schemas.openxmlformats.org/markup-compatibility/2006" xmlns:hp="http://schemas.haansoft.com/office/presentation/8.0" b="0" i="0" u="none" strike="noStrike" mc:Ignorable="hp" hp:hslEmbossed="0">
+                <a:solidFill>
+                  <a:srgbClr val="000000"/>
+                </a:solidFill>
+                <a:latin typeface="돋움"/>
+                <a:ea typeface="돋움"/>
+                <a:cs typeface="돋움"/>
+              </a:rPr>
+              <a:t>초기 메인 윈도우에서 </a:t>
+            </a:r>
+            <a:r>
+              <a:rPr xmlns:mc="http://schemas.openxmlformats.org/markup-compatibility/2006" xmlns:hp="http://schemas.haansoft.com/office/presentation/8.0" lang="EN-US" b="0" i="0" u="none" strike="noStrike" mc:Ignorable="hp" hp:hslEmbossed="0">
+                <a:solidFill>
+                  <a:srgbClr val="000000"/>
+                </a:solidFill>
+                <a:latin typeface="돋움"/>
+                <a:ea typeface="돋움"/>
+                <a:cs typeface="돋움"/>
+              </a:rPr>
+              <a:t>‘</a:t>
+            </a:r>
+            <a:r>
+              <a:rPr xmlns:mc="http://schemas.openxmlformats.org/markup-compatibility/2006" xmlns:hp="http://schemas.haansoft.com/office/presentation/8.0" b="0" i="0" u="none" strike="noStrike" mc:Ignorable="hp" hp:hslEmbossed="0">
+                <a:solidFill>
+                  <a:srgbClr val="000000"/>
+                </a:solidFill>
+                <a:latin typeface="돋움"/>
+                <a:ea typeface="돋움"/>
+                <a:cs typeface="돋움"/>
+              </a:rPr>
+              <a:t>시스템 </a:t>
+            </a:r>
+            <a:r>
+              <a:rPr xmlns:mc="http://schemas.openxmlformats.org/markup-compatibility/2006" xmlns:hp="http://schemas.haansoft.com/office/presentation/8.0" lang="EN-US" b="0" i="0" u="none" strike="noStrike" mc:Ignorable="hp" hp:hslEmbossed="0">
+                <a:solidFill>
+                  <a:srgbClr val="000000"/>
+                </a:solidFill>
+                <a:latin typeface="돋움"/>
+                <a:ea typeface="돋움"/>
+                <a:cs typeface="돋움"/>
+              </a:rPr>
+              <a:t>Info’ </a:t>
+            </a:r>
+            <a:r>
+              <a:rPr xmlns:mc="http://schemas.openxmlformats.org/markup-compatibility/2006" xmlns:hp="http://schemas.haansoft.com/office/presentation/8.0" b="0" i="0" u="none" strike="noStrike" mc:Ignorable="hp" hp:hslEmbossed="0">
+                <a:solidFill>
+                  <a:srgbClr val="000000"/>
+                </a:solidFill>
+                <a:latin typeface="돋움"/>
+                <a:ea typeface="돋움"/>
+                <a:cs typeface="돋움"/>
+              </a:rPr>
+              <a:t>버튼을 클릭하게 되면 해당 윈도우를 띄워 사용자에게 입력 받도록 하였으며</a:t>
+            </a:r>
+            <a:r>
+              <a:rPr xmlns:mc="http://schemas.openxmlformats.org/markup-compatibility/2006" xmlns:hp="http://schemas.haansoft.com/office/presentation/8.0" lang="EN-US" b="0" i="0" u="none" strike="noStrike" mc:Ignorable="hp" hp:hslEmbossed="0">
+                <a:solidFill>
+                  <a:srgbClr val="000000"/>
+                </a:solidFill>
+                <a:latin typeface="돋움"/>
+                <a:ea typeface="돋움"/>
+                <a:cs typeface="돋움"/>
+              </a:rPr>
+              <a:t>, </a:t>
+            </a:r>
+            <a:r>
+              <a:rPr xmlns:mc="http://schemas.openxmlformats.org/markup-compatibility/2006" xmlns:hp="http://schemas.haansoft.com/office/presentation/8.0" b="0" i="0" u="none" strike="noStrike" mc:Ignorable="hp" hp:hslEmbossed="0">
+                <a:solidFill>
+                  <a:srgbClr val="000000"/>
+                </a:solidFill>
+                <a:latin typeface="돋움"/>
+                <a:ea typeface="돋움"/>
+                <a:cs typeface="돋움"/>
+              </a:rPr>
+              <a:t>주성엔지니어링에서 제공 받는 모듈 별 구동 시간을 반영하여 기본값으로 입력될 수 있도록 하였습니다</a:t>
+            </a:r>
+            <a:r>
+              <a:rPr xmlns:mc="http://schemas.openxmlformats.org/markup-compatibility/2006" xmlns:hp="http://schemas.haansoft.com/office/presentation/8.0" lang="EN-US" b="0" i="0" u="none" strike="noStrike" mc:Ignorable="hp" hp:hslEmbossed="0">
+                <a:solidFill>
+                  <a:srgbClr val="000000"/>
+                </a:solidFill>
+                <a:latin typeface="돋움"/>
+                <a:ea typeface="돋움"/>
+                <a:cs typeface="돋움"/>
+              </a:rPr>
+              <a:t>.</a:t>
+            </a:r>
+            <a:endParaRPr xmlns:mc="http://schemas.openxmlformats.org/markup-compatibility/2006" xmlns:hp="http://schemas.haansoft.com/office/presentation/8.0" lang="EN-US" b="0" i="0" u="none" strike="noStrike" mc:Ignorable="hp" hp:hslEmbossed="0">
+              <a:solidFill>
+                <a:srgbClr val="000000"/>
+              </a:solidFill>
+              <a:latin typeface="돋움"/>
+              <a:ea typeface="돋움"/>
+              <a:cs typeface="돋움"/>
+            </a:endParaRPr>
+          </a:p>
+          <a:p>
+            <a:pPr>
+              <a:lnSpc>
+                <a:spcPct val="160000"/>
+              </a:lnSpc>
+              <a:spcBef>
+                <a:spcPts val="0"/>
+              </a:spcBef>
+              <a:spcAft>
+                <a:spcPts val="0"/>
+              </a:spcAft>
+              <a:defRPr/>
+            </a:pPr>
+            <a:r>
+              <a:rPr xmlns:mc="http://schemas.openxmlformats.org/markup-compatibility/2006" xmlns:hp="http://schemas.haansoft.com/office/presentation/8.0" b="0" i="0" u="none" strike="noStrike" mc:Ignorable="hp" hp:hslEmbossed="0">
+                <a:solidFill>
+                  <a:srgbClr val="000000"/>
+                </a:solidFill>
+                <a:latin typeface="돋움"/>
+                <a:ea typeface="돋움"/>
+                <a:cs typeface="돋움"/>
+              </a:rPr>
+              <a:t>또한</a:t>
+            </a:r>
+            <a:r>
+              <a:rPr xmlns:mc="http://schemas.openxmlformats.org/markup-compatibility/2006" xmlns:hp="http://schemas.haansoft.com/office/presentation/8.0" lang="EN-US" b="0" i="0" u="none" strike="noStrike" mc:Ignorable="hp" hp:hslEmbossed="0">
+                <a:solidFill>
+                  <a:srgbClr val="000000"/>
+                </a:solidFill>
+                <a:latin typeface="돋움"/>
+                <a:ea typeface="돋움"/>
+                <a:cs typeface="돋움"/>
+              </a:rPr>
+              <a:t>, Transfer</a:t>
+            </a:r>
+            <a:r>
+              <a:rPr xmlns:mc="http://schemas.openxmlformats.org/markup-compatibility/2006" xmlns:hp="http://schemas.haansoft.com/office/presentation/8.0" b="0" i="0" u="none" strike="noStrike" mc:Ignorable="hp" hp:hslEmbossed="0">
+                <a:solidFill>
+                  <a:srgbClr val="000000"/>
+                </a:solidFill>
+                <a:latin typeface="돋움"/>
+                <a:ea typeface="돋움"/>
+                <a:cs typeface="돋움"/>
+              </a:rPr>
+              <a:t>모듈의</a:t>
+            </a:r>
+            <a:r>
+              <a:rPr xmlns:mc="http://schemas.openxmlformats.org/markup-compatibility/2006" xmlns:hp="http://schemas.haansoft.com/office/presentation/8.0" lang="EN-US" b="0" i="0" u="none" strike="noStrike" mc:Ignorable="hp" hp:hslEmbossed="0">
+                <a:solidFill>
+                  <a:srgbClr val="000000"/>
+                </a:solidFill>
+                <a:latin typeface="돋움"/>
+                <a:ea typeface="돋움"/>
+                <a:cs typeface="돋움"/>
+              </a:rPr>
+              <a:t>Vacuum </a:t>
+            </a:r>
+            <a:r>
+              <a:rPr xmlns:mc="http://schemas.openxmlformats.org/markup-compatibility/2006" xmlns:hp="http://schemas.haansoft.com/office/presentation/8.0" b="0" i="0" u="none" strike="noStrike" mc:Ignorable="hp" hp:hslEmbossed="0">
+                <a:solidFill>
+                  <a:srgbClr val="000000"/>
+                </a:solidFill>
+                <a:latin typeface="돋움"/>
+                <a:ea typeface="돋움"/>
+                <a:cs typeface="돋움"/>
+              </a:rPr>
+              <a:t>로봇이 </a:t>
+            </a:r>
+            <a:r>
+              <a:rPr xmlns:mc="http://schemas.openxmlformats.org/markup-compatibility/2006" xmlns:hp="http://schemas.haansoft.com/office/presentation/8.0" lang="EN-US" b="0" i="0" u="none" strike="noStrike" mc:Ignorable="hp" hp:hslEmbossed="0">
+                <a:solidFill>
+                  <a:srgbClr val="000000"/>
+                </a:solidFill>
+                <a:latin typeface="돋움"/>
+                <a:ea typeface="돋움"/>
+                <a:cs typeface="돋움"/>
+              </a:rPr>
+              <a:t>Quad arm</a:t>
+            </a:r>
+            <a:r>
+              <a:rPr xmlns:mc="http://schemas.openxmlformats.org/markup-compatibility/2006" xmlns:hp="http://schemas.haansoft.com/office/presentation/8.0" b="0" i="0" u="none" strike="noStrike" mc:Ignorable="hp" hp:hslEmbossed="0">
+                <a:solidFill>
+                  <a:srgbClr val="000000"/>
+                </a:solidFill>
+                <a:latin typeface="돋움"/>
+                <a:ea typeface="돋움"/>
+                <a:cs typeface="돋움"/>
+              </a:rPr>
+              <a:t>일 경우를 고려하여 프로세스 모듈의 슬롯 개수를 짝수로만 선택이 가능하도록 제한을 둔 점도 특이점이라 할 수 있습니다</a:t>
+            </a:r>
+            <a:r>
+              <a:rPr xmlns:mc="http://schemas.openxmlformats.org/markup-compatibility/2006" xmlns:hp="http://schemas.haansoft.com/office/presentation/8.0" lang="EN-US" b="0" i="0" u="none" strike="noStrike" mc:Ignorable="hp" hp:hslEmbossed="0">
+                <a:solidFill>
+                  <a:srgbClr val="000000"/>
+                </a:solidFill>
+                <a:latin typeface="돋움"/>
+                <a:ea typeface="돋움"/>
+                <a:cs typeface="돋움"/>
+              </a:rPr>
+              <a:t>.</a:t>
             </a:r>
             <a:endParaRPr lang="ko-KR" altLang="en-US"/>
           </a:p>
@@ -1090,7 +2914,7 @@
             </a:pPr>
             <a:r>
               <a:rPr lang="ko-KR" altLang="en-US"/>
-              <a:t>먼저 저희 팀원들과 각자의 역할을 먼저 소개해 드리겠습니다</a:t>
+              <a:t>첫번 째로 저희 팀원들과 각자의 역할을 먼저 소개해 드리겠습니다</a:t>
             </a:r>
             <a:r>
               <a:rPr lang="en-US" altLang="ko-KR"/>
@@ -1106,9 +2930,15 @@
             <a:pPr>
               <a:defRPr/>
             </a:pPr>
+            <a:endParaRPr lang="ko-KR" altLang="en-US"/>
+          </a:p>
+          <a:p>
+            <a:pPr>
+              <a:defRPr/>
+            </a:pPr>
             <a:r>
               <a:rPr lang="ko-KR" altLang="en-US"/>
-              <a:t>먼저 김서윤 팀원은 </a:t>
+              <a:t>먼저 김서윤 팀원과 김재곤 팀원은 각각 </a:t>
             </a:r>
             <a:r>
               <a:rPr lang="en-US" altLang="ko-KR"/>
@@ -1116,7 +2946,73 @@
             </a:r>
             <a:r>
               <a:rPr lang="ko-KR" altLang="en-US"/>
-              <a:t> 설계 및 제작 그리고 </a:t>
+              <a:t>와 </a:t>
+            </a:r>
+            <a:r>
+              <a:rPr lang="en-US" altLang="ko-KR"/>
+              <a:t>System Info</a:t>
+            </a:r>
+            <a:r>
+              <a:rPr lang="ko-KR" altLang="en-US"/>
+              <a:t> </a:t>
+            </a:r>
+            <a:r>
+              <a:rPr lang="en-US" altLang="ko-KR"/>
+              <a:t>UI</a:t>
+            </a:r>
+            <a:r>
+              <a:rPr lang="ko-KR" altLang="en-US"/>
+              <a:t>를 설게 및 제작하고 </a:t>
+            </a:r>
+            <a:r>
+              <a:rPr lang="en-US" altLang="ko-KR"/>
+              <a:t>Machine</a:t>
+            </a:r>
+            <a:r>
+              <a:rPr lang="ko-KR" altLang="en-US"/>
+              <a:t> </a:t>
+            </a:r>
+            <a:r>
+              <a:rPr lang="en-US" altLang="ko-KR"/>
+              <a:t>UI</a:t>
+            </a:r>
+            <a:r>
+              <a:rPr lang="ko-KR" altLang="en-US"/>
+              <a:t>로 들어갈 그림을 </a:t>
+            </a:r>
+            <a:r>
+              <a:rPr lang="en-US" altLang="ko-KR"/>
+              <a:t>PPT</a:t>
+            </a:r>
+            <a:r>
+              <a:rPr lang="ko-KR" altLang="en-US"/>
+              <a:t>를 이용하여 제작하였습니다</a:t>
+            </a:r>
+            <a:r>
+              <a:rPr lang="en-US" altLang="ko-KR"/>
+              <a:t>.</a:t>
+            </a:r>
+            <a:r>
+              <a:rPr lang="ko-KR" altLang="en-US"/>
+              <a:t> </a:t>
+            </a:r>
+            <a:endParaRPr lang="ko-KR" altLang="en-US"/>
+          </a:p>
+          <a:p>
+            <a:pPr>
+              <a:defRPr/>
+            </a:pPr>
+            <a:r>
+              <a:rPr lang="ko-KR" altLang="en-US"/>
+              <a:t>이후 </a:t>
+            </a:r>
+            <a:r>
+              <a:rPr lang="en-US" altLang="ko-KR"/>
+              <a:t>PPT</a:t>
+            </a:r>
+            <a:r>
+              <a:rPr lang="ko-KR" altLang="en-US"/>
+              <a:t> 완성후 </a:t>
             </a:r>
             <a:r>
               <a:rPr lang="en-US" altLang="ko-KR"/>
@@ -1124,7 +3020,7 @@
             </a:r>
             <a:r>
               <a:rPr lang="ko-KR" altLang="en-US"/>
-              <a:t>에 사용될 그림을 제작하였습니다</a:t>
+              <a:t>와 결합하는 과정을 진행하였습니다</a:t>
             </a:r>
             <a:r>
               <a:rPr lang="en-US" altLang="ko-KR"/>
@@ -1136,9 +3032,15 @@
             <a:pPr>
               <a:defRPr/>
             </a:pPr>
+            <a:endParaRPr lang="en-US" altLang="ko-KR"/>
+          </a:p>
+          <a:p>
+            <a:pPr>
+              <a:defRPr/>
+            </a:pPr>
             <a:r>
               <a:rPr lang="ko-KR" altLang="en-US"/>
-              <a:t>김재곤 팀원은 </a:t>
+              <a:t>계민석 팀원은 </a:t>
             </a:r>
             <a:r>
               <a:rPr lang="en-US" altLang="ko-KR"/>
@@ -1146,15 +3048,31 @@
             </a:r>
             <a:r>
               <a:rPr lang="ko-KR" altLang="en-US"/>
-              <a:t>의 파라미터를 설정할 수 있는 </a:t>
+              <a:t>의 흐름에 알맞게 </a:t>
             </a:r>
             <a:r>
               <a:rPr lang="en-US" altLang="ko-KR"/>
-              <a:t>System Info UI</a:t>
+              <a:t>Thread</a:t>
             </a:r>
             <a:r>
               <a:rPr lang="ko-KR" altLang="en-US"/>
-              <a:t>를 설계 및 제작하였고 김서윤 팀원과 마찬가지로 그림 제작에 일관하였습니다</a:t>
+              <a:t>를 구현한 뒤 </a:t>
+            </a:r>
+            <a:r>
+              <a:rPr lang="en-US" altLang="ko-KR"/>
+              <a:t>Main UI</a:t>
+            </a:r>
+            <a:r>
+              <a:rPr lang="ko-KR" altLang="en-US"/>
+              <a:t>와 결합하는 과정을 진행하였고 팀원들이 각자 </a:t>
+            </a:r>
+            <a:r>
+              <a:rPr lang="en-US" altLang="ko-KR"/>
+              <a:t>Test</a:t>
+            </a:r>
+            <a:r>
+              <a:rPr lang="ko-KR" altLang="en-US"/>
+              <a:t>진행 후 발생한 오류를 수정하는 과정을 진행하였습니다</a:t>
             </a:r>
             <a:r>
               <a:rPr lang="en-US" altLang="ko-KR"/>
@@ -1166,60 +3084,6 @@
             <a:pPr>
               <a:defRPr/>
             </a:pPr>
-            <a:r>
-              <a:rPr lang="ko-KR" altLang="en-US"/>
-              <a:t>계민석 팀원은 </a:t>
-            </a:r>
-            <a:r>
-              <a:rPr lang="en-US" altLang="ko-KR"/>
-              <a:t>FAB SOLO</a:t>
-            </a:r>
-            <a:r>
-              <a:rPr lang="ko-KR" altLang="en-US"/>
-              <a:t>의 흐름도를 설계 및 구현 하고 </a:t>
-            </a:r>
-            <a:r>
-              <a:rPr lang="en-US" altLang="ko-KR"/>
-              <a:t>Main UI</a:t>
-            </a:r>
-            <a:r>
-              <a:rPr lang="ko-KR" altLang="en-US"/>
-              <a:t>에 결합하는 과정을 진행했습니다</a:t>
-            </a:r>
-            <a:r>
-              <a:rPr lang="en-US" altLang="ko-KR"/>
-              <a:t>.</a:t>
-            </a:r>
-            <a:endParaRPr lang="en-US" altLang="ko-KR"/>
-          </a:p>
-          <a:p>
-            <a:pPr>
-              <a:defRPr/>
-            </a:pPr>
-            <a:r>
-              <a:rPr lang="ko-KR" altLang="en-US"/>
-              <a:t>저는 </a:t>
-            </a:r>
-            <a:r>
-              <a:rPr lang="en-US" altLang="ko-KR"/>
-              <a:t>System Info UI</a:t>
-            </a:r>
-            <a:r>
-              <a:rPr lang="ko-KR" altLang="en-US"/>
-              <a:t>의 기능을 구현하고 해당 파라미터들을 저장 및 불러오기와 더불어 </a:t>
-            </a:r>
-            <a:r>
-              <a:rPr lang="en-US" altLang="ko-KR"/>
-              <a:t>FAB SOLO</a:t>
-            </a:r>
-            <a:r>
-              <a:rPr lang="ko-KR" altLang="en-US"/>
-              <a:t>를 통해서 나온 결과를 저장 및 불러오기에 대한 기능을 구현하여습니다</a:t>
-            </a:r>
-            <a:r>
-              <a:rPr lang="en-US" altLang="ko-KR"/>
-              <a:t>.</a:t>
-            </a:r>
             <a:endParaRPr lang="en-US" altLang="ko-KR"/>
           </a:p>
           <a:p>
@@ -2044,7 +3908,7 @@
             </a:r>
             <a:r>
               <a:rPr lang="ko-KR" altLang="en-US"/>
-              <a:t>의 스레드 흐름도를 위와 같이 </a:t>
+              <a:t>의 스레드 흐름도를 다음과 같이 </a:t>
             </a:r>
             <a:r>
               <a:rPr lang="en-US" altLang="ko-KR"/>
@@ -2224,7 +4088,31 @@
             </a:r>
             <a:r>
               <a:rPr lang="ko-KR" altLang="en-US"/>
+              <a:t> 스레드는 단일 스레드로 동작이 되는 것이 아닌 멀티스레드로 동작이 되어야 합니다</a:t>
+            </a:r>
+            <a:r>
+              <a:rPr lang="en-US" altLang="ko-KR"/>
+              <a:t>.</a:t>
+            </a:r>
+            <a:r>
+              <a:rPr lang="ko-KR" altLang="en-US"/>
               <a:t> </a:t>
+            </a:r>
+            <a:endParaRPr lang="ko-KR" altLang="en-US"/>
+          </a:p>
+          <a:p>
+            <a:pPr>
+              <a:defRPr/>
+            </a:pPr>
+            <a:endParaRPr lang="ko-KR" altLang="en-US"/>
+          </a:p>
+          <a:p>
+            <a:pPr>
+              <a:defRPr/>
+            </a:pPr>
+            <a:r>
+              <a:rPr lang="ko-KR" altLang="en-US"/>
+              <a:t>해당 예시로 말하면 </a:t>
             </a:r>
             <a:r>
               <a:rPr lang="en-US" altLang="ko-KR"/>
@@ -2232,31 +4120,7 @@
             </a:r>
             <a:r>
               <a:rPr lang="ko-KR" altLang="en-US"/>
-              <a:t> 스레드</a:t>
-            </a:r>
-            <a:r>
-              <a:rPr lang="en-US" altLang="ko-KR"/>
-              <a:t>,</a:t>
-            </a:r>
-            <a:r>
-              <a:rPr lang="ko-KR" altLang="en-US"/>
-              <a:t> </a:t>
-            </a:r>
-            <a:r>
-              <a:rPr lang="en-US" altLang="ko-KR"/>
-              <a:t>LL</a:t>
-            </a:r>
-            <a:r>
-              <a:rPr lang="ko-KR" altLang="en-US"/>
-              <a:t> 스레드</a:t>
-            </a:r>
-            <a:r>
-              <a:rPr lang="en-US" altLang="ko-KR"/>
-              <a:t>,</a:t>
-            </a:r>
-            <a:r>
-              <a:rPr lang="ko-KR" altLang="en-US"/>
-              <a:t> </a:t>
+              <a:t>과 </a:t>
             </a:r>
             <a:r>
               <a:rPr lang="en-US" altLang="ko-KR"/>
@@ -2264,15 +4128,7 @@
             </a:r>
             <a:r>
               <a:rPr lang="ko-KR" altLang="en-US"/>
-              <a:t>스레드는 모듈이 </a:t>
-            </a:r>
-            <a:r>
-              <a:rPr lang="en-US" altLang="ko-KR"/>
-              <a:t>2</a:t>
-            </a:r>
-            <a:r>
-              <a:rPr lang="ko-KR" altLang="en-US"/>
-              <a:t>개 이상일 경우 멀티스레드로 동작을 하여야 하는데 보시는 것과 같이 구현 되어져 있는 것을 확일하실 수 있습니다</a:t>
+              <a:t> 과정이 동시에 일어 나야 된다는 건데 보시는 것과 같이 멀티스레드로 동작하시는 것을 볼 수 있습니다</a:t>
             </a:r>
             <a:r>
               <a:rPr lang="en-US" altLang="ko-KR"/>
@@ -2389,54 +4245,349 @@
           <a:bodyPr/>
           <a:lstStyle/>
           <a:p>
-            <a:pPr lvl="0">
-              <a:defRPr/>
-            </a:pPr>
-            <a:r>
-              <a:rPr lang="ko-KR" altLang="en-US"/>
+            <a:pPr>
+              <a:lnSpc>
+                <a:spcPct val="160000"/>
+              </a:lnSpc>
+              <a:spcBef>
+                <a:spcPts val="0"/>
+              </a:spcBef>
+              <a:spcAft>
+                <a:spcPts val="0"/>
+              </a:spcAft>
+              <a:defRPr/>
+            </a:pPr>
+            <a:r>
+              <a:rPr xmlns:mc="http://schemas.openxmlformats.org/markup-compatibility/2006" xmlns:hp="http://schemas.haansoft.com/office/presentation/8.0" b="0" i="0" u="none" strike="noStrike" mc:Ignorable="hp" hp:hslEmbossed="0">
+                <a:solidFill>
+                  <a:srgbClr val="000000"/>
+                </a:solidFill>
+                <a:latin typeface="돋움"/>
+                <a:ea typeface="돋움"/>
+                <a:cs typeface="돋움"/>
+              </a:rPr>
               <a:t>네번째로 </a:t>
             </a:r>
             <a:r>
-              <a:rPr lang="en-US" altLang="ko-KR"/>
+              <a:rPr xmlns:mc="http://schemas.openxmlformats.org/markup-compatibility/2006" xmlns:hp="http://schemas.haansoft.com/office/presentation/8.0" lang="EN-US" b="0" i="0" u="none" strike="noStrike" mc:Ignorable="hp" hp:hslEmbossed="0">
+                <a:solidFill>
+                  <a:srgbClr val="000000"/>
+                </a:solidFill>
+                <a:latin typeface="돋움"/>
+                <a:ea typeface="돋움"/>
+                <a:cs typeface="돋움"/>
+              </a:rPr>
               <a:t>UI</a:t>
             </a:r>
             <a:r>
-              <a:rPr lang="ko-KR" altLang="en-US"/>
-              <a:t> 구성에 대해서 설명드리겠습니다</a:t>
-            </a:r>
-            <a:r>
-              <a:rPr lang="en-US" altLang="ko-KR"/>
+              <a:rPr xmlns:mc="http://schemas.openxmlformats.org/markup-compatibility/2006" xmlns:hp="http://schemas.haansoft.com/office/presentation/8.0" b="0" i="0" u="none" strike="noStrike" mc:Ignorable="hp" hp:hslEmbossed="0">
+                <a:solidFill>
+                  <a:srgbClr val="000000"/>
+                </a:solidFill>
+                <a:latin typeface="돋움"/>
+                <a:ea typeface="돋움"/>
+                <a:cs typeface="돋움"/>
+              </a:rPr>
+              <a:t>구성에 대해서 설명드리겠습니다</a:t>
+            </a:r>
+            <a:r>
+              <a:rPr xmlns:mc="http://schemas.openxmlformats.org/markup-compatibility/2006" xmlns:hp="http://schemas.haansoft.com/office/presentation/8.0" lang="EN-US" b="0" i="0" u="none" strike="noStrike" mc:Ignorable="hp" hp:hslEmbossed="0">
+                <a:solidFill>
+                  <a:srgbClr val="000000"/>
+                </a:solidFill>
+                <a:latin typeface="돋움"/>
+                <a:ea typeface="돋움"/>
+                <a:cs typeface="돋움"/>
+              </a:rPr>
               <a:t>.</a:t>
             </a:r>
-            <a:r>
-              <a:rPr lang="ko-KR" altLang="en-US"/>
+            <a:endParaRPr xmlns:mc="http://schemas.openxmlformats.org/markup-compatibility/2006" xmlns:hp="http://schemas.haansoft.com/office/presentation/8.0" lang="EN-US" b="0" i="0" u="none" strike="noStrike" mc:Ignorable="hp" hp:hslEmbossed="0">
+              <a:solidFill>
+                <a:srgbClr val="000000"/>
+              </a:solidFill>
+              <a:latin typeface="돋움"/>
+              <a:ea typeface="돋움"/>
+              <a:cs typeface="돋움"/>
+            </a:endParaRPr>
+          </a:p>
+          <a:p>
+            <a:pPr>
+              <a:lnSpc>
+                <a:spcPct val="160000"/>
+              </a:lnSpc>
+              <a:spcBef>
+                <a:spcPts val="0"/>
+              </a:spcBef>
+              <a:spcAft>
+                <a:spcPts val="0"/>
+              </a:spcAft>
+              <a:defRPr/>
+            </a:pPr>
+            <a:r>
+              <a:rPr xmlns:mc="http://schemas.openxmlformats.org/markup-compatibility/2006" xmlns:hp="http://schemas.haansoft.com/office/presentation/8.0" lang="ko-KR" altLang="en-US" b="0" i="0" u="none" strike="noStrike" mc:Ignorable="hp" hp:hslEmbossed="0">
+                <a:solidFill>
+                  <a:srgbClr val="000000"/>
+                </a:solidFill>
+                <a:latin typeface="돋움"/>
+                <a:ea typeface="돋움"/>
+                <a:cs typeface="돋움"/>
+              </a:rPr>
+              <a:t>이전</a:t>
+            </a:r>
+            <a:r>
+              <a:rPr xmlns:mc="http://schemas.openxmlformats.org/markup-compatibility/2006" xmlns:hp="http://schemas.haansoft.com/office/presentation/8.0" b="0" i="0" u="none" strike="noStrike" mc:Ignorable="hp" hp:hslEmbossed="0">
+                <a:solidFill>
+                  <a:srgbClr val="000000"/>
+                </a:solidFill>
+                <a:latin typeface="돋움"/>
+                <a:ea typeface="돋움"/>
+                <a:cs typeface="돋움"/>
+              </a:rPr>
               <a:t> </a:t>
             </a:r>
-            <a:endParaRPr lang="ko-KR" altLang="en-US"/>
-          </a:p>
-          <a:p>
-            <a:pPr lvl="0">
-              <a:defRPr/>
-            </a:pPr>
-            <a:endParaRPr lang="ko-KR" altLang="en-US"/>
-          </a:p>
-          <a:p>
-            <a:pPr lvl="0">
-              <a:defRPr/>
-            </a:pPr>
-            <a:r>
-              <a:rPr lang="ko-KR" altLang="en-US"/>
-              <a:t>기존 </a:t>
-            </a:r>
-            <a:r>
-              <a:rPr lang="en-US" altLang="ko-KR"/>
+            <a:r>
+              <a:rPr xmlns:mc="http://schemas.openxmlformats.org/markup-compatibility/2006" xmlns:hp="http://schemas.haansoft.com/office/presentation/8.0" lang="EN-US" b="0" i="0" u="none" strike="noStrike" mc:Ignorable="hp" hp:hslEmbossed="0">
+                <a:solidFill>
+                  <a:srgbClr val="000000"/>
+                </a:solidFill>
+                <a:latin typeface="돋움"/>
+                <a:ea typeface="돋움"/>
+                <a:cs typeface="돋움"/>
+              </a:rPr>
               <a:t>UI</a:t>
             </a:r>
             <a:r>
-              <a:rPr lang="ko-KR" altLang="en-US"/>
-              <a:t>의 경우 타일 형식으로 되어있어서 </a:t>
-            </a:r>
-            <a:endParaRPr lang="ko-KR" altLang="en-US"/>
+              <a:rPr xmlns:mc="http://schemas.openxmlformats.org/markup-compatibility/2006" xmlns:hp="http://schemas.haansoft.com/office/presentation/8.0" b="0" i="0" u="none" strike="noStrike" mc:Ignorable="hp" hp:hslEmbossed="0">
+                <a:solidFill>
+                  <a:srgbClr val="000000"/>
+                </a:solidFill>
+                <a:latin typeface="돋움"/>
+                <a:ea typeface="돋움"/>
+                <a:cs typeface="돋움"/>
+              </a:rPr>
+              <a:t>의 경우 타일 형식으로 되어있어서 한</a:t>
+            </a:r>
+            <a:r>
+              <a:rPr xmlns:mc="http://schemas.openxmlformats.org/markup-compatibility/2006" xmlns:hp="http://schemas.haansoft.com/office/presentation/8.0" lang="ko-KR" altLang="en-US" b="0" i="0" u="none" strike="noStrike" mc:Ignorable="hp" hp:hslEmbossed="0">
+                <a:solidFill>
+                  <a:srgbClr val="000000"/>
+                </a:solidFill>
+                <a:latin typeface="돋움"/>
+                <a:ea typeface="돋움"/>
+                <a:cs typeface="돋움"/>
+              </a:rPr>
+              <a:t> 눈</a:t>
+            </a:r>
+            <a:r>
+              <a:rPr xmlns:mc="http://schemas.openxmlformats.org/markup-compatibility/2006" xmlns:hp="http://schemas.haansoft.com/office/presentation/8.0" b="0" i="0" u="none" strike="noStrike" mc:Ignorable="hp" hp:hslEmbossed="0">
+                <a:solidFill>
+                  <a:srgbClr val="000000"/>
+                </a:solidFill>
+                <a:latin typeface="돋움"/>
+                <a:ea typeface="돋움"/>
+                <a:cs typeface="돋움"/>
+              </a:rPr>
+              <a:t>에 알아보는 것이 힘들었습니다</a:t>
+            </a:r>
+            <a:r>
+              <a:rPr xmlns:mc="http://schemas.openxmlformats.org/markup-compatibility/2006" xmlns:hp="http://schemas.haansoft.com/office/presentation/8.0" lang="EN-US" b="0" i="0" u="none" strike="noStrike" mc:Ignorable="hp" hp:hslEmbossed="0">
+                <a:solidFill>
+                  <a:srgbClr val="000000"/>
+                </a:solidFill>
+                <a:latin typeface="돋움"/>
+                <a:ea typeface="돋움"/>
+                <a:cs typeface="돋움"/>
+              </a:rPr>
+              <a:t>. </a:t>
+            </a:r>
+            <a:endParaRPr xmlns:mc="http://schemas.openxmlformats.org/markup-compatibility/2006" xmlns:hp="http://schemas.haansoft.com/office/presentation/8.0" lang="EN-US" b="0" i="0" u="none" strike="noStrike" mc:Ignorable="hp" hp:hslEmbossed="0">
+              <a:solidFill>
+                <a:srgbClr val="000000"/>
+              </a:solidFill>
+              <a:latin typeface="돋움"/>
+              <a:ea typeface="돋움"/>
+              <a:cs typeface="돋움"/>
+            </a:endParaRPr>
+          </a:p>
+          <a:p>
+            <a:pPr>
+              <a:lnSpc>
+                <a:spcPct val="160000"/>
+              </a:lnSpc>
+              <a:spcBef>
+                <a:spcPts val="0"/>
+              </a:spcBef>
+              <a:spcAft>
+                <a:spcPts val="0"/>
+              </a:spcAft>
+              <a:defRPr/>
+            </a:pPr>
+            <a:r>
+              <a:rPr xmlns:mc="http://schemas.openxmlformats.org/markup-compatibility/2006" xmlns:hp="http://schemas.haansoft.com/office/presentation/8.0" b="0" i="0" u="none" strike="noStrike" mc:Ignorable="hp" hp:hslEmbossed="0">
+                <a:solidFill>
+                  <a:srgbClr val="000000"/>
+                </a:solidFill>
+                <a:latin typeface="돋움"/>
+                <a:ea typeface="돋움"/>
+                <a:cs typeface="돋움"/>
+              </a:rPr>
+              <a:t>하지만 새로운 </a:t>
+            </a:r>
+            <a:r>
+              <a:rPr xmlns:mc="http://schemas.openxmlformats.org/markup-compatibility/2006" xmlns:hp="http://schemas.haansoft.com/office/presentation/8.0" lang="EN-US" b="0" i="0" u="none" strike="noStrike" mc:Ignorable="hp" hp:hslEmbossed="0">
+                <a:solidFill>
+                  <a:srgbClr val="000000"/>
+                </a:solidFill>
+                <a:latin typeface="돋움"/>
+                <a:ea typeface="돋움"/>
+                <a:cs typeface="돋움"/>
+              </a:rPr>
+              <a:t>UI </a:t>
+            </a:r>
+            <a:r>
+              <a:rPr xmlns:mc="http://schemas.openxmlformats.org/markup-compatibility/2006" xmlns:hp="http://schemas.haansoft.com/office/presentation/8.0" b="0" i="0" u="none" strike="noStrike" mc:Ignorable="hp" hp:hslEmbossed="0">
+                <a:solidFill>
+                  <a:srgbClr val="000000"/>
+                </a:solidFill>
+                <a:latin typeface="돋움"/>
+                <a:ea typeface="돋움"/>
+                <a:cs typeface="돋움"/>
+              </a:rPr>
+              <a:t>구성</a:t>
+            </a:r>
+            <a:r>
+              <a:rPr xmlns:mc="http://schemas.openxmlformats.org/markup-compatibility/2006" xmlns:hp="http://schemas.haansoft.com/office/presentation/8.0" lang="ko-KR" altLang="en-US" b="0" i="0" u="none" strike="noStrike" mc:Ignorable="hp" hp:hslEmbossed="0">
+                <a:solidFill>
+                  <a:srgbClr val="000000"/>
+                </a:solidFill>
+                <a:latin typeface="돋움"/>
+                <a:ea typeface="돋움"/>
+                <a:cs typeface="돋움"/>
+              </a:rPr>
+              <a:t>은 </a:t>
+            </a:r>
+            <a:r>
+              <a:rPr xmlns:mc="http://schemas.openxmlformats.org/markup-compatibility/2006" xmlns:hp="http://schemas.haansoft.com/office/presentation/8.0" b="0" i="0" u="none" strike="noStrike" mc:Ignorable="hp" hp:hslEmbossed="0">
+                <a:solidFill>
+                  <a:srgbClr val="000000"/>
+                </a:solidFill>
+                <a:latin typeface="돋움"/>
+                <a:ea typeface="돋움"/>
+                <a:cs typeface="돋움"/>
+              </a:rPr>
+              <a:t>각각의 모듈이 현재 수행하고 있는 작업</a:t>
+            </a:r>
+            <a:r>
+              <a:rPr xmlns:mc="http://schemas.openxmlformats.org/markup-compatibility/2006" xmlns:hp="http://schemas.haansoft.com/office/presentation/8.0" lang="ko-KR" altLang="en-US" b="0" i="0" u="none" strike="noStrike" mc:Ignorable="hp" hp:hslEmbossed="0">
+                <a:solidFill>
+                  <a:srgbClr val="000000"/>
+                </a:solidFill>
+                <a:latin typeface="돋움"/>
+                <a:ea typeface="돋움"/>
+                <a:cs typeface="돋움"/>
+              </a:rPr>
+              <a:t>을 볼 수 있을 뿐만 아니라</a:t>
+            </a:r>
+            <a:r>
+              <a:rPr xmlns:mc="http://schemas.openxmlformats.org/markup-compatibility/2006" xmlns:hp="http://schemas.haansoft.com/office/presentation/8.0" b="0" i="0" u="none" strike="noStrike" mc:Ignorable="hp" hp:hslEmbossed="0">
+                <a:solidFill>
+                  <a:srgbClr val="000000"/>
+                </a:solidFill>
+                <a:latin typeface="돋움"/>
+                <a:ea typeface="돋움"/>
+                <a:cs typeface="돋움"/>
+              </a:rPr>
+              <a:t> 앞으로 </a:t>
+            </a:r>
+            <a:r>
+              <a:rPr xmlns:mc="http://schemas.openxmlformats.org/markup-compatibility/2006" xmlns:hp="http://schemas.haansoft.com/office/presentation/8.0" lang="ko-KR" altLang="en-US" b="0" i="0" u="none" strike="noStrike" mc:Ignorable="hp" hp:hslEmbossed="0">
+                <a:solidFill>
+                  <a:srgbClr val="000000"/>
+                </a:solidFill>
+                <a:latin typeface="돋움"/>
+                <a:ea typeface="돋움"/>
+                <a:cs typeface="돋움"/>
+              </a:rPr>
+              <a:t>할 작업도 사용자가 예상할 수 있도록 설계하였습니다</a:t>
+            </a:r>
+            <a:r>
+              <a:rPr xmlns:mc="http://schemas.openxmlformats.org/markup-compatibility/2006" xmlns:hp="http://schemas.haansoft.com/office/presentation/8.0" lang="en-US" altLang="ko-KR" b="0" i="0" u="none" strike="noStrike" mc:Ignorable="hp" hp:hslEmbossed="0">
+                <a:solidFill>
+                  <a:srgbClr val="000000"/>
+                </a:solidFill>
+                <a:latin typeface="돋움"/>
+                <a:ea typeface="돋움"/>
+                <a:cs typeface="돋움"/>
+              </a:rPr>
+              <a:t>.</a:t>
+            </a:r>
+            <a:endParaRPr xmlns:mc="http://schemas.openxmlformats.org/markup-compatibility/2006" xmlns:hp="http://schemas.haansoft.com/office/presentation/8.0" lang="en-US" altLang="ko-KR" b="0" i="0" u="none" strike="noStrike" mc:Ignorable="hp" hp:hslEmbossed="0">
+              <a:solidFill>
+                <a:srgbClr val="000000"/>
+              </a:solidFill>
+              <a:latin typeface="돋움"/>
+              <a:ea typeface="돋움"/>
+              <a:cs typeface="돋움"/>
+            </a:endParaRPr>
+          </a:p>
+          <a:p>
+            <a:pPr>
+              <a:lnSpc>
+                <a:spcPct val="160000"/>
+              </a:lnSpc>
+              <a:spcBef>
+                <a:spcPts val="0"/>
+              </a:spcBef>
+              <a:spcAft>
+                <a:spcPts val="0"/>
+              </a:spcAft>
+              <a:defRPr/>
+            </a:pPr>
+            <a:r>
+              <a:rPr xmlns:mc="http://schemas.openxmlformats.org/markup-compatibility/2006" xmlns:hp="http://schemas.haansoft.com/office/presentation/8.0" b="0" i="0" u="none" strike="noStrike" mc:Ignorable="hp" hp:hslEmbossed="0">
+                <a:solidFill>
+                  <a:srgbClr val="000000"/>
+                </a:solidFill>
+                <a:latin typeface="돋움"/>
+                <a:ea typeface="돋움"/>
+                <a:cs typeface="돋움"/>
+              </a:rPr>
+              <a:t>이제 각 </a:t>
+            </a:r>
+            <a:r>
+              <a:rPr xmlns:mc="http://schemas.openxmlformats.org/markup-compatibility/2006" xmlns:hp="http://schemas.haansoft.com/office/presentation/8.0" lang="EN-US" b="0" i="0" u="none" strike="noStrike" mc:Ignorable="hp" hp:hslEmbossed="0">
+                <a:solidFill>
+                  <a:srgbClr val="000000"/>
+                </a:solidFill>
+                <a:latin typeface="돋움"/>
+                <a:ea typeface="돋움"/>
+                <a:cs typeface="돋움"/>
+              </a:rPr>
+              <a:t>UI</a:t>
+            </a:r>
+            <a:r>
+              <a:rPr xmlns:mc="http://schemas.openxmlformats.org/markup-compatibility/2006" xmlns:hp="http://schemas.haansoft.com/office/presentation/8.0" b="0" i="0" u="none" strike="noStrike" mc:Ignorable="hp" hp:hslEmbossed="0">
+                <a:solidFill>
+                  <a:srgbClr val="000000"/>
+                </a:solidFill>
+                <a:latin typeface="돋움"/>
+                <a:ea typeface="돋움"/>
+                <a:cs typeface="돋움"/>
+              </a:rPr>
+              <a:t>별 세부 사항에 대해 알려드리겠습니다</a:t>
+            </a:r>
+            <a:r>
+              <a:rPr xmlns:mc="http://schemas.openxmlformats.org/markup-compatibility/2006" xmlns:hp="http://schemas.haansoft.com/office/presentation/8.0" lang="EN-US" b="0" i="0" u="none" strike="noStrike" mc:Ignorable="hp" hp:hslEmbossed="0">
+                <a:solidFill>
+                  <a:srgbClr val="000000"/>
+                </a:solidFill>
+                <a:latin typeface="돋움"/>
+                <a:ea typeface="돋움"/>
+                <a:cs typeface="돋움"/>
+              </a:rPr>
+              <a:t>. </a:t>
+            </a:r>
+            <a:endParaRPr lang="en-US" altLang="ko-KR"/>
           </a:p>
         </p:txBody>
       </p:sp>
@@ -2532,83 +4683,269 @@
           <a:lstStyle/>
           <a:p>
             <a:pPr>
-              <a:defRPr/>
-            </a:pPr>
-            <a:r>
-              <a:rPr lang="ko-KR" altLang="en-US"/>
-              <a:t>먼저 </a:t>
-            </a:r>
-            <a:r>
-              <a:rPr lang="en-US" altLang="ko-KR"/>
-              <a:t>Main UI</a:t>
-            </a:r>
-            <a:r>
-              <a:rPr lang="ko-KR" altLang="en-US"/>
-              <a:t>의 상단에는 </a:t>
-            </a:r>
-            <a:r>
-              <a:rPr lang="en-US" altLang="ko-KR"/>
-              <a:t>Total Running  Time,</a:t>
-            </a:r>
-            <a:r>
-              <a:rPr lang="ko-KR" altLang="en-US"/>
-              <a:t> </a:t>
-            </a:r>
-            <a:r>
-              <a:rPr lang="en-US" altLang="ko-KR"/>
-              <a:t>Total Cleaning</a:t>
-            </a:r>
-            <a:r>
-              <a:rPr lang="ko-KR" altLang="en-US"/>
-              <a:t> </a:t>
-            </a:r>
-            <a:r>
-              <a:rPr lang="en-US" altLang="ko-KR"/>
-              <a:t>Time</a:t>
-            </a:r>
-            <a:r>
-              <a:rPr lang="ko-KR" altLang="en-US"/>
-              <a:t> 그리고 </a:t>
-            </a:r>
-            <a:r>
-              <a:rPr lang="en-US" altLang="ko-KR"/>
-              <a:t>Reuslt</a:t>
-            </a:r>
-            <a:r>
-              <a:rPr lang="ko-KR" altLang="en-US"/>
-              <a:t>를 배치하여서 현재 시뮬레이터가 가동된 총 시간과 </a:t>
-            </a:r>
-            <a:r>
-              <a:rPr lang="en-US" altLang="ko-KR"/>
-              <a:t>Clean</a:t>
-            </a:r>
-            <a:r>
-              <a:rPr lang="ko-KR" altLang="en-US"/>
-              <a:t>시간 그리고 공정이 완료된 </a:t>
-            </a:r>
-            <a:r>
-              <a:rPr lang="en-US" altLang="ko-KR"/>
-              <a:t>Wafer</a:t>
-            </a:r>
-            <a:r>
-              <a:rPr lang="ko-KR" altLang="en-US"/>
-              <a:t>와 </a:t>
-            </a:r>
-            <a:r>
-              <a:rPr lang="en-US" altLang="ko-KR"/>
-              <a:t>Throughput</a:t>
-            </a:r>
-            <a:r>
-              <a:rPr lang="ko-KR" altLang="en-US"/>
-              <a:t>을 알 수 있게 하였습니다</a:t>
-            </a:r>
-            <a:r>
-              <a:rPr lang="en-US" altLang="ko-KR"/>
+              <a:lnSpc>
+                <a:spcPct val="160000"/>
+              </a:lnSpc>
+              <a:spcBef>
+                <a:spcPts val="0"/>
+              </a:spcBef>
+              <a:spcAft>
+                <a:spcPts val="0"/>
+              </a:spcAft>
+              <a:defRPr/>
+            </a:pPr>
+            <a:r>
+              <a:rPr xmlns:mc="http://schemas.openxmlformats.org/markup-compatibility/2006" xmlns:hp="http://schemas.haansoft.com/office/presentation/8.0" b="0" i="0" u="none" strike="noStrike" mc:Ignorable="hp" hp:hslEmbossed="0">
+                <a:solidFill>
+                  <a:srgbClr val="000000"/>
+                </a:solidFill>
+                <a:latin typeface="돋움"/>
+                <a:ea typeface="돋움"/>
+                <a:cs typeface="돋움"/>
+              </a:rPr>
+              <a:t>우선 최상단에 보시면 타이머가 </a:t>
+            </a:r>
+            <a:r>
+              <a:rPr xmlns:mc="http://schemas.openxmlformats.org/markup-compatibility/2006" xmlns:hp="http://schemas.haansoft.com/office/presentation/8.0" lang="EN-US" b="0" i="0" u="none" strike="noStrike" mc:Ignorable="hp" hp:hslEmbossed="0">
+                <a:solidFill>
+                  <a:srgbClr val="000000"/>
+                </a:solidFill>
+                <a:latin typeface="돋움"/>
+                <a:ea typeface="돋움"/>
+                <a:cs typeface="돋움"/>
+              </a:rPr>
+              <a:t>2</a:t>
+            </a:r>
+            <a:r>
+              <a:rPr xmlns:mc="http://schemas.openxmlformats.org/markup-compatibility/2006" xmlns:hp="http://schemas.haansoft.com/office/presentation/8.0" b="0" i="0" u="none" strike="noStrike" mc:Ignorable="hp" hp:hslEmbossed="0">
+                <a:solidFill>
+                  <a:srgbClr val="000000"/>
+                </a:solidFill>
+                <a:latin typeface="돋움"/>
+                <a:ea typeface="돋움"/>
+                <a:cs typeface="돋움"/>
+              </a:rPr>
+              <a:t>가지가 있습니다</a:t>
+            </a:r>
+            <a:r>
+              <a:rPr xmlns:mc="http://schemas.openxmlformats.org/markup-compatibility/2006" xmlns:hp="http://schemas.haansoft.com/office/presentation/8.0" lang="EN-US" b="0" i="0" u="none" strike="noStrike" mc:Ignorable="hp" hp:hslEmbossed="0">
+                <a:solidFill>
+                  <a:srgbClr val="000000"/>
+                </a:solidFill>
+                <a:latin typeface="돋움"/>
+                <a:ea typeface="돋움"/>
+                <a:cs typeface="돋움"/>
+              </a:rPr>
               <a:t>.</a:t>
             </a:r>
-            <a:r>
-              <a:rPr lang="ko-KR" altLang="en-US"/>
-              <a:t> </a:t>
+            <a:endParaRPr xmlns:mc="http://schemas.openxmlformats.org/markup-compatibility/2006" xmlns:hp="http://schemas.haansoft.com/office/presentation/8.0" lang="EN-US" b="0" i="0" u="none" strike="noStrike" mc:Ignorable="hp" hp:hslEmbossed="0">
+              <a:solidFill>
+                <a:srgbClr val="000000"/>
+              </a:solidFill>
+              <a:latin typeface="돋움"/>
+              <a:ea typeface="돋움"/>
+              <a:cs typeface="돋움"/>
+            </a:endParaRPr>
+          </a:p>
+          <a:p>
+            <a:pPr>
+              <a:lnSpc>
+                <a:spcPct val="160000"/>
+              </a:lnSpc>
+              <a:spcBef>
+                <a:spcPts val="0"/>
+              </a:spcBef>
+              <a:spcAft>
+                <a:spcPts val="0"/>
+              </a:spcAft>
+              <a:defRPr/>
+            </a:pPr>
+            <a:r>
+              <a:rPr xmlns:mc="http://schemas.openxmlformats.org/markup-compatibility/2006" xmlns:hp="http://schemas.haansoft.com/office/presentation/8.0" b="0" i="0" u="none" strike="noStrike" mc:Ignorable="hp" hp:hslEmbossed="0">
+                <a:solidFill>
+                  <a:srgbClr val="000000"/>
+                </a:solidFill>
+                <a:latin typeface="돋움"/>
+                <a:ea typeface="돋움"/>
+                <a:cs typeface="돋움"/>
+              </a:rPr>
+              <a:t>각각 </a:t>
+            </a:r>
+            <a:r>
+              <a:rPr xmlns:mc="http://schemas.openxmlformats.org/markup-compatibility/2006" xmlns:hp="http://schemas.haansoft.com/office/presentation/8.0" lang="EN-US" b="0" i="0" u="none" strike="noStrike" mc:Ignorable="hp" hp:hslEmbossed="0">
+                <a:solidFill>
+                  <a:srgbClr val="000000"/>
+                </a:solidFill>
+                <a:latin typeface="돋움"/>
+                <a:ea typeface="돋움"/>
+                <a:cs typeface="돋움"/>
+              </a:rPr>
+              <a:t>Total Time </a:t>
+            </a:r>
+            <a:r>
+              <a:rPr xmlns:mc="http://schemas.openxmlformats.org/markup-compatibility/2006" xmlns:hp="http://schemas.haansoft.com/office/presentation/8.0" b="0" i="0" u="none" strike="noStrike" mc:Ignorable="hp" hp:hslEmbossed="0">
+                <a:solidFill>
+                  <a:srgbClr val="000000"/>
+                </a:solidFill>
+                <a:latin typeface="돋움"/>
+                <a:ea typeface="돋움"/>
+                <a:cs typeface="돋움"/>
+              </a:rPr>
+              <a:t>과 </a:t>
+            </a:r>
+            <a:r>
+              <a:rPr xmlns:mc="http://schemas.openxmlformats.org/markup-compatibility/2006" xmlns:hp="http://schemas.haansoft.com/office/presentation/8.0" lang="EN-US" b="0" i="0" u="none" strike="noStrike" mc:Ignorable="hp" hp:hslEmbossed="0">
+                <a:solidFill>
+                  <a:srgbClr val="000000"/>
+                </a:solidFill>
+                <a:latin typeface="돋움"/>
+                <a:ea typeface="돋움"/>
+                <a:cs typeface="돋움"/>
+              </a:rPr>
+              <a:t>Cleanning Time </a:t>
+            </a:r>
+            <a:r>
+              <a:rPr xmlns:mc="http://schemas.openxmlformats.org/markup-compatibility/2006" xmlns:hp="http://schemas.haansoft.com/office/presentation/8.0" b="0" i="0" u="none" strike="noStrike" mc:Ignorable="hp" hp:hslEmbossed="0">
+                <a:solidFill>
+                  <a:srgbClr val="000000"/>
+                </a:solidFill>
+                <a:latin typeface="돋움"/>
+                <a:ea typeface="돋움"/>
+                <a:cs typeface="돋움"/>
+              </a:rPr>
+              <a:t>으로 구성되어 있으며</a:t>
+            </a:r>
+            <a:endParaRPr xmlns:mc="http://schemas.openxmlformats.org/markup-compatibility/2006" xmlns:hp="http://schemas.haansoft.com/office/presentation/8.0" b="0" i="0" u="none" strike="noStrike" mc:Ignorable="hp" hp:hslEmbossed="0">
+              <a:solidFill>
+                <a:srgbClr val="000000"/>
+              </a:solidFill>
+              <a:latin typeface="돋움"/>
+              <a:ea typeface="돋움"/>
+              <a:cs typeface="돋움"/>
+            </a:endParaRPr>
+          </a:p>
+          <a:p>
+            <a:pPr>
+              <a:lnSpc>
+                <a:spcPct val="160000"/>
+              </a:lnSpc>
+              <a:spcBef>
+                <a:spcPts val="0"/>
+              </a:spcBef>
+              <a:spcAft>
+                <a:spcPts val="0"/>
+              </a:spcAft>
+              <a:defRPr/>
+            </a:pPr>
+            <a:r>
+              <a:rPr xmlns:mc="http://schemas.openxmlformats.org/markup-compatibility/2006" xmlns:hp="http://schemas.haansoft.com/office/presentation/8.0" b="0" i="0" u="none" strike="noStrike" mc:Ignorable="hp" hp:hslEmbossed="0">
+                <a:solidFill>
+                  <a:srgbClr val="000000"/>
+                </a:solidFill>
+                <a:latin typeface="돋움"/>
+                <a:ea typeface="돋움"/>
+                <a:cs typeface="돋움"/>
+              </a:rPr>
+              <a:t>공정이 완료된 모든 웨이퍼를 </a:t>
+            </a:r>
+            <a:r>
+              <a:rPr xmlns:mc="http://schemas.openxmlformats.org/markup-compatibility/2006" xmlns:hp="http://schemas.haansoft.com/office/presentation/8.0" lang="EN-US" b="0" i="0" u="none" strike="noStrike" mc:Ignorable="hp" hp:hslEmbossed="0">
+                <a:solidFill>
+                  <a:srgbClr val="000000"/>
+                </a:solidFill>
+                <a:latin typeface="돋움"/>
+                <a:ea typeface="돋움"/>
+                <a:cs typeface="돋움"/>
+              </a:rPr>
+              <a:t>OUTPUT</a:t>
+            </a:r>
+            <a:r>
+              <a:rPr xmlns:mc="http://schemas.openxmlformats.org/markup-compatibility/2006" xmlns:hp="http://schemas.haansoft.com/office/presentation/8.0" b="0" i="0" u="none" strike="noStrike" mc:Ignorable="hp" hp:hslEmbossed="0">
+                <a:solidFill>
+                  <a:srgbClr val="000000"/>
+                </a:solidFill>
+                <a:latin typeface="돋움"/>
+                <a:ea typeface="돋움"/>
+                <a:cs typeface="돋움"/>
+              </a:rPr>
+              <a:t>에 표시하고 </a:t>
+            </a:r>
+            <a:endParaRPr xmlns:mc="http://schemas.openxmlformats.org/markup-compatibility/2006" xmlns:hp="http://schemas.haansoft.com/office/presentation/8.0" b="0" i="0" u="none" strike="noStrike" mc:Ignorable="hp" hp:hslEmbossed="0">
+              <a:solidFill>
+                <a:srgbClr val="000000"/>
+              </a:solidFill>
+              <a:latin typeface="돋움"/>
+              <a:ea typeface="돋움"/>
+              <a:cs typeface="돋움"/>
+            </a:endParaRPr>
+          </a:p>
+          <a:p>
+            <a:pPr>
+              <a:lnSpc>
+                <a:spcPct val="160000"/>
+              </a:lnSpc>
+              <a:spcBef>
+                <a:spcPts val="0"/>
+              </a:spcBef>
+              <a:spcAft>
+                <a:spcPts val="0"/>
+              </a:spcAft>
+              <a:defRPr/>
+            </a:pPr>
+            <a:r>
+              <a:rPr xmlns:mc="http://schemas.openxmlformats.org/markup-compatibility/2006" xmlns:hp="http://schemas.haansoft.com/office/presentation/8.0" lang="EN-US" b="0" i="0" u="none" strike="noStrike" mc:Ignorable="hp" hp:hslEmbossed="0">
+                <a:solidFill>
+                  <a:srgbClr val="000000"/>
+                </a:solidFill>
+                <a:latin typeface="돋움"/>
+                <a:ea typeface="돋움"/>
+                <a:cs typeface="돋움"/>
+              </a:rPr>
+              <a:t>1</a:t>
+            </a:r>
+            <a:r>
+              <a:rPr xmlns:mc="http://schemas.openxmlformats.org/markup-compatibility/2006" xmlns:hp="http://schemas.haansoft.com/office/presentation/8.0" b="0" i="0" u="none" strike="noStrike" mc:Ignorable="hp" hp:hslEmbossed="0">
+                <a:solidFill>
+                  <a:srgbClr val="000000"/>
+                </a:solidFill>
+                <a:latin typeface="돋움"/>
+                <a:ea typeface="돋움"/>
+                <a:cs typeface="돋움"/>
+              </a:rPr>
+              <a:t>시간당 공정한 웨이퍼 평균을 구해 </a:t>
+            </a:r>
+            <a:r>
+              <a:rPr xmlns:mc="http://schemas.openxmlformats.org/markup-compatibility/2006" xmlns:hp="http://schemas.haansoft.com/office/presentation/8.0" lang="EN-US" b="0" i="0" u="none" strike="noStrike" mc:Ignorable="hp" hp:hslEmbossed="0">
+                <a:solidFill>
+                  <a:srgbClr val="000000"/>
+                </a:solidFill>
+                <a:latin typeface="돋움"/>
+                <a:ea typeface="돋움"/>
+                <a:cs typeface="돋움"/>
+              </a:rPr>
+              <a:t>THROUGHTPUT </a:t>
+            </a:r>
+            <a:r>
+              <a:rPr xmlns:mc="http://schemas.openxmlformats.org/markup-compatibility/2006" xmlns:hp="http://schemas.haansoft.com/office/presentation/8.0" b="0" i="0" u="none" strike="noStrike" mc:Ignorable="hp" hp:hslEmbossed="0">
+                <a:solidFill>
+                  <a:srgbClr val="000000"/>
+                </a:solidFill>
+                <a:latin typeface="돋움"/>
+                <a:ea typeface="돋움"/>
+                <a:cs typeface="돋움"/>
+              </a:rPr>
+              <a:t>에 표시했습니다</a:t>
+            </a:r>
+            <a:r>
+              <a:rPr xmlns:mc="http://schemas.openxmlformats.org/markup-compatibility/2006" xmlns:hp="http://schemas.haansoft.com/office/presentation/8.0" lang="EN-US" b="0" i="0" u="none" strike="noStrike" mc:Ignorable="hp" hp:hslEmbossed="0">
+                <a:solidFill>
+                  <a:srgbClr val="000000"/>
+                </a:solidFill>
+                <a:latin typeface="돋움"/>
+                <a:ea typeface="돋움"/>
+                <a:cs typeface="돋움"/>
+              </a:rPr>
+              <a:t>.</a:t>
             </a:r>
             <a:endParaRPr lang="ko-KR" altLang="en-US"/>
           </a:p>
@@ -2706,139 +5043,379 @@
           <a:lstStyle/>
           <a:p>
             <a:pPr>
-              <a:defRPr/>
-            </a:pPr>
-            <a:r>
-              <a:rPr lang="en-US" altLang="ko-KR"/>
-              <a:t>Main UI</a:t>
-            </a:r>
-            <a:r>
-              <a:rPr lang="ko-KR" altLang="en-US"/>
-              <a:t>의 왼쪽은 </a:t>
-            </a:r>
-            <a:r>
-              <a:rPr lang="en-US" altLang="ko-KR"/>
+              <a:lnSpc>
+                <a:spcPct val="160000"/>
+              </a:lnSpc>
+              <a:spcBef>
+                <a:spcPts val="0"/>
+              </a:spcBef>
+              <a:spcAft>
+                <a:spcPts val="0"/>
+              </a:spcAft>
+              <a:defRPr/>
+            </a:pPr>
+            <a:r>
+              <a:rPr xmlns:mc="http://schemas.openxmlformats.org/markup-compatibility/2006" xmlns:hp="http://schemas.haansoft.com/office/presentation/8.0" b="0" i="0" u="none" strike="noStrike" mc:Ignorable="hp" hp:hslEmbossed="0">
+                <a:solidFill>
+                  <a:srgbClr val="000000"/>
+                </a:solidFill>
+                <a:latin typeface="돋움"/>
+                <a:ea typeface="돋움"/>
+                <a:cs typeface="돋움"/>
+              </a:rPr>
+              <a:t>다음</a:t>
+            </a:r>
+            <a:r>
+              <a:rPr xmlns:mc="http://schemas.openxmlformats.org/markup-compatibility/2006" xmlns:hp="http://schemas.haansoft.com/office/presentation/8.0" lang="EN-US" b="0" i="0" u="none" strike="noStrike" mc:Ignorable="hp" hp:hslEmbossed="0">
+                <a:solidFill>
+                  <a:srgbClr val="000000"/>
+                </a:solidFill>
+                <a:latin typeface="돋움"/>
+                <a:ea typeface="돋움"/>
+                <a:cs typeface="돋움"/>
+              </a:rPr>
+              <a:t>UI</a:t>
+            </a:r>
+            <a:r>
+              <a:rPr xmlns:mc="http://schemas.openxmlformats.org/markup-compatibility/2006" xmlns:hp="http://schemas.haansoft.com/office/presentation/8.0" b="0" i="0" u="none" strike="noStrike" mc:Ignorable="hp" hp:hslEmbossed="0">
+                <a:solidFill>
+                  <a:srgbClr val="000000"/>
+                </a:solidFill>
+                <a:latin typeface="돋움"/>
+                <a:ea typeface="돋움"/>
+                <a:cs typeface="돋움"/>
+              </a:rPr>
+              <a:t>는 </a:t>
+            </a:r>
+            <a:r>
+              <a:rPr xmlns:mc="http://schemas.openxmlformats.org/markup-compatibility/2006" xmlns:hp="http://schemas.haansoft.com/office/presentation/8.0" lang="EN-US" b="0" i="0" u="none" strike="noStrike" mc:Ignorable="hp" hp:hslEmbossed="0">
+                <a:solidFill>
+                  <a:srgbClr val="000000"/>
+                </a:solidFill>
+                <a:latin typeface="돋움"/>
+                <a:ea typeface="돋움"/>
+                <a:cs typeface="돋움"/>
+              </a:rPr>
               <a:t>LPM</a:t>
             </a:r>
             <a:r>
-              <a:rPr lang="ko-KR" altLang="en-US"/>
-              <a:t>을 오른쪽은 </a:t>
-            </a:r>
-            <a:r>
-              <a:rPr lang="en-US" altLang="ko-KR"/>
-              <a:t>LoadL Lock</a:t>
-            </a:r>
-            <a:r>
-              <a:rPr lang="ko-KR" altLang="en-US"/>
-              <a:t>을 표현하였습니다</a:t>
-            </a:r>
-            <a:r>
-              <a:rPr lang="en-US" altLang="ko-KR"/>
+              <a:rPr xmlns:mc="http://schemas.openxmlformats.org/markup-compatibility/2006" xmlns:hp="http://schemas.haansoft.com/office/presentation/8.0" b="0" i="0" u="none" strike="noStrike" mc:Ignorable="hp" hp:hslEmbossed="0">
+                <a:solidFill>
+                  <a:srgbClr val="000000"/>
+                </a:solidFill>
+                <a:latin typeface="돋움"/>
+                <a:ea typeface="돋움"/>
+                <a:cs typeface="돋움"/>
+              </a:rPr>
+              <a:t>과 </a:t>
+            </a:r>
+            <a:r>
+              <a:rPr xmlns:mc="http://schemas.openxmlformats.org/markup-compatibility/2006" xmlns:hp="http://schemas.haansoft.com/office/presentation/8.0" lang="EN-US" b="0" i="0" u="none" strike="noStrike" mc:Ignorable="hp" hp:hslEmbossed="0">
+                <a:solidFill>
+                  <a:srgbClr val="000000"/>
+                </a:solidFill>
+                <a:latin typeface="돋움"/>
+                <a:ea typeface="돋움"/>
+                <a:cs typeface="돋움"/>
+              </a:rPr>
+              <a:t>Load Lock</a:t>
+            </a:r>
+            <a:r>
+              <a:rPr xmlns:mc="http://schemas.openxmlformats.org/markup-compatibility/2006" xmlns:hp="http://schemas.haansoft.com/office/presentation/8.0" b="0" i="0" u="none" strike="noStrike" mc:Ignorable="hp" hp:hslEmbossed="0">
+                <a:solidFill>
+                  <a:srgbClr val="000000"/>
+                </a:solidFill>
+                <a:latin typeface="돋움"/>
+                <a:ea typeface="돋움"/>
+                <a:cs typeface="돋움"/>
+              </a:rPr>
+              <a:t>을 표현한 </a:t>
+            </a:r>
+            <a:r>
+              <a:rPr xmlns:mc="http://schemas.openxmlformats.org/markup-compatibility/2006" xmlns:hp="http://schemas.haansoft.com/office/presentation/8.0" lang="EN-US" b="0" i="0" u="none" strike="noStrike" mc:Ignorable="hp" hp:hslEmbossed="0">
+                <a:solidFill>
+                  <a:srgbClr val="000000"/>
+                </a:solidFill>
+                <a:latin typeface="돋움"/>
+                <a:ea typeface="돋움"/>
+                <a:cs typeface="돋움"/>
+              </a:rPr>
+              <a:t>GDI </a:t>
+            </a:r>
+            <a:r>
+              <a:rPr xmlns:mc="http://schemas.openxmlformats.org/markup-compatibility/2006" xmlns:hp="http://schemas.haansoft.com/office/presentation/8.0" b="0" i="0" u="none" strike="noStrike" mc:Ignorable="hp" hp:hslEmbossed="0">
+                <a:solidFill>
+                  <a:srgbClr val="000000"/>
+                </a:solidFill>
+                <a:latin typeface="돋움"/>
+                <a:ea typeface="돋움"/>
+                <a:cs typeface="돋움"/>
+              </a:rPr>
+              <a:t>입니다</a:t>
+            </a:r>
+            <a:r>
+              <a:rPr xmlns:mc="http://schemas.openxmlformats.org/markup-compatibility/2006" xmlns:hp="http://schemas.haansoft.com/office/presentation/8.0" lang="EN-US" b="0" i="0" u="none" strike="noStrike" mc:Ignorable="hp" hp:hslEmbossed="0">
+                <a:solidFill>
+                  <a:srgbClr val="000000"/>
+                </a:solidFill>
+                <a:latin typeface="돋움"/>
+                <a:ea typeface="돋움"/>
+                <a:cs typeface="돋움"/>
+              </a:rPr>
+              <a:t>. </a:t>
+            </a:r>
+            <a:r>
+              <a:rPr xmlns:mc="http://schemas.openxmlformats.org/markup-compatibility/2006" xmlns:hp="http://schemas.haansoft.com/office/presentation/8.0" b="0" i="0" u="none" strike="noStrike" mc:Ignorable="hp" hp:hslEmbossed="0">
+                <a:solidFill>
+                  <a:srgbClr val="000000"/>
+                </a:solidFill>
+                <a:latin typeface="돋움"/>
+                <a:ea typeface="돋움"/>
+                <a:cs typeface="돋움"/>
+              </a:rPr>
+              <a:t>웨이퍼를 우선 공정 전</a:t>
+            </a:r>
+            <a:r>
+              <a:rPr xmlns:mc="http://schemas.openxmlformats.org/markup-compatibility/2006" xmlns:hp="http://schemas.haansoft.com/office/presentation/8.0" lang="EN-US" b="0" i="0" u="none" strike="noStrike" mc:Ignorable="hp" hp:hslEmbossed="0">
+                <a:solidFill>
+                  <a:srgbClr val="000000"/>
+                </a:solidFill>
+                <a:latin typeface="돋움"/>
+                <a:ea typeface="돋움"/>
+                <a:cs typeface="돋움"/>
+              </a:rPr>
+              <a:t>/</a:t>
+            </a:r>
+            <a:r>
+              <a:rPr xmlns:mc="http://schemas.openxmlformats.org/markup-compatibility/2006" xmlns:hp="http://schemas.haansoft.com/office/presentation/8.0" b="0" i="0" u="none" strike="noStrike" mc:Ignorable="hp" hp:hslEmbossed="0">
+                <a:solidFill>
+                  <a:srgbClr val="000000"/>
+                </a:solidFill>
+                <a:latin typeface="돋움"/>
+                <a:ea typeface="돋움"/>
+                <a:cs typeface="돋움"/>
+              </a:rPr>
+              <a:t>후 로 구분짓기 위해 색깔을 구분지었으며 </a:t>
+            </a:r>
+            <a:endParaRPr xmlns:mc="http://schemas.openxmlformats.org/markup-compatibility/2006" xmlns:hp="http://schemas.haansoft.com/office/presentation/8.0" b="0" i="0" u="none" strike="noStrike" mc:Ignorable="hp" hp:hslEmbossed="0">
+              <a:solidFill>
+                <a:srgbClr val="000000"/>
+              </a:solidFill>
+              <a:latin typeface="돋움"/>
+              <a:ea typeface="돋움"/>
+              <a:cs typeface="돋움"/>
+            </a:endParaRPr>
+          </a:p>
+          <a:p>
+            <a:pPr>
+              <a:lnSpc>
+                <a:spcPct val="160000"/>
+              </a:lnSpc>
+              <a:spcBef>
+                <a:spcPts val="0"/>
+              </a:spcBef>
+              <a:spcAft>
+                <a:spcPts val="0"/>
+              </a:spcAft>
+              <a:defRPr/>
+            </a:pPr>
+            <a:r>
+              <a:rPr xmlns:mc="http://schemas.openxmlformats.org/markup-compatibility/2006" xmlns:hp="http://schemas.haansoft.com/office/presentation/8.0" b="0" i="0" u="none" strike="noStrike" mc:Ignorable="hp" hp:hslEmbossed="0">
+                <a:solidFill>
+                  <a:srgbClr val="000000"/>
+                </a:solidFill>
+                <a:latin typeface="돋움"/>
+                <a:ea typeface="돋움"/>
+                <a:cs typeface="돋움"/>
+              </a:rPr>
+              <a:t>현재 웨이퍼가 들어있는 개수와 최대 들어갈수 있는 크기 및 웨이퍼의 공정 상태까지 한번에 알수있게 만들었습니다</a:t>
+            </a:r>
+            <a:r>
+              <a:rPr xmlns:mc="http://schemas.openxmlformats.org/markup-compatibility/2006" xmlns:hp="http://schemas.haansoft.com/office/presentation/8.0" lang="EN-US" b="0" i="0" u="none" strike="noStrike" mc:Ignorable="hp" hp:hslEmbossed="0">
+                <a:solidFill>
+                  <a:srgbClr val="000000"/>
+                </a:solidFill>
+                <a:latin typeface="돋움"/>
+                <a:ea typeface="돋움"/>
+                <a:cs typeface="돋움"/>
+              </a:rPr>
               <a:t>.</a:t>
             </a:r>
-            <a:r>
-              <a:rPr lang="ko-KR" altLang="en-US"/>
-              <a:t>  오른쪽을 보시게 되면 </a:t>
-            </a:r>
-            <a:r>
-              <a:rPr lang="en-US" altLang="ko-KR"/>
-              <a:t>LPM</a:t>
-            </a:r>
-            <a:r>
-              <a:rPr lang="ko-KR" altLang="en-US"/>
-              <a:t>과</a:t>
-            </a:r>
-            <a:r>
-              <a:rPr lang="en-US" altLang="ko-KR"/>
-              <a:t> LL</a:t>
-            </a:r>
-            <a:r>
-              <a:rPr lang="ko-KR" altLang="en-US"/>
-              <a:t>에 </a:t>
-            </a:r>
-            <a:r>
-              <a:rPr lang="en-US" altLang="ko-KR"/>
-              <a:t>Wafer</a:t>
-            </a:r>
-            <a:r>
-              <a:rPr lang="ko-KR" altLang="en-US"/>
-              <a:t>의 상태에 따라 색이 변하시는 것을 볼 수 있습니다</a:t>
-            </a:r>
-            <a:r>
-              <a:rPr lang="en-US" altLang="ko-KR"/>
+            <a:endParaRPr xmlns:mc="http://schemas.openxmlformats.org/markup-compatibility/2006" xmlns:hp="http://schemas.haansoft.com/office/presentation/8.0" lang="EN-US" b="0" i="0" u="none" strike="noStrike" mc:Ignorable="hp" hp:hslEmbossed="0">
+              <a:solidFill>
+                <a:srgbClr val="000000"/>
+              </a:solidFill>
+              <a:latin typeface="돋움"/>
+              <a:ea typeface="돋움"/>
+              <a:cs typeface="돋움"/>
+            </a:endParaRPr>
+          </a:p>
+          <a:p>
+            <a:pPr>
+              <a:lnSpc>
+                <a:spcPct val="160000"/>
+              </a:lnSpc>
+              <a:spcBef>
+                <a:spcPts val="0"/>
+              </a:spcBef>
+              <a:spcAft>
+                <a:spcPts val="0"/>
+              </a:spcAft>
+              <a:defRPr/>
+            </a:pPr>
+            <a:r>
+              <a:rPr xmlns:mc="http://schemas.openxmlformats.org/markup-compatibility/2006" xmlns:hp="http://schemas.haansoft.com/office/presentation/8.0" b="0" i="0" u="none" strike="noStrike" mc:Ignorable="hp" hp:hslEmbossed="0">
+                <a:solidFill>
+                  <a:srgbClr val="000000"/>
+                </a:solidFill>
+                <a:latin typeface="돋움"/>
+                <a:ea typeface="돋움"/>
+                <a:cs typeface="돋움"/>
+              </a:rPr>
+              <a:t>또한 </a:t>
+            </a:r>
+            <a:r>
+              <a:rPr xmlns:mc="http://schemas.openxmlformats.org/markup-compatibility/2006" xmlns:hp="http://schemas.haansoft.com/office/presentation/8.0" lang="EN-US" b="0" i="0" u="none" strike="noStrike" mc:Ignorable="hp" hp:hslEmbossed="0">
+                <a:solidFill>
+                  <a:srgbClr val="000000"/>
+                </a:solidFill>
+                <a:latin typeface="돋움"/>
+                <a:ea typeface="돋움"/>
+                <a:cs typeface="돋움"/>
+              </a:rPr>
+              <a:t>Load Lock </a:t>
+            </a:r>
+            <a:r>
+              <a:rPr xmlns:mc="http://schemas.openxmlformats.org/markup-compatibility/2006" xmlns:hp="http://schemas.haansoft.com/office/presentation/8.0" b="0" i="0" u="none" strike="noStrike" mc:Ignorable="hp" hp:hslEmbossed="0">
+                <a:solidFill>
+                  <a:srgbClr val="000000"/>
+                </a:solidFill>
+                <a:latin typeface="돋움"/>
+                <a:ea typeface="돋움"/>
+                <a:cs typeface="돋움"/>
+              </a:rPr>
+              <a:t>이 수행하는 진공상태</a:t>
+            </a:r>
+            <a:r>
+              <a:rPr xmlns:mc="http://schemas.openxmlformats.org/markup-compatibility/2006" xmlns:hp="http://schemas.haansoft.com/office/presentation/8.0" lang="EN-US" b="0" i="0" u="none" strike="noStrike" mc:Ignorable="hp" hp:hslEmbossed="0">
+                <a:solidFill>
+                  <a:srgbClr val="000000"/>
+                </a:solidFill>
+                <a:latin typeface="돋움"/>
+                <a:ea typeface="돋움"/>
+                <a:cs typeface="돋움"/>
+              </a:rPr>
+              <a:t>/</a:t>
+            </a:r>
+            <a:r>
+              <a:rPr xmlns:mc="http://schemas.openxmlformats.org/markup-compatibility/2006" xmlns:hp="http://schemas.haansoft.com/office/presentation/8.0" b="0" i="0" u="none" strike="noStrike" mc:Ignorable="hp" hp:hslEmbossed="0">
+                <a:solidFill>
+                  <a:srgbClr val="000000"/>
+                </a:solidFill>
+                <a:latin typeface="돋움"/>
+                <a:ea typeface="돋움"/>
+                <a:cs typeface="돋움"/>
+              </a:rPr>
+              <a:t>대기상태 등을 프로그래스바 를 통해 알수있게 해놓았으며 </a:t>
+            </a:r>
+            <a:endParaRPr xmlns:mc="http://schemas.openxmlformats.org/markup-compatibility/2006" xmlns:hp="http://schemas.haansoft.com/office/presentation/8.0" b="0" i="0" u="none" strike="noStrike" mc:Ignorable="hp" hp:hslEmbossed="0">
+              <a:solidFill>
+                <a:srgbClr val="000000"/>
+              </a:solidFill>
+              <a:latin typeface="돋움"/>
+              <a:ea typeface="돋움"/>
+              <a:cs typeface="돋움"/>
+            </a:endParaRPr>
+          </a:p>
+          <a:p>
+            <a:pPr>
+              <a:lnSpc>
+                <a:spcPct val="160000"/>
+              </a:lnSpc>
+              <a:spcBef>
+                <a:spcPts val="0"/>
+              </a:spcBef>
+              <a:spcAft>
+                <a:spcPts val="0"/>
+              </a:spcAft>
+              <a:defRPr/>
+            </a:pPr>
+            <a:r>
+              <a:rPr xmlns:mc="http://schemas.openxmlformats.org/markup-compatibility/2006" xmlns:hp="http://schemas.haansoft.com/office/presentation/8.0" b="0" i="0" u="none" strike="noStrike" mc:Ignorable="hp" hp:hslEmbossed="0">
+                <a:solidFill>
+                  <a:srgbClr val="000000"/>
+                </a:solidFill>
+                <a:latin typeface="돋움"/>
+                <a:ea typeface="돋움"/>
+                <a:cs typeface="돋움"/>
+              </a:rPr>
+              <a:t>이로인해 </a:t>
+            </a:r>
+            <a:r>
+              <a:rPr xmlns:mc="http://schemas.openxmlformats.org/markup-compatibility/2006" xmlns:hp="http://schemas.haansoft.com/office/presentation/8.0" lang="EN-US" b="0" i="0" u="none" strike="noStrike" mc:Ignorable="hp" hp:hslEmbossed="0">
+                <a:solidFill>
+                  <a:srgbClr val="000000"/>
+                </a:solidFill>
+                <a:latin typeface="돋움"/>
+                <a:ea typeface="돋움"/>
+                <a:cs typeface="돋움"/>
+              </a:rPr>
+              <a:t>Load Lock</a:t>
+            </a:r>
+            <a:r>
+              <a:rPr xmlns:mc="http://schemas.openxmlformats.org/markup-compatibility/2006" xmlns:hp="http://schemas.haansoft.com/office/presentation/8.0" b="0" i="0" u="none" strike="noStrike" mc:Ignorable="hp" hp:hslEmbossed="0">
+                <a:solidFill>
+                  <a:srgbClr val="000000"/>
+                </a:solidFill>
+                <a:latin typeface="돋움"/>
+                <a:ea typeface="돋움"/>
+                <a:cs typeface="돋움"/>
+              </a:rPr>
+              <a:t>이 현재 수행중인 작업과 갖고있는 웨이퍼의 상태 및 수량 등을 한번에 알 수 있습니다</a:t>
+            </a:r>
+            <a:r>
+              <a:rPr xmlns:mc="http://schemas.openxmlformats.org/markup-compatibility/2006" xmlns:hp="http://schemas.haansoft.com/office/presentation/8.0" lang="EN-US" b="0" i="0" u="none" strike="noStrike" mc:Ignorable="hp" hp:hslEmbossed="0">
+                <a:solidFill>
+                  <a:srgbClr val="000000"/>
+                </a:solidFill>
+                <a:latin typeface="돋움"/>
+                <a:ea typeface="돋움"/>
+                <a:cs typeface="돋움"/>
+              </a:rPr>
               <a:t>.</a:t>
             </a:r>
-            <a:r>
-              <a:rPr lang="ko-KR" altLang="en-US"/>
-              <a:t> 연두색은 공정전</a:t>
-            </a:r>
-            <a:r>
-              <a:rPr lang="en-US" altLang="ko-KR"/>
-              <a:t>,</a:t>
-            </a:r>
-            <a:r>
-              <a:rPr lang="ko-KR" altLang="en-US"/>
-              <a:t> 파란색은 공정후</a:t>
-            </a:r>
-            <a:r>
-              <a:rPr lang="en-US" altLang="ko-KR"/>
-              <a:t>,</a:t>
-            </a:r>
-            <a:r>
-              <a:rPr lang="ko-KR" altLang="en-US"/>
-              <a:t> 빨간색은 공정진행중 그리고 회색은 비어있는 것을 표현하였습니다</a:t>
-            </a:r>
-            <a:r>
-              <a:rPr lang="en-US" altLang="ko-KR"/>
-              <a:t>.</a:t>
-            </a:r>
-            <a:r>
-              <a:rPr lang="ko-KR" altLang="en-US"/>
-              <a:t> 또한</a:t>
-            </a:r>
-            <a:r>
-              <a:rPr lang="en-US" altLang="ko-KR"/>
-              <a:t>,</a:t>
-            </a:r>
-            <a:r>
-              <a:rPr lang="ko-KR" altLang="en-US"/>
-              <a:t> </a:t>
-            </a:r>
-            <a:r>
-              <a:rPr lang="en-US" altLang="ko-KR"/>
-              <a:t>Load Lock</a:t>
-            </a:r>
-            <a:r>
-              <a:rPr lang="ko-KR" altLang="en-US"/>
-              <a:t>의 경우 </a:t>
-            </a:r>
-            <a:r>
-              <a:rPr lang="en-US" altLang="ko-KR"/>
-              <a:t>Vent</a:t>
-            </a:r>
-            <a:r>
-              <a:rPr lang="ko-KR" altLang="en-US"/>
-              <a:t>와 </a:t>
-            </a:r>
-            <a:r>
-              <a:rPr lang="en-US" altLang="ko-KR"/>
-              <a:t>Pump</a:t>
-            </a:r>
-            <a:r>
-              <a:rPr lang="ko-KR" altLang="en-US"/>
-              <a:t>가 이루어 지는데 해당 상태를 표현하기위해 </a:t>
-            </a:r>
-            <a:r>
-              <a:rPr lang="en-US" altLang="ko-KR"/>
-              <a:t>Progress bar</a:t>
-            </a:r>
-            <a:r>
-              <a:rPr lang="ko-KR" altLang="en-US"/>
-              <a:t>를 사용하였습니다</a:t>
-            </a:r>
-            <a:r>
-              <a:rPr lang="en-US" altLang="ko-KR"/>
-              <a:t>.</a:t>
+            <a:endParaRPr xmlns:mc="http://schemas.openxmlformats.org/markup-compatibility/2006" xmlns:hp="http://schemas.haansoft.com/office/presentation/8.0" lang="EN-US" b="0" i="0" u="none" strike="noStrike" mc:Ignorable="hp" hp:hslEmbossed="0">
+              <a:solidFill>
+                <a:srgbClr val="000000"/>
+              </a:solidFill>
+              <a:latin typeface="돋움"/>
+              <a:ea typeface="돋움"/>
+              <a:cs typeface="돋움"/>
+            </a:endParaRPr>
+          </a:p>
+          <a:p>
+            <a:pPr>
+              <a:lnSpc>
+                <a:spcPct val="160000"/>
+              </a:lnSpc>
+              <a:spcBef>
+                <a:spcPts val="0"/>
+              </a:spcBef>
+              <a:spcAft>
+                <a:spcPts val="0"/>
+              </a:spcAft>
+              <a:defRPr/>
+            </a:pPr>
+            <a:r>
+              <a:rPr xmlns:mc="http://schemas.openxmlformats.org/markup-compatibility/2006" xmlns:hp="http://schemas.haansoft.com/office/presentation/8.0" b="0" i="0" u="none" strike="noStrike" mc:Ignorable="hp" hp:hslEmbossed="0">
+                <a:solidFill>
+                  <a:srgbClr val="000000"/>
+                </a:solidFill>
+                <a:latin typeface="돋움"/>
+                <a:ea typeface="돋움"/>
+                <a:cs typeface="돋움"/>
+              </a:rPr>
+              <a:t>다음 페이지를 보시면</a:t>
             </a:r>
             <a:endParaRPr lang="en-US" altLang="ko-KR"/>
           </a:p>
@@ -5960,8 +8537,8 @@
         </p:nvSpPr>
         <p:spPr>
           <a:xfrm>
-            <a:off x="3714750" y="3648075"/>
-            <a:ext cx="4762500" cy="1154162"/>
+            <a:off x="3329835" y="3895986"/>
+            <a:ext cx="5532329" cy="1455420"/>
           </a:xfrm>
           <a:prstGeom prst="rect">
             <a:avLst/>
@@ -5978,27 +8555,27 @@
               <a:defRPr/>
             </a:pPr>
             <a:r>
-              <a:rPr lang="ko-KR" altLang="en-US" sz="2300" b="1">
+              <a:rPr lang="ko-KR" altLang="en-US" sz="3000" b="1">
                 <a:latin typeface="+mn-ea"/>
                 <a:ea typeface="+mn-ea"/>
               </a:rPr>
               <a:t>조장 </a:t>
             </a:r>
             <a:r>
-              <a:rPr lang="en-US" altLang="ko-KR" sz="2300" b="1">
+              <a:rPr lang="en-US" altLang="ko-KR" sz="3000" b="1">
                 <a:latin typeface="+mn-ea"/>
                 <a:ea typeface="+mn-ea"/>
               </a:rPr>
               <a:t>:</a:t>
             </a:r>
             <a:r>
-              <a:rPr lang="ko-KR" altLang="en-US" sz="2300" b="1">
+              <a:rPr lang="ko-KR" altLang="en-US" sz="3000" b="1">
                 <a:latin typeface="+mn-ea"/>
                 <a:ea typeface="+mn-ea"/>
               </a:rPr>
               <a:t> 한성현</a:t>
             </a:r>
-            <a:endParaRPr lang="ko-KR" altLang="en-US" sz="2300" b="1">
+            <a:endParaRPr lang="ko-KR" altLang="en-US" sz="3000" b="1">
               <a:latin typeface="+mn-ea"/>
               <a:ea typeface="+mn-ea"/>
             </a:endParaRPr>
@@ -6007,7 +8584,7 @@
             <a:pPr algn="ctr">
               <a:defRPr/>
             </a:pPr>
-            <a:endParaRPr lang="ko-KR" altLang="en-US" sz="2300" b="1">
+            <a:endParaRPr lang="ko-KR" altLang="en-US" sz="3000" b="1">
               <a:latin typeface="+mn-ea"/>
               <a:ea typeface="+mn-ea"/>
             </a:endParaRPr>
@@ -6017,55 +8594,55 @@
               <a:defRPr/>
             </a:pPr>
             <a:r>
-              <a:rPr lang="ko-KR" altLang="en-US" sz="2300" b="1">
+              <a:rPr lang="ko-KR" altLang="en-US" sz="3000" b="1">
                 <a:latin typeface="+mn-ea"/>
                 <a:ea typeface="+mn-ea"/>
               </a:rPr>
               <a:t>조원 </a:t>
             </a:r>
             <a:r>
-              <a:rPr lang="en-US" altLang="ko-KR" sz="2300" b="1">
+              <a:rPr lang="en-US" altLang="ko-KR" sz="3000" b="1">
                 <a:latin typeface="+mn-ea"/>
                 <a:ea typeface="+mn-ea"/>
               </a:rPr>
-              <a:t>:</a:t>
-            </a:r>
-            <a:r>
-              <a:rPr lang="ko-KR" altLang="en-US" sz="2300" b="1">
+              <a:t>: </a:t>
+            </a:r>
+            <a:r>
+              <a:rPr lang="ko-KR" altLang="en-US" sz="3000" b="1">
                 <a:latin typeface="+mn-ea"/>
                 <a:ea typeface="+mn-ea"/>
               </a:rPr>
               <a:t>계민석</a:t>
             </a:r>
             <a:r>
-              <a:rPr lang="en-US" altLang="ko-KR" sz="2300" b="1">
+              <a:rPr lang="en-US" altLang="ko-KR" sz="3000" b="1">
                 <a:latin typeface="+mn-ea"/>
                 <a:ea typeface="+mn-ea"/>
               </a:rPr>
               <a:t>, </a:t>
             </a:r>
             <a:r>
-              <a:rPr lang="ko-KR" altLang="en-US" sz="2300" b="1">
+              <a:rPr lang="ko-KR" altLang="en-US" sz="3000" b="1">
                 <a:latin typeface="+mn-ea"/>
                 <a:ea typeface="+mn-ea"/>
               </a:rPr>
               <a:t>김서윤</a:t>
             </a:r>
             <a:r>
-              <a:rPr lang="en-US" altLang="ko-KR" sz="2300" b="1">
+              <a:rPr lang="en-US" altLang="ko-KR" sz="3000" b="1">
                 <a:latin typeface="+mn-ea"/>
                 <a:ea typeface="+mn-ea"/>
               </a:rPr>
               <a:t>, </a:t>
             </a:r>
             <a:r>
-              <a:rPr lang="ko-KR" altLang="en-US" sz="2300" b="1">
+              <a:rPr lang="ko-KR" altLang="en-US" sz="3000" b="1">
                 <a:latin typeface="+mn-ea"/>
                 <a:ea typeface="+mn-ea"/>
               </a:rPr>
               <a:t>김재곤</a:t>
             </a:r>
-            <a:endParaRPr lang="ko-KR" altLang="en-US" sz="2300" b="1">
+            <a:endParaRPr lang="ko-KR" altLang="en-US" sz="3000" b="1">
               <a:latin typeface="+mn-ea"/>
               <a:ea typeface="+mn-ea"/>
             </a:endParaRPr>
@@ -7166,7 +9743,7 @@
           <p:nvPr/>
         </p:nvPicPr>
         <p:blipFill rotWithShape="1">
-          <a:blip r:embed="rId2"/>
+          <a:blip r:embed="rId3"/>
           <a:stretch>
             <a:fillRect/>
           </a:stretch>
@@ -7336,7 +9913,7 @@
             <p:nvPr/>
           </p:nvPicPr>
           <p:blipFill rotWithShape="1">
-            <a:blip r:embed="rId3"/>
+            <a:blip r:embed="rId4"/>
             <a:stretch>
               <a:fillRect/>
             </a:stretch>
@@ -7768,7 +10345,7 @@
             <p:nvPr/>
           </p:nvPicPr>
           <p:blipFill rotWithShape="1">
-            <a:blip r:embed="rId2"/>
+            <a:blip r:embed="rId3"/>
             <a:stretch>
               <a:fillRect/>
             </a:stretch>
@@ -7905,7 +10482,7 @@
             <p:nvPr/>
           </p:nvPicPr>
           <p:blipFill rotWithShape="1">
-            <a:blip r:embed="rId3"/>
+            <a:blip r:embed="rId4"/>
             <a:stretch>
               <a:fillRect/>
             </a:stretch>
@@ -7987,7 +10564,7 @@
             <p:nvPr/>
           </p:nvPicPr>
           <p:blipFill rotWithShape="1">
-            <a:blip r:embed="rId4"/>
+            <a:blip r:embed="rId5"/>
             <a:stretch>
               <a:fillRect/>
             </a:stretch>
@@ -10149,8 +12726,8 @@
         </p:nvSpPr>
         <p:spPr>
           <a:xfrm>
-            <a:off x="560234" y="952685"/>
-            <a:ext cx="2509274" cy="870564"/>
+            <a:off x="2555616" y="2163443"/>
+            <a:ext cx="2340292" cy="1404175"/>
           </a:xfrm>
           <a:prstGeom prst="roundRect">
             <a:avLst>
@@ -10194,7 +12771,7 @@
                 <a:ea typeface="맑은 고딕"/>
                 <a:cs typeface="Arial Unicode MS"/>
               </a:rPr>
-              <a:t>김서윤</a:t>
+              <a:t>김재곤</a:t>
             </a:r>
             <a:endParaRPr kumimoji="0" lang="ko-KR" altLang="en-US" sz="2500" b="0" i="0" u="none" strike="noStrike" kern="1200" cap="none" spc="0" normalizeH="0" baseline="0">
               <a:solidFill>
@@ -10215,8 +12792,8 @@
         </p:nvSpPr>
         <p:spPr>
           <a:xfrm>
-            <a:off x="560234" y="3972827"/>
-            <a:ext cx="2509274" cy="870564"/>
+            <a:off x="2555616" y="648516"/>
+            <a:ext cx="2340292" cy="1404175"/>
           </a:xfrm>
           <a:prstGeom prst="roundRect">
             <a:avLst>
@@ -10260,7 +12837,7 @@
                 <a:ea typeface="맑은 고딕"/>
                 <a:cs typeface="Arial Unicode MS"/>
               </a:rPr>
-              <a:t>김재곤</a:t>
+              <a:t>김서윤</a:t>
             </a:r>
             <a:endParaRPr kumimoji="0" lang="ko-KR" altLang="en-US" sz="2500" b="0" i="0" u="none" strike="noStrike" kern="1200" cap="none" spc="0" normalizeH="0" baseline="0">
               <a:solidFill>
@@ -10275,14 +12852,14 @@
       </p:sp>
       <p:sp>
         <p:nvSpPr>
-          <p:cNvPr id="11" name="사각형: 둥근 모서리 10"/>
+          <p:cNvPr id="29" name="사각형: 둥근 모서리 8"/>
           <p:cNvSpPr/>
           <p:nvPr/>
         </p:nvSpPr>
         <p:spPr>
           <a:xfrm>
-            <a:off x="6409335" y="952685"/>
-            <a:ext cx="2509274" cy="870564"/>
+            <a:off x="2555616" y="5218325"/>
+            <a:ext cx="2340292" cy="1404175"/>
           </a:xfrm>
           <a:prstGeom prst="roundRect">
             <a:avLst>
@@ -10301,7 +12878,6 @@
         </p:spPr>
         <p:txBody>
           <a:bodyPr anchor="ctr"/>
-          <a:lstStyle/>
           <a:p>
             <a:pPr marL="0" indent="0" algn="ctr" defTabSz="914400" rtl="0" eaLnBrk="1" latinLnBrk="1" hangingPunct="1">
               <a:lnSpc>
@@ -10318,7 +12894,7 @@
               <a:defRPr/>
             </a:pPr>
             <a:r>
-              <a:rPr kumimoji="0" lang="ko-KR" altLang="en-US" sz="2500" b="0" i="0" u="none" strike="noStrike" kern="1200" cap="none" spc="0" normalizeH="0" baseline="0">
+              <a:rPr xmlns:mc="http://schemas.openxmlformats.org/markup-compatibility/2006" xmlns:hp="http://schemas.haansoft.com/office/presentation/8.0" kumimoji="0" lang="ko-KR" altLang="en-US" sz="2500" b="0" i="0" u="none" strike="noStrike" kern="1200" cap="none" spc="0" normalizeH="0" baseline="0" mc:Ignorable="hp" hp:hslEmbossed="0">
                 <a:solidFill>
                   <a:srgbClr val="000000"/>
                 </a:solidFill>
@@ -10326,9 +12902,9 @@
                 <a:ea typeface="맑은 고딕"/>
                 <a:cs typeface="Arial Unicode MS"/>
               </a:rPr>
-              <a:t>계민석</a:t>
-            </a:r>
-            <a:endParaRPr kumimoji="0" lang="ko-KR" altLang="en-US" sz="2500" b="0" i="0" u="none" strike="noStrike" kern="1200" cap="none" spc="0" normalizeH="0" baseline="0">
+              <a:t>한성현</a:t>
+            </a:r>
+            <a:endParaRPr xmlns:mc="http://schemas.openxmlformats.org/markup-compatibility/2006" xmlns:hp="http://schemas.haansoft.com/office/presentation/8.0" kumimoji="0" lang="ko-KR" altLang="en-US" sz="2500" b="0" i="0" u="none" strike="noStrike" kern="1200" cap="none" spc="0" normalizeH="0" baseline="0" mc:Ignorable="hp" hp:hslEmbossed="0">
               <a:solidFill>
                 <a:srgbClr val="000000"/>
               </a:solidFill>
@@ -10341,14 +12917,14 @@
       </p:sp>
       <p:sp>
         <p:nvSpPr>
-          <p:cNvPr id="12" name="사각형: 둥근 모서리 11"/>
+          <p:cNvPr id="30" name="사각형: 둥근 모서리 9"/>
           <p:cNvSpPr/>
           <p:nvPr/>
         </p:nvSpPr>
         <p:spPr>
           <a:xfrm>
-            <a:off x="6409334" y="3972827"/>
-            <a:ext cx="2509274" cy="870564"/>
+            <a:off x="2555616" y="3731972"/>
+            <a:ext cx="2340292" cy="1404175"/>
           </a:xfrm>
           <a:prstGeom prst="roundRect">
             <a:avLst>
@@ -10367,7 +12943,6 @@
         </p:spPr>
         <p:txBody>
           <a:bodyPr anchor="ctr"/>
-          <a:lstStyle/>
           <a:p>
             <a:pPr marL="0" indent="0" algn="ctr" defTabSz="914400" rtl="0" eaLnBrk="1" latinLnBrk="1" hangingPunct="1">
               <a:lnSpc>
@@ -10384,7 +12959,7 @@
               <a:defRPr/>
             </a:pPr>
             <a:r>
-              <a:rPr kumimoji="0" lang="ko-KR" altLang="en-US" sz="2500" b="0" i="0" u="none" strike="noStrike" kern="1200" cap="none" spc="0" normalizeH="0" baseline="0">
+              <a:rPr xmlns:mc="http://schemas.openxmlformats.org/markup-compatibility/2006" xmlns:hp="http://schemas.haansoft.com/office/presentation/8.0" kumimoji="0" lang="ko-KR" altLang="en-US" sz="2500" b="0" i="0" u="none" strike="noStrike" kern="1200" cap="none" spc="0" normalizeH="0" baseline="0" mc:Ignorable="hp" hp:hslEmbossed="0">
                 <a:solidFill>
                   <a:srgbClr val="000000"/>
                 </a:solidFill>
@@ -10392,9 +12967,9 @@
                 <a:ea typeface="맑은 고딕"/>
                 <a:cs typeface="Arial Unicode MS"/>
               </a:rPr>
-              <a:t>한성현</a:t>
-            </a:r>
-            <a:endParaRPr kumimoji="0" lang="ko-KR" altLang="en-US" sz="2500" b="0" i="0" u="none" strike="noStrike" kern="1200" cap="none" spc="0" normalizeH="0" baseline="0">
+              <a:t>계민석</a:t>
+            </a:r>
+            <a:endParaRPr xmlns:mc="http://schemas.openxmlformats.org/markup-compatibility/2006" xmlns:hp="http://schemas.haansoft.com/office/presentation/8.0" kumimoji="0" lang="ko-KR" altLang="en-US" sz="2500" b="0" i="0" u="none" strike="noStrike" kern="1200" cap="none" spc="0" normalizeH="0" baseline="0" mc:Ignorable="hp" hp:hslEmbossed="0">
               <a:solidFill>
                 <a:srgbClr val="000000"/>
               </a:solidFill>
@@ -10407,17 +12982,19 @@
       </p:sp>
       <p:sp>
         <p:nvSpPr>
-          <p:cNvPr id="14" name="직사각형 13"/>
+          <p:cNvPr id="31" name="사각형: 둥근 모서리 8"/>
           <p:cNvSpPr/>
           <p:nvPr/>
         </p:nvSpPr>
         <p:spPr>
           <a:xfrm>
-            <a:off x="560234" y="4843392"/>
-            <a:ext cx="5081516" cy="1025072"/>
-          </a:xfrm>
-          <a:prstGeom prst="rect">
-            <a:avLst/>
+            <a:off x="211993" y="3778145"/>
+            <a:ext cx="2124265" cy="2844355"/>
+          </a:xfrm>
+          <a:prstGeom prst="roundRect">
+            <a:avLst>
+              <a:gd name="adj" fmla="val 16667"/>
+            </a:avLst>
           </a:prstGeom>
           <a:noFill/>
           <a:ln w="38100">
@@ -10430,8 +13007,129 @@
           </a:ln>
         </p:spPr>
         <p:txBody>
-          <a:bodyPr anchor="t"/>
-          <a:lstStyle/>
+          <a:bodyPr anchor="ctr"/>
+          <a:p>
+            <a:pPr marL="0" indent="0" algn="ctr" defTabSz="914400" rtl="0" eaLnBrk="1" latinLnBrk="1" hangingPunct="1">
+              <a:lnSpc>
+                <a:spcPct val="150000"/>
+              </a:lnSpc>
+              <a:spcBef>
+                <a:spcPct val="0"/>
+              </a:spcBef>
+              <a:spcAft>
+                <a:spcPts val="0"/>
+              </a:spcAft>
+              <a:buFontTx/>
+              <a:buNone/>
+              <a:defRPr/>
+            </a:pPr>
+            <a:r>
+              <a:rPr xmlns:mc="http://schemas.openxmlformats.org/markup-compatibility/2006" xmlns:hp="http://schemas.haansoft.com/office/presentation/8.0" kumimoji="0" lang="en-US" altLang="ko-KR" sz="2500" b="0" i="0" u="none" strike="noStrike" kern="1200" cap="none" spc="0" normalizeH="0" baseline="0" mc:Ignorable="hp" hp:hslEmbossed="0">
+                <a:solidFill>
+                  <a:srgbClr val="000000"/>
+                </a:solidFill>
+                <a:latin typeface="맑은 고딕"/>
+                <a:ea typeface="맑은 고딕"/>
+                <a:cs typeface="Arial Unicode MS"/>
+              </a:rPr>
+              <a:t>System</a:t>
+            </a:r>
+            <a:endParaRPr xmlns:mc="http://schemas.openxmlformats.org/markup-compatibility/2006" xmlns:hp="http://schemas.haansoft.com/office/presentation/8.0" kumimoji="0" lang="en-US" altLang="ko-KR" sz="2500" b="0" i="0" u="none" strike="noStrike" kern="1200" cap="none" spc="0" normalizeH="0" baseline="0" mc:Ignorable="hp" hp:hslEmbossed="0">
+              <a:solidFill>
+                <a:srgbClr val="000000"/>
+              </a:solidFill>
+              <a:latin typeface="맑은 고딕"/>
+              <a:ea typeface="맑은 고딕"/>
+              <a:cs typeface="Arial Unicode MS"/>
+            </a:endParaRPr>
+          </a:p>
+        </p:txBody>
+      </p:sp>
+      <p:sp>
+        <p:nvSpPr>
+          <p:cNvPr id="33" name="사각형: 둥근 모서리 8"/>
+          <p:cNvSpPr/>
+          <p:nvPr/>
+        </p:nvSpPr>
+        <p:spPr>
+          <a:xfrm>
+            <a:off x="211993" y="677091"/>
+            <a:ext cx="2124265" cy="2847326"/>
+          </a:xfrm>
+          <a:prstGeom prst="roundRect">
+            <a:avLst>
+              <a:gd name="adj" fmla="val 16667"/>
+            </a:avLst>
+          </a:prstGeom>
+          <a:noFill/>
+          <a:ln w="38100">
+            <a:solidFill>
+              <a:srgbClr val="000000">
+                <a:alpha val="100000"/>
+              </a:srgbClr>
+            </a:solidFill>
+            <a:miter/>
+          </a:ln>
+        </p:spPr>
+        <p:txBody>
+          <a:bodyPr anchor="ctr"/>
+          <a:p>
+            <a:pPr marL="0" indent="0" algn="ctr" defTabSz="914400" rtl="0" eaLnBrk="1" latinLnBrk="1" hangingPunct="1">
+              <a:lnSpc>
+                <a:spcPct val="150000"/>
+              </a:lnSpc>
+              <a:spcBef>
+                <a:spcPct val="0"/>
+              </a:spcBef>
+              <a:spcAft>
+                <a:spcPts val="0"/>
+              </a:spcAft>
+              <a:buFontTx/>
+              <a:buNone/>
+              <a:defRPr/>
+            </a:pPr>
+            <a:r>
+              <a:rPr xmlns:mc="http://schemas.openxmlformats.org/markup-compatibility/2006" xmlns:hp="http://schemas.haansoft.com/office/presentation/8.0" kumimoji="0" lang="en-US" altLang="ko-KR" sz="2500" b="0" i="0" u="none" strike="noStrike" kern="1200" cap="none" spc="0" normalizeH="0" baseline="0" mc:Ignorable="hp" hp:hslEmbossed="0">
+                <a:solidFill>
+                  <a:srgbClr val="000000"/>
+                </a:solidFill>
+                <a:latin typeface="맑은 고딕"/>
+                <a:ea typeface="맑은 고딕"/>
+                <a:cs typeface="Arial Unicode MS"/>
+              </a:rPr>
+              <a:t>UI</a:t>
+            </a:r>
+            <a:endParaRPr xmlns:mc="http://schemas.openxmlformats.org/markup-compatibility/2006" xmlns:hp="http://schemas.haansoft.com/office/presentation/8.0" kumimoji="0" lang="en-US" altLang="ko-KR" sz="2500" b="0" i="0" u="none" strike="noStrike" kern="1200" cap="none" spc="0" normalizeH="0" baseline="0" mc:Ignorable="hp" hp:hslEmbossed="0">
+              <a:solidFill>
+                <a:srgbClr val="000000"/>
+              </a:solidFill>
+              <a:latin typeface="맑은 고딕"/>
+              <a:ea typeface="맑은 고딕"/>
+              <a:cs typeface="Arial Unicode MS"/>
+            </a:endParaRPr>
+          </a:p>
+        </p:txBody>
+      </p:sp>
+      <p:sp>
+        <p:nvSpPr>
+          <p:cNvPr id="36" name=""/>
+          <p:cNvSpPr txBox="1"/>
+          <p:nvPr/>
+        </p:nvSpPr>
+        <p:spPr>
+          <a:xfrm>
+            <a:off x="5339293" y="2099952"/>
+            <a:ext cx="5888114" cy="1393818"/>
+          </a:xfrm>
+          <a:prstGeom prst="rect">
+            <a:avLst/>
+          </a:prstGeom>
+          <a:noFill/>
+        </p:spPr>
+        <p:txBody>
+          <a:bodyPr wrap="square">
+            <a:spAutoFit/>
+          </a:bodyPr>
           <a:p>
             <a:pPr marL="285750" indent="-285750" algn="l" defTabSz="914400" rtl="0" eaLnBrk="1" latinLnBrk="1" hangingPunct="1">
               <a:lnSpc>
@@ -10448,7 +13146,10 @@
               <a:defRPr/>
             </a:pPr>
             <a:r>
-              <a:rPr lang="en-US" altLang="ko-KR" sz="2100">
+              <a:rPr xmlns:mc="http://schemas.openxmlformats.org/markup-compatibility/2006" xmlns:hp="http://schemas.haansoft.com/office/presentation/8.0" kumimoji="0" lang="en-US" altLang="ko-KR" b="1" i="0" u="none" strike="noStrike" kern="1200" cap="none" spc="0" normalizeH="0" baseline="0" mc:Ignorable="hp" hp:hslEmbossed="0">
+                <a:solidFill>
+                  <a:srgbClr val="000000"/>
+                </a:solidFill>
                 <a:latin typeface="맑은 고딕"/>
                 <a:ea typeface="맑은 고딕"/>
                 <a:cs typeface="Arial Unicode MS"/>
@@ -10456,14 +13157,42 @@
               <a:t>System Info UI</a:t>
             </a:r>
             <a:r>
-              <a:rPr lang="ko-KR" altLang="en-US" sz="2100">
+              <a:rPr xmlns:mc="http://schemas.openxmlformats.org/markup-compatibility/2006" xmlns:hp="http://schemas.haansoft.com/office/presentation/8.0" kumimoji="0" lang="ko-KR" altLang="en-US" b="1" i="0" u="none" strike="noStrike" kern="1200" cap="none" spc="0" normalizeH="0" baseline="0" mc:Ignorable="hp" hp:hslEmbossed="0">
+                <a:solidFill>
+                  <a:srgbClr val="000000"/>
+                </a:solidFill>
                 <a:latin typeface="맑은 고딕"/>
                 <a:ea typeface="맑은 고딕"/>
                 <a:cs typeface="Arial Unicode MS"/>
               </a:rPr>
-              <a:t> 설계 및 제작</a:t>
-            </a:r>
-            <a:endParaRPr lang="ko-KR" altLang="en-US" sz="2100">
+              <a:t> 설계 및</a:t>
+            </a:r>
+            <a:r>
+              <a:rPr xmlns:mc="http://schemas.openxmlformats.org/markup-compatibility/2006" xmlns:hp="http://schemas.haansoft.com/office/presentation/8.0" kumimoji="0" lang="ko-KR" altLang="en-US" sz="2100" b="1" i="0" u="none" strike="noStrike" kern="1200" cap="none" spc="0" normalizeH="0" baseline="0" mc:Ignorable="hp" hp:hslEmbossed="0">
+                <a:solidFill>
+                  <a:srgbClr val="000000"/>
+                </a:solidFill>
+                <a:latin typeface="맑은 고딕"/>
+                <a:ea typeface="맑은 고딕"/>
+                <a:cs typeface="Arial Unicode MS"/>
+              </a:rPr>
+              <a:t> </a:t>
+            </a:r>
+            <a:r>
+              <a:rPr xmlns:mc="http://schemas.openxmlformats.org/markup-compatibility/2006" xmlns:hp="http://schemas.haansoft.com/office/presentation/8.0" kumimoji="0" lang="ko-KR" altLang="en-US" b="1" i="0" u="none" strike="noStrike" kern="1200" cap="none" spc="0" normalizeH="0" baseline="0" mc:Ignorable="hp" hp:hslEmbossed="0">
+                <a:solidFill>
+                  <a:srgbClr val="000000"/>
+                </a:solidFill>
+                <a:latin typeface="맑은 고딕"/>
+                <a:ea typeface="맑은 고딕"/>
+                <a:cs typeface="Arial Unicode MS"/>
+              </a:rPr>
+              <a:t>제작</a:t>
+            </a:r>
+            <a:endParaRPr xmlns:mc="http://schemas.openxmlformats.org/markup-compatibility/2006" xmlns:hp="http://schemas.haansoft.com/office/presentation/8.0" kumimoji="0" lang="ko-KR" altLang="en-US" b="1" i="0" u="none" strike="noStrike" kern="1200" cap="none" spc="0" normalizeH="0" baseline="0" mc:Ignorable="hp" hp:hslEmbossed="0">
+              <a:solidFill>
+                <a:srgbClr val="000000"/>
+              </a:solidFill>
               <a:latin typeface="맑은 고딕"/>
               <a:ea typeface="맑은 고딕"/>
               <a:cs typeface="Arial Unicode MS"/>
@@ -10485,74 +13214,36 @@
               <a:defRPr/>
             </a:pPr>
             <a:r>
-              <a:rPr lang="en-US" altLang="ko-KR" sz="2100">
+              <a:rPr xmlns:mc="http://schemas.openxmlformats.org/markup-compatibility/2006" xmlns:hp="http://schemas.haansoft.com/office/presentation/8.0" kumimoji="0" lang="en-US" altLang="ko-KR" b="1" i="0" u="none" strike="noStrike" kern="1200" cap="none" spc="0" normalizeH="0" baseline="0" mc:Ignorable="hp" hp:hslEmbossed="0">
+                <a:solidFill>
+                  <a:srgbClr val="000000"/>
+                </a:solidFill>
                 <a:latin typeface="맑은 고딕"/>
                 <a:ea typeface="맑은 고딕"/>
                 <a:cs typeface="Arial Unicode MS"/>
               </a:rPr>
-              <a:t>Main UI Input</a:t>
-            </a:r>
-            <a:r>
-              <a:rPr lang="ko-KR" altLang="en-US" sz="2100">
+              <a:t>Machine UI Input</a:t>
+            </a:r>
+            <a:r>
+              <a:rPr xmlns:mc="http://schemas.openxmlformats.org/markup-compatibility/2006" xmlns:hp="http://schemas.haansoft.com/office/presentation/8.0" kumimoji="0" lang="ko-KR" altLang="en-US" b="1" i="0" u="none" strike="noStrike" kern="1200" cap="none" spc="0" normalizeH="0" baseline="0" mc:Ignorable="hp" hp:hslEmbossed="0">
+                <a:solidFill>
+                  <a:srgbClr val="000000"/>
+                </a:solidFill>
                 <a:latin typeface="맑은 고딕"/>
                 <a:ea typeface="맑은 고딕"/>
                 <a:cs typeface="Arial Unicode MS"/>
               </a:rPr>
               <a:t> 그림 제작</a:t>
             </a:r>
-            <a:endParaRPr lang="ko-KR" altLang="en-US" sz="2100">
+            <a:endParaRPr xmlns:mc="http://schemas.openxmlformats.org/markup-compatibility/2006" xmlns:hp="http://schemas.haansoft.com/office/presentation/8.0" kumimoji="0" lang="ko-KR" altLang="en-US" b="1" i="0" u="none" strike="noStrike" kern="1200" cap="none" spc="0" normalizeH="0" baseline="0" mc:Ignorable="hp" hp:hslEmbossed="0">
+              <a:solidFill>
+                <a:srgbClr val="000000"/>
+              </a:solidFill>
               <a:latin typeface="맑은 고딕"/>
               <a:ea typeface="맑은 고딕"/>
               <a:cs typeface="Arial Unicode MS"/>
             </a:endParaRPr>
           </a:p>
-          <a:p>
-            <a:pPr marL="285750" indent="-285750">
-              <a:lnSpc>
-                <a:spcPct val="150000"/>
-              </a:lnSpc>
-              <a:spcBef>
-                <a:spcPct val="0"/>
-              </a:spcBef>
-              <a:buFont typeface="Arial"/>
-              <a:buChar char="•"/>
-              <a:defRPr/>
-            </a:pPr>
-            <a:endParaRPr lang="en-US" altLang="ko-KR" sz="2100">
-              <a:latin typeface="맑은 고딕"/>
-              <a:ea typeface="맑은 고딕"/>
-              <a:cs typeface="Arial Unicode MS"/>
-            </a:endParaRPr>
-          </a:p>
-        </p:txBody>
-      </p:sp>
-      <p:sp>
-        <p:nvSpPr>
-          <p:cNvPr id="16" name="직사각형 15"/>
-          <p:cNvSpPr/>
-          <p:nvPr/>
-        </p:nvSpPr>
-        <p:spPr>
-          <a:xfrm>
-            <a:off x="560234" y="1817906"/>
-            <a:ext cx="5081516" cy="1025073"/>
-          </a:xfrm>
-          <a:prstGeom prst="rect">
-            <a:avLst/>
-          </a:prstGeom>
-          <a:noFill/>
-          <a:ln w="38100" cap="flat">
-            <a:solidFill>
-              <a:srgbClr val="000000">
-                <a:alpha val="100000"/>
-              </a:srgbClr>
-            </a:solidFill>
-            <a:miter/>
-          </a:ln>
-        </p:spPr>
-        <p:txBody>
-          <a:bodyPr anchor="t"/>
-          <a:lstStyle/>
           <a:p>
             <a:pPr marL="285750" indent="-285750" algn="l" defTabSz="914400" rtl="0" eaLnBrk="1" latinLnBrk="1" hangingPunct="1">
               <a:lnSpc>
@@ -10569,27 +13260,81 @@
               <a:defRPr/>
             </a:pPr>
             <a:r>
-              <a:rPr lang="en-US" altLang="ko-KR" sz="2100">
+              <a:rPr xmlns:mc="http://schemas.openxmlformats.org/markup-compatibility/2006" xmlns:hp="http://schemas.haansoft.com/office/presentation/8.0" kumimoji="0" lang="en-US" altLang="ko-KR" b="1" i="0" u="none" strike="noStrike" kern="1200" cap="none" spc="0" normalizeH="0" baseline="0" mc:Ignorable="hp" hp:hslEmbossed="0">
+                <a:solidFill>
+                  <a:srgbClr val="000000"/>
+                </a:solidFill>
                 <a:latin typeface="맑은 고딕"/>
                 <a:ea typeface="맑은 고딕"/>
                 <a:cs typeface="Arial Unicode MS"/>
               </a:rPr>
-              <a:t>Main UI</a:t>
-            </a:r>
-            <a:r>
-              <a:rPr lang="ko-KR" altLang="en-US" sz="2100">
-                <a:latin typeface="맑은 고딕"/>
-                <a:ea typeface="맑은 고딕"/>
-                <a:cs typeface="Arial Unicode MS"/>
-              </a:rPr>
-              <a:t> 설계 및 제작</a:t>
-            </a:r>
-            <a:endParaRPr lang="ko-KR" altLang="en-US" sz="2100">
-              <a:latin typeface="맑은 고딕"/>
-              <a:ea typeface="맑은 고딕"/>
-              <a:cs typeface="Arial Unicode MS"/>
+              <a:t>Machine UI + Main UI</a:t>
+            </a:r>
+            <a:endParaRPr b="1">
+              <a:latin typeface="+mn-ea"/>
+              <a:ea typeface="+mn-ea"/>
             </a:endParaRPr>
           </a:p>
+        </p:txBody>
+      </p:sp>
+      <p:cxnSp>
+        <p:nvCxnSpPr>
+          <p:cNvPr id="37" name=""/>
+          <p:cNvCxnSpPr/>
+          <p:nvPr/>
+        </p:nvCxnSpPr>
+        <p:spPr>
+          <a:xfrm flipV="1">
+            <a:off x="4895908" y="2081267"/>
+            <a:ext cx="7296091" cy="19487"/>
+          </a:xfrm>
+          <a:prstGeom prst="line">
+            <a:avLst/>
+          </a:prstGeom>
+          <a:ln w="25400">
+            <a:solidFill>
+              <a:schemeClr val="tx1"/>
+            </a:solidFill>
+            <a:prstDash val="sysDash"/>
+            <a:headEnd w="med" len="med"/>
+            <a:tailEnd w="med" len="med"/>
+          </a:ln>
+        </p:spPr>
+        <p:style>
+          <a:lnRef idx="1">
+            <a:schemeClr val="accent1"/>
+          </a:lnRef>
+          <a:fillRef idx="0">
+            <a:schemeClr val="accent1"/>
+          </a:fillRef>
+          <a:effectRef idx="0">
+            <a:schemeClr val="accent1"/>
+          </a:effectRef>
+          <a:fontRef idx="minor">
+            <a:schemeClr val="tx1"/>
+          </a:fontRef>
+        </p:style>
+      </p:cxnSp>
+      <p:sp>
+        <p:nvSpPr>
+          <p:cNvPr id="38" name=""/>
+          <p:cNvSpPr txBox="1"/>
+          <p:nvPr/>
+        </p:nvSpPr>
+        <p:spPr>
+          <a:xfrm>
+            <a:off x="5339293" y="648516"/>
+            <a:ext cx="5888114" cy="1323975"/>
+          </a:xfrm>
+          <a:prstGeom prst="rect">
+            <a:avLst/>
+          </a:prstGeom>
+          <a:noFill/>
+        </p:spPr>
+        <p:txBody>
+          <a:bodyPr wrap="square">
+            <a:spAutoFit/>
+          </a:bodyPr>
           <a:p>
             <a:pPr marL="285750" indent="-285750" algn="l" defTabSz="914400" rtl="0" eaLnBrk="1" latinLnBrk="1" hangingPunct="1">
               <a:lnSpc>
@@ -10606,56 +13351,27 @@
               <a:defRPr/>
             </a:pPr>
             <a:r>
-              <a:rPr lang="en-US" altLang="ko-KR" sz="2100">
+              <a:rPr lang="en-US" altLang="ko-KR" b="1">
                 <a:latin typeface="맑은 고딕"/>
                 <a:ea typeface="맑은 고딕"/>
                 <a:cs typeface="Arial Unicode MS"/>
               </a:rPr>
-              <a:t>Main UI Input</a:t>
-            </a:r>
-            <a:r>
-              <a:rPr lang="ko-KR" altLang="en-US" sz="2100">
+              <a:t>Main UI</a:t>
+            </a:r>
+            <a:r>
+              <a:rPr lang="ko-KR" altLang="en-US" b="1">
                 <a:latin typeface="맑은 고딕"/>
                 <a:ea typeface="맑은 고딕"/>
                 <a:cs typeface="Arial Unicode MS"/>
               </a:rPr>
-              <a:t> 그림 제작</a:t>
-            </a:r>
-            <a:endParaRPr lang="ko-KR" altLang="en-US" sz="2100">
+              <a:t> 설계 및 제작</a:t>
+            </a:r>
+            <a:endParaRPr lang="ko-KR" altLang="en-US" b="1">
               <a:latin typeface="맑은 고딕"/>
               <a:ea typeface="맑은 고딕"/>
               <a:cs typeface="Arial Unicode MS"/>
             </a:endParaRPr>
           </a:p>
-        </p:txBody>
-      </p:sp>
-      <p:sp>
-        <p:nvSpPr>
-          <p:cNvPr id="18" name="직사각형 17"/>
-          <p:cNvSpPr/>
-          <p:nvPr/>
-        </p:nvSpPr>
-        <p:spPr>
-          <a:xfrm>
-            <a:off x="6409335" y="1817906"/>
-            <a:ext cx="5081516" cy="1025073"/>
-          </a:xfrm>
-          <a:prstGeom prst="rect">
-            <a:avLst/>
-          </a:prstGeom>
-          <a:noFill/>
-          <a:ln w="38100">
-            <a:solidFill>
-              <a:srgbClr val="000000">
-                <a:alpha val="100000"/>
-              </a:srgbClr>
-            </a:solidFill>
-            <a:miter/>
-          </a:ln>
-        </p:spPr>
-        <p:txBody>
-          <a:bodyPr anchor="t"/>
-          <a:lstStyle/>
           <a:p>
             <a:pPr marL="285750" indent="-285750" algn="l" defTabSz="914400" rtl="0" eaLnBrk="1" latinLnBrk="1" hangingPunct="1">
               <a:lnSpc>
@@ -10672,22 +13388,22 @@
               <a:defRPr/>
             </a:pPr>
             <a:r>
-              <a:rPr lang="en-US" altLang="ko-KR" sz="2100">
+              <a:rPr lang="en-US" altLang="ko-KR" b="1">
                 <a:latin typeface="맑은 고딕"/>
                 <a:ea typeface="맑은 고딕"/>
                 <a:cs typeface="Arial Unicode MS"/>
               </a:rPr>
-              <a:t>FAB SOLO Flow</a:t>
-            </a:r>
-            <a:r>
-              <a:rPr lang="ko-KR" altLang="en-US" sz="2100">
+              <a:t>Machine UI Input</a:t>
+            </a:r>
+            <a:r>
+              <a:rPr lang="ko-KR" altLang="en-US" b="1">
                 <a:latin typeface="맑은 고딕"/>
                 <a:ea typeface="맑은 고딕"/>
                 <a:cs typeface="Arial Unicode MS"/>
               </a:rPr>
-              <a:t> 설계 및 구현</a:t>
-            </a:r>
-            <a:endParaRPr lang="ko-KR" altLang="en-US" sz="2100">
+              <a:t> 그림 제작</a:t>
+            </a:r>
+            <a:endParaRPr lang="ko-KR" altLang="en-US" b="1">
               <a:latin typeface="맑은 고딕"/>
               <a:ea typeface="맑은 고딕"/>
               <a:cs typeface="Arial Unicode MS"/>
@@ -10709,43 +13425,43 @@
               <a:defRPr/>
             </a:pPr>
             <a:r>
-              <a:rPr lang="en-US" altLang="ko-KR" sz="2100">
+              <a:rPr lang="en-US" altLang="ko-KR" b="1">
                 <a:latin typeface="맑은 고딕"/>
                 <a:ea typeface="맑은 고딕"/>
                 <a:cs typeface="Arial Unicode MS"/>
               </a:rPr>
-              <a:t>Flow</a:t>
-            </a:r>
-            <a:r>
-              <a:rPr lang="ko-KR" altLang="en-US" sz="2100">
-                <a:latin typeface="맑은 고딕"/>
-                <a:ea typeface="맑은 고딕"/>
-                <a:cs typeface="Arial Unicode MS"/>
-              </a:rPr>
-              <a:t>와 </a:t>
-            </a:r>
-            <a:r>
-              <a:rPr lang="en-US" altLang="ko-KR" sz="2100">
-                <a:latin typeface="맑은 고딕"/>
-                <a:ea typeface="맑은 고딕"/>
-                <a:cs typeface="Arial Unicode MS"/>
-              </a:rPr>
-              <a:t>Main UI</a:t>
-            </a:r>
-            <a:r>
-              <a:rPr lang="ko-KR" altLang="en-US" sz="2100">
-                <a:latin typeface="맑은 고딕"/>
-                <a:ea typeface="맑은 고딕"/>
-                <a:cs typeface="Arial Unicode MS"/>
-              </a:rPr>
-              <a:t> 결합 및 기능 구현</a:t>
-            </a:r>
-            <a:endParaRPr lang="ko-KR" altLang="en-US" sz="2100">
+              <a:t>Machine UI + Main UI</a:t>
+            </a:r>
+            <a:endParaRPr xmlns:mc="http://schemas.openxmlformats.org/markup-compatibility/2006" xmlns:hp="http://schemas.haansoft.com/office/presentation/8.0" kumimoji="0" sz="1800" b="1" i="0" u="none" strike="noStrike" kern="1200" cap="none" spc="0" normalizeH="0" baseline="0" mc:Ignorable="hp" hp:hslEmbossed="0">
+              <a:solidFill>
+                <a:srgbClr val="000000"/>
+              </a:solidFill>
               <a:latin typeface="맑은 고딕"/>
               <a:ea typeface="맑은 고딕"/>
-              <a:cs typeface="Arial Unicode MS"/>
             </a:endParaRPr>
           </a:p>
+        </p:txBody>
+      </p:sp>
+      <p:sp>
+        <p:nvSpPr>
+          <p:cNvPr id="39" name=""/>
+          <p:cNvSpPr txBox="1"/>
+          <p:nvPr/>
+        </p:nvSpPr>
+        <p:spPr>
+          <a:xfrm>
+            <a:off x="5339294" y="3731972"/>
+            <a:ext cx="5888114" cy="1323898"/>
+          </a:xfrm>
+          <a:prstGeom prst="rect">
+            <a:avLst/>
+          </a:prstGeom>
+          <a:noFill/>
+        </p:spPr>
+        <p:txBody>
+          <a:bodyPr wrap="square">
+            <a:spAutoFit/>
+          </a:bodyPr>
           <a:p>
             <a:pPr marL="285750" indent="-285750" algn="l" defTabSz="914400" rtl="0" eaLnBrk="1" latinLnBrk="1" hangingPunct="1">
               <a:lnSpc>
@@ -10761,12 +13477,142 @@
               <a:buChar char="•"/>
               <a:defRPr/>
             </a:pPr>
-            <a:endParaRPr lang="ko-KR" altLang="en-US" sz="2100">
+            <a:r>
+              <a:rPr lang="en-US" altLang="ko-KR" b="1">
+                <a:latin typeface="맑은 고딕"/>
+                <a:ea typeface="맑은 고딕"/>
+                <a:cs typeface="Arial Unicode MS"/>
+              </a:rPr>
+              <a:t>FAB SOLO Thread </a:t>
+            </a:r>
+            <a:r>
+              <a:rPr lang="ko-KR" altLang="en-US" b="1">
+                <a:latin typeface="맑은 고딕"/>
+                <a:ea typeface="맑은 고딕"/>
+                <a:cs typeface="Arial Unicode MS"/>
+              </a:rPr>
+              <a:t>구현</a:t>
+            </a:r>
+            <a:endParaRPr lang="ko-KR" altLang="en-US" b="1">
               <a:latin typeface="맑은 고딕"/>
               <a:ea typeface="맑은 고딕"/>
               <a:cs typeface="Arial Unicode MS"/>
             </a:endParaRPr>
           </a:p>
+          <a:p>
+            <a:pPr marL="285750" indent="-285750" algn="l" defTabSz="914400" rtl="0" eaLnBrk="1" latinLnBrk="1" hangingPunct="1">
+              <a:lnSpc>
+                <a:spcPct val="150000"/>
+              </a:lnSpc>
+              <a:spcBef>
+                <a:spcPct val="0"/>
+              </a:spcBef>
+              <a:spcAft>
+                <a:spcPts val="0"/>
+              </a:spcAft>
+              <a:buFont typeface="Arial"/>
+              <a:buChar char="•"/>
+              <a:defRPr/>
+            </a:pPr>
+            <a:r>
+              <a:rPr lang="en-US" altLang="ko-KR" b="1">
+                <a:latin typeface="맑은 고딕"/>
+                <a:ea typeface="맑은 고딕"/>
+                <a:cs typeface="Arial Unicode MS"/>
+              </a:rPr>
+              <a:t>Thread</a:t>
+            </a:r>
+            <a:r>
+              <a:rPr lang="ko-KR" altLang="en-US" b="1">
+                <a:latin typeface="맑은 고딕"/>
+                <a:ea typeface="맑은 고딕"/>
+                <a:cs typeface="Arial Unicode MS"/>
+              </a:rPr>
+              <a:t> </a:t>
+            </a:r>
+            <a:r>
+              <a:rPr lang="en-US" altLang="ko-KR" b="1">
+                <a:latin typeface="맑은 고딕"/>
+                <a:ea typeface="맑은 고딕"/>
+                <a:cs typeface="Arial Unicode MS"/>
+              </a:rPr>
+              <a:t>+</a:t>
+            </a:r>
+            <a:r>
+              <a:rPr lang="ko-KR" altLang="en-US" b="1">
+                <a:latin typeface="맑은 고딕"/>
+                <a:ea typeface="맑은 고딕"/>
+                <a:cs typeface="Arial Unicode MS"/>
+              </a:rPr>
+              <a:t> </a:t>
+            </a:r>
+            <a:r>
+              <a:rPr lang="en-US" altLang="ko-KR" b="1">
+                <a:latin typeface="맑은 고딕"/>
+                <a:ea typeface="맑은 고딕"/>
+                <a:cs typeface="Arial Unicode MS"/>
+              </a:rPr>
+              <a:t>Main UI</a:t>
+            </a:r>
+            <a:endParaRPr lang="en-US" altLang="ko-KR" b="1">
+              <a:latin typeface="맑은 고딕"/>
+              <a:ea typeface="맑은 고딕"/>
+              <a:cs typeface="Arial Unicode MS"/>
+            </a:endParaRPr>
+          </a:p>
+          <a:p>
+            <a:pPr marL="285750" indent="-285750" algn="l" defTabSz="914400" rtl="0" eaLnBrk="1" latinLnBrk="1" hangingPunct="1">
+              <a:lnSpc>
+                <a:spcPct val="150000"/>
+              </a:lnSpc>
+              <a:spcBef>
+                <a:spcPct val="0"/>
+              </a:spcBef>
+              <a:spcAft>
+                <a:spcPts val="0"/>
+              </a:spcAft>
+              <a:buFont typeface="Arial"/>
+              <a:buChar char="•"/>
+              <a:defRPr/>
+            </a:pPr>
+            <a:r>
+              <a:rPr lang="en-US" altLang="ko-KR" b="1">
+                <a:latin typeface="맑은 고딕"/>
+                <a:ea typeface="맑은 고딕"/>
+                <a:cs typeface="Arial Unicode MS"/>
+              </a:rPr>
+              <a:t>Debugging</a:t>
+            </a:r>
+            <a:endParaRPr xmlns:mc="http://schemas.openxmlformats.org/markup-compatibility/2006" xmlns:hp="http://schemas.haansoft.com/office/presentation/8.0" kumimoji="0" sz="1800" b="1" i="0" u="none" strike="noStrike" kern="1200" cap="none" spc="0" normalizeH="0" baseline="0" mc:Ignorable="hp" hp:hslEmbossed="0">
+              <a:solidFill>
+                <a:srgbClr val="000000"/>
+              </a:solidFill>
+              <a:latin typeface="맑은 고딕"/>
+              <a:ea typeface="맑은 고딕"/>
+            </a:endParaRPr>
+          </a:p>
+        </p:txBody>
+      </p:sp>
+      <p:sp>
+        <p:nvSpPr>
+          <p:cNvPr id="40" name=""/>
+          <p:cNvSpPr txBox="1"/>
+          <p:nvPr/>
+        </p:nvSpPr>
+        <p:spPr>
+          <a:xfrm>
+            <a:off x="5339294" y="5209848"/>
+            <a:ext cx="5888114" cy="1322397"/>
+          </a:xfrm>
+          <a:prstGeom prst="rect">
+            <a:avLst/>
+          </a:prstGeom>
+          <a:noFill/>
+        </p:spPr>
+        <p:txBody>
+          <a:bodyPr wrap="square">
+            <a:spAutoFit/>
+          </a:bodyPr>
           <a:p>
             <a:pPr marL="285750" indent="-285750">
               <a:lnSpc>
@@ -10779,41 +13625,28 @@
               <a:buChar char="•"/>
               <a:defRPr/>
             </a:pPr>
-            <a:endParaRPr lang="ko-KR" altLang="en-US" sz="2100">
+            <a:r>
+              <a:rPr kumimoji="0" lang="en-US" altLang="ko-KR" b="1" i="0" u="none" strike="noStrike" kern="1200" cap="none" spc="0" normalizeH="0" baseline="0">
+                <a:latin typeface="맑은 고딕"/>
+                <a:ea typeface="맑은 고딕"/>
+                <a:cs typeface="Arial Unicode MS"/>
+              </a:rPr>
+              <a:t>System Info UI </a:t>
+            </a:r>
+            <a:r>
+              <a:rPr kumimoji="0" lang="ko-KR" altLang="en-US" b="1" i="0" u="none" strike="noStrike" kern="1200" cap="none" spc="0" normalizeH="0" baseline="0">
+                <a:latin typeface="맑은 고딕"/>
+                <a:ea typeface="맑은 고딕"/>
+                <a:cs typeface="Arial Unicode MS"/>
+              </a:rPr>
+              <a:t>기능 구현</a:t>
+            </a:r>
+            <a:endParaRPr kumimoji="0" lang="ko-KR" altLang="en-US" b="1" i="0" u="none" strike="noStrike" kern="1200" cap="none" spc="0" normalizeH="0" baseline="0">
               <a:latin typeface="맑은 고딕"/>
               <a:ea typeface="맑은 고딕"/>
               <a:cs typeface="Arial Unicode MS"/>
             </a:endParaRPr>
           </a:p>
-        </p:txBody>
-      </p:sp>
-      <p:sp>
-        <p:nvSpPr>
-          <p:cNvPr id="19" name="직사각형 18"/>
-          <p:cNvSpPr/>
-          <p:nvPr/>
-        </p:nvSpPr>
-        <p:spPr>
-          <a:xfrm>
-            <a:off x="6409335" y="4843391"/>
-            <a:ext cx="5081516" cy="1025073"/>
-          </a:xfrm>
-          <a:prstGeom prst="rect">
-            <a:avLst/>
-          </a:prstGeom>
-          <a:noFill/>
-          <a:ln w="38100">
-            <a:solidFill>
-              <a:srgbClr val="000000">
-                <a:alpha val="100000"/>
-              </a:srgbClr>
-            </a:solidFill>
-            <a:miter/>
-          </a:ln>
-        </p:spPr>
-        <p:txBody>
-          <a:bodyPr anchor="t"/>
-          <a:lstStyle/>
           <a:p>
             <a:pPr marL="285750" indent="-285750">
               <a:lnSpc>
@@ -10827,22 +13660,54 @@
               <a:defRPr/>
             </a:pPr>
             <a:r>
-              <a:rPr kumimoji="0" lang="en-US" altLang="ko-KR" sz="2100" b="0" i="0" u="none" strike="noStrike" kern="1200" cap="none" spc="0" normalizeH="0" baseline="0">
+              <a:rPr kumimoji="0" lang="en-US" altLang="ko-KR" b="1" i="0" u="none" strike="noStrike" kern="1200" cap="none" spc="0" normalizeH="0" baseline="0">
                 <a:latin typeface="맑은 고딕"/>
                 <a:ea typeface="맑은 고딕"/>
                 <a:cs typeface="Arial Unicode MS"/>
               </a:rPr>
-              <a:t>System Info UI </a:t>
-            </a:r>
-            <a:r>
-              <a:rPr kumimoji="0" lang="ko-KR" altLang="en-US" sz="2100" b="0" i="0" u="none" strike="noStrike" kern="1200" cap="none" spc="0" normalizeH="0" baseline="0">
+              <a:t>File</a:t>
+            </a:r>
+            <a:r>
+              <a:rPr kumimoji="0" lang="ko-KR" altLang="en-US" b="1" i="0" u="none" strike="noStrike" kern="1200" cap="none" spc="0" normalizeH="0" baseline="0">
                 <a:latin typeface="맑은 고딕"/>
                 <a:ea typeface="맑은 고딕"/>
                 <a:cs typeface="Arial Unicode MS"/>
               </a:rPr>
+              <a:t> </a:t>
+            </a:r>
+            <a:r>
+              <a:rPr kumimoji="0" lang="en-US" altLang="ko-KR" b="1" i="0" u="none" strike="noStrike" kern="1200" cap="none" spc="0" normalizeH="0" baseline="0">
+                <a:latin typeface="맑은 고딕"/>
+                <a:ea typeface="맑은 고딕"/>
+                <a:cs typeface="Arial Unicode MS"/>
+              </a:rPr>
+              <a:t>Save &amp;</a:t>
+            </a:r>
+            <a:r>
+              <a:rPr kumimoji="0" lang="ko-KR" altLang="en-US" b="1" i="0" u="none" strike="noStrike" kern="1200" cap="none" spc="0" normalizeH="0" baseline="0">
+                <a:latin typeface="맑은 고딕"/>
+                <a:ea typeface="맑은 고딕"/>
+                <a:cs typeface="Arial Unicode MS"/>
+              </a:rPr>
+              <a:t> </a:t>
+            </a:r>
+            <a:r>
+              <a:rPr kumimoji="0" lang="en-US" altLang="ko-KR" b="1" i="0" u="none" strike="noStrike" kern="1200" cap="none" spc="0" normalizeH="0" baseline="0">
+                <a:latin typeface="맑은 고딕"/>
+                <a:ea typeface="맑은 고딕"/>
+                <a:cs typeface="Arial Unicode MS"/>
+              </a:rPr>
+              <a:t>Load </a:t>
+            </a:r>
+            <a:r>
+              <a:rPr kumimoji="0" lang="ko-KR" altLang="en-US" b="1" i="0" u="none" strike="noStrike" kern="1200" cap="none" spc="0" normalizeH="0" baseline="0">
+                <a:latin typeface="맑은 고딕"/>
+                <a:ea typeface="맑은 고딕"/>
+                <a:cs typeface="Arial Unicode MS"/>
+              </a:rPr>
               <a:t>기능 구현</a:t>
             </a:r>
-            <a:endParaRPr kumimoji="0" lang="ko-KR" altLang="en-US" sz="2100" b="0" i="0" u="none" strike="noStrike" kern="1200" cap="none" spc="0" normalizeH="0" baseline="0">
+            <a:endParaRPr kumimoji="0" lang="ko-KR" altLang="en-US" b="1" i="0" u="none" strike="noStrike" kern="1200" cap="none" spc="0" normalizeH="0" baseline="0">
               <a:latin typeface="맑은 고딕"/>
               <a:ea typeface="맑은 고딕"/>
               <a:cs typeface="Arial Unicode MS"/>
@@ -10861,61 +13726,85 @@
               <a:defRPr/>
             </a:pPr>
             <a:r>
-              <a:rPr kumimoji="0" lang="en-US" altLang="ko-KR" sz="2100" b="0" i="0" u="none" strike="noStrike" kern="1200" cap="none" spc="0" normalizeH="0" baseline="0">
+              <a:rPr kumimoji="0" lang="en-US" altLang="ko-KR" b="1" i="0" u="none" strike="noStrike" kern="1200" cap="none" spc="0" normalizeH="0" baseline="0">
                 <a:latin typeface="맑은 고딕"/>
                 <a:ea typeface="맑은 고딕"/>
                 <a:cs typeface="Arial Unicode MS"/>
               </a:rPr>
-              <a:t>File</a:t>
-            </a:r>
-            <a:r>
-              <a:rPr kumimoji="0" lang="ko-KR" altLang="en-US" sz="2100" b="0" i="0" u="none" strike="noStrike" kern="1200" cap="none" spc="0" normalizeH="0" baseline="0">
+              <a:t>Sub Project </a:t>
+            </a:r>
+            <a:r>
+              <a:rPr kumimoji="0" lang="ko-KR" altLang="en-US" b="1" i="0" u="none" strike="noStrike" kern="1200" cap="none" spc="0" normalizeH="0" baseline="0">
                 <a:latin typeface="맑은 고딕"/>
                 <a:ea typeface="맑은 고딕"/>
                 <a:cs typeface="Arial Unicode MS"/>
               </a:rPr>
-              <a:t> </a:t>
-            </a:r>
-            <a:r>
-              <a:rPr kumimoji="0" lang="en-US" altLang="ko-KR" sz="2100" b="0" i="0" u="none" strike="noStrike" kern="1200" cap="none" spc="0" normalizeH="0" baseline="0">
-                <a:latin typeface="맑은 고딕"/>
-                <a:ea typeface="맑은 고딕"/>
-                <a:cs typeface="Arial Unicode MS"/>
-              </a:rPr>
-              <a:t>Save &amp;</a:t>
-            </a:r>
-            <a:r>
-              <a:rPr kumimoji="0" lang="ko-KR" altLang="en-US" sz="2100" b="0" i="0" u="none" strike="noStrike" kern="1200" cap="none" spc="0" normalizeH="0" baseline="0">
-                <a:latin typeface="맑은 고딕"/>
-                <a:ea typeface="맑은 고딕"/>
-                <a:cs typeface="Arial Unicode MS"/>
-              </a:rPr>
-              <a:t> </a:t>
-            </a:r>
-            <a:r>
-              <a:rPr kumimoji="0" lang="en-US" altLang="ko-KR" sz="2100" b="0" i="0" u="none" strike="noStrike" kern="1200" cap="none" spc="0" normalizeH="0" baseline="0">
-                <a:latin typeface="맑은 고딕"/>
-                <a:ea typeface="맑은 고딕"/>
-                <a:cs typeface="Arial Unicode MS"/>
-              </a:rPr>
-              <a:t>Load </a:t>
-            </a:r>
-            <a:r>
-              <a:rPr kumimoji="0" lang="ko-KR" altLang="en-US" sz="2100" b="0" i="0" u="none" strike="noStrike" kern="1200" cap="none" spc="0" normalizeH="0" baseline="0">
-                <a:latin typeface="맑은 고딕"/>
-                <a:ea typeface="맑은 고딕"/>
-                <a:cs typeface="Arial Unicode MS"/>
-              </a:rPr>
-              <a:t>기능 구현</a:t>
-            </a:r>
-            <a:endParaRPr kumimoji="0" lang="ko-KR" altLang="en-US" sz="2100" b="0" i="0" u="none" strike="noStrike" kern="1200" cap="none" spc="0" normalizeH="0" baseline="0">
+              <a:t>구현</a:t>
+            </a:r>
+            <a:endParaRPr xmlns:mc="http://schemas.openxmlformats.org/markup-compatibility/2006" xmlns:hp="http://schemas.haansoft.com/office/presentation/8.0" kumimoji="0" sz="1800" b="1" i="0" u="none" strike="noStrike" kern="1200" cap="none" spc="0" normalizeH="0" baseline="0" mc:Ignorable="hp" hp:hslEmbossed="0">
+              <a:solidFill>
+                <a:srgbClr val="000000"/>
+              </a:solidFill>
               <a:latin typeface="맑은 고딕"/>
               <a:ea typeface="맑은 고딕"/>
-              <a:cs typeface="Arial Unicode MS"/>
             </a:endParaRPr>
           </a:p>
         </p:txBody>
       </p:sp>
+      <p:cxnSp>
+        <p:nvCxnSpPr>
+          <p:cNvPr id="41" name=""/>
+          <p:cNvCxnSpPr/>
+          <p:nvPr/>
+        </p:nvCxnSpPr>
+        <p:spPr>
+          <a:xfrm flipV="1">
+            <a:off x="4895908" y="3608707"/>
+            <a:ext cx="7296091" cy="19487"/>
+          </a:xfrm>
+          <a:prstGeom prst="line">
+            <a:avLst/>
+          </a:prstGeom>
+          <a:noFill/>
+          <a:ln w="25400" cap="flat" cmpd="sng" algn="ctr">
+            <a:solidFill>
+              <a:srgbClr val="000000">
+                <a:alpha val="100000"/>
+              </a:srgbClr>
+            </a:solidFill>
+            <a:prstDash val="sysDash"/>
+            <a:headEnd w="med" len="med"/>
+            <a:tailEnd w="med" len="med"/>
+          </a:ln>
+        </p:spPr>
+      </p:cxnSp>
+      <p:cxnSp>
+        <p:nvCxnSpPr>
+          <p:cNvPr id="42" name=""/>
+          <p:cNvCxnSpPr/>
+          <p:nvPr/>
+        </p:nvCxnSpPr>
+        <p:spPr>
+          <a:xfrm flipV="1">
+            <a:off x="4895908" y="5164723"/>
+            <a:ext cx="7296091" cy="19487"/>
+          </a:xfrm>
+          <a:prstGeom prst="line">
+            <a:avLst/>
+          </a:prstGeom>
+          <a:noFill/>
+          <a:ln w="25400" cap="flat" cmpd="sng" algn="ctr">
+            <a:solidFill>
+              <a:srgbClr val="000000">
+                <a:alpha val="100000"/>
+              </a:srgbClr>
+            </a:solidFill>
+            <a:prstDash val="sysDash"/>
+            <a:headEnd w="med" len="med"/>
+            <a:tailEnd w="med" len="med"/>
+          </a:ln>
+        </p:spPr>
+      </p:cxnSp>
     </p:spTree>
   </p:cSld>
   <p:clrMapOvr>
@@ -11778,7 +14667,7 @@
         <p:spPr>
           <a:xfrm>
             <a:off x="0" y="28575"/>
-            <a:ext cx="2927701" cy="512445"/>
+            <a:ext cx="4610872" cy="512445"/>
           </a:xfrm>
           <a:prstGeom prst="rect">
             <a:avLst/>
@@ -11813,6 +14702,28 @@
                 <a:cs typeface="맑은 고딕"/>
               </a:rPr>
               <a:t>2-2.</a:t>
+            </a:r>
+            <a:r>
+              <a:rPr kumimoji="0" lang="ko-KR" altLang="en-US" sz="2800" b="1" i="0" u="none" strike="noStrike" kern="1200" cap="none" spc="0" normalizeH="0" baseline="0">
+                <a:solidFill>
+                  <a:srgbClr val="000000"/>
+                </a:solidFill>
+                <a:latin typeface="Calibri"/>
+                <a:ea typeface="맑은 고딕"/>
+                <a:cs typeface="맑은 고딕"/>
+              </a:rPr>
+              <a:t> 개발 도구 </a:t>
+            </a:r>
+            <a:r>
+              <a:rPr kumimoji="0" lang="en-US" altLang="ko-KR" sz="2800" b="1" i="0" u="none" strike="noStrike" kern="1200" cap="none" spc="0" normalizeH="0" baseline="0">
+                <a:solidFill>
+                  <a:srgbClr val="000000"/>
+                </a:solidFill>
+                <a:latin typeface="Calibri"/>
+                <a:ea typeface="맑은 고딕"/>
+                <a:cs typeface="맑은 고딕"/>
+              </a:rPr>
+              <a:t>&amp;</a:t>
             </a:r>
             <a:r>
               <a:rPr kumimoji="0" lang="ko-KR" altLang="en-US" sz="2800" b="1" i="0" u="none" strike="noStrike" kern="1200" cap="none" spc="0" normalizeH="0" baseline="0">
@@ -11859,7 +14770,7 @@
               <a:pPr lvl="0">
                 <a:defRPr/>
               </a:pPr>
-              <a:t>6</a:t>
+              <a:t>5</a:t>
             </a:fld>
             <a:endParaRPr lang="en-US" altLang="en-US"/>
           </a:p>
@@ -16171,7 +19082,7 @@
           <p:spPr>
             <a:xfrm>
               <a:off x="9162659" y="4327031"/>
-              <a:ext cx="2845049" cy="976489"/>
+              <a:ext cx="2845049" cy="1157464"/>
             </a:xfrm>
             <a:prstGeom prst="rect">
               <a:avLst/>
@@ -16196,8 +19107,21 @@
                   </a:solidFill>
                   <a:latin typeface="Amasis MT Pro Black"/>
                 </a:rPr>
-                <a:t>Output : </a:t>
+                <a:t>Output </a:t>
               </a:r>
+              <a:endParaRPr lang="ko-KR" altLang="en-US" sz="1200" b="1">
+                <a:solidFill>
+                  <a:srgbClr val="0070c0"/>
+                </a:solidFill>
+                <a:latin typeface="Amasis MT Pro Black"/>
+              </a:endParaRPr>
+            </a:p>
+            <a:p>
+              <a:pPr marL="0" indent="0">
+                <a:buFont typeface="Arial"/>
+                <a:buNone/>
+                <a:defRPr/>
+              </a:pPr>
               <a:r>
                 <a:rPr lang="ko-KR" altLang="en-US" sz="1200" b="1">
                   <a:solidFill>
@@ -16205,7 +19129,7 @@
                   </a:solidFill>
                   <a:latin typeface="Amasis MT Pro Black"/>
                 </a:rPr>
-                <a:t>공정을 완료한 총 </a:t>
+                <a:t>    공정을 완료한 총 </a:t>
               </a:r>
               <a:r>
                 <a:rPr lang="en-US" altLang="ko-KR" sz="1200" b="1">
@@ -16258,7 +19182,38 @@
                   </a:solidFill>
                   <a:latin typeface="Amasis MT Pro Black"/>
                 </a:rPr>
-                <a:t>Throughput : 1</a:t>
+                <a:t>Throughput</a:t>
+              </a:r>
+              <a:endParaRPr lang="en-US" altLang="ko-KR" sz="1200" b="1">
+                <a:solidFill>
+                  <a:srgbClr val="0070c0"/>
+                </a:solidFill>
+                <a:latin typeface="Amasis MT Pro Black"/>
+              </a:endParaRPr>
+            </a:p>
+            <a:p>
+              <a:pPr marL="0" indent="0">
+                <a:buFont typeface="Arial"/>
+                <a:buNone/>
+                <a:defRPr/>
+              </a:pPr>
+              <a:r>
+                <a:rPr lang="ko-KR" altLang="en-US" sz="1200" b="1">
+                  <a:solidFill>
+                    <a:srgbClr val="0070c0"/>
+                  </a:solidFill>
+                  <a:latin typeface="Amasis MT Pro Black"/>
+                </a:rPr>
+                <a:t>    </a:t>
+              </a:r>
+              <a:r>
+                <a:rPr lang="en-US" altLang="ko-KR" sz="1200" b="1">
+                  <a:solidFill>
+                    <a:srgbClr val="0070c0"/>
+                  </a:solidFill>
+                  <a:latin typeface="Amasis MT Pro Black"/>
+                </a:rPr>
+                <a:t>1</a:t>
               </a:r>
               <a:r>
                 <a:rPr lang="ko-KR" altLang="en-US" sz="1200" b="1">

--- a/A조 발표/A조 발표.pptx
+++ b/A조 발표/A조 발표.pptx
@@ -2,7 +2,7 @@
 <file path=ppt/presentation.xml><?xml version="1.0" encoding="utf-8"?>
 <p:presentation xmlns:r="http://schemas.openxmlformats.org/officeDocument/2006/relationships" xmlns:c="http://schemas.openxmlformats.org/drawingml/2006/chart" xmlns:a="http://schemas.openxmlformats.org/drawingml/2006/main" xmlns:dgm="http://schemas.openxmlformats.org/drawingml/2006/diagram" xmlns:dsp="http://schemas.microsoft.com/office/drawing/2008/diagram" xmlns:p="http://schemas.openxmlformats.org/presentationml/2006/main">
   <p:sldMasterIdLst>
-    <p:sldMasterId id="2147483805" r:id="rId1"/>
+    <p:sldMasterId id="2147483793" r:id="rId1"/>
   </p:sldMasterIdLst>
   <p:notesMasterIdLst>
     <p:notesMasterId r:id="rId2"/>
@@ -761,12 +761,36 @@
               <a:defRPr/>
             </a:pPr>
             <a:r>
+              <a:rPr lang="en-US" altLang="ko-KR"/>
+              <a:t>A</a:t>
+            </a:r>
+            <a:r>
               <a:rPr lang="ko-KR" altLang="en-US"/>
-              <a:t>발표 순서는 다음과 같이 진행됩니다</a:t>
+              <a:t>조 </a:t>
+            </a:r>
+            <a:r>
+              <a:rPr lang="en-US" altLang="ko-KR"/>
+              <a:t>Fab Simulator Only Look Once</a:t>
+            </a:r>
+            <a:r>
+              <a:rPr lang="ko-KR" altLang="en-US"/>
+              <a:t> 줄여서 </a:t>
+            </a:r>
+            <a:r>
+              <a:rPr lang="en-US" altLang="ko-KR"/>
+              <a:t>FAB SOLO</a:t>
+            </a:r>
+            <a:r>
+              <a:rPr lang="ko-KR" altLang="en-US"/>
+              <a:t> 프로젝트 발표 시작하겠습니다</a:t>
             </a:r>
             <a:r>
               <a:rPr lang="en-US" altLang="ko-KR"/>
               <a:t>.</a:t>
+            </a:r>
+            <a:r>
+              <a:rPr lang="ko-KR" altLang="en-US"/>
+              <a:t> </a:t>
             </a:r>
             <a:endParaRPr lang="ko-KR" altLang="en-US"/>
           </a:p>
@@ -795,7 +819,7 @@
               <a:pPr lvl="0">
                 <a:defRPr/>
               </a:pPr>
-              <a:t>2</a:t>
+              <a:t>1</a:t>
             </a:fld>
             <a:endParaRPr lang="en-US" altLang="en-US"/>
           </a:p>
@@ -844,7 +868,7 @@
             <a:pPr>
               <a:defRPr/>
             </a:pPr>
-            <a:endParaRPr lang="ko-KR" altLang="en-US"/>
+            <a:endParaRPr lang="en-US" altLang="ko-KR"/>
           </a:p>
         </p:txBody>
       </p:sp>
@@ -876,7 +900,7 @@
               <a:defRPr/>
             </a:pPr>
             <a:r>
-              <a:rPr xmlns:mc="http://schemas.openxmlformats.org/markup-compatibility/2006" xmlns:hp="http://schemas.haansoft.com/office/presentation/8.0" lang="EN-US" b="0" i="0" u="none" strike="noStrike" mc:Ignorable="hp" hp:hslEmbossed="0">
+              <a:rPr xmlns:mc="http://schemas.openxmlformats.org/markup-compatibility/2006" xmlns:hp="http://schemas.haansoft.com/office/presentation/8.0" b="0" i="0" u="none" strike="noStrike" mc:Ignorable="hp" hp:hslEmbossed="0">
                 <a:solidFill>
                   <a:srgbClr val="000000"/>
                 </a:solidFill>
@@ -884,10 +908,10 @@
                 <a:ea typeface="돋움"/>
                 <a:cs typeface="돋움"/>
               </a:rPr>
-              <a:t>Main UI </a:t>
-            </a:r>
-            <a:r>
-              <a:rPr xmlns:mc="http://schemas.openxmlformats.org/markup-compatibility/2006" xmlns:hp="http://schemas.haansoft.com/office/presentation/8.0" b="0" i="0" u="none" strike="noStrike" mc:Ignorable="hp" hp:hslEmbossed="0">
+              <a:t>다음</a:t>
+            </a:r>
+            <a:r>
+              <a:rPr xmlns:mc="http://schemas.openxmlformats.org/markup-compatibility/2006" xmlns:hp="http://schemas.haansoft.com/office/presentation/8.0" lang="EN-US" b="0" i="0" u="none" strike="noStrike" mc:Ignorable="hp" hp:hslEmbossed="0">
                 <a:solidFill>
                   <a:srgbClr val="000000"/>
                 </a:solidFill>
@@ -895,10 +919,10 @@
                 <a:ea typeface="돋움"/>
                 <a:cs typeface="돋움"/>
               </a:rPr>
-              <a:t>입니다</a:t>
-            </a:r>
-            <a:r>
-              <a:rPr xmlns:mc="http://schemas.openxmlformats.org/markup-compatibility/2006" xmlns:hp="http://schemas.haansoft.com/office/presentation/8.0" lang="EN-US" b="0" i="0" u="none" strike="noStrike" mc:Ignorable="hp" hp:hslEmbossed="0">
+              <a:t>UI</a:t>
+            </a:r>
+            <a:r>
+              <a:rPr xmlns:mc="http://schemas.openxmlformats.org/markup-compatibility/2006" xmlns:hp="http://schemas.haansoft.com/office/presentation/8.0" b="0" i="0" u="none" strike="noStrike" mc:Ignorable="hp" hp:hslEmbossed="0">
                 <a:solidFill>
                   <a:srgbClr val="000000"/>
                 </a:solidFill>
@@ -906,10 +930,10 @@
                 <a:ea typeface="돋움"/>
                 <a:cs typeface="돋움"/>
               </a:rPr>
-              <a:t>. </a:t>
-            </a:r>
-            <a:r>
-              <a:rPr xmlns:mc="http://schemas.openxmlformats.org/markup-compatibility/2006" xmlns:hp="http://schemas.haansoft.com/office/presentation/8.0" b="0" i="0" u="none" strike="noStrike" mc:Ignorable="hp" hp:hslEmbossed="0">
+              <a:t>는 </a:t>
+            </a:r>
+            <a:r>
+              <a:rPr xmlns:mc="http://schemas.openxmlformats.org/markup-compatibility/2006" xmlns:hp="http://schemas.haansoft.com/office/presentation/8.0" lang="EN-US" b="0" i="0" u="none" strike="noStrike" mc:Ignorable="hp" hp:hslEmbossed="0">
                 <a:solidFill>
                   <a:srgbClr val="000000"/>
                 </a:solidFill>
@@ -917,7 +941,106 @@
                 <a:ea typeface="돋움"/>
                 <a:cs typeface="돋움"/>
               </a:rPr>
-              <a:t>한가운데 움직이는 그림을 통해 로봇이 작동하는 순서를 쉽게 알수 있으며</a:t>
+              <a:t>LPM</a:t>
+            </a:r>
+            <a:r>
+              <a:rPr xmlns:mc="http://schemas.openxmlformats.org/markup-compatibility/2006" xmlns:hp="http://schemas.haansoft.com/office/presentation/8.0" b="0" i="0" u="none" strike="noStrike" mc:Ignorable="hp" hp:hslEmbossed="0">
+                <a:solidFill>
+                  <a:srgbClr val="000000"/>
+                </a:solidFill>
+                <a:latin typeface="돋움"/>
+                <a:ea typeface="돋움"/>
+                <a:cs typeface="돋움"/>
+              </a:rPr>
+              <a:t>과 </a:t>
+            </a:r>
+            <a:r>
+              <a:rPr xmlns:mc="http://schemas.openxmlformats.org/markup-compatibility/2006" xmlns:hp="http://schemas.haansoft.com/office/presentation/8.0" lang="EN-US" b="0" i="0" u="none" strike="noStrike" mc:Ignorable="hp" hp:hslEmbossed="0">
+                <a:solidFill>
+                  <a:srgbClr val="000000"/>
+                </a:solidFill>
+                <a:latin typeface="돋움"/>
+                <a:ea typeface="돋움"/>
+                <a:cs typeface="돋움"/>
+              </a:rPr>
+              <a:t>Load Lock</a:t>
+            </a:r>
+            <a:r>
+              <a:rPr xmlns:mc="http://schemas.openxmlformats.org/markup-compatibility/2006" xmlns:hp="http://schemas.haansoft.com/office/presentation/8.0" b="0" i="0" u="none" strike="noStrike" mc:Ignorable="hp" hp:hslEmbossed="0">
+                <a:solidFill>
+                  <a:srgbClr val="000000"/>
+                </a:solidFill>
+                <a:latin typeface="돋움"/>
+                <a:ea typeface="돋움"/>
+                <a:cs typeface="돋움"/>
+              </a:rPr>
+              <a:t>을 표현한 </a:t>
+            </a:r>
+            <a:r>
+              <a:rPr xmlns:mc="http://schemas.openxmlformats.org/markup-compatibility/2006" xmlns:hp="http://schemas.haansoft.com/office/presentation/8.0" lang="EN-US" b="0" i="0" u="none" strike="noStrike" mc:Ignorable="hp" hp:hslEmbossed="0">
+                <a:solidFill>
+                  <a:srgbClr val="000000"/>
+                </a:solidFill>
+                <a:latin typeface="돋움"/>
+                <a:ea typeface="돋움"/>
+                <a:cs typeface="돋움"/>
+              </a:rPr>
+              <a:t>GDI </a:t>
+            </a:r>
+            <a:r>
+              <a:rPr xmlns:mc="http://schemas.openxmlformats.org/markup-compatibility/2006" xmlns:hp="http://schemas.haansoft.com/office/presentation/8.0" b="0" i="0" u="none" strike="noStrike" mc:Ignorable="hp" hp:hslEmbossed="0">
+                <a:solidFill>
+                  <a:srgbClr val="000000"/>
+                </a:solidFill>
+                <a:latin typeface="돋움"/>
+                <a:ea typeface="돋움"/>
+                <a:cs typeface="돋움"/>
+              </a:rPr>
+              <a:t>입니다</a:t>
+            </a:r>
+            <a:r>
+              <a:rPr xmlns:mc="http://schemas.openxmlformats.org/markup-compatibility/2006" xmlns:hp="http://schemas.haansoft.com/office/presentation/8.0" lang="EN-US" b="0" i="0" u="none" strike="noStrike" mc:Ignorable="hp" hp:hslEmbossed="0">
+                <a:solidFill>
+                  <a:srgbClr val="000000"/>
+                </a:solidFill>
+                <a:latin typeface="돋움"/>
+                <a:ea typeface="돋움"/>
+                <a:cs typeface="돋움"/>
+              </a:rPr>
+              <a:t>. </a:t>
+            </a:r>
+            <a:r>
+              <a:rPr xmlns:mc="http://schemas.openxmlformats.org/markup-compatibility/2006" xmlns:hp="http://schemas.haansoft.com/office/presentation/8.0" b="0" i="0" u="none" strike="noStrike" mc:Ignorable="hp" hp:hslEmbossed="0">
+                <a:solidFill>
+                  <a:srgbClr val="000000"/>
+                </a:solidFill>
+                <a:latin typeface="돋움"/>
+                <a:ea typeface="돋움"/>
+                <a:cs typeface="돋움"/>
+              </a:rPr>
+              <a:t>웨이퍼를 우선 공정 전</a:t>
+            </a:r>
+            <a:r>
+              <a:rPr xmlns:mc="http://schemas.openxmlformats.org/markup-compatibility/2006" xmlns:hp="http://schemas.haansoft.com/office/presentation/8.0" lang="EN-US" b="0" i="0" u="none" strike="noStrike" mc:Ignorable="hp" hp:hslEmbossed="0">
+                <a:solidFill>
+                  <a:srgbClr val="000000"/>
+                </a:solidFill>
+                <a:latin typeface="돋움"/>
+                <a:ea typeface="돋움"/>
+                <a:cs typeface="돋움"/>
+              </a:rPr>
+              <a:t>/</a:t>
+            </a:r>
+            <a:r>
+              <a:rPr xmlns:mc="http://schemas.openxmlformats.org/markup-compatibility/2006" xmlns:hp="http://schemas.haansoft.com/office/presentation/8.0" b="0" i="0" u="none" strike="noStrike" mc:Ignorable="hp" hp:hslEmbossed="0">
+                <a:solidFill>
+                  <a:srgbClr val="000000"/>
+                </a:solidFill>
+                <a:latin typeface="돋움"/>
+                <a:ea typeface="돋움"/>
+                <a:cs typeface="돋움"/>
+              </a:rPr>
+              <a:t>후 로 구분짓기 위해 색깔을 구분지었으며 </a:t>
             </a:r>
             <a:endParaRPr xmlns:mc="http://schemas.openxmlformats.org/markup-compatibility/2006" xmlns:hp="http://schemas.haansoft.com/office/presentation/8.0" b="0" i="0" u="none" strike="noStrike" mc:Ignorable="hp" hp:hslEmbossed="0">
               <a:solidFill>
@@ -950,7 +1073,7 @@
                 <a:ea typeface="돋움"/>
                 <a:cs typeface="돋움"/>
               </a:rPr>
-              <a:t>직관적이고 가벼운 </a:t>
+              <a:t>현재 웨이퍼가 들어있는 개수와 최대 들어갈수 있는 크기 및 웨이퍼의 공정 상태까지 한번에 알수있게 만들었습니다</a:t>
             </a:r>
             <a:r>
               <a:rPr xmlns:mc="http://schemas.openxmlformats.org/markup-compatibility/2006" xmlns:hp="http://schemas.haansoft.com/office/presentation/8.0" lang="EN-US" b="0" i="0" u="none" strike="noStrike" mc:Ignorable="hp" hp:hslEmbossed="0">
@@ -961,20 +1084,9 @@
                 <a:ea typeface="돋움"/>
                 <a:cs typeface="돋움"/>
               </a:rPr>
-              <a:t>UI</a:t>
-            </a:r>
-            <a:r>
-              <a:rPr xmlns:mc="http://schemas.openxmlformats.org/markup-compatibility/2006" xmlns:hp="http://schemas.haansoft.com/office/presentation/8.0" b="0" i="0" u="none" strike="noStrike" mc:Ignorable="hp" hp:hslEmbossed="0">
-                <a:solidFill>
-                  <a:srgbClr val="000000"/>
-                </a:solidFill>
-                <a:latin typeface="돋움"/>
-                <a:ea typeface="돋움"/>
-                <a:cs typeface="돋움"/>
-              </a:rPr>
-              <a:t>를 통해 장비에 대해 잘 모르는 사람이라도 </a:t>
-            </a:r>
-            <a:endParaRPr xmlns:mc="http://schemas.openxmlformats.org/markup-compatibility/2006" xmlns:hp="http://schemas.haansoft.com/office/presentation/8.0" b="0" i="0" u="none" strike="noStrike" mc:Ignorable="hp" hp:hslEmbossed="0">
+              <a:t>.</a:t>
+            </a:r>
+            <a:endParaRPr xmlns:mc="http://schemas.openxmlformats.org/markup-compatibility/2006" xmlns:hp="http://schemas.haansoft.com/office/presentation/8.0" lang="EN-US" b="0" i="0" u="none" strike="noStrike" mc:Ignorable="hp" hp:hslEmbossed="0">
               <a:solidFill>
                 <a:srgbClr val="000000"/>
               </a:solidFill>
@@ -1005,10 +1117,10 @@
                 <a:ea typeface="돋움"/>
                 <a:cs typeface="돋움"/>
               </a:rPr>
-              <a:t>어떤식으로 작동을 하고 저 로봇이 웨이퍼를 어디서 어디로 옮기는지 등을한눈에 알아보기 편하게 만들었습니</a:t>
-            </a:r>
-            <a:r>
-              <a:rPr xmlns:mc="http://schemas.openxmlformats.org/markup-compatibility/2006" xmlns:hp="http://schemas.haansoft.com/office/presentation/8.0" lang="ko-KR" altLang="en-US" b="0" i="0" u="none" strike="noStrike" mc:Ignorable="hp" hp:hslEmbossed="0">
+              <a:t>또한 </a:t>
+            </a:r>
+            <a:r>
+              <a:rPr xmlns:mc="http://schemas.openxmlformats.org/markup-compatibility/2006" xmlns:hp="http://schemas.haansoft.com/office/presentation/8.0" lang="EN-US" b="0" i="0" u="none" strike="noStrike" mc:Ignorable="hp" hp:hslEmbossed="0">
                 <a:solidFill>
                   <a:srgbClr val="000000"/>
                 </a:solidFill>
@@ -1016,10 +1128,10 @@
                 <a:ea typeface="돋움"/>
                 <a:cs typeface="돋움"/>
               </a:rPr>
-              <a:t>다</a:t>
-            </a:r>
-            <a:r>
-              <a:rPr xmlns:mc="http://schemas.openxmlformats.org/markup-compatibility/2006" xmlns:hp="http://schemas.haansoft.com/office/presentation/8.0" lang="EN-US" b="0" i="0" u="none" strike="noStrike" mc:Ignorable="hp" hp:hslEmbossed="0">
+              <a:t>Load Lock </a:t>
+            </a:r>
+            <a:r>
+              <a:rPr xmlns:mc="http://schemas.openxmlformats.org/markup-compatibility/2006" xmlns:hp="http://schemas.haansoft.com/office/presentation/8.0" b="0" i="0" u="none" strike="noStrike" mc:Ignorable="hp" hp:hslEmbossed="0">
                 <a:solidFill>
                   <a:srgbClr val="000000"/>
                 </a:solidFill>
@@ -1027,9 +1139,31 @@
                 <a:ea typeface="돋움"/>
                 <a:cs typeface="돋움"/>
               </a:rPr>
-              <a:t>. </a:t>
-            </a:r>
-            <a:endParaRPr xmlns:mc="http://schemas.openxmlformats.org/markup-compatibility/2006" xmlns:hp="http://schemas.haansoft.com/office/presentation/8.0" lang="EN-US" b="0" i="0" u="none" strike="noStrike" mc:Ignorable="hp" hp:hslEmbossed="0">
+              <a:t>이 수행하는 진공상태</a:t>
+            </a:r>
+            <a:r>
+              <a:rPr xmlns:mc="http://schemas.openxmlformats.org/markup-compatibility/2006" xmlns:hp="http://schemas.haansoft.com/office/presentation/8.0" lang="EN-US" b="0" i="0" u="none" strike="noStrike" mc:Ignorable="hp" hp:hslEmbossed="0">
+                <a:solidFill>
+                  <a:srgbClr val="000000"/>
+                </a:solidFill>
+                <a:latin typeface="돋움"/>
+                <a:ea typeface="돋움"/>
+                <a:cs typeface="돋움"/>
+              </a:rPr>
+              <a:t>/</a:t>
+            </a:r>
+            <a:r>
+              <a:rPr xmlns:mc="http://schemas.openxmlformats.org/markup-compatibility/2006" xmlns:hp="http://schemas.haansoft.com/office/presentation/8.0" b="0" i="0" u="none" strike="noStrike" mc:Ignorable="hp" hp:hslEmbossed="0">
+                <a:solidFill>
+                  <a:srgbClr val="000000"/>
+                </a:solidFill>
+                <a:latin typeface="돋움"/>
+                <a:ea typeface="돋움"/>
+                <a:cs typeface="돋움"/>
+              </a:rPr>
+              <a:t>대기상태 등을 프로그래스바 를 통해 알수있게 해놓았으며 </a:t>
+            </a:r>
+            <a:endParaRPr xmlns:mc="http://schemas.openxmlformats.org/markup-compatibility/2006" xmlns:hp="http://schemas.haansoft.com/office/presentation/8.0" b="0" i="0" u="none" strike="noStrike" mc:Ignorable="hp" hp:hslEmbossed="0">
               <a:solidFill>
                 <a:srgbClr val="000000"/>
               </a:solidFill>
@@ -1060,9 +1194,42 @@
                 <a:ea typeface="돋움"/>
                 <a:cs typeface="돋움"/>
               </a:rPr>
-              <a:t>또한 웨이퍼에 상태에 따라 색깔을 표시함으로써 실시간으로 무슨 공정을 진행하고 있는지와 </a:t>
-            </a:r>
-            <a:endParaRPr xmlns:mc="http://schemas.openxmlformats.org/markup-compatibility/2006" xmlns:hp="http://schemas.haansoft.com/office/presentation/8.0" b="0" i="0" u="none" strike="noStrike" mc:Ignorable="hp" hp:hslEmbossed="0">
+              <a:t>이로인해 </a:t>
+            </a:r>
+            <a:r>
+              <a:rPr xmlns:mc="http://schemas.openxmlformats.org/markup-compatibility/2006" xmlns:hp="http://schemas.haansoft.com/office/presentation/8.0" lang="EN-US" b="0" i="0" u="none" strike="noStrike" mc:Ignorable="hp" hp:hslEmbossed="0">
+                <a:solidFill>
+                  <a:srgbClr val="000000"/>
+                </a:solidFill>
+                <a:latin typeface="돋움"/>
+                <a:ea typeface="돋움"/>
+                <a:cs typeface="돋움"/>
+              </a:rPr>
+              <a:t>Load Lock</a:t>
+            </a:r>
+            <a:r>
+              <a:rPr xmlns:mc="http://schemas.openxmlformats.org/markup-compatibility/2006" xmlns:hp="http://schemas.haansoft.com/office/presentation/8.0" b="0" i="0" u="none" strike="noStrike" mc:Ignorable="hp" hp:hslEmbossed="0">
+                <a:solidFill>
+                  <a:srgbClr val="000000"/>
+                </a:solidFill>
+                <a:latin typeface="돋움"/>
+                <a:ea typeface="돋움"/>
+                <a:cs typeface="돋움"/>
+              </a:rPr>
+              <a:t>이 현재 수행중인 작업과 갖고있는 웨이퍼의 상태 및 수량 등을 한번에 알 수 있습니다</a:t>
+            </a:r>
+            <a:r>
+              <a:rPr xmlns:mc="http://schemas.openxmlformats.org/markup-compatibility/2006" xmlns:hp="http://schemas.haansoft.com/office/presentation/8.0" lang="EN-US" b="0" i="0" u="none" strike="noStrike" mc:Ignorable="hp" hp:hslEmbossed="0">
+                <a:solidFill>
+                  <a:srgbClr val="000000"/>
+                </a:solidFill>
+                <a:latin typeface="돋움"/>
+                <a:ea typeface="돋움"/>
+                <a:cs typeface="돋움"/>
+              </a:rPr>
+              <a:t>.</a:t>
+            </a:r>
+            <a:endParaRPr xmlns:mc="http://schemas.openxmlformats.org/markup-compatibility/2006" xmlns:hp="http://schemas.haansoft.com/office/presentation/8.0" lang="EN-US" b="0" i="0" u="none" strike="noStrike" mc:Ignorable="hp" hp:hslEmbossed="0">
               <a:solidFill>
                 <a:srgbClr val="000000"/>
               </a:solidFill>
@@ -1093,273 +1260,9 @@
                 <a:ea typeface="돋움"/>
                 <a:cs typeface="돋움"/>
               </a:rPr>
-              <a:t>좌우의 </a:t>
-            </a:r>
-            <a:r>
-              <a:rPr xmlns:mc="http://schemas.openxmlformats.org/markup-compatibility/2006" xmlns:hp="http://schemas.haansoft.com/office/presentation/8.0" lang="EN-US" b="0" i="0" u="none" strike="noStrike" mc:Ignorable="hp" hp:hslEmbossed="0">
-                <a:solidFill>
-                  <a:srgbClr val="000000"/>
-                </a:solidFill>
-                <a:latin typeface="돋움"/>
-                <a:ea typeface="돋움"/>
-                <a:cs typeface="돋움"/>
-              </a:rPr>
-              <a:t>LPM </a:t>
-            </a:r>
-            <a:r>
-              <a:rPr xmlns:mc="http://schemas.openxmlformats.org/markup-compatibility/2006" xmlns:hp="http://schemas.haansoft.com/office/presentation/8.0" b="0" i="0" u="none" strike="noStrike" mc:Ignorable="hp" hp:hslEmbossed="0">
-                <a:solidFill>
-                  <a:srgbClr val="000000"/>
-                </a:solidFill>
-                <a:latin typeface="돋움"/>
-                <a:ea typeface="돋움"/>
-                <a:cs typeface="돋움"/>
-              </a:rPr>
-              <a:t>과 </a:t>
-            </a:r>
-            <a:r>
-              <a:rPr xmlns:mc="http://schemas.openxmlformats.org/markup-compatibility/2006" xmlns:hp="http://schemas.haansoft.com/office/presentation/8.0" lang="EN-US" b="0" i="0" u="none" strike="noStrike" mc:Ignorable="hp" hp:hslEmbossed="0">
-                <a:solidFill>
-                  <a:srgbClr val="000000"/>
-                </a:solidFill>
-                <a:latin typeface="돋움"/>
-                <a:ea typeface="돋움"/>
-                <a:cs typeface="돋움"/>
-              </a:rPr>
-              <a:t>Load Lock </a:t>
-            </a:r>
-            <a:r>
-              <a:rPr xmlns:mc="http://schemas.openxmlformats.org/markup-compatibility/2006" xmlns:hp="http://schemas.haansoft.com/office/presentation/8.0" b="0" i="0" u="none" strike="noStrike" mc:Ignorable="hp" hp:hslEmbossed="0">
-                <a:solidFill>
-                  <a:srgbClr val="000000"/>
-                </a:solidFill>
-                <a:latin typeface="돋움"/>
-                <a:ea typeface="돋움"/>
-                <a:cs typeface="돋움"/>
-              </a:rPr>
-              <a:t>의 </a:t>
-            </a:r>
-            <a:r>
-              <a:rPr xmlns:mc="http://schemas.openxmlformats.org/markup-compatibility/2006" xmlns:hp="http://schemas.haansoft.com/office/presentation/8.0" lang="en-US" altLang="ko-KR" b="0" i="0" u="none" strike="noStrike" mc:Ignorable="hp" hp:hslEmbossed="0">
-                <a:solidFill>
-                  <a:srgbClr val="000000"/>
-                </a:solidFill>
-                <a:latin typeface="돋움"/>
-                <a:ea typeface="돋움"/>
-                <a:cs typeface="돋움"/>
-              </a:rPr>
-              <a:t>UI</a:t>
-            </a:r>
-            <a:r>
-              <a:rPr xmlns:mc="http://schemas.openxmlformats.org/markup-compatibility/2006" xmlns:hp="http://schemas.haansoft.com/office/presentation/8.0" b="0" i="0" u="none" strike="noStrike" mc:Ignorable="hp" hp:hslEmbossed="0">
-                <a:solidFill>
-                  <a:srgbClr val="000000"/>
-                </a:solidFill>
-                <a:latin typeface="돋움"/>
-                <a:ea typeface="돋움"/>
-                <a:cs typeface="돋움"/>
-              </a:rPr>
-              <a:t>와 연관지어 그림상으로 로봇이 </a:t>
-            </a:r>
-            <a:r>
-              <a:rPr xmlns:mc="http://schemas.openxmlformats.org/markup-compatibility/2006" xmlns:hp="http://schemas.haansoft.com/office/presentation/8.0" lang="EN-US" b="0" i="0" u="none" strike="noStrike" mc:Ignorable="hp" hp:hslEmbossed="0">
-                <a:solidFill>
-                  <a:srgbClr val="000000"/>
-                </a:solidFill>
-                <a:latin typeface="돋움"/>
-                <a:ea typeface="돋움"/>
-                <a:cs typeface="돋움"/>
-              </a:rPr>
-              <a:t>Load Lock </a:t>
-            </a:r>
-            <a:r>
-              <a:rPr xmlns:mc="http://schemas.openxmlformats.org/markup-compatibility/2006" xmlns:hp="http://schemas.haansoft.com/office/presentation/8.0" b="0" i="0" u="none" strike="noStrike" mc:Ignorable="hp" hp:hslEmbossed="0">
-                <a:solidFill>
-                  <a:srgbClr val="000000"/>
-                </a:solidFill>
-                <a:latin typeface="돋움"/>
-                <a:ea typeface="돋움"/>
-                <a:cs typeface="돋움"/>
-              </a:rPr>
-              <a:t>에 웨이퍼를 넣으면 </a:t>
-            </a:r>
-            <a:endParaRPr xmlns:mc="http://schemas.openxmlformats.org/markup-compatibility/2006" xmlns:hp="http://schemas.haansoft.com/office/presentation/8.0" b="0" i="0" u="none" strike="noStrike" mc:Ignorable="hp" hp:hslEmbossed="0">
-              <a:solidFill>
-                <a:srgbClr val="000000"/>
-              </a:solidFill>
-              <a:latin typeface="돋움"/>
-              <a:ea typeface="돋움"/>
-              <a:cs typeface="돋움"/>
-            </a:endParaRPr>
-          </a:p>
-          <a:p>
-            <a:pPr>
-              <a:lnSpc>
-                <a:spcPct val="160000"/>
-              </a:lnSpc>
-              <a:spcBef>
-                <a:spcPts val="0"/>
-              </a:spcBef>
-              <a:spcAft>
-                <a:spcPts val="0"/>
-              </a:spcAft>
-              <a:defRPr/>
-            </a:pPr>
-            <a:r>
-              <a:rPr xmlns:mc="http://schemas.openxmlformats.org/markup-compatibility/2006" xmlns:hp="http://schemas.haansoft.com/office/presentation/8.0" b="0" i="0" u="none" strike="noStrike" mc:Ignorable="hp" hp:hslEmbossed="0">
-                <a:solidFill>
-                  <a:srgbClr val="000000"/>
-                </a:solidFill>
-                <a:latin typeface="돋움"/>
-                <a:ea typeface="돋움"/>
-                <a:cs typeface="돋움"/>
-              </a:rPr>
-              <a:t>바로 </a:t>
-            </a:r>
-            <a:r>
-              <a:rPr xmlns:mc="http://schemas.openxmlformats.org/markup-compatibility/2006" xmlns:hp="http://schemas.haansoft.com/office/presentation/8.0" lang="en-US" altLang="ko-KR" b="0" i="0" u="none" strike="noStrike" mc:Ignorable="hp" hp:hslEmbossed="0">
-                <a:solidFill>
-                  <a:srgbClr val="000000"/>
-                </a:solidFill>
-                <a:latin typeface="돋움"/>
-                <a:ea typeface="돋움"/>
-                <a:cs typeface="돋움"/>
-              </a:rPr>
-              <a:t>UI</a:t>
-            </a:r>
-            <a:r>
-              <a:rPr xmlns:mc="http://schemas.openxmlformats.org/markup-compatibility/2006" xmlns:hp="http://schemas.haansoft.com/office/presentation/8.0" b="0" i="0" u="none" strike="noStrike" mc:Ignorable="hp" hp:hslEmbossed="0">
-                <a:solidFill>
-                  <a:srgbClr val="000000"/>
-                </a:solidFill>
-                <a:latin typeface="돋움"/>
-                <a:ea typeface="돋움"/>
-                <a:cs typeface="돋움"/>
-              </a:rPr>
-              <a:t>로 웨이퍼를 채울수 있도록 상호 호환되게 만들었습니다</a:t>
-            </a:r>
-            <a:r>
-              <a:rPr xmlns:mc="http://schemas.openxmlformats.org/markup-compatibility/2006" xmlns:hp="http://schemas.haansoft.com/office/presentation/8.0" lang="EN-US" b="0" i="0" u="none" strike="noStrike" mc:Ignorable="hp" hp:hslEmbossed="0">
-                <a:solidFill>
-                  <a:srgbClr val="000000"/>
-                </a:solidFill>
-                <a:latin typeface="돋움"/>
-                <a:ea typeface="돋움"/>
-                <a:cs typeface="돋움"/>
-              </a:rPr>
-              <a:t>.</a:t>
-            </a:r>
-            <a:endParaRPr xmlns:mc="http://schemas.openxmlformats.org/markup-compatibility/2006" xmlns:hp="http://schemas.haansoft.com/office/presentation/8.0" lang="EN-US" b="0" i="0" u="none" strike="noStrike" mc:Ignorable="hp" hp:hslEmbossed="0">
-              <a:solidFill>
-                <a:srgbClr val="000000"/>
-              </a:solidFill>
-              <a:latin typeface="돋움"/>
-              <a:ea typeface="돋움"/>
-              <a:cs typeface="돋움"/>
-            </a:endParaRPr>
-          </a:p>
-          <a:p>
-            <a:pPr>
-              <a:lnSpc>
-                <a:spcPct val="160000"/>
-              </a:lnSpc>
-              <a:spcBef>
-                <a:spcPts val="0"/>
-              </a:spcBef>
-              <a:spcAft>
-                <a:spcPts val="0"/>
-              </a:spcAft>
-              <a:defRPr/>
-            </a:pPr>
-            <a:endParaRPr xmlns:mc="http://schemas.openxmlformats.org/markup-compatibility/2006" xmlns:hp="http://schemas.haansoft.com/office/presentation/8.0" lang="EN-US" b="0" i="0" u="none" strike="noStrike" mc:Ignorable="hp" hp:hslEmbossed="0">
-              <a:solidFill>
-                <a:srgbClr val="000000"/>
-              </a:solidFill>
-              <a:latin typeface="돋움"/>
-              <a:ea typeface="돋움"/>
-              <a:cs typeface="돋움"/>
-            </a:endParaRPr>
-          </a:p>
-          <a:p>
-            <a:pPr>
-              <a:lnSpc>
-                <a:spcPct val="160000"/>
-              </a:lnSpc>
-              <a:spcBef>
-                <a:spcPts val="0"/>
-              </a:spcBef>
-              <a:spcAft>
-                <a:spcPts val="0"/>
-              </a:spcAft>
-              <a:defRPr/>
-            </a:pPr>
-            <a:r>
-              <a:rPr xmlns:mc="http://schemas.openxmlformats.org/markup-compatibility/2006" xmlns:hp="http://schemas.haansoft.com/office/presentation/8.0" b="0" i="0" u="none" strike="noStrike" mc:Ignorable="hp" hp:hslEmbossed="0">
-                <a:solidFill>
-                  <a:srgbClr val="000000"/>
-                </a:solidFill>
-                <a:latin typeface="돋움"/>
-                <a:ea typeface="돋움"/>
-                <a:cs typeface="돋움"/>
-              </a:rPr>
-              <a:t>이로써 사용자는 가운데 </a:t>
-            </a:r>
-            <a:r>
-              <a:rPr xmlns:mc="http://schemas.openxmlformats.org/markup-compatibility/2006" xmlns:hp="http://schemas.haansoft.com/office/presentation/8.0" lang="EN-US" b="0" i="0" u="none" strike="noStrike" mc:Ignorable="hp" hp:hslEmbossed="0">
-                <a:solidFill>
-                  <a:srgbClr val="000000"/>
-                </a:solidFill>
-                <a:latin typeface="돋움"/>
-                <a:ea typeface="돋움"/>
-                <a:cs typeface="돋움"/>
-              </a:rPr>
-              <a:t>Main UI</a:t>
-            </a:r>
-            <a:r>
-              <a:rPr xmlns:mc="http://schemas.openxmlformats.org/markup-compatibility/2006" xmlns:hp="http://schemas.haansoft.com/office/presentation/8.0" b="0" i="0" u="none" strike="noStrike" mc:Ignorable="hp" hp:hslEmbossed="0">
-                <a:solidFill>
-                  <a:srgbClr val="000000"/>
-                </a:solidFill>
-                <a:latin typeface="돋움"/>
-                <a:ea typeface="돋움"/>
-                <a:cs typeface="돋움"/>
-              </a:rPr>
-              <a:t>를 통해 전체적인 장비 상황을 파악할수 있고 좌우의 </a:t>
-            </a:r>
-            <a:r>
-              <a:rPr xmlns:mc="http://schemas.openxmlformats.org/markup-compatibility/2006" xmlns:hp="http://schemas.haansoft.com/office/presentation/8.0" lang="EN-US" b="0" i="0" u="none" strike="noStrike" mc:Ignorable="hp" hp:hslEmbossed="0">
-                <a:solidFill>
-                  <a:srgbClr val="000000"/>
-                </a:solidFill>
-                <a:latin typeface="돋움"/>
-                <a:ea typeface="돋움"/>
-                <a:cs typeface="돋움"/>
-              </a:rPr>
-              <a:t>GDI</a:t>
-            </a:r>
-            <a:r>
-              <a:rPr xmlns:mc="http://schemas.openxmlformats.org/markup-compatibility/2006" xmlns:hp="http://schemas.haansoft.com/office/presentation/8.0" b="0" i="0" u="none" strike="noStrike" mc:Ignorable="hp" hp:hslEmbossed="0">
-                <a:solidFill>
-                  <a:srgbClr val="000000"/>
-                </a:solidFill>
-                <a:latin typeface="돋움"/>
-                <a:ea typeface="돋움"/>
-                <a:cs typeface="돋움"/>
-              </a:rPr>
-              <a:t>를 통해 개별적인 모듈 상황을 볼수 있습니다</a:t>
-            </a:r>
-            <a:r>
-              <a:rPr xmlns:mc="http://schemas.openxmlformats.org/markup-compatibility/2006" xmlns:hp="http://schemas.haansoft.com/office/presentation/8.0" lang="EN-US" b="0" i="0" u="none" strike="noStrike" mc:Ignorable="hp" hp:hslEmbossed="0">
-                <a:solidFill>
-                  <a:srgbClr val="000000"/>
-                </a:solidFill>
-                <a:latin typeface="돋움"/>
-                <a:ea typeface="돋움"/>
-                <a:cs typeface="돋움"/>
-              </a:rPr>
-              <a:t>.</a:t>
-            </a:r>
-            <a:endParaRPr lang="ko-KR" altLang="en-US"/>
+              <a:t>다음 페이지를 보시면</a:t>
+            </a:r>
+            <a:endParaRPr lang="en-US" altLang="ko-KR"/>
           </a:p>
         </p:txBody>
       </p:sp>
@@ -1386,7 +1289,7 @@
               <a:pPr lvl="0">
                 <a:defRPr/>
               </a:pPr>
-              <a:t>11</a:t>
+              <a:t>10</a:t>
             </a:fld>
             <a:endParaRPr lang="en-US" altLang="en-US"/>
           </a:p>
@@ -1467,7 +1370,7 @@
               <a:defRPr/>
             </a:pPr>
             <a:r>
-              <a:rPr xmlns:mc="http://schemas.openxmlformats.org/markup-compatibility/2006" xmlns:hp="http://schemas.haansoft.com/office/presentation/8.0" b="0" i="0" u="none" strike="noStrike" mc:Ignorable="hp" hp:hslEmbossed="0">
+              <a:rPr xmlns:mc="http://schemas.openxmlformats.org/markup-compatibility/2006" xmlns:hp="http://schemas.haansoft.com/office/presentation/8.0" lang="EN-US" b="0" i="0" u="none" strike="noStrike" mc:Ignorable="hp" hp:hslEmbossed="0">
                 <a:solidFill>
                   <a:srgbClr val="000000"/>
                 </a:solidFill>
@@ -1475,10 +1378,10 @@
                 <a:ea typeface="돋움"/>
                 <a:cs typeface="돋움"/>
               </a:rPr>
-              <a:t>다음은 증착 공정 등 실제 공정이 이루어지는 프로세스 모듈입니다</a:t>
-            </a:r>
-            <a:r>
-              <a:rPr xmlns:mc="http://schemas.openxmlformats.org/markup-compatibility/2006" xmlns:hp="http://schemas.haansoft.com/office/presentation/8.0" lang="EN-US" b="0" i="0" u="none" strike="noStrike" mc:Ignorable="hp" hp:hslEmbossed="0">
+              <a:t>Main UI </a:t>
+            </a:r>
+            <a:r>
+              <a:rPr xmlns:mc="http://schemas.openxmlformats.org/markup-compatibility/2006" xmlns:hp="http://schemas.haansoft.com/office/presentation/8.0" b="0" i="0" u="none" strike="noStrike" mc:Ignorable="hp" hp:hslEmbossed="0">
                 <a:solidFill>
                   <a:srgbClr val="000000"/>
                 </a:solidFill>
@@ -1486,9 +1389,31 @@
                 <a:ea typeface="돋움"/>
                 <a:cs typeface="돋움"/>
               </a:rPr>
-              <a:t>.</a:t>
-            </a:r>
-            <a:endParaRPr xmlns:mc="http://schemas.openxmlformats.org/markup-compatibility/2006" xmlns:hp="http://schemas.haansoft.com/office/presentation/8.0" lang="EN-US" b="0" i="0" u="none" strike="noStrike" mc:Ignorable="hp" hp:hslEmbossed="0">
+              <a:t>입니다</a:t>
+            </a:r>
+            <a:r>
+              <a:rPr xmlns:mc="http://schemas.openxmlformats.org/markup-compatibility/2006" xmlns:hp="http://schemas.haansoft.com/office/presentation/8.0" lang="EN-US" b="0" i="0" u="none" strike="noStrike" mc:Ignorable="hp" hp:hslEmbossed="0">
+                <a:solidFill>
+                  <a:srgbClr val="000000"/>
+                </a:solidFill>
+                <a:latin typeface="돋움"/>
+                <a:ea typeface="돋움"/>
+                <a:cs typeface="돋움"/>
+              </a:rPr>
+              <a:t>. </a:t>
+            </a:r>
+            <a:r>
+              <a:rPr xmlns:mc="http://schemas.openxmlformats.org/markup-compatibility/2006" xmlns:hp="http://schemas.haansoft.com/office/presentation/8.0" b="0" i="0" u="none" strike="noStrike" mc:Ignorable="hp" hp:hslEmbossed="0">
+                <a:solidFill>
+                  <a:srgbClr val="000000"/>
+                </a:solidFill>
+                <a:latin typeface="돋움"/>
+                <a:ea typeface="돋움"/>
+                <a:cs typeface="돋움"/>
+              </a:rPr>
+              <a:t>한가운데 움직이는 그림을 통해 로봇이 작동하는 순서를 쉽게 알수 있으며</a:t>
+            </a:r>
+            <a:endParaRPr xmlns:mc="http://schemas.openxmlformats.org/markup-compatibility/2006" xmlns:hp="http://schemas.haansoft.com/office/presentation/8.0" b="0" i="0" u="none" strike="noStrike" mc:Ignorable="hp" hp:hslEmbossed="0">
               <a:solidFill>
                 <a:srgbClr val="000000"/>
               </a:solidFill>
@@ -1519,7 +1444,7 @@
                 <a:ea typeface="돋움"/>
                 <a:cs typeface="돋움"/>
               </a:rPr>
-              <a:t>해당 모듈도 마찬가지로 사용자가 슬롯 개수 및 모듈 개수를 범용으로 사용할 수 있도록 구현하였습니다</a:t>
+              <a:t>직관적이고 가벼운 </a:t>
             </a:r>
             <a:r>
               <a:rPr xmlns:mc="http://schemas.openxmlformats.org/markup-compatibility/2006" xmlns:hp="http://schemas.haansoft.com/office/presentation/8.0" lang="EN-US" b="0" i="0" u="none" strike="noStrike" mc:Ignorable="hp" hp:hslEmbossed="0">
@@ -1530,9 +1455,20 @@
                 <a:ea typeface="돋움"/>
                 <a:cs typeface="돋움"/>
               </a:rPr>
-              <a:t>.</a:t>
-            </a:r>
-            <a:endParaRPr xmlns:mc="http://schemas.openxmlformats.org/markup-compatibility/2006" xmlns:hp="http://schemas.haansoft.com/office/presentation/8.0" lang="EN-US" b="0" i="0" u="none" strike="noStrike" mc:Ignorable="hp" hp:hslEmbossed="0">
+              <a:t>UI</a:t>
+            </a:r>
+            <a:r>
+              <a:rPr xmlns:mc="http://schemas.openxmlformats.org/markup-compatibility/2006" xmlns:hp="http://schemas.haansoft.com/office/presentation/8.0" b="0" i="0" u="none" strike="noStrike" mc:Ignorable="hp" hp:hslEmbossed="0">
+                <a:solidFill>
+                  <a:srgbClr val="000000"/>
+                </a:solidFill>
+                <a:latin typeface="돋움"/>
+                <a:ea typeface="돋움"/>
+                <a:cs typeface="돋움"/>
+              </a:rPr>
+              <a:t>를 통해 장비에 대해 잘 모르는 사람이라도 </a:t>
+            </a:r>
+            <a:endParaRPr xmlns:mc="http://schemas.openxmlformats.org/markup-compatibility/2006" xmlns:hp="http://schemas.haansoft.com/office/presentation/8.0" b="0" i="0" u="none" strike="noStrike" mc:Ignorable="hp" hp:hslEmbossed="0">
               <a:solidFill>
                 <a:srgbClr val="000000"/>
               </a:solidFill>
@@ -1563,10 +1499,10 @@
                 <a:ea typeface="돋움"/>
                 <a:cs typeface="돋움"/>
               </a:rPr>
-              <a:t>프로세스 모듈의 개수는 </a:t>
-            </a:r>
-            <a:r>
-              <a:rPr xmlns:mc="http://schemas.openxmlformats.org/markup-compatibility/2006" xmlns:hp="http://schemas.haansoft.com/office/presentation/8.0" lang="EN-US" b="0" i="0" u="none" strike="noStrike" mc:Ignorable="hp" hp:hslEmbossed="0">
+              <a:t>어떤식으로 작동을 하고 저 로봇이 웨이퍼를 어디서 어디로 옮기는지 등을한눈에 알아보기 편하게 만들었습니</a:t>
+            </a:r>
+            <a:r>
+              <a:rPr xmlns:mc="http://schemas.openxmlformats.org/markup-compatibility/2006" xmlns:hp="http://schemas.haansoft.com/office/presentation/8.0" lang="ko-KR" altLang="en-US" b="0" i="0" u="none" strike="noStrike" mc:Ignorable="hp" hp:hslEmbossed="0">
                 <a:solidFill>
                   <a:srgbClr val="000000"/>
                 </a:solidFill>
@@ -1574,10 +1510,10 @@
                 <a:ea typeface="돋움"/>
                 <a:cs typeface="돋움"/>
               </a:rPr>
-              <a:t>1</a:t>
-            </a:r>
-            <a:r>
-              <a:rPr xmlns:mc="http://schemas.openxmlformats.org/markup-compatibility/2006" xmlns:hp="http://schemas.haansoft.com/office/presentation/8.0" b="0" i="0" u="none" strike="noStrike" mc:Ignorable="hp" hp:hslEmbossed="0">
+              <a:t>다</a:t>
+            </a:r>
+            <a:r>
+              <a:rPr xmlns:mc="http://schemas.openxmlformats.org/markup-compatibility/2006" xmlns:hp="http://schemas.haansoft.com/office/presentation/8.0" lang="EN-US" b="0" i="0" u="none" strike="noStrike" mc:Ignorable="hp" hp:hslEmbossed="0">
                 <a:solidFill>
                   <a:srgbClr val="000000"/>
                 </a:solidFill>
@@ -1585,128 +1521,7 @@
                 <a:ea typeface="돋움"/>
                 <a:cs typeface="돋움"/>
               </a:rPr>
-              <a:t>개부터 최대 </a:t>
-            </a:r>
-            <a:r>
-              <a:rPr xmlns:mc="http://schemas.openxmlformats.org/markup-compatibility/2006" xmlns:hp="http://schemas.haansoft.com/office/presentation/8.0" lang="EN-US" b="0" i="0" u="none" strike="noStrike" mc:Ignorable="hp" hp:hslEmbossed="0">
-                <a:solidFill>
-                  <a:srgbClr val="000000"/>
-                </a:solidFill>
-                <a:latin typeface="돋움"/>
-                <a:ea typeface="돋움"/>
-                <a:cs typeface="돋움"/>
-              </a:rPr>
-              <a:t>6</a:t>
-            </a:r>
-            <a:r>
-              <a:rPr xmlns:mc="http://schemas.openxmlformats.org/markup-compatibility/2006" xmlns:hp="http://schemas.haansoft.com/office/presentation/8.0" b="0" i="0" u="none" strike="noStrike" mc:Ignorable="hp" hp:hslEmbossed="0">
-                <a:solidFill>
-                  <a:srgbClr val="000000"/>
-                </a:solidFill>
-                <a:latin typeface="돋움"/>
-                <a:ea typeface="돋움"/>
-                <a:cs typeface="돋움"/>
-              </a:rPr>
-              <a:t>개까지</a:t>
-            </a:r>
-            <a:r>
-              <a:rPr xmlns:mc="http://schemas.openxmlformats.org/markup-compatibility/2006" xmlns:hp="http://schemas.haansoft.com/office/presentation/8.0" lang="EN-US" b="0" i="0" u="none" strike="noStrike" mc:Ignorable="hp" hp:hslEmbossed="0">
-                <a:solidFill>
-                  <a:srgbClr val="000000"/>
-                </a:solidFill>
-                <a:latin typeface="돋움"/>
-                <a:ea typeface="돋움"/>
-                <a:cs typeface="돋움"/>
-              </a:rPr>
-              <a:t>, (</a:t>
-            </a:r>
-            <a:r>
-              <a:rPr xmlns:mc="http://schemas.openxmlformats.org/markup-compatibility/2006" xmlns:hp="http://schemas.haansoft.com/office/presentation/8.0" b="0" i="0" u="none" strike="noStrike" mc:Ignorable="hp" hp:hslEmbossed="0">
-                <a:solidFill>
-                  <a:srgbClr val="000000"/>
-                </a:solidFill>
-                <a:latin typeface="돋움"/>
-                <a:ea typeface="돋움"/>
-                <a:cs typeface="돋움"/>
-              </a:rPr>
-              <a:t>한 번 쉬고</a:t>
-            </a:r>
-            <a:r>
-              <a:rPr xmlns:mc="http://schemas.openxmlformats.org/markup-compatibility/2006" xmlns:hp="http://schemas.haansoft.com/office/presentation/8.0" lang="EN-US" b="0" i="0" u="none" strike="noStrike" mc:Ignorable="hp" hp:hslEmbossed="0">
-                <a:solidFill>
-                  <a:srgbClr val="000000"/>
-                </a:solidFill>
-                <a:latin typeface="돋움"/>
-                <a:ea typeface="돋움"/>
-                <a:cs typeface="돋움"/>
-              </a:rPr>
-              <a:t>) </a:t>
-            </a:r>
-            <a:r>
-              <a:rPr xmlns:mc="http://schemas.openxmlformats.org/markup-compatibility/2006" xmlns:hp="http://schemas.haansoft.com/office/presentation/8.0" b="0" i="0" u="none" strike="noStrike" mc:Ignorable="hp" hp:hslEmbossed="0">
-                <a:solidFill>
-                  <a:srgbClr val="000000"/>
-                </a:solidFill>
-                <a:latin typeface="돋움"/>
-                <a:ea typeface="돋움"/>
-                <a:cs typeface="돋움"/>
-              </a:rPr>
-              <a:t>모듈별 슬롯의 개수는 </a:t>
-            </a:r>
-            <a:r>
-              <a:rPr xmlns:mc="http://schemas.openxmlformats.org/markup-compatibility/2006" xmlns:hp="http://schemas.haansoft.com/office/presentation/8.0" lang="EN-US" b="0" i="0" u="none" strike="noStrike" mc:Ignorable="hp" hp:hslEmbossed="0">
-                <a:solidFill>
-                  <a:srgbClr val="000000"/>
-                </a:solidFill>
-                <a:latin typeface="돋움"/>
-                <a:ea typeface="돋움"/>
-                <a:cs typeface="돋움"/>
-              </a:rPr>
-              <a:t>1</a:t>
-            </a:r>
-            <a:r>
-              <a:rPr xmlns:mc="http://schemas.openxmlformats.org/markup-compatibility/2006" xmlns:hp="http://schemas.haansoft.com/office/presentation/8.0" b="0" i="0" u="none" strike="noStrike" mc:Ignorable="hp" hp:hslEmbossed="0">
-                <a:solidFill>
-                  <a:srgbClr val="000000"/>
-                </a:solidFill>
-                <a:latin typeface="돋움"/>
-                <a:ea typeface="돋움"/>
-                <a:cs typeface="돋움"/>
-              </a:rPr>
-              <a:t>개부터 최대 </a:t>
-            </a:r>
-            <a:r>
-              <a:rPr xmlns:mc="http://schemas.openxmlformats.org/markup-compatibility/2006" xmlns:hp="http://schemas.haansoft.com/office/presentation/8.0" lang="EN-US" b="0" i="0" u="none" strike="noStrike" mc:Ignorable="hp" hp:hslEmbossed="0">
-                <a:solidFill>
-                  <a:srgbClr val="000000"/>
-                </a:solidFill>
-                <a:latin typeface="돋움"/>
-                <a:ea typeface="돋움"/>
-                <a:cs typeface="돋움"/>
-              </a:rPr>
-              <a:t>6</a:t>
-            </a:r>
-            <a:r>
-              <a:rPr xmlns:mc="http://schemas.openxmlformats.org/markup-compatibility/2006" xmlns:hp="http://schemas.haansoft.com/office/presentation/8.0" b="0" i="0" u="none" strike="noStrike" mc:Ignorable="hp" hp:hslEmbossed="0">
-                <a:solidFill>
-                  <a:srgbClr val="000000"/>
-                </a:solidFill>
-                <a:latin typeface="돋움"/>
-                <a:ea typeface="돋움"/>
-                <a:cs typeface="돋움"/>
-              </a:rPr>
-              <a:t>개까지 설정할 수 있습니다</a:t>
-            </a:r>
-            <a:r>
-              <a:rPr xmlns:mc="http://schemas.openxmlformats.org/markup-compatibility/2006" xmlns:hp="http://schemas.haansoft.com/office/presentation/8.0" lang="EN-US" b="0" i="0" u="none" strike="noStrike" mc:Ignorable="hp" hp:hslEmbossed="0">
-                <a:solidFill>
-                  <a:srgbClr val="000000"/>
-                </a:solidFill>
-                <a:latin typeface="돋움"/>
-                <a:ea typeface="돋움"/>
-                <a:cs typeface="돋움"/>
-              </a:rPr>
-              <a:t>.</a:t>
+              <a:t>. </a:t>
             </a:r>
             <a:endParaRPr xmlns:mc="http://schemas.openxmlformats.org/markup-compatibility/2006" xmlns:hp="http://schemas.haansoft.com/office/presentation/8.0" lang="EN-US" b="0" i="0" u="none" strike="noStrike" mc:Ignorable="hp" hp:hslEmbossed="0">
               <a:solidFill>
@@ -1739,42 +1554,9 @@
                 <a:ea typeface="돋움"/>
                 <a:cs typeface="돋움"/>
               </a:rPr>
-              <a:t>두 그림 중 오른쪽 그림에서 차례로 </a:t>
-            </a:r>
-            <a:r>
-              <a:rPr xmlns:mc="http://schemas.openxmlformats.org/markup-compatibility/2006" xmlns:hp="http://schemas.haansoft.com/office/presentation/8.0" lang="EN-US" b="0" i="0" u="none" strike="noStrike" mc:Ignorable="hp" hp:hslEmbossed="0">
-                <a:solidFill>
-                  <a:srgbClr val="000000"/>
-                </a:solidFill>
-                <a:latin typeface="돋움"/>
-                <a:ea typeface="돋움"/>
-                <a:cs typeface="돋움"/>
-              </a:rPr>
-              <a:t>‘NUM’ </a:t>
-            </a:r>
-            <a:r>
-              <a:rPr xmlns:mc="http://schemas.openxmlformats.org/markup-compatibility/2006" xmlns:hp="http://schemas.haansoft.com/office/presentation/8.0" b="0" i="0" u="none" strike="noStrike" mc:Ignorable="hp" hp:hslEmbossed="0">
-                <a:solidFill>
-                  <a:srgbClr val="000000"/>
-                </a:solidFill>
-                <a:latin typeface="돋움"/>
-                <a:ea typeface="돋움"/>
-                <a:cs typeface="돋움"/>
-              </a:rPr>
-              <a:t>은 사용자가 설정한 슬롯 개수와 현재 모듈에 투입된 웨이퍼의 개수를 표현하였습니다</a:t>
-            </a:r>
-            <a:r>
-              <a:rPr xmlns:mc="http://schemas.openxmlformats.org/markup-compatibility/2006" xmlns:hp="http://schemas.haansoft.com/office/presentation/8.0" lang="EN-US" b="0" i="0" u="none" strike="noStrike" mc:Ignorable="hp" hp:hslEmbossed="0">
-                <a:solidFill>
-                  <a:srgbClr val="000000"/>
-                </a:solidFill>
-                <a:latin typeface="돋움"/>
-                <a:ea typeface="돋움"/>
-                <a:cs typeface="돋움"/>
-              </a:rPr>
-              <a:t>.</a:t>
-            </a:r>
-            <a:endParaRPr xmlns:mc="http://schemas.openxmlformats.org/markup-compatibility/2006" xmlns:hp="http://schemas.haansoft.com/office/presentation/8.0" lang="EN-US" b="0" i="0" u="none" strike="noStrike" mc:Ignorable="hp" hp:hslEmbossed="0">
+              <a:t>또한 웨이퍼에 상태에 따라 색깔을 표시함으로써 실시간으로 무슨 공정을 진행하고 있는지와 </a:t>
+            </a:r>
+            <a:endParaRPr xmlns:mc="http://schemas.openxmlformats.org/markup-compatibility/2006" xmlns:hp="http://schemas.haansoft.com/office/presentation/8.0" b="0" i="0" u="none" strike="noStrike" mc:Ignorable="hp" hp:hslEmbossed="0">
               <a:solidFill>
                 <a:srgbClr val="000000"/>
               </a:solidFill>
@@ -1805,7 +1587,7 @@
                 <a:ea typeface="돋움"/>
                 <a:cs typeface="돋움"/>
               </a:rPr>
-              <a:t>바로 옆에 </a:t>
+              <a:t>좌우의 </a:t>
             </a:r>
             <a:r>
               <a:rPr xmlns:mc="http://schemas.openxmlformats.org/markup-compatibility/2006" xmlns:hp="http://schemas.haansoft.com/office/presentation/8.0" lang="EN-US" b="0" i="0" u="none" strike="noStrike" mc:Ignorable="hp" hp:hslEmbossed="0">
@@ -1816,7 +1598,7 @@
                 <a:ea typeface="돋움"/>
                 <a:cs typeface="돋움"/>
               </a:rPr>
-              <a:t>‘TOTAL’</a:t>
+              <a:t>LPM </a:t>
             </a:r>
             <a:r>
               <a:rPr xmlns:mc="http://schemas.openxmlformats.org/markup-compatibility/2006" xmlns:hp="http://schemas.haansoft.com/office/presentation/8.0" b="0" i="0" u="none" strike="noStrike" mc:Ignorable="hp" hp:hslEmbossed="0">
@@ -1827,7 +1609,7 @@
                 <a:ea typeface="돋움"/>
                 <a:cs typeface="돋움"/>
               </a:rPr>
-              <a:t>의 경우 해당 프로세스 모듈에서 공정을 완료한 웨이퍼의 총개수를 의미합니다</a:t>
+              <a:t>과 </a:t>
             </a:r>
             <a:r>
               <a:rPr xmlns:mc="http://schemas.openxmlformats.org/markup-compatibility/2006" xmlns:hp="http://schemas.haansoft.com/office/presentation/8.0" lang="EN-US" b="0" i="0" u="none" strike="noStrike" mc:Ignorable="hp" hp:hslEmbossed="0">
@@ -1838,9 +1620,64 @@
                 <a:ea typeface="돋움"/>
                 <a:cs typeface="돋움"/>
               </a:rPr>
-              <a:t>.</a:t>
-            </a:r>
-            <a:endParaRPr xmlns:mc="http://schemas.openxmlformats.org/markup-compatibility/2006" xmlns:hp="http://schemas.haansoft.com/office/presentation/8.0" lang="EN-US" b="0" i="0" u="none" strike="noStrike" mc:Ignorable="hp" hp:hslEmbossed="0">
+              <a:t>Load Lock </a:t>
+            </a:r>
+            <a:r>
+              <a:rPr xmlns:mc="http://schemas.openxmlformats.org/markup-compatibility/2006" xmlns:hp="http://schemas.haansoft.com/office/presentation/8.0" b="0" i="0" u="none" strike="noStrike" mc:Ignorable="hp" hp:hslEmbossed="0">
+                <a:solidFill>
+                  <a:srgbClr val="000000"/>
+                </a:solidFill>
+                <a:latin typeface="돋움"/>
+                <a:ea typeface="돋움"/>
+                <a:cs typeface="돋움"/>
+              </a:rPr>
+              <a:t>의 </a:t>
+            </a:r>
+            <a:r>
+              <a:rPr xmlns:mc="http://schemas.openxmlformats.org/markup-compatibility/2006" xmlns:hp="http://schemas.haansoft.com/office/presentation/8.0" lang="en-US" altLang="ko-KR" b="0" i="0" u="none" strike="noStrike" mc:Ignorable="hp" hp:hslEmbossed="0">
+                <a:solidFill>
+                  <a:srgbClr val="000000"/>
+                </a:solidFill>
+                <a:latin typeface="돋움"/>
+                <a:ea typeface="돋움"/>
+                <a:cs typeface="돋움"/>
+              </a:rPr>
+              <a:t>UI</a:t>
+            </a:r>
+            <a:r>
+              <a:rPr xmlns:mc="http://schemas.openxmlformats.org/markup-compatibility/2006" xmlns:hp="http://schemas.haansoft.com/office/presentation/8.0" b="0" i="0" u="none" strike="noStrike" mc:Ignorable="hp" hp:hslEmbossed="0">
+                <a:solidFill>
+                  <a:srgbClr val="000000"/>
+                </a:solidFill>
+                <a:latin typeface="돋움"/>
+                <a:ea typeface="돋움"/>
+                <a:cs typeface="돋움"/>
+              </a:rPr>
+              <a:t>와 연관지어 그림상으로 로봇이 </a:t>
+            </a:r>
+            <a:r>
+              <a:rPr xmlns:mc="http://schemas.openxmlformats.org/markup-compatibility/2006" xmlns:hp="http://schemas.haansoft.com/office/presentation/8.0" lang="EN-US" b="0" i="0" u="none" strike="noStrike" mc:Ignorable="hp" hp:hslEmbossed="0">
+                <a:solidFill>
+                  <a:srgbClr val="000000"/>
+                </a:solidFill>
+                <a:latin typeface="돋움"/>
+                <a:ea typeface="돋움"/>
+                <a:cs typeface="돋움"/>
+              </a:rPr>
+              <a:t>Load Lock </a:t>
+            </a:r>
+            <a:r>
+              <a:rPr xmlns:mc="http://schemas.openxmlformats.org/markup-compatibility/2006" xmlns:hp="http://schemas.haansoft.com/office/presentation/8.0" b="0" i="0" u="none" strike="noStrike" mc:Ignorable="hp" hp:hslEmbossed="0">
+                <a:solidFill>
+                  <a:srgbClr val="000000"/>
+                </a:solidFill>
+                <a:latin typeface="돋움"/>
+                <a:ea typeface="돋움"/>
+                <a:cs typeface="돋움"/>
+              </a:rPr>
+              <a:t>에 웨이퍼를 넣으면 </a:t>
+            </a:r>
+            <a:endParaRPr xmlns:mc="http://schemas.openxmlformats.org/markup-compatibility/2006" xmlns:hp="http://schemas.haansoft.com/office/presentation/8.0" b="0" i="0" u="none" strike="noStrike" mc:Ignorable="hp" hp:hslEmbossed="0">
               <a:solidFill>
                 <a:srgbClr val="000000"/>
               </a:solidFill>
@@ -1871,10 +1708,10 @@
                 <a:ea typeface="돋움"/>
                 <a:cs typeface="돋움"/>
               </a:rPr>
-              <a:t>다음으로 라디오 버튼을 통해 해당 모듈이 현재 공정을 진행 중인가 혹은 </a:t>
-            </a:r>
-            <a:r>
-              <a:rPr xmlns:mc="http://schemas.openxmlformats.org/markup-compatibility/2006" xmlns:hp="http://schemas.haansoft.com/office/presentation/8.0" lang="EN-US" b="0" i="0" u="none" strike="noStrike" mc:Ignorable="hp" hp:hslEmbossed="0">
+              <a:t>바로 </a:t>
+            </a:r>
+            <a:r>
+              <a:rPr xmlns:mc="http://schemas.openxmlformats.org/markup-compatibility/2006" xmlns:hp="http://schemas.haansoft.com/office/presentation/8.0" lang="en-US" altLang="ko-KR" b="0" i="0" u="none" strike="noStrike" mc:Ignorable="hp" hp:hslEmbossed="0">
                 <a:solidFill>
                   <a:srgbClr val="000000"/>
                 </a:solidFill>
@@ -1882,7 +1719,7 @@
                 <a:ea typeface="돋움"/>
                 <a:cs typeface="돋움"/>
               </a:rPr>
-              <a:t>Clean job</a:t>
+              <a:t>UI</a:t>
             </a:r>
             <a:r>
               <a:rPr xmlns:mc="http://schemas.openxmlformats.org/markup-compatibility/2006" xmlns:hp="http://schemas.haansoft.com/office/presentation/8.0" b="0" i="0" u="none" strike="noStrike" mc:Ignorable="hp" hp:hslEmbossed="0">
@@ -1893,7 +1730,7 @@
                 <a:ea typeface="돋움"/>
                 <a:cs typeface="돋움"/>
               </a:rPr>
-              <a:t>을 진행 중인가를 확인할 수 있습니다</a:t>
+              <a:t>로 웨이퍼를 채울수 있도록 상호 호환되게 만들었습니다</a:t>
             </a:r>
             <a:r>
               <a:rPr xmlns:mc="http://schemas.openxmlformats.org/markup-compatibility/2006" xmlns:hp="http://schemas.haansoft.com/office/presentation/8.0" lang="EN-US" b="0" i="0" u="none" strike="noStrike" mc:Ignorable="hp" hp:hslEmbossed="0">
@@ -1928,6 +1765,28 @@
               </a:spcAft>
               <a:defRPr/>
             </a:pPr>
+            <a:endParaRPr xmlns:mc="http://schemas.openxmlformats.org/markup-compatibility/2006" xmlns:hp="http://schemas.haansoft.com/office/presentation/8.0" lang="EN-US" b="0" i="0" u="none" strike="noStrike" mc:Ignorable="hp" hp:hslEmbossed="0">
+              <a:solidFill>
+                <a:srgbClr val="000000"/>
+              </a:solidFill>
+              <a:latin typeface="돋움"/>
+              <a:ea typeface="돋움"/>
+              <a:cs typeface="돋움"/>
+            </a:endParaRPr>
+          </a:p>
+          <a:p>
+            <a:pPr>
+              <a:lnSpc>
+                <a:spcPct val="160000"/>
+              </a:lnSpc>
+              <a:spcBef>
+                <a:spcPts val="0"/>
+              </a:spcBef>
+              <a:spcAft>
+                <a:spcPts val="0"/>
+              </a:spcAft>
+              <a:defRPr/>
+            </a:pPr>
             <a:r>
               <a:rPr xmlns:mc="http://schemas.openxmlformats.org/markup-compatibility/2006" xmlns:hp="http://schemas.haansoft.com/office/presentation/8.0" b="0" i="0" u="none" strike="noStrike" mc:Ignorable="hp" hp:hslEmbossed="0">
                 <a:solidFill>
@@ -1937,7 +1796,7 @@
                 <a:ea typeface="돋움"/>
                 <a:cs typeface="돋움"/>
               </a:rPr>
-              <a:t>마지막으로 프로그레스 컨트롤과 이를 수치로 보여주며</a:t>
+              <a:t>이로써 사용자는 가운데 </a:t>
             </a:r>
             <a:r>
               <a:rPr xmlns:mc="http://schemas.openxmlformats.org/markup-compatibility/2006" xmlns:hp="http://schemas.haansoft.com/office/presentation/8.0" lang="EN-US" b="0" i="0" u="none" strike="noStrike" mc:Ignorable="hp" hp:hslEmbossed="0">
@@ -1948,7 +1807,7 @@
                 <a:ea typeface="돋움"/>
                 <a:cs typeface="돋움"/>
               </a:rPr>
-              <a:t>,</a:t>
+              <a:t>Main UI</a:t>
             </a:r>
             <a:r>
               <a:rPr xmlns:mc="http://schemas.openxmlformats.org/markup-compatibility/2006" xmlns:hp="http://schemas.haansoft.com/office/presentation/8.0" b="0" i="0" u="none" strike="noStrike" mc:Ignorable="hp" hp:hslEmbossed="0">
@@ -1959,7 +1818,29 @@
                 <a:ea typeface="돋움"/>
                 <a:cs typeface="돋움"/>
               </a:rPr>
-              <a:t>해당 모듈의 공정 진행 상황을 직관적으로 확인할 수 있도록 설계하였습니다</a:t>
+              <a:t>를 통해 전체적인 장비 상황을 파악할수 있고 좌우의 </a:t>
+            </a:r>
+            <a:r>
+              <a:rPr xmlns:mc="http://schemas.openxmlformats.org/markup-compatibility/2006" xmlns:hp="http://schemas.haansoft.com/office/presentation/8.0" lang="EN-US" b="0" i="0" u="none" strike="noStrike" mc:Ignorable="hp" hp:hslEmbossed="0">
+                <a:solidFill>
+                  <a:srgbClr val="000000"/>
+                </a:solidFill>
+                <a:latin typeface="돋움"/>
+                <a:ea typeface="돋움"/>
+                <a:cs typeface="돋움"/>
+              </a:rPr>
+              <a:t>GDI</a:t>
+            </a:r>
+            <a:r>
+              <a:rPr xmlns:mc="http://schemas.openxmlformats.org/markup-compatibility/2006" xmlns:hp="http://schemas.haansoft.com/office/presentation/8.0" b="0" i="0" u="none" strike="noStrike" mc:Ignorable="hp" hp:hslEmbossed="0">
+                <a:solidFill>
+                  <a:srgbClr val="000000"/>
+                </a:solidFill>
+                <a:latin typeface="돋움"/>
+                <a:ea typeface="돋움"/>
+                <a:cs typeface="돋움"/>
+              </a:rPr>
+              <a:t>를 통해 개별적인 모듈 상황을 볼수 있습니다</a:t>
             </a:r>
             <a:r>
               <a:rPr xmlns:mc="http://schemas.openxmlformats.org/markup-compatibility/2006" xmlns:hp="http://schemas.haansoft.com/office/presentation/8.0" lang="EN-US" b="0" i="0" u="none" strike="noStrike" mc:Ignorable="hp" hp:hslEmbossed="0">
@@ -1999,7 +1880,7 @@
               <a:pPr lvl="0">
                 <a:defRPr/>
               </a:pPr>
-              <a:t>12</a:t>
+              <a:t>11</a:t>
             </a:fld>
             <a:endParaRPr lang="en-US" altLang="en-US"/>
           </a:p>
@@ -2088,29 +1969,7 @@
                 <a:ea typeface="돋움"/>
                 <a:cs typeface="돋움"/>
               </a:rPr>
-              <a:t>앞서 설명 드린 프로세스 모듈 </a:t>
-            </a:r>
-            <a:r>
-              <a:rPr xmlns:mc="http://schemas.openxmlformats.org/markup-compatibility/2006" xmlns:hp="http://schemas.haansoft.com/office/presentation/8.0" lang="EN-US" b="0" i="0" u="none" strike="noStrike" mc:Ignorable="hp" hp:hslEmbossed="0">
-                <a:solidFill>
-                  <a:srgbClr val="000000"/>
-                </a:solidFill>
-                <a:latin typeface="돋움"/>
-                <a:ea typeface="돋움"/>
-                <a:cs typeface="돋움"/>
-              </a:rPr>
-              <a:t>UI </a:t>
-            </a:r>
-            <a:r>
-              <a:rPr xmlns:mc="http://schemas.openxmlformats.org/markup-compatibility/2006" xmlns:hp="http://schemas.haansoft.com/office/presentation/8.0" b="0" i="0" u="none" strike="noStrike" mc:Ignorable="hp" hp:hslEmbossed="0">
-                <a:solidFill>
-                  <a:srgbClr val="000000"/>
-                </a:solidFill>
-                <a:latin typeface="돋움"/>
-                <a:ea typeface="돋움"/>
-                <a:cs typeface="돋움"/>
-              </a:rPr>
-              <a:t>오른편에는 시뮬레이터의 가속이 가능하도록 스피드 컨트롤러를 배치하였습니다</a:t>
+              <a:t>다음은 증착 공정 등 실제 공정이 이루어지는 프로세스 모듈입니다</a:t>
             </a:r>
             <a:r>
               <a:rPr xmlns:mc="http://schemas.openxmlformats.org/markup-compatibility/2006" xmlns:hp="http://schemas.haansoft.com/office/presentation/8.0" lang="EN-US" b="0" i="0" u="none" strike="noStrike" mc:Ignorable="hp" hp:hslEmbossed="0">
@@ -2154,51 +2013,7 @@
                 <a:ea typeface="돋움"/>
                 <a:cs typeface="돋움"/>
               </a:rPr>
-              <a:t>사용자는 최소 </a:t>
-            </a:r>
-            <a:r>
-              <a:rPr xmlns:mc="http://schemas.openxmlformats.org/markup-compatibility/2006" xmlns:hp="http://schemas.haansoft.com/office/presentation/8.0" lang="EN-US" b="0" i="0" u="none" strike="noStrike" mc:Ignorable="hp" hp:hslEmbossed="0">
-                <a:solidFill>
-                  <a:srgbClr val="000000"/>
-                </a:solidFill>
-                <a:latin typeface="돋움"/>
-                <a:ea typeface="돋움"/>
-                <a:cs typeface="돋움"/>
-              </a:rPr>
-              <a:t>1</a:t>
-            </a:r>
-            <a:r>
-              <a:rPr xmlns:mc="http://schemas.openxmlformats.org/markup-compatibility/2006" xmlns:hp="http://schemas.haansoft.com/office/presentation/8.0" b="0" i="0" u="none" strike="noStrike" mc:Ignorable="hp" hp:hslEmbossed="0">
-                <a:solidFill>
-                  <a:srgbClr val="000000"/>
-                </a:solidFill>
-                <a:latin typeface="돋움"/>
-                <a:ea typeface="돋움"/>
-                <a:cs typeface="돋움"/>
-              </a:rPr>
-              <a:t>배속에서 최대 </a:t>
-            </a:r>
-            <a:r>
-              <a:rPr xmlns:mc="http://schemas.openxmlformats.org/markup-compatibility/2006" xmlns:hp="http://schemas.haansoft.com/office/presentation/8.0" lang="EN-US" b="0" i="0" u="none" strike="noStrike" mc:Ignorable="hp" hp:hslEmbossed="0">
-                <a:solidFill>
-                  <a:srgbClr val="000000"/>
-                </a:solidFill>
-                <a:latin typeface="돋움"/>
-                <a:ea typeface="돋움"/>
-                <a:cs typeface="돋움"/>
-              </a:rPr>
-              <a:t>50</a:t>
-            </a:r>
-            <a:r>
-              <a:rPr xmlns:mc="http://schemas.openxmlformats.org/markup-compatibility/2006" xmlns:hp="http://schemas.haansoft.com/office/presentation/8.0" b="0" i="0" u="none" strike="noStrike" mc:Ignorable="hp" hp:hslEmbossed="0">
-                <a:solidFill>
-                  <a:srgbClr val="000000"/>
-                </a:solidFill>
-                <a:latin typeface="돋움"/>
-                <a:ea typeface="돋움"/>
-                <a:cs typeface="돋움"/>
-              </a:rPr>
-              <a:t>배속까지 시뮬레이터를 가속할 수 있도록 구현하였습니다</a:t>
+              <a:t>해당 모듈도 마찬가지로 사용자가 슬롯 개수 및 모듈 개수를 범용으로 사용할 수 있도록 구현하였습니다</a:t>
             </a:r>
             <a:r>
               <a:rPr xmlns:mc="http://schemas.openxmlformats.org/markup-compatibility/2006" xmlns:hp="http://schemas.haansoft.com/office/presentation/8.0" lang="EN-US" b="0" i="0" u="none" strike="noStrike" mc:Ignorable="hp" hp:hslEmbossed="0">
@@ -2242,7 +2057,139 @@
                 <a:ea typeface="돋움"/>
                 <a:cs typeface="돋움"/>
               </a:rPr>
-              <a:t>스피드 컨트롤러 하단에는 두가지의 세이브와 로드 버튼이 위치하도록 하였습니다</a:t>
+              <a:t>프로세스 모듈의 개수는 </a:t>
+            </a:r>
+            <a:r>
+              <a:rPr xmlns:mc="http://schemas.openxmlformats.org/markup-compatibility/2006" xmlns:hp="http://schemas.haansoft.com/office/presentation/8.0" lang="EN-US" b="0" i="0" u="none" strike="noStrike" mc:Ignorable="hp" hp:hslEmbossed="0">
+                <a:solidFill>
+                  <a:srgbClr val="000000"/>
+                </a:solidFill>
+                <a:latin typeface="돋움"/>
+                <a:ea typeface="돋움"/>
+                <a:cs typeface="돋움"/>
+              </a:rPr>
+              <a:t>1</a:t>
+            </a:r>
+            <a:r>
+              <a:rPr xmlns:mc="http://schemas.openxmlformats.org/markup-compatibility/2006" xmlns:hp="http://schemas.haansoft.com/office/presentation/8.0" b="0" i="0" u="none" strike="noStrike" mc:Ignorable="hp" hp:hslEmbossed="0">
+                <a:solidFill>
+                  <a:srgbClr val="000000"/>
+                </a:solidFill>
+                <a:latin typeface="돋움"/>
+                <a:ea typeface="돋움"/>
+                <a:cs typeface="돋움"/>
+              </a:rPr>
+              <a:t>개부터 최대 </a:t>
+            </a:r>
+            <a:r>
+              <a:rPr xmlns:mc="http://schemas.openxmlformats.org/markup-compatibility/2006" xmlns:hp="http://schemas.haansoft.com/office/presentation/8.0" lang="EN-US" b="0" i="0" u="none" strike="noStrike" mc:Ignorable="hp" hp:hslEmbossed="0">
+                <a:solidFill>
+                  <a:srgbClr val="000000"/>
+                </a:solidFill>
+                <a:latin typeface="돋움"/>
+                <a:ea typeface="돋움"/>
+                <a:cs typeface="돋움"/>
+              </a:rPr>
+              <a:t>6</a:t>
+            </a:r>
+            <a:r>
+              <a:rPr xmlns:mc="http://schemas.openxmlformats.org/markup-compatibility/2006" xmlns:hp="http://schemas.haansoft.com/office/presentation/8.0" b="0" i="0" u="none" strike="noStrike" mc:Ignorable="hp" hp:hslEmbossed="0">
+                <a:solidFill>
+                  <a:srgbClr val="000000"/>
+                </a:solidFill>
+                <a:latin typeface="돋움"/>
+                <a:ea typeface="돋움"/>
+                <a:cs typeface="돋움"/>
+              </a:rPr>
+              <a:t>개까지</a:t>
+            </a:r>
+            <a:r>
+              <a:rPr xmlns:mc="http://schemas.openxmlformats.org/markup-compatibility/2006" xmlns:hp="http://schemas.haansoft.com/office/presentation/8.0" lang="EN-US" b="0" i="0" u="none" strike="noStrike" mc:Ignorable="hp" hp:hslEmbossed="0">
+                <a:solidFill>
+                  <a:srgbClr val="000000"/>
+                </a:solidFill>
+                <a:latin typeface="돋움"/>
+                <a:ea typeface="돋움"/>
+                <a:cs typeface="돋움"/>
+              </a:rPr>
+              <a:t>, (</a:t>
+            </a:r>
+            <a:r>
+              <a:rPr xmlns:mc="http://schemas.openxmlformats.org/markup-compatibility/2006" xmlns:hp="http://schemas.haansoft.com/office/presentation/8.0" b="0" i="0" u="none" strike="noStrike" mc:Ignorable="hp" hp:hslEmbossed="0">
+                <a:solidFill>
+                  <a:srgbClr val="000000"/>
+                </a:solidFill>
+                <a:latin typeface="돋움"/>
+                <a:ea typeface="돋움"/>
+                <a:cs typeface="돋움"/>
+              </a:rPr>
+              <a:t>한 번 쉬고</a:t>
+            </a:r>
+            <a:r>
+              <a:rPr xmlns:mc="http://schemas.openxmlformats.org/markup-compatibility/2006" xmlns:hp="http://schemas.haansoft.com/office/presentation/8.0" lang="EN-US" b="0" i="0" u="none" strike="noStrike" mc:Ignorable="hp" hp:hslEmbossed="0">
+                <a:solidFill>
+                  <a:srgbClr val="000000"/>
+                </a:solidFill>
+                <a:latin typeface="돋움"/>
+                <a:ea typeface="돋움"/>
+                <a:cs typeface="돋움"/>
+              </a:rPr>
+              <a:t>) </a:t>
+            </a:r>
+            <a:r>
+              <a:rPr xmlns:mc="http://schemas.openxmlformats.org/markup-compatibility/2006" xmlns:hp="http://schemas.haansoft.com/office/presentation/8.0" b="0" i="0" u="none" strike="noStrike" mc:Ignorable="hp" hp:hslEmbossed="0">
+                <a:solidFill>
+                  <a:srgbClr val="000000"/>
+                </a:solidFill>
+                <a:latin typeface="돋움"/>
+                <a:ea typeface="돋움"/>
+                <a:cs typeface="돋움"/>
+              </a:rPr>
+              <a:t>모듈별 슬롯의 개수는 </a:t>
+            </a:r>
+            <a:r>
+              <a:rPr xmlns:mc="http://schemas.openxmlformats.org/markup-compatibility/2006" xmlns:hp="http://schemas.haansoft.com/office/presentation/8.0" lang="EN-US" b="0" i="0" u="none" strike="noStrike" mc:Ignorable="hp" hp:hslEmbossed="0">
+                <a:solidFill>
+                  <a:srgbClr val="000000"/>
+                </a:solidFill>
+                <a:latin typeface="돋움"/>
+                <a:ea typeface="돋움"/>
+                <a:cs typeface="돋움"/>
+              </a:rPr>
+              <a:t>1</a:t>
+            </a:r>
+            <a:r>
+              <a:rPr xmlns:mc="http://schemas.openxmlformats.org/markup-compatibility/2006" xmlns:hp="http://schemas.haansoft.com/office/presentation/8.0" b="0" i="0" u="none" strike="noStrike" mc:Ignorable="hp" hp:hslEmbossed="0">
+                <a:solidFill>
+                  <a:srgbClr val="000000"/>
+                </a:solidFill>
+                <a:latin typeface="돋움"/>
+                <a:ea typeface="돋움"/>
+                <a:cs typeface="돋움"/>
+              </a:rPr>
+              <a:t>개부터 최대 </a:t>
+            </a:r>
+            <a:r>
+              <a:rPr xmlns:mc="http://schemas.openxmlformats.org/markup-compatibility/2006" xmlns:hp="http://schemas.haansoft.com/office/presentation/8.0" lang="EN-US" b="0" i="0" u="none" strike="noStrike" mc:Ignorable="hp" hp:hslEmbossed="0">
+                <a:solidFill>
+                  <a:srgbClr val="000000"/>
+                </a:solidFill>
+                <a:latin typeface="돋움"/>
+                <a:ea typeface="돋움"/>
+                <a:cs typeface="돋움"/>
+              </a:rPr>
+              <a:t>6</a:t>
+            </a:r>
+            <a:r>
+              <a:rPr xmlns:mc="http://schemas.openxmlformats.org/markup-compatibility/2006" xmlns:hp="http://schemas.haansoft.com/office/presentation/8.0" b="0" i="0" u="none" strike="noStrike" mc:Ignorable="hp" hp:hslEmbossed="0">
+                <a:solidFill>
+                  <a:srgbClr val="000000"/>
+                </a:solidFill>
+                <a:latin typeface="돋움"/>
+                <a:ea typeface="돋움"/>
+                <a:cs typeface="돋움"/>
+              </a:rPr>
+              <a:t>개까지 설정할 수 있습니다</a:t>
             </a:r>
             <a:r>
               <a:rPr xmlns:mc="http://schemas.openxmlformats.org/markup-compatibility/2006" xmlns:hp="http://schemas.haansoft.com/office/presentation/8.0" lang="EN-US" b="0" i="0" u="none" strike="noStrike" mc:Ignorable="hp" hp:hslEmbossed="0">
@@ -2286,7 +2233,29 @@
                 <a:ea typeface="돋움"/>
                 <a:cs typeface="돋움"/>
               </a:rPr>
-              <a:t>보시는 바와 같이 왼쪽 두 개의 버튼은 사용자가 시뮬레이터를 동작하긴 전 입력하였던 시뮬레이션의 환경 및 변수들을 저장하거나 불러올 수 있도록 구현하였습니다</a:t>
+              <a:t>두 그림 중 오른쪽 그림에서 차례로 </a:t>
+            </a:r>
+            <a:r>
+              <a:rPr xmlns:mc="http://schemas.openxmlformats.org/markup-compatibility/2006" xmlns:hp="http://schemas.haansoft.com/office/presentation/8.0" lang="EN-US" b="0" i="0" u="none" strike="noStrike" mc:Ignorable="hp" hp:hslEmbossed="0">
+                <a:solidFill>
+                  <a:srgbClr val="000000"/>
+                </a:solidFill>
+                <a:latin typeface="돋움"/>
+                <a:ea typeface="돋움"/>
+                <a:cs typeface="돋움"/>
+              </a:rPr>
+              <a:t>‘NUM’ </a:t>
+            </a:r>
+            <a:r>
+              <a:rPr xmlns:mc="http://schemas.openxmlformats.org/markup-compatibility/2006" xmlns:hp="http://schemas.haansoft.com/office/presentation/8.0" b="0" i="0" u="none" strike="noStrike" mc:Ignorable="hp" hp:hslEmbossed="0">
+                <a:solidFill>
+                  <a:srgbClr val="000000"/>
+                </a:solidFill>
+                <a:latin typeface="돋움"/>
+                <a:ea typeface="돋움"/>
+                <a:cs typeface="돋움"/>
+              </a:rPr>
+              <a:t>은 사용자가 설정한 슬롯 개수와 현재 모듈에 투입된 웨이퍼의 개수를 표현하였습니다</a:t>
             </a:r>
             <a:r>
               <a:rPr xmlns:mc="http://schemas.openxmlformats.org/markup-compatibility/2006" xmlns:hp="http://schemas.haansoft.com/office/presentation/8.0" lang="EN-US" b="0" i="0" u="none" strike="noStrike" mc:Ignorable="hp" hp:hslEmbossed="0">
@@ -2330,7 +2299,7 @@
                 <a:ea typeface="돋움"/>
                 <a:cs typeface="돋움"/>
               </a:rPr>
-              <a:t>한편</a:t>
+              <a:t>바로 옆에 </a:t>
             </a:r>
             <a:r>
               <a:rPr xmlns:mc="http://schemas.openxmlformats.org/markup-compatibility/2006" xmlns:hp="http://schemas.haansoft.com/office/presentation/8.0" lang="EN-US" b="0" i="0" u="none" strike="noStrike" mc:Ignorable="hp" hp:hslEmbossed="0">
@@ -2341,7 +2310,7 @@
                 <a:ea typeface="돋움"/>
                 <a:cs typeface="돋움"/>
               </a:rPr>
-              <a:t>,</a:t>
+              <a:t>‘TOTAL’</a:t>
             </a:r>
             <a:r>
               <a:rPr xmlns:mc="http://schemas.openxmlformats.org/markup-compatibility/2006" xmlns:hp="http://schemas.haansoft.com/office/presentation/8.0" b="0" i="0" u="none" strike="noStrike" mc:Ignorable="hp" hp:hslEmbossed="0">
@@ -2352,7 +2321,7 @@
                 <a:ea typeface="돋움"/>
                 <a:cs typeface="돋움"/>
               </a:rPr>
-              <a:t>그 오른편에는 시뮬레이션을 통해 나온 결과가 얼마의 시간 동안 몇 장의 </a:t>
+              <a:t>의 경우 해당 프로세스 모듈에서 공정을 완료한 웨이퍼의 총개수를 의미합니다</a:t>
             </a:r>
             <a:r>
               <a:rPr xmlns:mc="http://schemas.openxmlformats.org/markup-compatibility/2006" xmlns:hp="http://schemas.haansoft.com/office/presentation/8.0" lang="EN-US" b="0" i="0" u="none" strike="noStrike" mc:Ignorable="hp" hp:hslEmbossed="0">
@@ -2363,8 +2332,30 @@
                 <a:ea typeface="돋움"/>
                 <a:cs typeface="돋움"/>
               </a:rPr>
-              <a:t>Wafer</a:t>
-            </a:r>
+              <a:t>.</a:t>
+            </a:r>
+            <a:endParaRPr xmlns:mc="http://schemas.openxmlformats.org/markup-compatibility/2006" xmlns:hp="http://schemas.haansoft.com/office/presentation/8.0" lang="EN-US" b="0" i="0" u="none" strike="noStrike" mc:Ignorable="hp" hp:hslEmbossed="0">
+              <a:solidFill>
+                <a:srgbClr val="000000"/>
+              </a:solidFill>
+              <a:latin typeface="돋움"/>
+              <a:ea typeface="돋움"/>
+              <a:cs typeface="돋움"/>
+            </a:endParaRPr>
+          </a:p>
+          <a:p>
+            <a:pPr>
+              <a:lnSpc>
+                <a:spcPct val="160000"/>
+              </a:lnSpc>
+              <a:spcBef>
+                <a:spcPts val="0"/>
+              </a:spcBef>
+              <a:spcAft>
+                <a:spcPts val="0"/>
+              </a:spcAft>
+              <a:defRPr/>
+            </a:pPr>
             <a:r>
               <a:rPr xmlns:mc="http://schemas.openxmlformats.org/markup-compatibility/2006" xmlns:hp="http://schemas.haansoft.com/office/presentation/8.0" b="0" i="0" u="none" strike="noStrike" mc:Ignorable="hp" hp:hslEmbossed="0">
                 <a:solidFill>
@@ -2374,7 +2365,7 @@
                 <a:ea typeface="돋움"/>
                 <a:cs typeface="돋움"/>
               </a:rPr>
-              <a:t>의 작업을 진행했는지를 보여주는 </a:t>
+              <a:t>다음으로 라디오 버튼을 통해 해당 모듈이 현재 공정을 진행 중인가 혹은 </a:t>
             </a:r>
             <a:r>
               <a:rPr xmlns:mc="http://schemas.openxmlformats.org/markup-compatibility/2006" xmlns:hp="http://schemas.haansoft.com/office/presentation/8.0" lang="EN-US" b="0" i="0" u="none" strike="noStrike" mc:Ignorable="hp" hp:hslEmbossed="0">
@@ -2385,7 +2376,7 @@
                 <a:ea typeface="돋움"/>
                 <a:cs typeface="돋움"/>
               </a:rPr>
-              <a:t>Throughput</a:t>
+              <a:t>Clean job</a:t>
             </a:r>
             <a:r>
               <a:rPr xmlns:mc="http://schemas.openxmlformats.org/markup-compatibility/2006" xmlns:hp="http://schemas.haansoft.com/office/presentation/8.0" b="0" i="0" u="none" strike="noStrike" mc:Ignorable="hp" hp:hslEmbossed="0">
@@ -2396,7 +2387,73 @@
                 <a:ea typeface="돋움"/>
                 <a:cs typeface="돋움"/>
               </a:rPr>
-              <a:t>을 저장하거나 불러올 수 있도록 설계하였습니다</a:t>
+              <a:t>을 진행 중인가를 확인할 수 있습니다</a:t>
+            </a:r>
+            <a:r>
+              <a:rPr xmlns:mc="http://schemas.openxmlformats.org/markup-compatibility/2006" xmlns:hp="http://schemas.haansoft.com/office/presentation/8.0" lang="EN-US" b="0" i="0" u="none" strike="noStrike" mc:Ignorable="hp" hp:hslEmbossed="0">
+                <a:solidFill>
+                  <a:srgbClr val="000000"/>
+                </a:solidFill>
+                <a:latin typeface="돋움"/>
+                <a:ea typeface="돋움"/>
+                <a:cs typeface="돋움"/>
+              </a:rPr>
+              <a:t>.</a:t>
+            </a:r>
+            <a:endParaRPr xmlns:mc="http://schemas.openxmlformats.org/markup-compatibility/2006" xmlns:hp="http://schemas.haansoft.com/office/presentation/8.0" lang="EN-US" b="0" i="0" u="none" strike="noStrike" mc:Ignorable="hp" hp:hslEmbossed="0">
+              <a:solidFill>
+                <a:srgbClr val="000000"/>
+              </a:solidFill>
+              <a:latin typeface="돋움"/>
+              <a:ea typeface="돋움"/>
+              <a:cs typeface="돋움"/>
+            </a:endParaRPr>
+          </a:p>
+          <a:p>
+            <a:pPr>
+              <a:lnSpc>
+                <a:spcPct val="160000"/>
+              </a:lnSpc>
+              <a:spcBef>
+                <a:spcPts val="0"/>
+              </a:spcBef>
+              <a:spcAft>
+                <a:spcPts val="0"/>
+              </a:spcAft>
+              <a:defRPr/>
+            </a:pPr>
+            <a:r>
+              <a:rPr xmlns:mc="http://schemas.openxmlformats.org/markup-compatibility/2006" xmlns:hp="http://schemas.haansoft.com/office/presentation/8.0" b="0" i="0" u="none" strike="noStrike" mc:Ignorable="hp" hp:hslEmbossed="0">
+                <a:solidFill>
+                  <a:srgbClr val="000000"/>
+                </a:solidFill>
+                <a:latin typeface="돋움"/>
+                <a:ea typeface="돋움"/>
+                <a:cs typeface="돋움"/>
+              </a:rPr>
+              <a:t>마지막으로 프로그레스 컨트롤과 이를 수치로 보여주며</a:t>
+            </a:r>
+            <a:r>
+              <a:rPr xmlns:mc="http://schemas.openxmlformats.org/markup-compatibility/2006" xmlns:hp="http://schemas.haansoft.com/office/presentation/8.0" lang="EN-US" b="0" i="0" u="none" strike="noStrike" mc:Ignorable="hp" hp:hslEmbossed="0">
+                <a:solidFill>
+                  <a:srgbClr val="000000"/>
+                </a:solidFill>
+                <a:latin typeface="돋움"/>
+                <a:ea typeface="돋움"/>
+                <a:cs typeface="돋움"/>
+              </a:rPr>
+              <a:t>,</a:t>
+            </a:r>
+            <a:r>
+              <a:rPr xmlns:mc="http://schemas.openxmlformats.org/markup-compatibility/2006" xmlns:hp="http://schemas.haansoft.com/office/presentation/8.0" b="0" i="0" u="none" strike="noStrike" mc:Ignorable="hp" hp:hslEmbossed="0">
+                <a:solidFill>
+                  <a:srgbClr val="000000"/>
+                </a:solidFill>
+                <a:latin typeface="돋움"/>
+                <a:ea typeface="돋움"/>
+                <a:cs typeface="돋움"/>
+              </a:rPr>
+              <a:t>해당 모듈의 공정 진행 상황을 직관적으로 확인할 수 있도록 설계하였습니다</a:t>
             </a:r>
             <a:r>
               <a:rPr xmlns:mc="http://schemas.openxmlformats.org/markup-compatibility/2006" xmlns:hp="http://schemas.haansoft.com/office/presentation/8.0" lang="EN-US" b="0" i="0" u="none" strike="noStrike" mc:Ignorable="hp" hp:hslEmbossed="0">
@@ -2436,7 +2493,7 @@
               <a:pPr lvl="0">
                 <a:defRPr/>
               </a:pPr>
-              <a:t>13</a:t>
+              <a:t>12</a:t>
             </a:fld>
             <a:endParaRPr lang="en-US" altLang="en-US"/>
           </a:p>
@@ -2451,6 +2508,443 @@
 </file>
 
 <file path=ppt/notesSlides/notesSlide13.xml><?xml version="1.0" encoding="utf-8"?>
+<p:notes xmlns:r="http://schemas.openxmlformats.org/officeDocument/2006/relationships" xmlns:c="http://schemas.openxmlformats.org/drawingml/2006/chart" xmlns:a="http://schemas.openxmlformats.org/drawingml/2006/main" xmlns:dgm="http://schemas.openxmlformats.org/drawingml/2006/diagram" xmlns:dsp="http://schemas.microsoft.com/office/drawing/2008/diagram" xmlns:p="http://schemas.openxmlformats.org/presentationml/2006/main">
+  <p:cSld>
+    <p:spTree>
+      <p:nvGrpSpPr>
+        <p:cNvPr id="1" name=""/>
+        <p:cNvGrpSpPr/>
+        <p:nvPr/>
+      </p:nvGrpSpPr>
+      <p:grpSpPr>
+        <a:xfrm>
+          <a:off x="0" y="0"/>
+          <a:ext cx="0" cy="0"/>
+          <a:chOff x="0" y="0"/>
+          <a:chExt cx="0" cy="0"/>
+        </a:xfrm>
+      </p:grpSpPr>
+      <p:sp>
+        <p:nvSpPr>
+          <p:cNvPr id="2" name="슬라이드 이미지 개체 틀 3"/>
+          <p:cNvSpPr>
+            <a:spLocks noGrp="1" noRot="1" noChangeAspect="1" noTextEdit="1"/>
+          </p:cNvSpPr>
+          <p:nvPr>
+            <p:ph type="sldImg" idx="2"/>
+          </p:nvPr>
+        </p:nvSpPr>
+        <p:spPr/>
+        <p:txBody>
+          <a:bodyPr/>
+          <a:lstStyle/>
+          <a:p>
+            <a:pPr>
+              <a:defRPr/>
+            </a:pPr>
+            <a:endParaRPr lang="ko-KR" altLang="en-US"/>
+          </a:p>
+        </p:txBody>
+      </p:sp>
+      <p:sp>
+        <p:nvSpPr>
+          <p:cNvPr id="3" name="슬라이드 노트 개체 틀 4"/>
+          <p:cNvSpPr>
+            <a:spLocks noGrp="1"/>
+          </p:cNvSpPr>
+          <p:nvPr>
+            <p:ph type="body" sz="quarter" idx="3"/>
+          </p:nvPr>
+        </p:nvSpPr>
+        <p:spPr/>
+        <p:txBody>
+          <a:bodyPr/>
+          <a:lstStyle/>
+          <a:p>
+            <a:pPr>
+              <a:lnSpc>
+                <a:spcPct val="160000"/>
+              </a:lnSpc>
+              <a:spcBef>
+                <a:spcPts val="0"/>
+              </a:spcBef>
+              <a:spcAft>
+                <a:spcPts val="0"/>
+              </a:spcAft>
+              <a:defRPr/>
+            </a:pPr>
+            <a:r>
+              <a:rPr xmlns:mc="http://schemas.openxmlformats.org/markup-compatibility/2006" xmlns:hp="http://schemas.haansoft.com/office/presentation/8.0" b="0" i="0" u="none" strike="noStrike" mc:Ignorable="hp" hp:hslEmbossed="0">
+                <a:solidFill>
+                  <a:srgbClr val="000000"/>
+                </a:solidFill>
+                <a:latin typeface="돋움"/>
+                <a:ea typeface="돋움"/>
+                <a:cs typeface="돋움"/>
+              </a:rPr>
+              <a:t>앞서 설명 드린 프로세스 모듈 </a:t>
+            </a:r>
+            <a:r>
+              <a:rPr xmlns:mc="http://schemas.openxmlformats.org/markup-compatibility/2006" xmlns:hp="http://schemas.haansoft.com/office/presentation/8.0" lang="EN-US" b="0" i="0" u="none" strike="noStrike" mc:Ignorable="hp" hp:hslEmbossed="0">
+                <a:solidFill>
+                  <a:srgbClr val="000000"/>
+                </a:solidFill>
+                <a:latin typeface="돋움"/>
+                <a:ea typeface="돋움"/>
+                <a:cs typeface="돋움"/>
+              </a:rPr>
+              <a:t>UI </a:t>
+            </a:r>
+            <a:r>
+              <a:rPr xmlns:mc="http://schemas.openxmlformats.org/markup-compatibility/2006" xmlns:hp="http://schemas.haansoft.com/office/presentation/8.0" b="0" i="0" u="none" strike="noStrike" mc:Ignorable="hp" hp:hslEmbossed="0">
+                <a:solidFill>
+                  <a:srgbClr val="000000"/>
+                </a:solidFill>
+                <a:latin typeface="돋움"/>
+                <a:ea typeface="돋움"/>
+                <a:cs typeface="돋움"/>
+              </a:rPr>
+              <a:t>오른편에는 시뮬레이터의 가속이 가능하도록 스피드 컨트롤러를 배치하였습니다</a:t>
+            </a:r>
+            <a:r>
+              <a:rPr xmlns:mc="http://schemas.openxmlformats.org/markup-compatibility/2006" xmlns:hp="http://schemas.haansoft.com/office/presentation/8.0" lang="EN-US" b="0" i="0" u="none" strike="noStrike" mc:Ignorable="hp" hp:hslEmbossed="0">
+                <a:solidFill>
+                  <a:srgbClr val="000000"/>
+                </a:solidFill>
+                <a:latin typeface="돋움"/>
+                <a:ea typeface="돋움"/>
+                <a:cs typeface="돋움"/>
+              </a:rPr>
+              <a:t>.</a:t>
+            </a:r>
+            <a:endParaRPr xmlns:mc="http://schemas.openxmlformats.org/markup-compatibility/2006" xmlns:hp="http://schemas.haansoft.com/office/presentation/8.0" lang="EN-US" b="0" i="0" u="none" strike="noStrike" mc:Ignorable="hp" hp:hslEmbossed="0">
+              <a:solidFill>
+                <a:srgbClr val="000000"/>
+              </a:solidFill>
+              <a:latin typeface="돋움"/>
+              <a:ea typeface="돋움"/>
+              <a:cs typeface="돋움"/>
+            </a:endParaRPr>
+          </a:p>
+          <a:p>
+            <a:pPr>
+              <a:lnSpc>
+                <a:spcPct val="160000"/>
+              </a:lnSpc>
+              <a:spcBef>
+                <a:spcPts val="0"/>
+              </a:spcBef>
+              <a:spcAft>
+                <a:spcPts val="0"/>
+              </a:spcAft>
+              <a:defRPr/>
+            </a:pPr>
+            <a:r>
+              <a:rPr xmlns:mc="http://schemas.openxmlformats.org/markup-compatibility/2006" xmlns:hp="http://schemas.haansoft.com/office/presentation/8.0" b="0" i="0" u="none" strike="noStrike" mc:Ignorable="hp" hp:hslEmbossed="0">
+                <a:solidFill>
+                  <a:srgbClr val="000000"/>
+                </a:solidFill>
+                <a:latin typeface="돋움"/>
+                <a:ea typeface="돋움"/>
+                <a:cs typeface="돋움"/>
+              </a:rPr>
+              <a:t>사용자는 최소 </a:t>
+            </a:r>
+            <a:r>
+              <a:rPr xmlns:mc="http://schemas.openxmlformats.org/markup-compatibility/2006" xmlns:hp="http://schemas.haansoft.com/office/presentation/8.0" lang="EN-US" b="0" i="0" u="none" strike="noStrike" mc:Ignorable="hp" hp:hslEmbossed="0">
+                <a:solidFill>
+                  <a:srgbClr val="000000"/>
+                </a:solidFill>
+                <a:latin typeface="돋움"/>
+                <a:ea typeface="돋움"/>
+                <a:cs typeface="돋움"/>
+              </a:rPr>
+              <a:t>1</a:t>
+            </a:r>
+            <a:r>
+              <a:rPr xmlns:mc="http://schemas.openxmlformats.org/markup-compatibility/2006" xmlns:hp="http://schemas.haansoft.com/office/presentation/8.0" b="0" i="0" u="none" strike="noStrike" mc:Ignorable="hp" hp:hslEmbossed="0">
+                <a:solidFill>
+                  <a:srgbClr val="000000"/>
+                </a:solidFill>
+                <a:latin typeface="돋움"/>
+                <a:ea typeface="돋움"/>
+                <a:cs typeface="돋움"/>
+              </a:rPr>
+              <a:t>배속에서 최대 </a:t>
+            </a:r>
+            <a:r>
+              <a:rPr xmlns:mc="http://schemas.openxmlformats.org/markup-compatibility/2006" xmlns:hp="http://schemas.haansoft.com/office/presentation/8.0" lang="EN-US" b="0" i="0" u="none" strike="noStrike" mc:Ignorable="hp" hp:hslEmbossed="0">
+                <a:solidFill>
+                  <a:srgbClr val="000000"/>
+                </a:solidFill>
+                <a:latin typeface="돋움"/>
+                <a:ea typeface="돋움"/>
+                <a:cs typeface="돋움"/>
+              </a:rPr>
+              <a:t>50</a:t>
+            </a:r>
+            <a:r>
+              <a:rPr xmlns:mc="http://schemas.openxmlformats.org/markup-compatibility/2006" xmlns:hp="http://schemas.haansoft.com/office/presentation/8.0" b="0" i="0" u="none" strike="noStrike" mc:Ignorable="hp" hp:hslEmbossed="0">
+                <a:solidFill>
+                  <a:srgbClr val="000000"/>
+                </a:solidFill>
+                <a:latin typeface="돋움"/>
+                <a:ea typeface="돋움"/>
+                <a:cs typeface="돋움"/>
+              </a:rPr>
+              <a:t>배속까지 시뮬레이터를 가속할 수 있도록 구현하였습니다</a:t>
+            </a:r>
+            <a:r>
+              <a:rPr xmlns:mc="http://schemas.openxmlformats.org/markup-compatibility/2006" xmlns:hp="http://schemas.haansoft.com/office/presentation/8.0" lang="EN-US" b="0" i="0" u="none" strike="noStrike" mc:Ignorable="hp" hp:hslEmbossed="0">
+                <a:solidFill>
+                  <a:srgbClr val="000000"/>
+                </a:solidFill>
+                <a:latin typeface="돋움"/>
+                <a:ea typeface="돋움"/>
+                <a:cs typeface="돋움"/>
+              </a:rPr>
+              <a:t>.</a:t>
+            </a:r>
+            <a:endParaRPr xmlns:mc="http://schemas.openxmlformats.org/markup-compatibility/2006" xmlns:hp="http://schemas.haansoft.com/office/presentation/8.0" lang="EN-US" b="0" i="0" u="none" strike="noStrike" mc:Ignorable="hp" hp:hslEmbossed="0">
+              <a:solidFill>
+                <a:srgbClr val="000000"/>
+              </a:solidFill>
+              <a:latin typeface="돋움"/>
+              <a:ea typeface="돋움"/>
+              <a:cs typeface="돋움"/>
+            </a:endParaRPr>
+          </a:p>
+          <a:p>
+            <a:pPr>
+              <a:lnSpc>
+                <a:spcPct val="160000"/>
+              </a:lnSpc>
+              <a:spcBef>
+                <a:spcPts val="0"/>
+              </a:spcBef>
+              <a:spcAft>
+                <a:spcPts val="0"/>
+              </a:spcAft>
+              <a:defRPr/>
+            </a:pPr>
+            <a:r>
+              <a:rPr xmlns:mc="http://schemas.openxmlformats.org/markup-compatibility/2006" xmlns:hp="http://schemas.haansoft.com/office/presentation/8.0" b="0" i="0" u="none" strike="noStrike" mc:Ignorable="hp" hp:hslEmbossed="0">
+                <a:solidFill>
+                  <a:srgbClr val="000000"/>
+                </a:solidFill>
+                <a:latin typeface="돋움"/>
+                <a:ea typeface="돋움"/>
+                <a:cs typeface="돋움"/>
+              </a:rPr>
+              <a:t>스피드 컨트롤러 하단에는 두가지의 세이브와 로드 버튼이 위치하도록 하였습니다</a:t>
+            </a:r>
+            <a:r>
+              <a:rPr xmlns:mc="http://schemas.openxmlformats.org/markup-compatibility/2006" xmlns:hp="http://schemas.haansoft.com/office/presentation/8.0" lang="EN-US" b="0" i="0" u="none" strike="noStrike" mc:Ignorable="hp" hp:hslEmbossed="0">
+                <a:solidFill>
+                  <a:srgbClr val="000000"/>
+                </a:solidFill>
+                <a:latin typeface="돋움"/>
+                <a:ea typeface="돋움"/>
+                <a:cs typeface="돋움"/>
+              </a:rPr>
+              <a:t>.</a:t>
+            </a:r>
+            <a:endParaRPr xmlns:mc="http://schemas.openxmlformats.org/markup-compatibility/2006" xmlns:hp="http://schemas.haansoft.com/office/presentation/8.0" lang="EN-US" b="0" i="0" u="none" strike="noStrike" mc:Ignorable="hp" hp:hslEmbossed="0">
+              <a:solidFill>
+                <a:srgbClr val="000000"/>
+              </a:solidFill>
+              <a:latin typeface="돋움"/>
+              <a:ea typeface="돋움"/>
+              <a:cs typeface="돋움"/>
+            </a:endParaRPr>
+          </a:p>
+          <a:p>
+            <a:pPr>
+              <a:lnSpc>
+                <a:spcPct val="160000"/>
+              </a:lnSpc>
+              <a:spcBef>
+                <a:spcPts val="0"/>
+              </a:spcBef>
+              <a:spcAft>
+                <a:spcPts val="0"/>
+              </a:spcAft>
+              <a:defRPr/>
+            </a:pPr>
+            <a:r>
+              <a:rPr xmlns:mc="http://schemas.openxmlformats.org/markup-compatibility/2006" xmlns:hp="http://schemas.haansoft.com/office/presentation/8.0" b="0" i="0" u="none" strike="noStrike" mc:Ignorable="hp" hp:hslEmbossed="0">
+                <a:solidFill>
+                  <a:srgbClr val="000000"/>
+                </a:solidFill>
+                <a:latin typeface="돋움"/>
+                <a:ea typeface="돋움"/>
+                <a:cs typeface="돋움"/>
+              </a:rPr>
+              <a:t>보시는 바와 같이 왼쪽 두 개의 버튼은 사용자가 시뮬레이터를 동작하긴 전 입력하였던 시뮬레이션의 환경 및 변수들을 저장하거나 불러올 수 있도록 구현하였습니다</a:t>
+            </a:r>
+            <a:r>
+              <a:rPr xmlns:mc="http://schemas.openxmlformats.org/markup-compatibility/2006" xmlns:hp="http://schemas.haansoft.com/office/presentation/8.0" lang="EN-US" b="0" i="0" u="none" strike="noStrike" mc:Ignorable="hp" hp:hslEmbossed="0">
+                <a:solidFill>
+                  <a:srgbClr val="000000"/>
+                </a:solidFill>
+                <a:latin typeface="돋움"/>
+                <a:ea typeface="돋움"/>
+                <a:cs typeface="돋움"/>
+              </a:rPr>
+              <a:t>.</a:t>
+            </a:r>
+            <a:endParaRPr xmlns:mc="http://schemas.openxmlformats.org/markup-compatibility/2006" xmlns:hp="http://schemas.haansoft.com/office/presentation/8.0" lang="EN-US" b="0" i="0" u="none" strike="noStrike" mc:Ignorable="hp" hp:hslEmbossed="0">
+              <a:solidFill>
+                <a:srgbClr val="000000"/>
+              </a:solidFill>
+              <a:latin typeface="돋움"/>
+              <a:ea typeface="돋움"/>
+              <a:cs typeface="돋움"/>
+            </a:endParaRPr>
+          </a:p>
+          <a:p>
+            <a:pPr>
+              <a:lnSpc>
+                <a:spcPct val="160000"/>
+              </a:lnSpc>
+              <a:spcBef>
+                <a:spcPts val="0"/>
+              </a:spcBef>
+              <a:spcAft>
+                <a:spcPts val="0"/>
+              </a:spcAft>
+              <a:defRPr/>
+            </a:pPr>
+            <a:r>
+              <a:rPr xmlns:mc="http://schemas.openxmlformats.org/markup-compatibility/2006" xmlns:hp="http://schemas.haansoft.com/office/presentation/8.0" b="0" i="0" u="none" strike="noStrike" mc:Ignorable="hp" hp:hslEmbossed="0">
+                <a:solidFill>
+                  <a:srgbClr val="000000"/>
+                </a:solidFill>
+                <a:latin typeface="돋움"/>
+                <a:ea typeface="돋움"/>
+                <a:cs typeface="돋움"/>
+              </a:rPr>
+              <a:t>한편</a:t>
+            </a:r>
+            <a:r>
+              <a:rPr xmlns:mc="http://schemas.openxmlformats.org/markup-compatibility/2006" xmlns:hp="http://schemas.haansoft.com/office/presentation/8.0" lang="EN-US" b="0" i="0" u="none" strike="noStrike" mc:Ignorable="hp" hp:hslEmbossed="0">
+                <a:solidFill>
+                  <a:srgbClr val="000000"/>
+                </a:solidFill>
+                <a:latin typeface="돋움"/>
+                <a:ea typeface="돋움"/>
+                <a:cs typeface="돋움"/>
+              </a:rPr>
+              <a:t>,</a:t>
+            </a:r>
+            <a:r>
+              <a:rPr xmlns:mc="http://schemas.openxmlformats.org/markup-compatibility/2006" xmlns:hp="http://schemas.haansoft.com/office/presentation/8.0" b="0" i="0" u="none" strike="noStrike" mc:Ignorable="hp" hp:hslEmbossed="0">
+                <a:solidFill>
+                  <a:srgbClr val="000000"/>
+                </a:solidFill>
+                <a:latin typeface="돋움"/>
+                <a:ea typeface="돋움"/>
+                <a:cs typeface="돋움"/>
+              </a:rPr>
+              <a:t>그 오른편에는 시뮬레이션을 통해 나온 결과가 얼마의 시간 동안 몇 장의 </a:t>
+            </a:r>
+            <a:r>
+              <a:rPr xmlns:mc="http://schemas.openxmlformats.org/markup-compatibility/2006" xmlns:hp="http://schemas.haansoft.com/office/presentation/8.0" lang="EN-US" b="0" i="0" u="none" strike="noStrike" mc:Ignorable="hp" hp:hslEmbossed="0">
+                <a:solidFill>
+                  <a:srgbClr val="000000"/>
+                </a:solidFill>
+                <a:latin typeface="돋움"/>
+                <a:ea typeface="돋움"/>
+                <a:cs typeface="돋움"/>
+              </a:rPr>
+              <a:t>Wafer</a:t>
+            </a:r>
+            <a:r>
+              <a:rPr xmlns:mc="http://schemas.openxmlformats.org/markup-compatibility/2006" xmlns:hp="http://schemas.haansoft.com/office/presentation/8.0" b="0" i="0" u="none" strike="noStrike" mc:Ignorable="hp" hp:hslEmbossed="0">
+                <a:solidFill>
+                  <a:srgbClr val="000000"/>
+                </a:solidFill>
+                <a:latin typeface="돋움"/>
+                <a:ea typeface="돋움"/>
+                <a:cs typeface="돋움"/>
+              </a:rPr>
+              <a:t>의 작업을 진행했는지를 보여주는 </a:t>
+            </a:r>
+            <a:r>
+              <a:rPr xmlns:mc="http://schemas.openxmlformats.org/markup-compatibility/2006" xmlns:hp="http://schemas.haansoft.com/office/presentation/8.0" lang="EN-US" b="0" i="0" u="none" strike="noStrike" mc:Ignorable="hp" hp:hslEmbossed="0">
+                <a:solidFill>
+                  <a:srgbClr val="000000"/>
+                </a:solidFill>
+                <a:latin typeface="돋움"/>
+                <a:ea typeface="돋움"/>
+                <a:cs typeface="돋움"/>
+              </a:rPr>
+              <a:t>Throughput</a:t>
+            </a:r>
+            <a:r>
+              <a:rPr xmlns:mc="http://schemas.openxmlformats.org/markup-compatibility/2006" xmlns:hp="http://schemas.haansoft.com/office/presentation/8.0" b="0" i="0" u="none" strike="noStrike" mc:Ignorable="hp" hp:hslEmbossed="0">
+                <a:solidFill>
+                  <a:srgbClr val="000000"/>
+                </a:solidFill>
+                <a:latin typeface="돋움"/>
+                <a:ea typeface="돋움"/>
+                <a:cs typeface="돋움"/>
+              </a:rPr>
+              <a:t>을 저장하거나 불러올 수 있도록 설계하였습니다</a:t>
+            </a:r>
+            <a:r>
+              <a:rPr xmlns:mc="http://schemas.openxmlformats.org/markup-compatibility/2006" xmlns:hp="http://schemas.haansoft.com/office/presentation/8.0" lang="EN-US" b="0" i="0" u="none" strike="noStrike" mc:Ignorable="hp" hp:hslEmbossed="0">
+                <a:solidFill>
+                  <a:srgbClr val="000000"/>
+                </a:solidFill>
+                <a:latin typeface="돋움"/>
+                <a:ea typeface="돋움"/>
+                <a:cs typeface="돋움"/>
+              </a:rPr>
+              <a:t>.</a:t>
+            </a:r>
+            <a:endParaRPr lang="ko-KR" altLang="en-US"/>
+          </a:p>
+        </p:txBody>
+      </p:sp>
+      <p:sp>
+        <p:nvSpPr>
+          <p:cNvPr id="4" name="슬라이드 번호 개체 틀 6"/>
+          <p:cNvSpPr>
+            <a:spLocks noGrp="1"/>
+          </p:cNvSpPr>
+          <p:nvPr>
+            <p:ph type="sldNum" sz="quarter" idx="5"/>
+          </p:nvPr>
+        </p:nvSpPr>
+        <p:spPr/>
+        <p:txBody>
+          <a:bodyPr/>
+          <a:lstStyle/>
+          <a:p>
+            <a:pPr lvl="0">
+              <a:defRPr/>
+            </a:pPr>
+            <a:fld id="{09F4262C-968C-4EE9-8164-CE16364706B3}" type="slidenum">
+              <a:rPr lang="en-US" altLang="en-US"/>
+              <a:pPr lvl="0">
+                <a:defRPr/>
+              </a:pPr>
+              <a:t>13</a:t>
+            </a:fld>
+            <a:endParaRPr lang="en-US" altLang="en-US"/>
+          </a:p>
+        </p:txBody>
+      </p:sp>
+    </p:spTree>
+  </p:cSld>
+  <p:clrMapOvr>
+    <a:masterClrMapping/>
+  </p:clrMapOvr>
+</p:notes>
+</file>
+
+<file path=ppt/notesSlides/notesSlide14.xml><?xml version="1.0" encoding="utf-8"?>
 <p:notes xmlns:r="http://schemas.openxmlformats.org/officeDocument/2006/relationships" xmlns:c="http://schemas.openxmlformats.org/drawingml/2006/chart" xmlns:a="http://schemas.openxmlformats.org/drawingml/2006/main" xmlns:dgm="http://schemas.openxmlformats.org/drawingml/2006/diagram" xmlns:dsp="http://schemas.microsoft.com/office/drawing/2008/diagram" xmlns:p="http://schemas.openxmlformats.org/presentationml/2006/main">
   <p:cSld>
     <p:spTree>
@@ -2914,15 +3408,43 @@
             </a:pPr>
             <a:r>
               <a:rPr lang="ko-KR" altLang="en-US"/>
-              <a:t>첫번 째로 저희 팀원들과 각자의 역할을 먼저 소개해 드리겠습니다</a:t>
+              <a:t>발표 순서는 다음과 같이 진행되는데요</a:t>
+            </a:r>
+            <a:r>
+              <a:rPr lang="en-US" altLang="ko-KR"/>
+              <a:t>,</a:t>
+            </a:r>
+            <a:endParaRPr lang="en-US" altLang="ko-KR"/>
+          </a:p>
+          <a:p>
+            <a:pPr>
+              <a:defRPr/>
+            </a:pPr>
+            <a:r>
+              <a:rPr lang="ko-KR" altLang="en-US"/>
+              <a:t>간단하게 저희 팀원들을 소개시켜드린 뒤 개발 배경과 개발에 사용한 도구와 환경을 소개해드리겠습니다</a:t>
             </a:r>
             <a:r>
               <a:rPr lang="en-US" altLang="ko-KR"/>
               <a:t>.</a:t>
             </a:r>
+            <a:endParaRPr lang="en-US" altLang="ko-KR"/>
+          </a:p>
+          <a:p>
+            <a:pPr>
+              <a:defRPr/>
+            </a:pPr>
             <a:r>
               <a:rPr lang="ko-KR" altLang="en-US"/>
-              <a:t> </a:t>
+              <a:t>이후 </a:t>
+            </a:r>
+            <a:r>
+              <a:rPr lang="en-US" altLang="ko-KR"/>
+              <a:t>Thread</a:t>
+            </a:r>
+            <a:r>
+              <a:rPr lang="ko-KR" altLang="en-US"/>
+              <a:t> 구성과 흐름도에 대해서 말씀해 드린 뒤 </a:t>
             </a:r>
             <a:endParaRPr lang="ko-KR" altLang="en-US"/>
           </a:p>
@@ -2930,31 +3452,9 @@
             <a:pPr>
               <a:defRPr/>
             </a:pPr>
-            <a:endParaRPr lang="ko-KR" altLang="en-US"/>
-          </a:p>
-          <a:p>
-            <a:pPr>
-              <a:defRPr/>
-            </a:pPr>
             <a:r>
               <a:rPr lang="ko-KR" altLang="en-US"/>
-              <a:t>먼저 김서윤 팀원과 김재곤 팀원은 각각 </a:t>
-            </a:r>
-            <a:r>
-              <a:rPr lang="en-US" altLang="ko-KR"/>
-              <a:t>Main UI</a:t>
-            </a:r>
-            <a:r>
-              <a:rPr lang="ko-KR" altLang="en-US"/>
-              <a:t>와 </a:t>
-            </a:r>
-            <a:r>
-              <a:rPr lang="en-US" altLang="ko-KR"/>
-              <a:t>System Info</a:t>
-            </a:r>
-            <a:r>
-              <a:rPr lang="ko-KR" altLang="en-US"/>
-              <a:t> </a:t>
+              <a:t>프로젝트에서 가장 많이 신경을 썼던 </a:t>
             </a:r>
             <a:r>
               <a:rPr lang="en-US" altLang="ko-KR"/>
@@ -2962,135 +3462,13 @@
             </a:r>
             <a:r>
               <a:rPr lang="ko-KR" altLang="en-US"/>
-              <a:t>를 설게 및 제작하고 </a:t>
-            </a:r>
-            <a:r>
-              <a:rPr lang="en-US" altLang="ko-KR"/>
-              <a:t>Machine</a:t>
-            </a:r>
-            <a:r>
-              <a:rPr lang="ko-KR" altLang="en-US"/>
-              <a:t> </a:t>
-            </a:r>
-            <a:r>
-              <a:rPr lang="en-US" altLang="ko-KR"/>
-              <a:t>UI</a:t>
-            </a:r>
-            <a:r>
-              <a:rPr lang="ko-KR" altLang="en-US"/>
-              <a:t>로 들어갈 그림을 </a:t>
-            </a:r>
-            <a:r>
-              <a:rPr lang="en-US" altLang="ko-KR"/>
-              <a:t>PPT</a:t>
-            </a:r>
-            <a:r>
-              <a:rPr lang="ko-KR" altLang="en-US"/>
-              <a:t>를 이용하여 제작하였습니다</a:t>
+              <a:t>에 대해서 말씀드리겠습니다</a:t>
             </a:r>
             <a:r>
               <a:rPr lang="en-US" altLang="ko-KR"/>
               <a:t>.</a:t>
             </a:r>
-            <a:r>
-              <a:rPr lang="ko-KR" altLang="en-US"/>
-              <a:t> </a:t>
-            </a:r>
-            <a:endParaRPr lang="ko-KR" altLang="en-US"/>
-          </a:p>
-          <a:p>
-            <a:pPr>
-              <a:defRPr/>
-            </a:pPr>
-            <a:r>
-              <a:rPr lang="ko-KR" altLang="en-US"/>
-              <a:t>이후 </a:t>
-            </a:r>
-            <a:r>
-              <a:rPr lang="en-US" altLang="ko-KR"/>
-              <a:t>PPT</a:t>
-            </a:r>
-            <a:r>
-              <a:rPr lang="ko-KR" altLang="en-US"/>
-              <a:t> 완성후 </a:t>
-            </a:r>
-            <a:r>
-              <a:rPr lang="en-US" altLang="ko-KR"/>
-              <a:t>Main UI</a:t>
-            </a:r>
-            <a:r>
-              <a:rPr lang="ko-KR" altLang="en-US"/>
-              <a:t>와 결합하는 과정을 진행하였습니다</a:t>
-            </a:r>
-            <a:r>
-              <a:rPr lang="en-US" altLang="ko-KR"/>
-              <a:t>.</a:t>
-            </a:r>
             <a:endParaRPr lang="en-US" altLang="ko-KR"/>
-          </a:p>
-          <a:p>
-            <a:pPr>
-              <a:defRPr/>
-            </a:pPr>
-            <a:endParaRPr lang="en-US" altLang="ko-KR"/>
-          </a:p>
-          <a:p>
-            <a:pPr>
-              <a:defRPr/>
-            </a:pPr>
-            <a:r>
-              <a:rPr lang="ko-KR" altLang="en-US"/>
-              <a:t>계민석 팀원은 </a:t>
-            </a:r>
-            <a:r>
-              <a:rPr lang="en-US" altLang="ko-KR"/>
-              <a:t>FAB SOLO</a:t>
-            </a:r>
-            <a:r>
-              <a:rPr lang="ko-KR" altLang="en-US"/>
-              <a:t>의 흐름에 알맞게 </a:t>
-            </a:r>
-            <a:r>
-              <a:rPr lang="en-US" altLang="ko-KR"/>
-              <a:t>Thread</a:t>
-            </a:r>
-            <a:r>
-              <a:rPr lang="ko-KR" altLang="en-US"/>
-              <a:t>를 구현한 뒤 </a:t>
-            </a:r>
-            <a:r>
-              <a:rPr lang="en-US" altLang="ko-KR"/>
-              <a:t>Main UI</a:t>
-            </a:r>
-            <a:r>
-              <a:rPr lang="ko-KR" altLang="en-US"/>
-              <a:t>와 결합하는 과정을 진행하였고 팀원들이 각자 </a:t>
-            </a:r>
-            <a:r>
-              <a:rPr lang="en-US" altLang="ko-KR"/>
-              <a:t>Test</a:t>
-            </a:r>
-            <a:r>
-              <a:rPr lang="ko-KR" altLang="en-US"/>
-              <a:t>진행 후 발생한 오류를 수정하는 과정을 진행하였습니다</a:t>
-            </a:r>
-            <a:r>
-              <a:rPr lang="en-US" altLang="ko-KR"/>
-              <a:t>.</a:t>
-            </a:r>
-            <a:endParaRPr lang="en-US" altLang="ko-KR"/>
-          </a:p>
-          <a:p>
-            <a:pPr>
-              <a:defRPr/>
-            </a:pPr>
-            <a:endParaRPr lang="en-US" altLang="ko-KR"/>
-          </a:p>
-          <a:p>
-            <a:pPr>
-              <a:defRPr/>
-            </a:pPr>
-            <a:endParaRPr lang="ko-KR" altLang="en-US"/>
           </a:p>
         </p:txBody>
       </p:sp>
@@ -3117,7 +3495,7 @@
               <a:pPr lvl="0">
                 <a:defRPr/>
               </a:pPr>
-              <a:t>3</a:t>
+              <a:t>2</a:t>
             </a:fld>
             <a:endParaRPr lang="en-US" altLang="en-US"/>
           </a:p>
@@ -3132,6 +3510,322 @@
 </file>
 
 <file path=ppt/notesSlides/notesSlide3.xml><?xml version="1.0" encoding="utf-8"?>
+<p:notes xmlns:r="http://schemas.openxmlformats.org/officeDocument/2006/relationships" xmlns:c="http://schemas.openxmlformats.org/drawingml/2006/chart" xmlns:a="http://schemas.openxmlformats.org/drawingml/2006/main" xmlns:dgm="http://schemas.openxmlformats.org/drawingml/2006/diagram" xmlns:dsp="http://schemas.microsoft.com/office/drawing/2008/diagram" xmlns:p="http://schemas.openxmlformats.org/presentationml/2006/main">
+  <p:cSld>
+    <p:spTree>
+      <p:nvGrpSpPr>
+        <p:cNvPr id="1" name=""/>
+        <p:cNvGrpSpPr/>
+        <p:nvPr/>
+      </p:nvGrpSpPr>
+      <p:grpSpPr>
+        <a:xfrm>
+          <a:off x="0" y="0"/>
+          <a:ext cx="0" cy="0"/>
+          <a:chOff x="0" y="0"/>
+          <a:chExt cx="0" cy="0"/>
+        </a:xfrm>
+      </p:grpSpPr>
+      <p:sp>
+        <p:nvSpPr>
+          <p:cNvPr id="2" name="슬라이드 이미지 개체 틀 3"/>
+          <p:cNvSpPr>
+            <a:spLocks noGrp="1" noRot="1" noChangeAspect="1" noTextEdit="1"/>
+          </p:cNvSpPr>
+          <p:nvPr>
+            <p:ph type="sldImg" idx="2"/>
+          </p:nvPr>
+        </p:nvSpPr>
+        <p:spPr/>
+        <p:txBody>
+          <a:bodyPr/>
+          <a:lstStyle/>
+          <a:p>
+            <a:pPr>
+              <a:defRPr/>
+            </a:pPr>
+            <a:endParaRPr lang="ko-KR" altLang="en-US"/>
+          </a:p>
+        </p:txBody>
+      </p:sp>
+      <p:sp>
+        <p:nvSpPr>
+          <p:cNvPr id="3" name="슬라이드 노트 개체 틀 4"/>
+          <p:cNvSpPr>
+            <a:spLocks noGrp="1"/>
+          </p:cNvSpPr>
+          <p:nvPr>
+            <p:ph type="body" sz="quarter" idx="3"/>
+          </p:nvPr>
+        </p:nvSpPr>
+        <p:spPr/>
+        <p:txBody>
+          <a:bodyPr/>
+          <a:lstStyle/>
+          <a:p>
+            <a:pPr>
+              <a:defRPr/>
+            </a:pPr>
+            <a:r>
+              <a:rPr lang="ko-KR" altLang="en-US"/>
+              <a:t>첫번 째로 저희 팀원들과 각자의 역할을 먼저 소개해 드리겠습니다</a:t>
+            </a:r>
+            <a:r>
+              <a:rPr lang="en-US" altLang="ko-KR"/>
+              <a:t>.</a:t>
+            </a:r>
+            <a:r>
+              <a:rPr lang="ko-KR" altLang="en-US"/>
+              <a:t> </a:t>
+            </a:r>
+            <a:endParaRPr lang="ko-KR" altLang="en-US"/>
+          </a:p>
+          <a:p>
+            <a:pPr>
+              <a:defRPr/>
+            </a:pPr>
+            <a:endParaRPr lang="ko-KR" altLang="en-US"/>
+          </a:p>
+          <a:p>
+            <a:pPr>
+              <a:defRPr/>
+            </a:pPr>
+            <a:r>
+              <a:rPr lang="ko-KR" altLang="en-US"/>
+              <a:t>먼저 김서윤 팀원과 김재곤 팀원은 각각 </a:t>
+            </a:r>
+            <a:r>
+              <a:rPr lang="en-US" altLang="ko-KR"/>
+              <a:t>Main</a:t>
+            </a:r>
+            <a:r>
+              <a:rPr lang="ko-KR" altLang="en-US"/>
+              <a:t>과 </a:t>
+            </a:r>
+            <a:r>
+              <a:rPr lang="en-US" altLang="ko-KR"/>
+              <a:t>System Info</a:t>
+            </a:r>
+            <a:r>
+              <a:rPr lang="ko-KR" altLang="en-US"/>
+              <a:t> </a:t>
+            </a:r>
+            <a:r>
+              <a:rPr lang="en-US" altLang="ko-KR"/>
+              <a:t>UI</a:t>
+            </a:r>
+            <a:r>
+              <a:rPr lang="ko-KR" altLang="en-US"/>
+              <a:t>를 설계 및 제작하고 </a:t>
+            </a:r>
+            <a:r>
+              <a:rPr lang="en-US" altLang="ko-KR"/>
+              <a:t>Machine</a:t>
+            </a:r>
+            <a:r>
+              <a:rPr lang="ko-KR" altLang="en-US"/>
+              <a:t> </a:t>
+            </a:r>
+            <a:r>
+              <a:rPr lang="en-US" altLang="ko-KR"/>
+              <a:t>UI</a:t>
+            </a:r>
+            <a:r>
+              <a:rPr lang="ko-KR" altLang="en-US"/>
+              <a:t>로 들어갈 그림을 </a:t>
+            </a:r>
+            <a:r>
+              <a:rPr lang="en-US" altLang="ko-KR"/>
+              <a:t>PPT</a:t>
+            </a:r>
+            <a:r>
+              <a:rPr lang="ko-KR" altLang="en-US"/>
+              <a:t>를 이용하여 제작하였습니다</a:t>
+            </a:r>
+            <a:r>
+              <a:rPr lang="en-US" altLang="ko-KR"/>
+              <a:t>.</a:t>
+            </a:r>
+            <a:r>
+              <a:rPr lang="ko-KR" altLang="en-US"/>
+              <a:t> </a:t>
+            </a:r>
+            <a:endParaRPr lang="ko-KR" altLang="en-US"/>
+          </a:p>
+          <a:p>
+            <a:pPr>
+              <a:defRPr/>
+            </a:pPr>
+            <a:r>
+              <a:rPr lang="ko-KR" altLang="en-US"/>
+              <a:t>이후 </a:t>
+            </a:r>
+            <a:r>
+              <a:rPr lang="en-US" altLang="ko-KR"/>
+              <a:t>PPT</a:t>
+            </a:r>
+            <a:r>
+              <a:rPr lang="ko-KR" altLang="en-US"/>
+              <a:t> 완성후 </a:t>
+            </a:r>
+            <a:r>
+              <a:rPr lang="en-US" altLang="ko-KR"/>
+              <a:t>Main UI</a:t>
+            </a:r>
+            <a:r>
+              <a:rPr lang="ko-KR" altLang="en-US"/>
+              <a:t>와 결합하는 과정을 진행하였습니다</a:t>
+            </a:r>
+            <a:r>
+              <a:rPr lang="en-US" altLang="ko-KR"/>
+              <a:t>.</a:t>
+            </a:r>
+            <a:endParaRPr lang="en-US" altLang="ko-KR"/>
+          </a:p>
+          <a:p>
+            <a:pPr>
+              <a:defRPr/>
+            </a:pPr>
+            <a:endParaRPr lang="en-US" altLang="ko-KR"/>
+          </a:p>
+          <a:p>
+            <a:pPr>
+              <a:defRPr/>
+            </a:pPr>
+            <a:r>
+              <a:rPr lang="ko-KR" altLang="en-US"/>
+              <a:t>계민석 팀원은 </a:t>
+            </a:r>
+            <a:r>
+              <a:rPr lang="en-US" altLang="ko-KR"/>
+              <a:t>FAB SOLO</a:t>
+            </a:r>
+            <a:r>
+              <a:rPr lang="ko-KR" altLang="en-US"/>
+              <a:t>의 흐름에 알맞게 </a:t>
+            </a:r>
+            <a:r>
+              <a:rPr lang="en-US" altLang="ko-KR"/>
+              <a:t>Thread</a:t>
+            </a:r>
+            <a:r>
+              <a:rPr lang="ko-KR" altLang="en-US"/>
+              <a:t>를 구현한 뒤 </a:t>
+            </a:r>
+            <a:r>
+              <a:rPr lang="en-US" altLang="ko-KR"/>
+              <a:t>Main UI</a:t>
+            </a:r>
+            <a:r>
+              <a:rPr lang="ko-KR" altLang="en-US"/>
+              <a:t>와 결합하는 과정을 진행하였고 팀원들이 각자 </a:t>
+            </a:r>
+            <a:r>
+              <a:rPr lang="en-US" altLang="ko-KR"/>
+              <a:t>Test</a:t>
+            </a:r>
+            <a:r>
+              <a:rPr lang="ko-KR" altLang="en-US"/>
+              <a:t>진행 후 발생한 오류를 수정하는 과정을 진행하였습니다</a:t>
+            </a:r>
+            <a:r>
+              <a:rPr lang="en-US" altLang="ko-KR"/>
+              <a:t>.</a:t>
+            </a:r>
+            <a:endParaRPr lang="en-US" altLang="ko-KR"/>
+          </a:p>
+          <a:p>
+            <a:pPr>
+              <a:defRPr/>
+            </a:pPr>
+            <a:endParaRPr lang="en-US" altLang="ko-KR"/>
+          </a:p>
+          <a:p>
+            <a:pPr>
+              <a:defRPr/>
+            </a:pPr>
+            <a:r>
+              <a:rPr lang="ko-KR" altLang="en-US"/>
+              <a:t>저는 </a:t>
+            </a:r>
+            <a:r>
+              <a:rPr lang="en-US" altLang="ko-KR"/>
+              <a:t>System Info UI</a:t>
+            </a:r>
+            <a:r>
+              <a:rPr lang="ko-KR" altLang="en-US"/>
+              <a:t> 기능을 구현하고 해당 </a:t>
+            </a:r>
+            <a:r>
+              <a:rPr lang="en-US" altLang="ko-KR"/>
+              <a:t>UI</a:t>
+            </a:r>
+            <a:r>
+              <a:rPr lang="ko-KR" altLang="en-US"/>
+              <a:t>에 적용된 </a:t>
+            </a:r>
+            <a:r>
+              <a:rPr lang="en-US" altLang="ko-KR"/>
+              <a:t>Parameter</a:t>
+            </a:r>
+            <a:r>
+              <a:rPr lang="ko-KR" altLang="en-US"/>
+              <a:t>들이 </a:t>
+            </a:r>
+            <a:endParaRPr lang="ko-KR" altLang="en-US"/>
+          </a:p>
+          <a:p>
+            <a:pPr>
+              <a:defRPr/>
+            </a:pPr>
+            <a:endParaRPr lang="en-US" altLang="ko-KR"/>
+          </a:p>
+          <a:p>
+            <a:pPr>
+              <a:defRPr/>
+            </a:pPr>
+            <a:endParaRPr lang="ko-KR" altLang="en-US"/>
+          </a:p>
+        </p:txBody>
+      </p:sp>
+      <p:sp>
+        <p:nvSpPr>
+          <p:cNvPr id="4" name="슬라이드 번호 개체 틀 6"/>
+          <p:cNvSpPr>
+            <a:spLocks noGrp="1"/>
+          </p:cNvSpPr>
+          <p:nvPr>
+            <p:ph type="sldNum" sz="quarter" idx="5"/>
+          </p:nvPr>
+        </p:nvSpPr>
+        <p:spPr/>
+        <p:txBody>
+          <a:bodyPr/>
+          <a:lstStyle/>
+          <a:p>
+            <a:pPr lvl="0">
+              <a:defRPr/>
+            </a:pPr>
+            <a:fld id="{09F4262C-968C-4EE9-8164-CE16364706B3}" type="slidenum">
+              <a:rPr lang="en-US" altLang="en-US"/>
+              <a:pPr lvl="0">
+                <a:defRPr/>
+              </a:pPr>
+              <a:t>3</a:t>
+            </a:fld>
+            <a:endParaRPr lang="en-US" altLang="en-US"/>
+          </a:p>
+        </p:txBody>
+      </p:sp>
+    </p:spTree>
+  </p:cSld>
+  <p:clrMapOvr>
+    <a:masterClrMapping/>
+  </p:clrMapOvr>
+</p:notes>
+</file>
+
+<file path=ppt/notesSlides/notesSlide4.xml><?xml version="1.0" encoding="utf-8"?>
 <p:notes xmlns:r="http://schemas.openxmlformats.org/officeDocument/2006/relationships" xmlns:c="http://schemas.openxmlformats.org/drawingml/2006/chart" xmlns:a="http://schemas.openxmlformats.org/drawingml/2006/main" xmlns:dgm="http://schemas.openxmlformats.org/drawingml/2006/diagram" xmlns:dsp="http://schemas.microsoft.com/office/drawing/2008/diagram" xmlns:p="http://schemas.openxmlformats.org/presentationml/2006/main">
   <p:cSld>
     <p:spTree>
@@ -3180,7 +3874,7 @@
             </a:pPr>
             <a:r>
               <a:rPr lang="ko-KR" altLang="en-US"/>
-              <a:t>하드웨어 장비를 구입하는데 있어 스펙을 확인하는 것은 고객들에게 있어 중요한 요소 중 하나입니다</a:t>
+              <a:t>하드웨어 장비를 구입하는데 있어 장비의 스펙이 어느정도인지 확인하는 것은 고객들에게 있어 중요한 사항 중 한가지 입니다</a:t>
             </a:r>
             <a:r>
               <a:rPr lang="en-US" altLang="ko-KR"/>
@@ -3192,6 +3886,12 @@
             <a:pPr lvl="0">
               <a:defRPr/>
             </a:pPr>
+            <a:endParaRPr lang="en-US" altLang="ko-KR"/>
+          </a:p>
+          <a:p>
+            <a:pPr lvl="0">
+              <a:defRPr/>
+            </a:pPr>
             <a:r>
               <a:rPr lang="ko-KR" altLang="en-US"/>
               <a:t>옛말에 무엇이든건 듣는 것보다는 보는 것</a:t>
@@ -3210,9 +3910,15 @@
             <a:pPr lvl="0">
               <a:defRPr/>
             </a:pPr>
+            <a:endParaRPr lang="ko-KR" altLang="en-US"/>
+          </a:p>
+          <a:p>
+            <a:pPr lvl="0">
+              <a:defRPr/>
+            </a:pPr>
             <a:r>
               <a:rPr lang="ko-KR" altLang="en-US"/>
-              <a:t>직접 장비를 조작 후 고객이 원하는 스펙으로 커스텀으로 바로 구매를 할 수 있다면 추가적으로 발생 가능성이 있는 비용에 대한 생각은 고려하지 않아도 됩니다</a:t>
+              <a:t>장비 회사에서 고객이 직접 원하는 사양으로 커스텀하여 구매를 할 수 있다면 추가적으로 발생 가능성이 있는 비용에 대한 생각은 고려하지 않아도 됩니다</a:t>
             </a:r>
             <a:r>
               <a:rPr lang="en-US" altLang="ko-KR"/>
@@ -3224,9 +3930,15 @@
             <a:pPr lvl="0">
               <a:defRPr/>
             </a:pPr>
+            <a:endParaRPr lang="ko-KR" altLang="en-US"/>
+          </a:p>
+          <a:p>
+            <a:pPr lvl="0">
+              <a:defRPr/>
+            </a:pPr>
             <a:r>
               <a:rPr lang="ko-KR" altLang="en-US"/>
-              <a:t>하지만 시간이 오래 소모된다는 단점이 있습니다</a:t>
+              <a:t>하지만 시간이 오래 소모된다는 단점이 존재합니다</a:t>
             </a:r>
             <a:r>
               <a:rPr lang="en-US" altLang="ko-KR"/>
@@ -3238,6 +3950,12 @@
             <a:pPr lvl="0">
               <a:defRPr/>
             </a:pPr>
+            <a:endParaRPr lang="ko-KR" altLang="en-US"/>
+          </a:p>
+          <a:p>
+            <a:pPr lvl="0">
+              <a:defRPr/>
+            </a:pPr>
             <a:r>
               <a:rPr lang="ko-KR" altLang="en-US"/>
               <a:t>이와 반대로 시간 절약을 위해 장비의 스펙을 문서로만 확인하고 구매를 한다면 이후 추가 비용을 지불할 가능성이 높아질 수 있습니다</a:t>
@@ -3252,9 +3970,15 @@
             <a:pPr lvl="0">
               <a:defRPr/>
             </a:pPr>
+            <a:endParaRPr lang="ko-KR" altLang="en-US"/>
+          </a:p>
+          <a:p>
+            <a:pPr lvl="0">
+              <a:defRPr/>
+            </a:pPr>
             <a:r>
               <a:rPr lang="ko-KR" altLang="en-US"/>
-              <a:t>이런 비용문제와 시간 절감을 동시에 할 수 있도록 하기위해 </a:t>
+              <a:t>이런 비용 문제와 시간 문제를 동시에 할 수 있도록 하기위해 </a:t>
             </a:r>
             <a:r>
               <a:rPr lang="en-US" altLang="ko-KR"/>
@@ -3296,148 +4020,6 @@
                 <a:defRPr/>
               </a:pPr>
               <a:t>4</a:t>
-            </a:fld>
-            <a:endParaRPr lang="en-US" altLang="en-US"/>
-          </a:p>
-        </p:txBody>
-      </p:sp>
-    </p:spTree>
-  </p:cSld>
-  <p:clrMapOvr>
-    <a:masterClrMapping/>
-  </p:clrMapOvr>
-</p:notes>
-</file>
-
-<file path=ppt/notesSlides/notesSlide4.xml><?xml version="1.0" encoding="utf-8"?>
-<p:notes xmlns:r="http://schemas.openxmlformats.org/officeDocument/2006/relationships" xmlns:c="http://schemas.openxmlformats.org/drawingml/2006/chart" xmlns:a="http://schemas.openxmlformats.org/drawingml/2006/main" xmlns:dgm="http://schemas.openxmlformats.org/drawingml/2006/diagram" xmlns:dsp="http://schemas.microsoft.com/office/drawing/2008/diagram" xmlns:p="http://schemas.openxmlformats.org/presentationml/2006/main">
-  <p:cSld>
-    <p:spTree>
-      <p:nvGrpSpPr>
-        <p:cNvPr id="1" name=""/>
-        <p:cNvGrpSpPr/>
-        <p:nvPr/>
-      </p:nvGrpSpPr>
-      <p:grpSpPr>
-        <a:xfrm>
-          <a:off x="0" y="0"/>
-          <a:ext cx="0" cy="0"/>
-          <a:chOff x="0" y="0"/>
-          <a:chExt cx="0" cy="0"/>
-        </a:xfrm>
-      </p:grpSpPr>
-      <p:sp>
-        <p:nvSpPr>
-          <p:cNvPr id="2" name="슬라이드 이미지 개체 틀 3"/>
-          <p:cNvSpPr>
-            <a:spLocks noGrp="1" noRot="1" noChangeAspect="1" noTextEdit="1"/>
-          </p:cNvSpPr>
-          <p:nvPr>
-            <p:ph type="sldImg" idx="2"/>
-          </p:nvPr>
-        </p:nvSpPr>
-        <p:spPr/>
-        <p:txBody>
-          <a:bodyPr/>
-          <a:lstStyle/>
-          <a:p>
-            <a:pPr>
-              <a:defRPr/>
-            </a:pPr>
-            <a:endParaRPr lang="ko-KR" altLang="en-US"/>
-          </a:p>
-        </p:txBody>
-      </p:sp>
-      <p:sp>
-        <p:nvSpPr>
-          <p:cNvPr id="3" name="슬라이드 노트 개체 틀 4"/>
-          <p:cNvSpPr>
-            <a:spLocks noGrp="1"/>
-          </p:cNvSpPr>
-          <p:nvPr>
-            <p:ph type="body" sz="quarter" idx="3"/>
-          </p:nvPr>
-        </p:nvSpPr>
-        <p:spPr/>
-        <p:txBody>
-          <a:bodyPr/>
-          <a:lstStyle/>
-          <a:p>
-            <a:pPr>
-              <a:defRPr/>
-            </a:pPr>
-            <a:r>
-              <a:rPr lang="en-US" altLang="ko-KR"/>
-              <a:t>FAB SOLO</a:t>
-            </a:r>
-            <a:r>
-              <a:rPr lang="ko-KR" altLang="en-US"/>
-              <a:t>는 </a:t>
-            </a:r>
-            <a:r>
-              <a:rPr lang="en-US" altLang="ko-KR"/>
-              <a:t>Visual Studio</a:t>
-            </a:r>
-            <a:r>
-              <a:rPr lang="ko-KR" altLang="en-US"/>
-              <a:t> 환경에서 언어는 </a:t>
-            </a:r>
-            <a:r>
-              <a:rPr lang="en-US" altLang="ko-KR"/>
-              <a:t>C++</a:t>
-            </a:r>
-            <a:r>
-              <a:rPr lang="ko-KR" altLang="en-US"/>
-              <a:t>로 라이브러리는 </a:t>
-            </a:r>
-            <a:r>
-              <a:rPr lang="en-US" altLang="ko-KR"/>
-              <a:t>MFC</a:t>
-            </a:r>
-            <a:r>
-              <a:rPr lang="ko-KR" altLang="en-US"/>
-              <a:t>를 이용하여 개발하였고 소스코드관리를 위해 </a:t>
-            </a:r>
-            <a:r>
-              <a:rPr lang="en-US" altLang="ko-KR"/>
-              <a:t>git</a:t>
-            </a:r>
-            <a:r>
-              <a:rPr lang="ko-KR" altLang="en-US"/>
-              <a:t>을 사용하였습니다</a:t>
-            </a:r>
-            <a:r>
-              <a:rPr lang="en-US" altLang="ko-KR"/>
-              <a:t>.</a:t>
-            </a:r>
-            <a:endParaRPr lang="en-US" altLang="ko-KR"/>
-          </a:p>
-        </p:txBody>
-      </p:sp>
-      <p:sp>
-        <p:nvSpPr>
-          <p:cNvPr id="4" name="슬라이드 번호 개체 틀 6"/>
-          <p:cNvSpPr>
-            <a:spLocks noGrp="1"/>
-          </p:cNvSpPr>
-          <p:nvPr>
-            <p:ph type="sldNum" sz="quarter" idx="5"/>
-          </p:nvPr>
-        </p:nvSpPr>
-        <p:spPr/>
-        <p:txBody>
-          <a:bodyPr/>
-          <a:lstStyle/>
-          <a:p>
-            <a:pPr lvl="0">
-              <a:defRPr/>
-            </a:pPr>
-            <a:fld id="{09F4262C-968C-4EE9-8164-CE16364706B3}" type="slidenum">
-              <a:rPr lang="en-US" altLang="en-US"/>
-              <a:pPr lvl="0">
-                <a:defRPr/>
-              </a:pPr>
-              <a:t>5</a:t>
             </a:fld>
             <a:endParaRPr lang="en-US" altLang="en-US"/>
           </a:p>
@@ -3514,7 +4096,51 @@
             </a:r>
             <a:r>
               <a:rPr lang="ko-KR" altLang="en-US"/>
-              <a:t>는 스레드와의 연결을 통해서 만들었는데요</a:t>
+              <a:t>는 </a:t>
+            </a:r>
+            <a:r>
+              <a:rPr lang="en-US" altLang="ko-KR"/>
+              <a:t>Visual Studio</a:t>
+            </a:r>
+            <a:r>
+              <a:rPr lang="ko-KR" altLang="en-US"/>
+              <a:t> 환경에서 언어는 </a:t>
+            </a:r>
+            <a:r>
+              <a:rPr lang="en-US" altLang="ko-KR"/>
+              <a:t>C++</a:t>
+            </a:r>
+            <a:r>
+              <a:rPr lang="ko-KR" altLang="en-US"/>
+              <a:t>로 라이브러리는 </a:t>
+            </a:r>
+            <a:r>
+              <a:rPr lang="en-US" altLang="ko-KR"/>
+              <a:t>MFC</a:t>
+            </a:r>
+            <a:r>
+              <a:rPr lang="ko-KR" altLang="en-US"/>
+              <a:t>를 이용하여 개발하였습니다</a:t>
+            </a:r>
+            <a:r>
+              <a:rPr lang="en-US" altLang="ko-KR"/>
+              <a:t>.</a:t>
+            </a:r>
+            <a:endParaRPr lang="ko-KR" altLang="en-US"/>
+          </a:p>
+          <a:p>
+            <a:pPr>
+              <a:defRPr/>
+            </a:pPr>
+            <a:endParaRPr lang="ko-KR" altLang="en-US"/>
+          </a:p>
+          <a:p>
+            <a:pPr>
+              <a:defRPr/>
+            </a:pPr>
+            <a:r>
+              <a:rPr lang="ko-KR" altLang="en-US"/>
+              <a:t> 또한</a:t>
             </a:r>
             <a:r>
               <a:rPr lang="en-US" altLang="ko-KR"/>
@@ -3522,283 +4148,15 @@
             </a:r>
             <a:r>
               <a:rPr lang="ko-KR" altLang="en-US"/>
-              <a:t> 구성은 다음과 같습니다</a:t>
+              <a:t> 소스코드관리를 위해 </a:t>
             </a:r>
             <a:r>
               <a:rPr lang="en-US" altLang="ko-KR"/>
-              <a:t>.</a:t>
-            </a:r>
-            <a:endParaRPr lang="en-US" altLang="ko-KR"/>
-          </a:p>
-          <a:p>
-            <a:pPr>
-              <a:defRPr/>
-            </a:pPr>
+              <a:t>git</a:t>
+            </a:r>
             <a:r>
               <a:rPr lang="ko-KR" altLang="en-US"/>
-              <a:t>중앙제어스레드는 작동 되어야 할 스레드를 관리해줍니다</a:t>
-            </a:r>
-            <a:r>
-              <a:rPr lang="en-US" altLang="ko-KR"/>
-              <a:t>.</a:t>
-            </a:r>
-            <a:endParaRPr lang="en-US" altLang="ko-KR"/>
-          </a:p>
-          <a:p>
-            <a:pPr>
-              <a:defRPr/>
-            </a:pPr>
-            <a:r>
-              <a:rPr lang="en-US" altLang="ko-KR"/>
-              <a:t>Time</a:t>
-            </a:r>
-            <a:r>
-              <a:rPr lang="ko-KR" altLang="en-US"/>
-              <a:t>스레드는 </a:t>
-            </a:r>
-            <a:r>
-              <a:rPr lang="en-US" altLang="ko-KR"/>
-              <a:t>FAB SOLO</a:t>
-            </a:r>
-            <a:r>
-              <a:rPr lang="ko-KR" altLang="en-US"/>
-              <a:t>가 작동한 총 시간과 </a:t>
-            </a:r>
-            <a:r>
-              <a:rPr lang="en-US" altLang="ko-KR"/>
-              <a:t>Clean </a:t>
-            </a:r>
-            <a:r>
-              <a:rPr lang="ko-KR" altLang="en-US"/>
-              <a:t>공정이 진행된 과정을 측정하고 출력된</a:t>
-            </a:r>
-            <a:r>
-              <a:rPr lang="en-US" altLang="ko-KR"/>
-              <a:t> Wafer</a:t>
-            </a:r>
-            <a:r>
-              <a:rPr lang="ko-KR" altLang="en-US"/>
-              <a:t>수와 </a:t>
-            </a:r>
-            <a:r>
-              <a:rPr lang="en-US" altLang="ko-KR"/>
-              <a:t>Throughput</a:t>
-            </a:r>
-            <a:r>
-              <a:rPr lang="ko-KR" altLang="en-US"/>
-              <a:t>은 계산합니다</a:t>
-            </a:r>
-            <a:r>
-              <a:rPr lang="en-US" altLang="ko-KR"/>
-              <a:t>.</a:t>
-            </a:r>
-            <a:endParaRPr lang="en-US" altLang="ko-KR"/>
-          </a:p>
-          <a:p>
-            <a:pPr>
-              <a:defRPr/>
-            </a:pPr>
-            <a:r>
-              <a:rPr lang="en-US" altLang="ko-KR"/>
-              <a:t>LPMtoLL</a:t>
-            </a:r>
-            <a:r>
-              <a:rPr lang="ko-KR" altLang="en-US"/>
-              <a:t>스레드는 </a:t>
-            </a:r>
-            <a:r>
-              <a:rPr lang="en-US" altLang="ko-KR"/>
-              <a:t>Wafer</a:t>
-            </a:r>
-            <a:r>
-              <a:rPr lang="ko-KR" altLang="en-US"/>
-              <a:t>를 </a:t>
-            </a:r>
-            <a:r>
-              <a:rPr lang="en-US" altLang="ko-KR"/>
-              <a:t>Aligner</a:t>
-            </a:r>
-            <a:r>
-              <a:rPr lang="ko-KR" altLang="en-US"/>
-              <a:t>과정을 진행한 뒤 </a:t>
-            </a:r>
-            <a:r>
-              <a:rPr lang="en-US" altLang="ko-KR"/>
-              <a:t>LL</a:t>
-            </a:r>
-            <a:r>
-              <a:rPr lang="ko-KR" altLang="en-US"/>
-              <a:t>로 옮기는 스레드 입니다</a:t>
-            </a:r>
-            <a:r>
-              <a:rPr lang="en-US" altLang="ko-KR"/>
-              <a:t>.</a:t>
-            </a:r>
-            <a:endParaRPr lang="en-US" altLang="ko-KR"/>
-          </a:p>
-          <a:p>
-            <a:pPr>
-              <a:defRPr/>
-            </a:pPr>
-            <a:r>
-              <a:rPr lang="en-US" altLang="ko-KR"/>
-              <a:t>LL</a:t>
-            </a:r>
-            <a:r>
-              <a:rPr lang="ko-KR" altLang="en-US"/>
-              <a:t>스레드는 </a:t>
-            </a:r>
-            <a:r>
-              <a:rPr lang="en-US" altLang="ko-KR"/>
-              <a:t>Wafer</a:t>
-            </a:r>
-            <a:r>
-              <a:rPr lang="ko-KR" altLang="en-US"/>
-              <a:t>가 있는 공간을 해당되는 과정에 따라 진공 또는 대기 상태로 만들어 줍니다</a:t>
-            </a:r>
-            <a:r>
-              <a:rPr lang="en-US" altLang="ko-KR"/>
-              <a:t>.</a:t>
-            </a:r>
-            <a:endParaRPr lang="en-US" altLang="ko-KR"/>
-          </a:p>
-          <a:p>
-            <a:pPr>
-              <a:defRPr/>
-            </a:pPr>
-            <a:r>
-              <a:rPr lang="en-US" altLang="ko-KR"/>
-              <a:t>LL2PM</a:t>
-            </a:r>
-            <a:r>
-              <a:rPr lang="ko-KR" altLang="en-US"/>
-              <a:t>스레드는 </a:t>
-            </a:r>
-            <a:r>
-              <a:rPr lang="en-US" altLang="ko-KR"/>
-              <a:t>LL</a:t>
-            </a:r>
-            <a:r>
-              <a:rPr lang="ko-KR" altLang="en-US"/>
-              <a:t>에 있는 </a:t>
-            </a:r>
-            <a:r>
-              <a:rPr lang="en-US" altLang="ko-KR"/>
-              <a:t>Wafer</a:t>
-            </a:r>
-            <a:r>
-              <a:rPr lang="ko-KR" altLang="en-US"/>
-              <a:t>를 순차적으로 </a:t>
-            </a:r>
-            <a:r>
-              <a:rPr lang="en-US" altLang="ko-KR"/>
-              <a:t>PM</a:t>
-            </a:r>
-            <a:r>
-              <a:rPr lang="ko-KR" altLang="en-US"/>
-              <a:t> 모듈로 옮기는 과정을 시행합니다</a:t>
-            </a:r>
-            <a:r>
-              <a:rPr lang="en-US" altLang="ko-KR"/>
-              <a:t>.</a:t>
-            </a:r>
-            <a:endParaRPr lang="en-US" altLang="ko-KR"/>
-          </a:p>
-          <a:p>
-            <a:pPr>
-              <a:defRPr/>
-            </a:pPr>
-            <a:r>
-              <a:rPr lang="en-US" altLang="ko-KR"/>
-              <a:t>PM</a:t>
-            </a:r>
-            <a:r>
-              <a:rPr lang="ko-KR" altLang="en-US"/>
-              <a:t>스레드는 </a:t>
-            </a:r>
-            <a:r>
-              <a:rPr lang="en-US" altLang="ko-KR"/>
-              <a:t>Wafer</a:t>
-            </a:r>
-            <a:r>
-              <a:rPr lang="ko-KR" altLang="en-US"/>
-              <a:t>에 공정을 진행합니다</a:t>
-            </a:r>
-            <a:r>
-              <a:rPr lang="en-US" altLang="ko-KR"/>
-              <a:t>.</a:t>
-            </a:r>
-            <a:endParaRPr lang="en-US" altLang="ko-KR"/>
-          </a:p>
-          <a:p>
-            <a:pPr>
-              <a:defRPr/>
-            </a:pPr>
-            <a:r>
-              <a:rPr lang="en-US" altLang="ko-KR"/>
-              <a:t>PM2LL</a:t>
-            </a:r>
-            <a:r>
-              <a:rPr lang="ko-KR" altLang="en-US"/>
-              <a:t>스레드는 </a:t>
-            </a:r>
-            <a:r>
-              <a:rPr lang="en-US" altLang="ko-KR"/>
-              <a:t>PM</a:t>
-            </a:r>
-            <a:r>
-              <a:rPr lang="ko-KR" altLang="en-US"/>
-              <a:t>스레드를통해 공정이 완료된 </a:t>
-            </a:r>
-            <a:r>
-              <a:rPr lang="en-US" altLang="ko-KR"/>
-              <a:t>Wafer</a:t>
-            </a:r>
-            <a:r>
-              <a:rPr lang="ko-KR" altLang="en-US"/>
-              <a:t>를 </a:t>
-            </a:r>
-            <a:r>
-              <a:rPr lang="en-US" altLang="ko-KR"/>
-              <a:t>LL</a:t>
-            </a:r>
-            <a:r>
-              <a:rPr lang="ko-KR" altLang="en-US"/>
-              <a:t>로 옮기는 과정을 진행합니다</a:t>
-            </a:r>
-            <a:r>
-              <a:rPr lang="en-US" altLang="ko-KR"/>
-              <a:t>.</a:t>
-            </a:r>
-            <a:endParaRPr lang="en-US" altLang="ko-KR"/>
-          </a:p>
-          <a:p>
-            <a:pPr>
-              <a:defRPr/>
-            </a:pPr>
-            <a:r>
-              <a:rPr lang="en-US" altLang="ko-KR"/>
-              <a:t>LL2OUT</a:t>
-            </a:r>
-            <a:r>
-              <a:rPr lang="ko-KR" altLang="en-US"/>
-              <a:t>스레드는 </a:t>
-            </a:r>
-            <a:r>
-              <a:rPr lang="en-US" altLang="ko-KR"/>
-              <a:t>LL</a:t>
-            </a:r>
-            <a:r>
-              <a:rPr lang="ko-KR" altLang="en-US"/>
-              <a:t>스레드를 통하여 대기 상태로 전환된 </a:t>
-            </a:r>
-            <a:r>
-              <a:rPr lang="en-US" altLang="ko-KR"/>
-              <a:t>Wafer</a:t>
-            </a:r>
-            <a:r>
-              <a:rPr lang="ko-KR" altLang="en-US"/>
-              <a:t>들을 출력하는 과정을 진행합니다</a:t>
+              <a:t>을 사용하였습니다</a:t>
             </a:r>
             <a:r>
               <a:rPr lang="en-US" altLang="ko-KR"/>
@@ -3831,7 +4189,7 @@
               <a:pPr lvl="0">
                 <a:defRPr/>
               </a:pPr>
-              <a:t>6</a:t>
+              <a:t>5</a:t>
             </a:fld>
             <a:endParaRPr lang="en-US" altLang="en-US"/>
           </a:p>
@@ -3880,7 +4238,7 @@
             <a:pPr>
               <a:defRPr/>
             </a:pPr>
-            <a:endParaRPr lang="en-US" altLang="ko-KR"/>
+            <a:endParaRPr lang="ko-KR" altLang="en-US"/>
           </a:p>
         </p:txBody>
       </p:sp>
@@ -3908,23 +4266,7 @@
             </a:r>
             <a:r>
               <a:rPr lang="ko-KR" altLang="en-US"/>
-              <a:t>의 스레드 흐름도를 다음과 같이 </a:t>
-            </a:r>
-            <a:r>
-              <a:rPr lang="en-US" altLang="ko-KR"/>
-              <a:t>Load Lock </a:t>
-            </a:r>
-            <a:r>
-              <a:rPr lang="ko-KR" altLang="en-US"/>
-              <a:t>모듈 </a:t>
-            </a:r>
-            <a:r>
-              <a:rPr lang="en-US" altLang="ko-KR"/>
-              <a:t>2</a:t>
-            </a:r>
-            <a:r>
-              <a:rPr lang="ko-KR" altLang="en-US"/>
-              <a:t>개</a:t>
+              <a:t>는 스레드와의 연결을 통해서 만들었는데요</a:t>
             </a:r>
             <a:r>
               <a:rPr lang="en-US" altLang="ko-KR"/>
@@ -3932,47 +4274,7 @@
             </a:r>
             <a:r>
               <a:rPr lang="ko-KR" altLang="en-US"/>
-              <a:t> 슬롯 개수 </a:t>
-            </a:r>
-            <a:r>
-              <a:rPr lang="en-US" altLang="ko-KR"/>
-              <a:t>4</a:t>
-            </a:r>
-            <a:r>
-              <a:rPr lang="ko-KR" altLang="en-US"/>
-              <a:t>개 </a:t>
-            </a:r>
-            <a:r>
-              <a:rPr lang="en-US" altLang="ko-KR"/>
-              <a:t>Process </a:t>
-            </a:r>
-            <a:r>
-              <a:rPr lang="ko-KR" altLang="en-US"/>
-              <a:t>모듈 </a:t>
-            </a:r>
-            <a:r>
-              <a:rPr lang="en-US" altLang="ko-KR"/>
-              <a:t>2</a:t>
-            </a:r>
-            <a:r>
-              <a:rPr lang="ko-KR" altLang="en-US"/>
-              <a:t>개</a:t>
-            </a:r>
-            <a:r>
-              <a:rPr lang="en-US" altLang="ko-KR"/>
-              <a:t>,</a:t>
-            </a:r>
-            <a:r>
-              <a:rPr lang="ko-KR" altLang="en-US"/>
-              <a:t> 슬롯 개수 </a:t>
-            </a:r>
-            <a:r>
-              <a:rPr lang="en-US" altLang="ko-KR"/>
-              <a:t>4</a:t>
-            </a:r>
-            <a:r>
-              <a:rPr lang="ko-KR" altLang="en-US"/>
-              <a:t>개로 설정하였을때를 예시로 표현하였습니다</a:t>
+              <a:t> 구성은 다음과 같습니다</a:t>
             </a:r>
             <a:r>
               <a:rPr lang="en-US" altLang="ko-KR"/>
@@ -3984,23 +4286,9 @@
             <a:pPr>
               <a:defRPr/>
             </a:pPr>
-            <a:endParaRPr lang="en-US" altLang="ko-KR"/>
-          </a:p>
-          <a:p>
-            <a:pPr>
-              <a:defRPr/>
-            </a:pPr>
             <a:r>
               <a:rPr lang="ko-KR" altLang="en-US"/>
-              <a:t>보시는 것과 같이 </a:t>
-            </a:r>
-            <a:r>
-              <a:rPr lang="en-US" altLang="ko-KR"/>
-              <a:t>Central Control</a:t>
-            </a:r>
-            <a:r>
-              <a:rPr lang="ko-KR" altLang="en-US"/>
-              <a:t>은 프로그램 종료시 까지 작동되면 다른 스레드를 순차적으로 동작시키는 역할을 하는 것을 보실 수 있습니다</a:t>
+              <a:t>중앙제어스레드는 작동 되어야 할 스레드를 관리해줍니다</a:t>
             </a:r>
             <a:r>
               <a:rPr lang="en-US" altLang="ko-KR"/>
@@ -4012,31 +4300,63 @@
             <a:pPr>
               <a:defRPr/>
             </a:pPr>
-            <a:endParaRPr lang="en-US" altLang="ko-KR"/>
-          </a:p>
-          <a:p>
-            <a:pPr>
-              <a:defRPr/>
-            </a:pPr>
-            <a:r>
-              <a:rPr lang="ko-KR" altLang="en-US"/>
-              <a:t>그와 동시에 </a:t>
-            </a:r>
             <a:r>
               <a:rPr lang="en-US" altLang="ko-KR"/>
               <a:t>Time</a:t>
             </a:r>
             <a:r>
               <a:rPr lang="ko-KR" altLang="en-US"/>
-              <a:t> 스레드도 동작하면서 </a:t>
+              <a:t>스레드는 </a:t>
             </a:r>
             <a:r>
               <a:rPr lang="en-US" altLang="ko-KR"/>
-              <a:t>Simulator</a:t>
+              <a:t>FAB SOLO</a:t>
             </a:r>
             <a:r>
               <a:rPr lang="ko-KR" altLang="en-US"/>
-              <a:t>의 동작시간을 측정하여 </a:t>
+              <a:t>가 작동한 총 시간과 </a:t>
+            </a:r>
+            <a:r>
+              <a:rPr lang="en-US" altLang="ko-KR"/>
+              <a:t>Clean </a:t>
+            </a:r>
+            <a:r>
+              <a:rPr lang="ko-KR" altLang="en-US"/>
+              <a:t>공정이 진행된 과정을 측정하고 출력된</a:t>
+            </a:r>
+            <a:r>
+              <a:rPr lang="en-US" altLang="ko-KR"/>
+              <a:t> Wafer</a:t>
+            </a:r>
+            <a:r>
+              <a:rPr lang="ko-KR" altLang="en-US"/>
+              <a:t>수와 </a:t>
+            </a:r>
+            <a:r>
+              <a:rPr lang="en-US" altLang="ko-KR"/>
+              <a:t>Throughput</a:t>
+            </a:r>
+            <a:r>
+              <a:rPr lang="ko-KR" altLang="en-US"/>
+              <a:t>은 계산합니다</a:t>
+            </a:r>
+            <a:r>
+              <a:rPr lang="en-US" altLang="ko-KR"/>
+              <a:t>.</a:t>
+            </a:r>
+            <a:endParaRPr lang="en-US" altLang="ko-KR"/>
+          </a:p>
+          <a:p>
+            <a:pPr>
+              <a:defRPr/>
+            </a:pPr>
+            <a:r>
+              <a:rPr lang="en-US" altLang="ko-KR"/>
+              <a:t>LPMtoLL</a:t>
+            </a:r>
+            <a:r>
+              <a:rPr lang="ko-KR" altLang="en-US"/>
+              <a:t>스레드는 </a:t>
             </a:r>
             <a:r>
               <a:rPr lang="en-US" altLang="ko-KR"/>
@@ -4044,23 +4364,23 @@
             </a:r>
             <a:r>
               <a:rPr lang="ko-KR" altLang="en-US"/>
-              <a:t>의</a:t>
+              <a:t>를 </a:t>
             </a:r>
             <a:r>
               <a:rPr lang="en-US" altLang="ko-KR"/>
-              <a:t> </a:t>
+              <a:t>Aligner</a:t>
             </a:r>
             <a:r>
               <a:rPr lang="ko-KR" altLang="en-US"/>
-              <a:t>출력과 </a:t>
+              <a:t>과정을 진행한 뒤 </a:t>
             </a:r>
             <a:r>
               <a:rPr lang="en-US" altLang="ko-KR"/>
-              <a:t>Throughtput</a:t>
+              <a:t>LL</a:t>
             </a:r>
             <a:r>
               <a:rPr lang="ko-KR" altLang="en-US"/>
-              <a:t>을 계산하는데 이바지 합니다</a:t>
+              <a:t>로 옮기는 스레드 입니다</a:t>
             </a:r>
             <a:r>
               <a:rPr lang="en-US" altLang="ko-KR"/>
@@ -4072,63 +4392,63 @@
             <a:pPr>
               <a:defRPr/>
             </a:pPr>
-            <a:endParaRPr lang="en-US" altLang="ko-KR"/>
-          </a:p>
-          <a:p>
-            <a:pPr>
-              <a:defRPr/>
-            </a:pPr>
+            <a:r>
+              <a:rPr lang="en-US" altLang="ko-KR"/>
+              <a:t>LL</a:t>
+            </a:r>
             <a:r>
               <a:rPr lang="ko-KR" altLang="en-US"/>
-              <a:t>또한</a:t>
+              <a:t>스레드는 </a:t>
             </a:r>
             <a:r>
               <a:rPr lang="en-US" altLang="ko-KR"/>
-              <a:t>,</a:t>
+              <a:t>Wafer</a:t>
             </a:r>
             <a:r>
               <a:rPr lang="ko-KR" altLang="en-US"/>
-              <a:t> 스레드는 단일 스레드로 동작이 되는 것이 아닌 멀티스레드로 동작이 되어야 합니다</a:t>
+              <a:t>가 있는 공간을 해당되는 과정에 따라 진공 또는 대기 상태로 만들어 줍니다</a:t>
             </a:r>
             <a:r>
               <a:rPr lang="en-US" altLang="ko-KR"/>
               <a:t>.</a:t>
             </a:r>
-            <a:r>
-              <a:rPr lang="ko-KR" altLang="en-US"/>
-              <a:t> </a:t>
-            </a:r>
-            <a:endParaRPr lang="ko-KR" altLang="en-US"/>
+            <a:endParaRPr lang="en-US" altLang="ko-KR"/>
           </a:p>
           <a:p>
             <a:pPr>
               <a:defRPr/>
             </a:pPr>
-            <a:endParaRPr lang="ko-KR" altLang="en-US"/>
-          </a:p>
-          <a:p>
-            <a:pPr>
-              <a:defRPr/>
-            </a:pPr>
-            <a:r>
-              <a:rPr lang="ko-KR" altLang="en-US"/>
-              <a:t>해당 예시로 말하면 </a:t>
-            </a:r>
-            <a:r>
-              <a:rPr lang="en-US" altLang="ko-KR"/>
-              <a:t>LPM2LL</a:t>
-            </a:r>
-            <a:r>
-              <a:rPr lang="ko-KR" altLang="en-US"/>
-              <a:t>과 </a:t>
-            </a:r>
             <a:r>
               <a:rPr lang="en-US" altLang="ko-KR"/>
               <a:t>LL2PM</a:t>
             </a:r>
             <a:r>
               <a:rPr lang="ko-KR" altLang="en-US"/>
-              <a:t> 과정이 동시에 일어 나야 된다는 건데 보시는 것과 같이 멀티스레드로 동작하시는 것을 볼 수 있습니다</a:t>
+              <a:t>스레드는 </a:t>
+            </a:r>
+            <a:r>
+              <a:rPr lang="en-US" altLang="ko-KR"/>
+              <a:t>LL</a:t>
+            </a:r>
+            <a:r>
+              <a:rPr lang="ko-KR" altLang="en-US"/>
+              <a:t>에 있는 </a:t>
+            </a:r>
+            <a:r>
+              <a:rPr lang="en-US" altLang="ko-KR"/>
+              <a:t>Wafer</a:t>
+            </a:r>
+            <a:r>
+              <a:rPr lang="ko-KR" altLang="en-US"/>
+              <a:t>를 순차적으로 </a:t>
+            </a:r>
+            <a:r>
+              <a:rPr lang="en-US" altLang="ko-KR"/>
+              <a:t>PM</a:t>
+            </a:r>
+            <a:r>
+              <a:rPr lang="ko-KR" altLang="en-US"/>
+              <a:t> 모듈로 옮기는 과정을 시행합니다</a:t>
             </a:r>
             <a:r>
               <a:rPr lang="en-US" altLang="ko-KR"/>
@@ -4140,15 +4460,21 @@
             <a:pPr>
               <a:defRPr/>
             </a:pPr>
-            <a:endParaRPr lang="en-US" altLang="ko-KR"/>
-          </a:p>
-          <a:p>
-            <a:pPr>
-              <a:defRPr/>
-            </a:pPr>
+            <a:r>
+              <a:rPr lang="en-US" altLang="ko-KR"/>
+              <a:t>PM</a:t>
+            </a:r>
             <a:r>
               <a:rPr lang="ko-KR" altLang="en-US"/>
-              <a:t>좀 더 자세한 흐름은 시연을 통해 보여드리겠습니다</a:t>
+              <a:t>스레드는 </a:t>
+            </a:r>
+            <a:r>
+              <a:rPr lang="en-US" altLang="ko-KR"/>
+              <a:t>Wafer</a:t>
+            </a:r>
+            <a:r>
+              <a:rPr lang="ko-KR" altLang="en-US"/>
+              <a:t>에 공정을 진행합니다</a:t>
             </a:r>
             <a:r>
               <a:rPr lang="en-US" altLang="ko-KR"/>
@@ -4160,7 +4486,77 @@
             <a:pPr>
               <a:defRPr/>
             </a:pPr>
-            <a:endParaRPr lang="ko-KR" altLang="en-US"/>
+            <a:r>
+              <a:rPr lang="en-US" altLang="ko-KR"/>
+              <a:t>PM2LL</a:t>
+            </a:r>
+            <a:r>
+              <a:rPr lang="ko-KR" altLang="en-US"/>
+              <a:t>스레드는 </a:t>
+            </a:r>
+            <a:r>
+              <a:rPr lang="en-US" altLang="ko-KR"/>
+              <a:t>PM</a:t>
+            </a:r>
+            <a:r>
+              <a:rPr lang="ko-KR" altLang="en-US"/>
+              <a:t>스레드를통해 공정이 완료된 </a:t>
+            </a:r>
+            <a:r>
+              <a:rPr lang="en-US" altLang="ko-KR"/>
+              <a:t>Wafer</a:t>
+            </a:r>
+            <a:r>
+              <a:rPr lang="ko-KR" altLang="en-US"/>
+              <a:t>를 </a:t>
+            </a:r>
+            <a:r>
+              <a:rPr lang="en-US" altLang="ko-KR"/>
+              <a:t>LL</a:t>
+            </a:r>
+            <a:r>
+              <a:rPr lang="ko-KR" altLang="en-US"/>
+              <a:t>로 옮기는 과정을 진행합니다</a:t>
+            </a:r>
+            <a:r>
+              <a:rPr lang="en-US" altLang="ko-KR"/>
+              <a:t>.</a:t>
+            </a:r>
+            <a:endParaRPr lang="en-US" altLang="ko-KR"/>
+          </a:p>
+          <a:p>
+            <a:pPr>
+              <a:defRPr/>
+            </a:pPr>
+            <a:r>
+              <a:rPr lang="en-US" altLang="ko-KR"/>
+              <a:t>LL2OUT</a:t>
+            </a:r>
+            <a:r>
+              <a:rPr lang="ko-KR" altLang="en-US"/>
+              <a:t>스레드는 </a:t>
+            </a:r>
+            <a:r>
+              <a:rPr lang="en-US" altLang="ko-KR"/>
+              <a:t>LL</a:t>
+            </a:r>
+            <a:r>
+              <a:rPr lang="ko-KR" altLang="en-US"/>
+              <a:t>스레드를 통하여 대기 상태로 전환된 </a:t>
+            </a:r>
+            <a:r>
+              <a:rPr lang="en-US" altLang="ko-KR"/>
+              <a:t>Wafer</a:t>
+            </a:r>
+            <a:r>
+              <a:rPr lang="ko-KR" altLang="en-US"/>
+              <a:t>들을 출력하는 과정을 진행합니다</a:t>
+            </a:r>
+            <a:r>
+              <a:rPr lang="en-US" altLang="ko-KR"/>
+              <a:t>.</a:t>
+            </a:r>
+            <a:endParaRPr lang="en-US" altLang="ko-KR"/>
           </a:p>
         </p:txBody>
       </p:sp>
@@ -4187,7 +4583,7 @@
               <a:pPr lvl="0">
                 <a:defRPr/>
               </a:pPr>
-              <a:t>7</a:t>
+              <a:t>6</a:t>
             </a:fld>
             <a:endParaRPr lang="en-US" altLang="en-US"/>
           </a:p>
@@ -4202,6 +4598,362 @@
 </file>
 
 <file path=ppt/notesSlides/notesSlide7.xml><?xml version="1.0" encoding="utf-8"?>
+<p:notes xmlns:r="http://schemas.openxmlformats.org/officeDocument/2006/relationships" xmlns:c="http://schemas.openxmlformats.org/drawingml/2006/chart" xmlns:a="http://schemas.openxmlformats.org/drawingml/2006/main" xmlns:dgm="http://schemas.openxmlformats.org/drawingml/2006/diagram" xmlns:dsp="http://schemas.microsoft.com/office/drawing/2008/diagram" xmlns:p="http://schemas.openxmlformats.org/presentationml/2006/main">
+  <p:cSld>
+    <p:spTree>
+      <p:nvGrpSpPr>
+        <p:cNvPr id="1" name=""/>
+        <p:cNvGrpSpPr/>
+        <p:nvPr/>
+      </p:nvGrpSpPr>
+      <p:grpSpPr>
+        <a:xfrm>
+          <a:off x="0" y="0"/>
+          <a:ext cx="0" cy="0"/>
+          <a:chOff x="0" y="0"/>
+          <a:chExt cx="0" cy="0"/>
+        </a:xfrm>
+      </p:grpSpPr>
+      <p:sp>
+        <p:nvSpPr>
+          <p:cNvPr id="2" name="슬라이드 이미지 개체 틀 3"/>
+          <p:cNvSpPr>
+            <a:spLocks noGrp="1" noRot="1" noChangeAspect="1" noTextEdit="1"/>
+          </p:cNvSpPr>
+          <p:nvPr>
+            <p:ph type="sldImg" idx="2"/>
+          </p:nvPr>
+        </p:nvSpPr>
+        <p:spPr/>
+        <p:txBody>
+          <a:bodyPr/>
+          <a:lstStyle/>
+          <a:p>
+            <a:pPr>
+              <a:defRPr/>
+            </a:pPr>
+            <a:endParaRPr lang="en-US" altLang="ko-KR"/>
+          </a:p>
+        </p:txBody>
+      </p:sp>
+      <p:sp>
+        <p:nvSpPr>
+          <p:cNvPr id="3" name="슬라이드 노트 개체 틀 4"/>
+          <p:cNvSpPr>
+            <a:spLocks noGrp="1"/>
+          </p:cNvSpPr>
+          <p:nvPr>
+            <p:ph type="body" sz="quarter" idx="3"/>
+          </p:nvPr>
+        </p:nvSpPr>
+        <p:spPr/>
+        <p:txBody>
+          <a:bodyPr/>
+          <a:lstStyle/>
+          <a:p>
+            <a:pPr>
+              <a:defRPr/>
+            </a:pPr>
+            <a:r>
+              <a:rPr lang="en-US" altLang="ko-KR"/>
+              <a:t>FAB SOLO</a:t>
+            </a:r>
+            <a:r>
+              <a:rPr lang="ko-KR" altLang="en-US"/>
+              <a:t>의 스레드 흐름도를 다음과 같이 </a:t>
+            </a:r>
+            <a:r>
+              <a:rPr lang="en-US" altLang="ko-KR"/>
+              <a:t>Load Lock </a:t>
+            </a:r>
+            <a:r>
+              <a:rPr lang="ko-KR" altLang="en-US"/>
+              <a:t>모듈 </a:t>
+            </a:r>
+            <a:r>
+              <a:rPr lang="en-US" altLang="ko-KR"/>
+              <a:t>2</a:t>
+            </a:r>
+            <a:r>
+              <a:rPr lang="ko-KR" altLang="en-US"/>
+              <a:t>개</a:t>
+            </a:r>
+            <a:r>
+              <a:rPr lang="en-US" altLang="ko-KR"/>
+              <a:t>,</a:t>
+            </a:r>
+            <a:r>
+              <a:rPr lang="ko-KR" altLang="en-US"/>
+              <a:t> 슬롯 개수 </a:t>
+            </a:r>
+            <a:r>
+              <a:rPr lang="en-US" altLang="ko-KR"/>
+              <a:t>4</a:t>
+            </a:r>
+            <a:r>
+              <a:rPr lang="ko-KR" altLang="en-US"/>
+              <a:t>개 </a:t>
+            </a:r>
+            <a:r>
+              <a:rPr lang="en-US" altLang="ko-KR"/>
+              <a:t>Process </a:t>
+            </a:r>
+            <a:r>
+              <a:rPr lang="ko-KR" altLang="en-US"/>
+              <a:t>모듈 </a:t>
+            </a:r>
+            <a:r>
+              <a:rPr lang="en-US" altLang="ko-KR"/>
+              <a:t>2</a:t>
+            </a:r>
+            <a:r>
+              <a:rPr lang="ko-KR" altLang="en-US"/>
+              <a:t>개</a:t>
+            </a:r>
+            <a:r>
+              <a:rPr lang="en-US" altLang="ko-KR"/>
+              <a:t>,</a:t>
+            </a:r>
+            <a:r>
+              <a:rPr lang="ko-KR" altLang="en-US"/>
+              <a:t> 슬롯 개수 </a:t>
+            </a:r>
+            <a:r>
+              <a:rPr lang="en-US" altLang="ko-KR"/>
+              <a:t>4</a:t>
+            </a:r>
+            <a:r>
+              <a:rPr lang="ko-KR" altLang="en-US"/>
+              <a:t>개로 설정하였을때를 예시로 표현하였습니다</a:t>
+            </a:r>
+            <a:r>
+              <a:rPr lang="en-US" altLang="ko-KR"/>
+              <a:t>.</a:t>
+            </a:r>
+            <a:endParaRPr lang="en-US" altLang="ko-KR"/>
+          </a:p>
+          <a:p>
+            <a:pPr>
+              <a:defRPr/>
+            </a:pPr>
+            <a:endParaRPr lang="en-US" altLang="ko-KR"/>
+          </a:p>
+          <a:p>
+            <a:pPr>
+              <a:defRPr/>
+            </a:pPr>
+            <a:r>
+              <a:rPr lang="ko-KR" altLang="en-US"/>
+              <a:t>보시는 것과 같이 </a:t>
+            </a:r>
+            <a:r>
+              <a:rPr lang="en-US" altLang="ko-KR"/>
+              <a:t>Central Control</a:t>
+            </a:r>
+            <a:r>
+              <a:rPr lang="ko-KR" altLang="en-US"/>
+              <a:t>은 프로그램 종료시 까지 작동되면 다른 스레드를 순차적으로 동작시키는 역할을 하는 것을 보실 수 있습니다</a:t>
+            </a:r>
+            <a:r>
+              <a:rPr lang="en-US" altLang="ko-KR"/>
+              <a:t>.</a:t>
+            </a:r>
+            <a:endParaRPr lang="en-US" altLang="ko-KR"/>
+          </a:p>
+          <a:p>
+            <a:pPr>
+              <a:defRPr/>
+            </a:pPr>
+            <a:endParaRPr lang="en-US" altLang="ko-KR"/>
+          </a:p>
+          <a:p>
+            <a:pPr>
+              <a:defRPr/>
+            </a:pPr>
+            <a:r>
+              <a:rPr lang="ko-KR" altLang="en-US"/>
+              <a:t>그와 동시에 </a:t>
+            </a:r>
+            <a:r>
+              <a:rPr lang="en-US" altLang="ko-KR"/>
+              <a:t>Time</a:t>
+            </a:r>
+            <a:r>
+              <a:rPr lang="ko-KR" altLang="en-US"/>
+              <a:t> 스레드도 동작하면서 </a:t>
+            </a:r>
+            <a:r>
+              <a:rPr lang="en-US" altLang="ko-KR"/>
+              <a:t>Simulator</a:t>
+            </a:r>
+            <a:r>
+              <a:rPr lang="ko-KR" altLang="en-US"/>
+              <a:t>의 동작시간을 측정하여 </a:t>
+            </a:r>
+            <a:r>
+              <a:rPr lang="en-US" altLang="ko-KR"/>
+              <a:t>Wafer</a:t>
+            </a:r>
+            <a:r>
+              <a:rPr lang="ko-KR" altLang="en-US"/>
+              <a:t>의</a:t>
+            </a:r>
+            <a:r>
+              <a:rPr lang="en-US" altLang="ko-KR"/>
+              <a:t> </a:t>
+            </a:r>
+            <a:r>
+              <a:rPr lang="ko-KR" altLang="en-US"/>
+              <a:t>출력과 </a:t>
+            </a:r>
+            <a:r>
+              <a:rPr lang="en-US" altLang="ko-KR"/>
+              <a:t>Throughtput</a:t>
+            </a:r>
+            <a:r>
+              <a:rPr lang="ko-KR" altLang="en-US"/>
+              <a:t>을 계산하는데 이바지 합니다</a:t>
+            </a:r>
+            <a:r>
+              <a:rPr lang="en-US" altLang="ko-KR"/>
+              <a:t>.</a:t>
+            </a:r>
+            <a:endParaRPr lang="en-US" altLang="ko-KR"/>
+          </a:p>
+          <a:p>
+            <a:pPr>
+              <a:defRPr/>
+            </a:pPr>
+            <a:endParaRPr lang="en-US" altLang="ko-KR"/>
+          </a:p>
+          <a:p>
+            <a:pPr>
+              <a:defRPr/>
+            </a:pPr>
+            <a:r>
+              <a:rPr lang="ko-KR" altLang="en-US"/>
+              <a:t>또한</a:t>
+            </a:r>
+            <a:r>
+              <a:rPr lang="en-US" altLang="ko-KR"/>
+              <a:t>,</a:t>
+            </a:r>
+            <a:r>
+              <a:rPr lang="ko-KR" altLang="en-US"/>
+              <a:t> 스레드는 단일 스레드로 동작이 되는 것이 아닌 멀티스레드로 동작이 되어야 합니다</a:t>
+            </a:r>
+            <a:r>
+              <a:rPr lang="en-US" altLang="ko-KR"/>
+              <a:t>.</a:t>
+            </a:r>
+            <a:r>
+              <a:rPr lang="ko-KR" altLang="en-US"/>
+              <a:t> </a:t>
+            </a:r>
+            <a:endParaRPr lang="ko-KR" altLang="en-US"/>
+          </a:p>
+          <a:p>
+            <a:pPr>
+              <a:defRPr/>
+            </a:pPr>
+            <a:endParaRPr lang="ko-KR" altLang="en-US"/>
+          </a:p>
+          <a:p>
+            <a:pPr>
+              <a:defRPr/>
+            </a:pPr>
+            <a:r>
+              <a:rPr lang="ko-KR" altLang="en-US"/>
+              <a:t>해당 예시로 말하면 </a:t>
+            </a:r>
+            <a:r>
+              <a:rPr lang="en-US" altLang="ko-KR"/>
+              <a:t>LPM2LL</a:t>
+            </a:r>
+            <a:r>
+              <a:rPr lang="ko-KR" altLang="en-US"/>
+              <a:t>과 </a:t>
+            </a:r>
+            <a:r>
+              <a:rPr lang="en-US" altLang="ko-KR"/>
+              <a:t>LL2PM</a:t>
+            </a:r>
+            <a:r>
+              <a:rPr lang="ko-KR" altLang="en-US"/>
+              <a:t> 과정이 동시에 일어 나야 된다는 건데 보시는 것과 같이 멀티스레드로 동작하시는 것을 볼 수 있습니다</a:t>
+            </a:r>
+            <a:r>
+              <a:rPr lang="en-US" altLang="ko-KR"/>
+              <a:t>.</a:t>
+            </a:r>
+            <a:endParaRPr lang="en-US" altLang="ko-KR"/>
+          </a:p>
+          <a:p>
+            <a:pPr>
+              <a:defRPr/>
+            </a:pPr>
+            <a:endParaRPr lang="en-US" altLang="ko-KR"/>
+          </a:p>
+          <a:p>
+            <a:pPr>
+              <a:defRPr/>
+            </a:pPr>
+            <a:r>
+              <a:rPr lang="ko-KR" altLang="en-US"/>
+              <a:t>좀 더 자세한 흐름은 시연을 통해 보여드리겠습니다</a:t>
+            </a:r>
+            <a:r>
+              <a:rPr lang="en-US" altLang="ko-KR"/>
+              <a:t>.</a:t>
+            </a:r>
+            <a:endParaRPr lang="en-US" altLang="ko-KR"/>
+          </a:p>
+          <a:p>
+            <a:pPr>
+              <a:defRPr/>
+            </a:pPr>
+            <a:endParaRPr lang="ko-KR" altLang="en-US"/>
+          </a:p>
+        </p:txBody>
+      </p:sp>
+      <p:sp>
+        <p:nvSpPr>
+          <p:cNvPr id="4" name="슬라이드 번호 개체 틀 6"/>
+          <p:cNvSpPr>
+            <a:spLocks noGrp="1"/>
+          </p:cNvSpPr>
+          <p:nvPr>
+            <p:ph type="sldNum" sz="quarter" idx="5"/>
+          </p:nvPr>
+        </p:nvSpPr>
+        <p:spPr/>
+        <p:txBody>
+          <a:bodyPr/>
+          <a:lstStyle/>
+          <a:p>
+            <a:pPr lvl="0">
+              <a:defRPr/>
+            </a:pPr>
+            <a:fld id="{09F4262C-968C-4EE9-8164-CE16364706B3}" type="slidenum">
+              <a:rPr lang="en-US" altLang="en-US"/>
+              <a:pPr lvl="0">
+                <a:defRPr/>
+              </a:pPr>
+              <a:t>7</a:t>
+            </a:fld>
+            <a:endParaRPr lang="en-US" altLang="en-US"/>
+          </a:p>
+        </p:txBody>
+      </p:sp>
+    </p:spTree>
+  </p:cSld>
+  <p:clrMapOvr>
+    <a:masterClrMapping/>
+  </p:clrMapOvr>
+</p:notes>
+</file>
+
+<file path=ppt/notesSlides/notesSlide8.xml><?xml version="1.0" encoding="utf-8"?>
 <p:notes xmlns:r="http://schemas.openxmlformats.org/officeDocument/2006/relationships" xmlns:c="http://schemas.openxmlformats.org/drawingml/2006/chart" xmlns:a="http://schemas.openxmlformats.org/drawingml/2006/main" xmlns:dgm="http://schemas.openxmlformats.org/drawingml/2006/diagram" xmlns:dsp="http://schemas.microsoft.com/office/drawing/2008/diagram" xmlns:p="http://schemas.openxmlformats.org/presentationml/2006/main">
   <p:cSld>
     <p:spTree>
@@ -4628,366 +5380,6 @@
 </p:notes>
 </file>
 
-<file path=ppt/notesSlides/notesSlide8.xml><?xml version="1.0" encoding="utf-8"?>
-<p:notes xmlns:r="http://schemas.openxmlformats.org/officeDocument/2006/relationships" xmlns:c="http://schemas.openxmlformats.org/drawingml/2006/chart" xmlns:a="http://schemas.openxmlformats.org/drawingml/2006/main" xmlns:dgm="http://schemas.openxmlformats.org/drawingml/2006/diagram" xmlns:dsp="http://schemas.microsoft.com/office/drawing/2008/diagram" xmlns:p="http://schemas.openxmlformats.org/presentationml/2006/main">
-  <p:cSld>
-    <p:spTree>
-      <p:nvGrpSpPr>
-        <p:cNvPr id="1" name=""/>
-        <p:cNvGrpSpPr/>
-        <p:nvPr/>
-      </p:nvGrpSpPr>
-      <p:grpSpPr>
-        <a:xfrm>
-          <a:off x="0" y="0"/>
-          <a:ext cx="0" cy="0"/>
-          <a:chOff x="0" y="0"/>
-          <a:chExt cx="0" cy="0"/>
-        </a:xfrm>
-      </p:grpSpPr>
-      <p:sp>
-        <p:nvSpPr>
-          <p:cNvPr id="2" name="슬라이드 이미지 개체 틀 3"/>
-          <p:cNvSpPr>
-            <a:spLocks noGrp="1" noRot="1" noChangeAspect="1" noTextEdit="1"/>
-          </p:cNvSpPr>
-          <p:nvPr>
-            <p:ph type="sldImg" idx="2"/>
-          </p:nvPr>
-        </p:nvSpPr>
-        <p:spPr/>
-        <p:txBody>
-          <a:bodyPr/>
-          <a:lstStyle/>
-          <a:p>
-            <a:pPr>
-              <a:defRPr/>
-            </a:pPr>
-            <a:endParaRPr lang="en-US" altLang="ko-KR"/>
-          </a:p>
-        </p:txBody>
-      </p:sp>
-      <p:sp>
-        <p:nvSpPr>
-          <p:cNvPr id="3" name="슬라이드 노트 개체 틀 4"/>
-          <p:cNvSpPr>
-            <a:spLocks noGrp="1"/>
-          </p:cNvSpPr>
-          <p:nvPr>
-            <p:ph type="body" sz="quarter" idx="3"/>
-          </p:nvPr>
-        </p:nvSpPr>
-        <p:spPr/>
-        <p:txBody>
-          <a:bodyPr/>
-          <a:lstStyle/>
-          <a:p>
-            <a:pPr>
-              <a:lnSpc>
-                <a:spcPct val="160000"/>
-              </a:lnSpc>
-              <a:spcBef>
-                <a:spcPts val="0"/>
-              </a:spcBef>
-              <a:spcAft>
-                <a:spcPts val="0"/>
-              </a:spcAft>
-              <a:defRPr/>
-            </a:pPr>
-            <a:r>
-              <a:rPr xmlns:mc="http://schemas.openxmlformats.org/markup-compatibility/2006" xmlns:hp="http://schemas.haansoft.com/office/presentation/8.0" b="0" i="0" u="none" strike="noStrike" mc:Ignorable="hp" hp:hslEmbossed="0">
-                <a:solidFill>
-                  <a:srgbClr val="000000"/>
-                </a:solidFill>
-                <a:latin typeface="돋움"/>
-                <a:ea typeface="돋움"/>
-                <a:cs typeface="돋움"/>
-              </a:rPr>
-              <a:t>우선 최상단에 보시면 타이머가 </a:t>
-            </a:r>
-            <a:r>
-              <a:rPr xmlns:mc="http://schemas.openxmlformats.org/markup-compatibility/2006" xmlns:hp="http://schemas.haansoft.com/office/presentation/8.0" lang="EN-US" b="0" i="0" u="none" strike="noStrike" mc:Ignorable="hp" hp:hslEmbossed="0">
-                <a:solidFill>
-                  <a:srgbClr val="000000"/>
-                </a:solidFill>
-                <a:latin typeface="돋움"/>
-                <a:ea typeface="돋움"/>
-                <a:cs typeface="돋움"/>
-              </a:rPr>
-              <a:t>2</a:t>
-            </a:r>
-            <a:r>
-              <a:rPr xmlns:mc="http://schemas.openxmlformats.org/markup-compatibility/2006" xmlns:hp="http://schemas.haansoft.com/office/presentation/8.0" b="0" i="0" u="none" strike="noStrike" mc:Ignorable="hp" hp:hslEmbossed="0">
-                <a:solidFill>
-                  <a:srgbClr val="000000"/>
-                </a:solidFill>
-                <a:latin typeface="돋움"/>
-                <a:ea typeface="돋움"/>
-                <a:cs typeface="돋움"/>
-              </a:rPr>
-              <a:t>가지가 있습니다</a:t>
-            </a:r>
-            <a:r>
-              <a:rPr xmlns:mc="http://schemas.openxmlformats.org/markup-compatibility/2006" xmlns:hp="http://schemas.haansoft.com/office/presentation/8.0" lang="EN-US" b="0" i="0" u="none" strike="noStrike" mc:Ignorable="hp" hp:hslEmbossed="0">
-                <a:solidFill>
-                  <a:srgbClr val="000000"/>
-                </a:solidFill>
-                <a:latin typeface="돋움"/>
-                <a:ea typeface="돋움"/>
-                <a:cs typeface="돋움"/>
-              </a:rPr>
-              <a:t>.</a:t>
-            </a:r>
-            <a:endParaRPr xmlns:mc="http://schemas.openxmlformats.org/markup-compatibility/2006" xmlns:hp="http://schemas.haansoft.com/office/presentation/8.0" lang="EN-US" b="0" i="0" u="none" strike="noStrike" mc:Ignorable="hp" hp:hslEmbossed="0">
-              <a:solidFill>
-                <a:srgbClr val="000000"/>
-              </a:solidFill>
-              <a:latin typeface="돋움"/>
-              <a:ea typeface="돋움"/>
-              <a:cs typeface="돋움"/>
-            </a:endParaRPr>
-          </a:p>
-          <a:p>
-            <a:pPr>
-              <a:lnSpc>
-                <a:spcPct val="160000"/>
-              </a:lnSpc>
-              <a:spcBef>
-                <a:spcPts val="0"/>
-              </a:spcBef>
-              <a:spcAft>
-                <a:spcPts val="0"/>
-              </a:spcAft>
-              <a:defRPr/>
-            </a:pPr>
-            <a:r>
-              <a:rPr xmlns:mc="http://schemas.openxmlformats.org/markup-compatibility/2006" xmlns:hp="http://schemas.haansoft.com/office/presentation/8.0" b="0" i="0" u="none" strike="noStrike" mc:Ignorable="hp" hp:hslEmbossed="0">
-                <a:solidFill>
-                  <a:srgbClr val="000000"/>
-                </a:solidFill>
-                <a:latin typeface="돋움"/>
-                <a:ea typeface="돋움"/>
-                <a:cs typeface="돋움"/>
-              </a:rPr>
-              <a:t>각각 </a:t>
-            </a:r>
-            <a:r>
-              <a:rPr xmlns:mc="http://schemas.openxmlformats.org/markup-compatibility/2006" xmlns:hp="http://schemas.haansoft.com/office/presentation/8.0" lang="EN-US" b="0" i="0" u="none" strike="noStrike" mc:Ignorable="hp" hp:hslEmbossed="0">
-                <a:solidFill>
-                  <a:srgbClr val="000000"/>
-                </a:solidFill>
-                <a:latin typeface="돋움"/>
-                <a:ea typeface="돋움"/>
-                <a:cs typeface="돋움"/>
-              </a:rPr>
-              <a:t>Total Time </a:t>
-            </a:r>
-            <a:r>
-              <a:rPr xmlns:mc="http://schemas.openxmlformats.org/markup-compatibility/2006" xmlns:hp="http://schemas.haansoft.com/office/presentation/8.0" b="0" i="0" u="none" strike="noStrike" mc:Ignorable="hp" hp:hslEmbossed="0">
-                <a:solidFill>
-                  <a:srgbClr val="000000"/>
-                </a:solidFill>
-                <a:latin typeface="돋움"/>
-                <a:ea typeface="돋움"/>
-                <a:cs typeface="돋움"/>
-              </a:rPr>
-              <a:t>과 </a:t>
-            </a:r>
-            <a:r>
-              <a:rPr xmlns:mc="http://schemas.openxmlformats.org/markup-compatibility/2006" xmlns:hp="http://schemas.haansoft.com/office/presentation/8.0" lang="EN-US" b="0" i="0" u="none" strike="noStrike" mc:Ignorable="hp" hp:hslEmbossed="0">
-                <a:solidFill>
-                  <a:srgbClr val="000000"/>
-                </a:solidFill>
-                <a:latin typeface="돋움"/>
-                <a:ea typeface="돋움"/>
-                <a:cs typeface="돋움"/>
-              </a:rPr>
-              <a:t>Cleanning Time </a:t>
-            </a:r>
-            <a:r>
-              <a:rPr xmlns:mc="http://schemas.openxmlformats.org/markup-compatibility/2006" xmlns:hp="http://schemas.haansoft.com/office/presentation/8.0" b="0" i="0" u="none" strike="noStrike" mc:Ignorable="hp" hp:hslEmbossed="0">
-                <a:solidFill>
-                  <a:srgbClr val="000000"/>
-                </a:solidFill>
-                <a:latin typeface="돋움"/>
-                <a:ea typeface="돋움"/>
-                <a:cs typeface="돋움"/>
-              </a:rPr>
-              <a:t>으로 구성되어 있으며</a:t>
-            </a:r>
-            <a:endParaRPr xmlns:mc="http://schemas.openxmlformats.org/markup-compatibility/2006" xmlns:hp="http://schemas.haansoft.com/office/presentation/8.0" b="0" i="0" u="none" strike="noStrike" mc:Ignorable="hp" hp:hslEmbossed="0">
-              <a:solidFill>
-                <a:srgbClr val="000000"/>
-              </a:solidFill>
-              <a:latin typeface="돋움"/>
-              <a:ea typeface="돋움"/>
-              <a:cs typeface="돋움"/>
-            </a:endParaRPr>
-          </a:p>
-          <a:p>
-            <a:pPr>
-              <a:lnSpc>
-                <a:spcPct val="160000"/>
-              </a:lnSpc>
-              <a:spcBef>
-                <a:spcPts val="0"/>
-              </a:spcBef>
-              <a:spcAft>
-                <a:spcPts val="0"/>
-              </a:spcAft>
-              <a:defRPr/>
-            </a:pPr>
-            <a:r>
-              <a:rPr xmlns:mc="http://schemas.openxmlformats.org/markup-compatibility/2006" xmlns:hp="http://schemas.haansoft.com/office/presentation/8.0" b="0" i="0" u="none" strike="noStrike" mc:Ignorable="hp" hp:hslEmbossed="0">
-                <a:solidFill>
-                  <a:srgbClr val="000000"/>
-                </a:solidFill>
-                <a:latin typeface="돋움"/>
-                <a:ea typeface="돋움"/>
-                <a:cs typeface="돋움"/>
-              </a:rPr>
-              <a:t>공정이 완료된 모든 웨이퍼를 </a:t>
-            </a:r>
-            <a:r>
-              <a:rPr xmlns:mc="http://schemas.openxmlformats.org/markup-compatibility/2006" xmlns:hp="http://schemas.haansoft.com/office/presentation/8.0" lang="EN-US" b="0" i="0" u="none" strike="noStrike" mc:Ignorable="hp" hp:hslEmbossed="0">
-                <a:solidFill>
-                  <a:srgbClr val="000000"/>
-                </a:solidFill>
-                <a:latin typeface="돋움"/>
-                <a:ea typeface="돋움"/>
-                <a:cs typeface="돋움"/>
-              </a:rPr>
-              <a:t>OUTPUT</a:t>
-            </a:r>
-            <a:r>
-              <a:rPr xmlns:mc="http://schemas.openxmlformats.org/markup-compatibility/2006" xmlns:hp="http://schemas.haansoft.com/office/presentation/8.0" b="0" i="0" u="none" strike="noStrike" mc:Ignorable="hp" hp:hslEmbossed="0">
-                <a:solidFill>
-                  <a:srgbClr val="000000"/>
-                </a:solidFill>
-                <a:latin typeface="돋움"/>
-                <a:ea typeface="돋움"/>
-                <a:cs typeface="돋움"/>
-              </a:rPr>
-              <a:t>에 표시하고 </a:t>
-            </a:r>
-            <a:endParaRPr xmlns:mc="http://schemas.openxmlformats.org/markup-compatibility/2006" xmlns:hp="http://schemas.haansoft.com/office/presentation/8.0" b="0" i="0" u="none" strike="noStrike" mc:Ignorable="hp" hp:hslEmbossed="0">
-              <a:solidFill>
-                <a:srgbClr val="000000"/>
-              </a:solidFill>
-              <a:latin typeface="돋움"/>
-              <a:ea typeface="돋움"/>
-              <a:cs typeface="돋움"/>
-            </a:endParaRPr>
-          </a:p>
-          <a:p>
-            <a:pPr>
-              <a:lnSpc>
-                <a:spcPct val="160000"/>
-              </a:lnSpc>
-              <a:spcBef>
-                <a:spcPts val="0"/>
-              </a:spcBef>
-              <a:spcAft>
-                <a:spcPts val="0"/>
-              </a:spcAft>
-              <a:defRPr/>
-            </a:pPr>
-            <a:r>
-              <a:rPr xmlns:mc="http://schemas.openxmlformats.org/markup-compatibility/2006" xmlns:hp="http://schemas.haansoft.com/office/presentation/8.0" lang="EN-US" b="0" i="0" u="none" strike="noStrike" mc:Ignorable="hp" hp:hslEmbossed="0">
-                <a:solidFill>
-                  <a:srgbClr val="000000"/>
-                </a:solidFill>
-                <a:latin typeface="돋움"/>
-                <a:ea typeface="돋움"/>
-                <a:cs typeface="돋움"/>
-              </a:rPr>
-              <a:t>1</a:t>
-            </a:r>
-            <a:r>
-              <a:rPr xmlns:mc="http://schemas.openxmlformats.org/markup-compatibility/2006" xmlns:hp="http://schemas.haansoft.com/office/presentation/8.0" b="0" i="0" u="none" strike="noStrike" mc:Ignorable="hp" hp:hslEmbossed="0">
-                <a:solidFill>
-                  <a:srgbClr val="000000"/>
-                </a:solidFill>
-                <a:latin typeface="돋움"/>
-                <a:ea typeface="돋움"/>
-                <a:cs typeface="돋움"/>
-              </a:rPr>
-              <a:t>시간당 공정한 웨이퍼 평균을 구해 </a:t>
-            </a:r>
-            <a:r>
-              <a:rPr xmlns:mc="http://schemas.openxmlformats.org/markup-compatibility/2006" xmlns:hp="http://schemas.haansoft.com/office/presentation/8.0" lang="EN-US" b="0" i="0" u="none" strike="noStrike" mc:Ignorable="hp" hp:hslEmbossed="0">
-                <a:solidFill>
-                  <a:srgbClr val="000000"/>
-                </a:solidFill>
-                <a:latin typeface="돋움"/>
-                <a:ea typeface="돋움"/>
-                <a:cs typeface="돋움"/>
-              </a:rPr>
-              <a:t>THROUGHTPUT </a:t>
-            </a:r>
-            <a:r>
-              <a:rPr xmlns:mc="http://schemas.openxmlformats.org/markup-compatibility/2006" xmlns:hp="http://schemas.haansoft.com/office/presentation/8.0" b="0" i="0" u="none" strike="noStrike" mc:Ignorable="hp" hp:hslEmbossed="0">
-                <a:solidFill>
-                  <a:srgbClr val="000000"/>
-                </a:solidFill>
-                <a:latin typeface="돋움"/>
-                <a:ea typeface="돋움"/>
-                <a:cs typeface="돋움"/>
-              </a:rPr>
-              <a:t>에 표시했습니다</a:t>
-            </a:r>
-            <a:r>
-              <a:rPr xmlns:mc="http://schemas.openxmlformats.org/markup-compatibility/2006" xmlns:hp="http://schemas.haansoft.com/office/presentation/8.0" lang="EN-US" b="0" i="0" u="none" strike="noStrike" mc:Ignorable="hp" hp:hslEmbossed="0">
-                <a:solidFill>
-                  <a:srgbClr val="000000"/>
-                </a:solidFill>
-                <a:latin typeface="돋움"/>
-                <a:ea typeface="돋움"/>
-                <a:cs typeface="돋움"/>
-              </a:rPr>
-              <a:t>.</a:t>
-            </a:r>
-            <a:endParaRPr lang="ko-KR" altLang="en-US"/>
-          </a:p>
-        </p:txBody>
-      </p:sp>
-      <p:sp>
-        <p:nvSpPr>
-          <p:cNvPr id="4" name="슬라이드 번호 개체 틀 6"/>
-          <p:cNvSpPr>
-            <a:spLocks noGrp="1"/>
-          </p:cNvSpPr>
-          <p:nvPr>
-            <p:ph type="sldNum" sz="quarter" idx="5"/>
-          </p:nvPr>
-        </p:nvSpPr>
-        <p:spPr/>
-        <p:txBody>
-          <a:bodyPr/>
-          <a:lstStyle/>
-          <a:p>
-            <a:pPr lvl="0">
-              <a:defRPr/>
-            </a:pPr>
-            <a:fld id="{09F4262C-968C-4EE9-8164-CE16364706B3}" type="slidenum">
-              <a:rPr lang="en-US" altLang="en-US"/>
-              <a:pPr lvl="0">
-                <a:defRPr/>
-              </a:pPr>
-              <a:t>9</a:t>
-            </a:fld>
-            <a:endParaRPr lang="en-US" altLang="en-US"/>
-          </a:p>
-        </p:txBody>
-      </p:sp>
-    </p:spTree>
-  </p:cSld>
-  <p:clrMapOvr>
-    <a:masterClrMapping/>
-  </p:clrMapOvr>
-</p:notes>
-</file>
-
 <file path=ppt/notesSlides/notesSlide9.xml><?xml version="1.0" encoding="utf-8"?>
 <p:notes xmlns:r="http://schemas.openxmlformats.org/officeDocument/2006/relationships" xmlns:c="http://schemas.openxmlformats.org/drawingml/2006/chart" xmlns:a="http://schemas.openxmlformats.org/drawingml/2006/main" xmlns:dgm="http://schemas.openxmlformats.org/drawingml/2006/diagram" xmlns:dsp="http://schemas.microsoft.com/office/drawing/2008/diagram" xmlns:p="http://schemas.openxmlformats.org/presentationml/2006/main">
   <p:cSld>
@@ -5063,7 +5455,7 @@
                 <a:ea typeface="돋움"/>
                 <a:cs typeface="돋움"/>
               </a:rPr>
-              <a:t>다음</a:t>
+              <a:t>우선 최상단에 보시면 타이머가 </a:t>
             </a:r>
             <a:r>
               <a:rPr xmlns:mc="http://schemas.openxmlformats.org/markup-compatibility/2006" xmlns:hp="http://schemas.haansoft.com/office/presentation/8.0" lang="EN-US" b="0" i="0" u="none" strike="noStrike" mc:Ignorable="hp" hp:hslEmbossed="0">
@@ -5074,7 +5466,7 @@
                 <a:ea typeface="돋움"/>
                 <a:cs typeface="돋움"/>
               </a:rPr>
-              <a:t>UI</a:t>
+              <a:t>2</a:t>
             </a:r>
             <a:r>
               <a:rPr xmlns:mc="http://schemas.openxmlformats.org/markup-compatibility/2006" xmlns:hp="http://schemas.haansoft.com/office/presentation/8.0" b="0" i="0" u="none" strike="noStrike" mc:Ignorable="hp" hp:hslEmbossed="0">
@@ -5085,7 +5477,7 @@
                 <a:ea typeface="돋움"/>
                 <a:cs typeface="돋움"/>
               </a:rPr>
-              <a:t>는 </a:t>
+              <a:t>가지가 있습니다</a:t>
             </a:r>
             <a:r>
               <a:rPr xmlns:mc="http://schemas.openxmlformats.org/markup-compatibility/2006" xmlns:hp="http://schemas.haansoft.com/office/presentation/8.0" lang="EN-US" b="0" i="0" u="none" strike="noStrike" mc:Ignorable="hp" hp:hslEmbossed="0">
@@ -5096,108 +5488,9 @@
                 <a:ea typeface="돋움"/>
                 <a:cs typeface="돋움"/>
               </a:rPr>
-              <a:t>LPM</a:t>
-            </a:r>
-            <a:r>
-              <a:rPr xmlns:mc="http://schemas.openxmlformats.org/markup-compatibility/2006" xmlns:hp="http://schemas.haansoft.com/office/presentation/8.0" b="0" i="0" u="none" strike="noStrike" mc:Ignorable="hp" hp:hslEmbossed="0">
-                <a:solidFill>
-                  <a:srgbClr val="000000"/>
-                </a:solidFill>
-                <a:latin typeface="돋움"/>
-                <a:ea typeface="돋움"/>
-                <a:cs typeface="돋움"/>
-              </a:rPr>
-              <a:t>과 </a:t>
-            </a:r>
-            <a:r>
-              <a:rPr xmlns:mc="http://schemas.openxmlformats.org/markup-compatibility/2006" xmlns:hp="http://schemas.haansoft.com/office/presentation/8.0" lang="EN-US" b="0" i="0" u="none" strike="noStrike" mc:Ignorable="hp" hp:hslEmbossed="0">
-                <a:solidFill>
-                  <a:srgbClr val="000000"/>
-                </a:solidFill>
-                <a:latin typeface="돋움"/>
-                <a:ea typeface="돋움"/>
-                <a:cs typeface="돋움"/>
-              </a:rPr>
-              <a:t>Load Lock</a:t>
-            </a:r>
-            <a:r>
-              <a:rPr xmlns:mc="http://schemas.openxmlformats.org/markup-compatibility/2006" xmlns:hp="http://schemas.haansoft.com/office/presentation/8.0" b="0" i="0" u="none" strike="noStrike" mc:Ignorable="hp" hp:hslEmbossed="0">
-                <a:solidFill>
-                  <a:srgbClr val="000000"/>
-                </a:solidFill>
-                <a:latin typeface="돋움"/>
-                <a:ea typeface="돋움"/>
-                <a:cs typeface="돋움"/>
-              </a:rPr>
-              <a:t>을 표현한 </a:t>
-            </a:r>
-            <a:r>
-              <a:rPr xmlns:mc="http://schemas.openxmlformats.org/markup-compatibility/2006" xmlns:hp="http://schemas.haansoft.com/office/presentation/8.0" lang="EN-US" b="0" i="0" u="none" strike="noStrike" mc:Ignorable="hp" hp:hslEmbossed="0">
-                <a:solidFill>
-                  <a:srgbClr val="000000"/>
-                </a:solidFill>
-                <a:latin typeface="돋움"/>
-                <a:ea typeface="돋움"/>
-                <a:cs typeface="돋움"/>
-              </a:rPr>
-              <a:t>GDI </a:t>
-            </a:r>
-            <a:r>
-              <a:rPr xmlns:mc="http://schemas.openxmlformats.org/markup-compatibility/2006" xmlns:hp="http://schemas.haansoft.com/office/presentation/8.0" b="0" i="0" u="none" strike="noStrike" mc:Ignorable="hp" hp:hslEmbossed="0">
-                <a:solidFill>
-                  <a:srgbClr val="000000"/>
-                </a:solidFill>
-                <a:latin typeface="돋움"/>
-                <a:ea typeface="돋움"/>
-                <a:cs typeface="돋움"/>
-              </a:rPr>
-              <a:t>입니다</a:t>
-            </a:r>
-            <a:r>
-              <a:rPr xmlns:mc="http://schemas.openxmlformats.org/markup-compatibility/2006" xmlns:hp="http://schemas.haansoft.com/office/presentation/8.0" lang="EN-US" b="0" i="0" u="none" strike="noStrike" mc:Ignorable="hp" hp:hslEmbossed="0">
-                <a:solidFill>
-                  <a:srgbClr val="000000"/>
-                </a:solidFill>
-                <a:latin typeface="돋움"/>
-                <a:ea typeface="돋움"/>
-                <a:cs typeface="돋움"/>
-              </a:rPr>
-              <a:t>. </a:t>
-            </a:r>
-            <a:r>
-              <a:rPr xmlns:mc="http://schemas.openxmlformats.org/markup-compatibility/2006" xmlns:hp="http://schemas.haansoft.com/office/presentation/8.0" b="0" i="0" u="none" strike="noStrike" mc:Ignorable="hp" hp:hslEmbossed="0">
-                <a:solidFill>
-                  <a:srgbClr val="000000"/>
-                </a:solidFill>
-                <a:latin typeface="돋움"/>
-                <a:ea typeface="돋움"/>
-                <a:cs typeface="돋움"/>
-              </a:rPr>
-              <a:t>웨이퍼를 우선 공정 전</a:t>
-            </a:r>
-            <a:r>
-              <a:rPr xmlns:mc="http://schemas.openxmlformats.org/markup-compatibility/2006" xmlns:hp="http://schemas.haansoft.com/office/presentation/8.0" lang="EN-US" b="0" i="0" u="none" strike="noStrike" mc:Ignorable="hp" hp:hslEmbossed="0">
-                <a:solidFill>
-                  <a:srgbClr val="000000"/>
-                </a:solidFill>
-                <a:latin typeface="돋움"/>
-                <a:ea typeface="돋움"/>
-                <a:cs typeface="돋움"/>
-              </a:rPr>
-              <a:t>/</a:t>
-            </a:r>
-            <a:r>
-              <a:rPr xmlns:mc="http://schemas.openxmlformats.org/markup-compatibility/2006" xmlns:hp="http://schemas.haansoft.com/office/presentation/8.0" b="0" i="0" u="none" strike="noStrike" mc:Ignorable="hp" hp:hslEmbossed="0">
-                <a:solidFill>
-                  <a:srgbClr val="000000"/>
-                </a:solidFill>
-                <a:latin typeface="돋움"/>
-                <a:ea typeface="돋움"/>
-                <a:cs typeface="돋움"/>
-              </a:rPr>
-              <a:t>후 로 구분짓기 위해 색깔을 구분지었으며 </a:t>
-            </a:r>
-            <a:endParaRPr xmlns:mc="http://schemas.openxmlformats.org/markup-compatibility/2006" xmlns:hp="http://schemas.haansoft.com/office/presentation/8.0" b="0" i="0" u="none" strike="noStrike" mc:Ignorable="hp" hp:hslEmbossed="0">
+              <a:t>.</a:t>
+            </a:r>
+            <a:endParaRPr xmlns:mc="http://schemas.openxmlformats.org/markup-compatibility/2006" xmlns:hp="http://schemas.haansoft.com/office/presentation/8.0" lang="EN-US" b="0" i="0" u="none" strike="noStrike" mc:Ignorable="hp" hp:hslEmbossed="0">
               <a:solidFill>
                 <a:srgbClr val="000000"/>
               </a:solidFill>
@@ -5228,7 +5521,7 @@
                 <a:ea typeface="돋움"/>
                 <a:cs typeface="돋움"/>
               </a:rPr>
-              <a:t>현재 웨이퍼가 들어있는 개수와 최대 들어갈수 있는 크기 및 웨이퍼의 공정 상태까지 한번에 알수있게 만들었습니다</a:t>
+              <a:t>각각 </a:t>
             </a:r>
             <a:r>
               <a:rPr xmlns:mc="http://schemas.openxmlformats.org/markup-compatibility/2006" xmlns:hp="http://schemas.haansoft.com/office/presentation/8.0" lang="EN-US" b="0" i="0" u="none" strike="noStrike" mc:Ignorable="hp" hp:hslEmbossed="0">
@@ -5239,9 +5532,42 @@
                 <a:ea typeface="돋움"/>
                 <a:cs typeface="돋움"/>
               </a:rPr>
-              <a:t>.</a:t>
-            </a:r>
-            <a:endParaRPr xmlns:mc="http://schemas.openxmlformats.org/markup-compatibility/2006" xmlns:hp="http://schemas.haansoft.com/office/presentation/8.0" lang="EN-US" b="0" i="0" u="none" strike="noStrike" mc:Ignorable="hp" hp:hslEmbossed="0">
+              <a:t>Total Time </a:t>
+            </a:r>
+            <a:r>
+              <a:rPr xmlns:mc="http://schemas.openxmlformats.org/markup-compatibility/2006" xmlns:hp="http://schemas.haansoft.com/office/presentation/8.0" b="0" i="0" u="none" strike="noStrike" mc:Ignorable="hp" hp:hslEmbossed="0">
+                <a:solidFill>
+                  <a:srgbClr val="000000"/>
+                </a:solidFill>
+                <a:latin typeface="돋움"/>
+                <a:ea typeface="돋움"/>
+                <a:cs typeface="돋움"/>
+              </a:rPr>
+              <a:t>과 </a:t>
+            </a:r>
+            <a:r>
+              <a:rPr xmlns:mc="http://schemas.openxmlformats.org/markup-compatibility/2006" xmlns:hp="http://schemas.haansoft.com/office/presentation/8.0" lang="EN-US" b="0" i="0" u="none" strike="noStrike" mc:Ignorable="hp" hp:hslEmbossed="0">
+                <a:solidFill>
+                  <a:srgbClr val="000000"/>
+                </a:solidFill>
+                <a:latin typeface="돋움"/>
+                <a:ea typeface="돋움"/>
+                <a:cs typeface="돋움"/>
+              </a:rPr>
+              <a:t>Cleanning Time </a:t>
+            </a:r>
+            <a:r>
+              <a:rPr xmlns:mc="http://schemas.openxmlformats.org/markup-compatibility/2006" xmlns:hp="http://schemas.haansoft.com/office/presentation/8.0" b="0" i="0" u="none" strike="noStrike" mc:Ignorable="hp" hp:hslEmbossed="0">
+                <a:solidFill>
+                  <a:srgbClr val="000000"/>
+                </a:solidFill>
+                <a:latin typeface="돋움"/>
+                <a:ea typeface="돋움"/>
+                <a:cs typeface="돋움"/>
+              </a:rPr>
+              <a:t>으로 구성되어 있으며</a:t>
+            </a:r>
+            <a:endParaRPr xmlns:mc="http://schemas.openxmlformats.org/markup-compatibility/2006" xmlns:hp="http://schemas.haansoft.com/office/presentation/8.0" b="0" i="0" u="none" strike="noStrike" mc:Ignorable="hp" hp:hslEmbossed="0">
               <a:solidFill>
                 <a:srgbClr val="000000"/>
               </a:solidFill>
@@ -5272,7 +5598,7 @@
                 <a:ea typeface="돋움"/>
                 <a:cs typeface="돋움"/>
               </a:rPr>
-              <a:t>또한 </a:t>
+              <a:t>공정이 완료된 모든 웨이퍼를 </a:t>
             </a:r>
             <a:r>
               <a:rPr xmlns:mc="http://schemas.openxmlformats.org/markup-compatibility/2006" xmlns:hp="http://schemas.haansoft.com/office/presentation/8.0" lang="EN-US" b="0" i="0" u="none" strike="noStrike" mc:Ignorable="hp" hp:hslEmbossed="0">
@@ -5283,7 +5609,7 @@
                 <a:ea typeface="돋움"/>
                 <a:cs typeface="돋움"/>
               </a:rPr>
-              <a:t>Load Lock </a:t>
+              <a:t>OUTPUT</a:t>
             </a:r>
             <a:r>
               <a:rPr xmlns:mc="http://schemas.openxmlformats.org/markup-compatibility/2006" xmlns:hp="http://schemas.haansoft.com/office/presentation/8.0" b="0" i="0" u="none" strike="noStrike" mc:Ignorable="hp" hp:hslEmbossed="0">
@@ -5294,29 +5620,7 @@
                 <a:ea typeface="돋움"/>
                 <a:cs typeface="돋움"/>
               </a:rPr>
-              <a:t>이 수행하는 진공상태</a:t>
-            </a:r>
-            <a:r>
-              <a:rPr xmlns:mc="http://schemas.openxmlformats.org/markup-compatibility/2006" xmlns:hp="http://schemas.haansoft.com/office/presentation/8.0" lang="EN-US" b="0" i="0" u="none" strike="noStrike" mc:Ignorable="hp" hp:hslEmbossed="0">
-                <a:solidFill>
-                  <a:srgbClr val="000000"/>
-                </a:solidFill>
-                <a:latin typeface="돋움"/>
-                <a:ea typeface="돋움"/>
-                <a:cs typeface="돋움"/>
-              </a:rPr>
-              <a:t>/</a:t>
-            </a:r>
-            <a:r>
-              <a:rPr xmlns:mc="http://schemas.openxmlformats.org/markup-compatibility/2006" xmlns:hp="http://schemas.haansoft.com/office/presentation/8.0" b="0" i="0" u="none" strike="noStrike" mc:Ignorable="hp" hp:hslEmbossed="0">
-                <a:solidFill>
-                  <a:srgbClr val="000000"/>
-                </a:solidFill>
-                <a:latin typeface="돋움"/>
-                <a:ea typeface="돋움"/>
-                <a:cs typeface="돋움"/>
-              </a:rPr>
-              <a:t>대기상태 등을 프로그래스바 를 통해 알수있게 해놓았으며 </a:t>
+              <a:t>에 표시하고 </a:t>
             </a:r>
             <a:endParaRPr xmlns:mc="http://schemas.openxmlformats.org/markup-compatibility/2006" xmlns:hp="http://schemas.haansoft.com/office/presentation/8.0" b="0" i="0" u="none" strike="noStrike" mc:Ignorable="hp" hp:hslEmbossed="0">
               <a:solidFill>
@@ -5341,7 +5645,7 @@
               <a:defRPr/>
             </a:pPr>
             <a:r>
-              <a:rPr xmlns:mc="http://schemas.openxmlformats.org/markup-compatibility/2006" xmlns:hp="http://schemas.haansoft.com/office/presentation/8.0" b="0" i="0" u="none" strike="noStrike" mc:Ignorable="hp" hp:hslEmbossed="0">
+              <a:rPr xmlns:mc="http://schemas.openxmlformats.org/markup-compatibility/2006" xmlns:hp="http://schemas.haansoft.com/office/presentation/8.0" lang="EN-US" b="0" i="0" u="none" strike="noStrike" mc:Ignorable="hp" hp:hslEmbossed="0">
                 <a:solidFill>
                   <a:srgbClr val="000000"/>
                 </a:solidFill>
@@ -5349,10 +5653,10 @@
                 <a:ea typeface="돋움"/>
                 <a:cs typeface="돋움"/>
               </a:rPr>
-              <a:t>이로인해 </a:t>
-            </a:r>
-            <a:r>
-              <a:rPr xmlns:mc="http://schemas.openxmlformats.org/markup-compatibility/2006" xmlns:hp="http://schemas.haansoft.com/office/presentation/8.0" lang="EN-US" b="0" i="0" u="none" strike="noStrike" mc:Ignorable="hp" hp:hslEmbossed="0">
+              <a:t>1</a:t>
+            </a:r>
+            <a:r>
+              <a:rPr xmlns:mc="http://schemas.openxmlformats.org/markup-compatibility/2006" xmlns:hp="http://schemas.haansoft.com/office/presentation/8.0" b="0" i="0" u="none" strike="noStrike" mc:Ignorable="hp" hp:hslEmbossed="0">
                 <a:solidFill>
                   <a:srgbClr val="000000"/>
                 </a:solidFill>
@@ -5360,10 +5664,10 @@
                 <a:ea typeface="돋움"/>
                 <a:cs typeface="돋움"/>
               </a:rPr>
-              <a:t>Load Lock</a:t>
-            </a:r>
-            <a:r>
-              <a:rPr xmlns:mc="http://schemas.openxmlformats.org/markup-compatibility/2006" xmlns:hp="http://schemas.haansoft.com/office/presentation/8.0" b="0" i="0" u="none" strike="noStrike" mc:Ignorable="hp" hp:hslEmbossed="0">
+              <a:t>시간당 공정한 웨이퍼 평균을 구해 </a:t>
+            </a:r>
+            <a:r>
+              <a:rPr xmlns:mc="http://schemas.openxmlformats.org/markup-compatibility/2006" xmlns:hp="http://schemas.haansoft.com/office/presentation/8.0" lang="EN-US" b="0" i="0" u="none" strike="noStrike" mc:Ignorable="hp" hp:hslEmbossed="0">
                 <a:solidFill>
                   <a:srgbClr val="000000"/>
                 </a:solidFill>
@@ -5371,10 +5675,10 @@
                 <a:ea typeface="돋움"/>
                 <a:cs typeface="돋움"/>
               </a:rPr>
-              <a:t>이 현재 수행중인 작업과 갖고있는 웨이퍼의 상태 및 수량 등을 한번에 알 수 있습니다</a:t>
-            </a:r>
-            <a:r>
-              <a:rPr xmlns:mc="http://schemas.openxmlformats.org/markup-compatibility/2006" xmlns:hp="http://schemas.haansoft.com/office/presentation/8.0" lang="EN-US" b="0" i="0" u="none" strike="noStrike" mc:Ignorable="hp" hp:hslEmbossed="0">
+              <a:t>THROUGHTPUT </a:t>
+            </a:r>
+            <a:r>
+              <a:rPr xmlns:mc="http://schemas.openxmlformats.org/markup-compatibility/2006" xmlns:hp="http://schemas.haansoft.com/office/presentation/8.0" b="0" i="0" u="none" strike="noStrike" mc:Ignorable="hp" hp:hslEmbossed="0">
                 <a:solidFill>
                   <a:srgbClr val="000000"/>
                 </a:solidFill>
@@ -5382,32 +5686,10 @@
                 <a:ea typeface="돋움"/>
                 <a:cs typeface="돋움"/>
               </a:rPr>
-              <a:t>.</a:t>
-            </a:r>
-            <a:endParaRPr xmlns:mc="http://schemas.openxmlformats.org/markup-compatibility/2006" xmlns:hp="http://schemas.haansoft.com/office/presentation/8.0" lang="EN-US" b="0" i="0" u="none" strike="noStrike" mc:Ignorable="hp" hp:hslEmbossed="0">
-              <a:solidFill>
-                <a:srgbClr val="000000"/>
-              </a:solidFill>
-              <a:latin typeface="돋움"/>
-              <a:ea typeface="돋움"/>
-              <a:cs typeface="돋움"/>
-            </a:endParaRPr>
-          </a:p>
-          <a:p>
-            <a:pPr>
-              <a:lnSpc>
-                <a:spcPct val="160000"/>
-              </a:lnSpc>
-              <a:spcBef>
-                <a:spcPts val="0"/>
-              </a:spcBef>
-              <a:spcAft>
-                <a:spcPts val="0"/>
-              </a:spcAft>
-              <a:defRPr/>
-            </a:pPr>
-            <a:r>
-              <a:rPr xmlns:mc="http://schemas.openxmlformats.org/markup-compatibility/2006" xmlns:hp="http://schemas.haansoft.com/office/presentation/8.0" b="0" i="0" u="none" strike="noStrike" mc:Ignorable="hp" hp:hslEmbossed="0">
+              <a:t>에 표시했습니다</a:t>
+            </a:r>
+            <a:r>
+              <a:rPr xmlns:mc="http://schemas.openxmlformats.org/markup-compatibility/2006" xmlns:hp="http://schemas.haansoft.com/office/presentation/8.0" lang="EN-US" b="0" i="0" u="none" strike="noStrike" mc:Ignorable="hp" hp:hslEmbossed="0">
                 <a:solidFill>
                   <a:srgbClr val="000000"/>
                 </a:solidFill>
@@ -5415,9 +5697,9 @@
                 <a:ea typeface="돋움"/>
                 <a:cs typeface="돋움"/>
               </a:rPr>
-              <a:t>다음 페이지를 보시면</a:t>
-            </a:r>
-            <a:endParaRPr lang="en-US" altLang="ko-KR"/>
+              <a:t>.</a:t>
+            </a:r>
+            <a:endParaRPr lang="ko-KR" altLang="en-US"/>
           </a:p>
         </p:txBody>
       </p:sp>
@@ -5444,7 +5726,7 @@
               <a:pPr lvl="0">
                 <a:defRPr/>
               </a:pPr>
-              <a:t>10</a:t>
+              <a:t>9</a:t>
             </a:fld>
             <a:endParaRPr lang="en-US" altLang="en-US"/>
           </a:p>
@@ -8468,7 +8750,7 @@
         <p:spPr>
           <a:xfrm>
             <a:off x="945491" y="873008"/>
-            <a:ext cx="10301016" cy="1703034"/>
+            <a:ext cx="10301016" cy="1706362"/>
           </a:xfrm>
           <a:prstGeom prst="rect">
             <a:avLst/>
@@ -8495,7 +8777,7 @@
                 <a:latin typeface="+mn-ea"/>
                 <a:ea typeface="+mn-ea"/>
               </a:rPr>
-              <a:t>Fab Simulator Only Look Once</a:t>
+              <a:t>FAB Simulator Only Look Once</a:t>
             </a:r>
             <a:endParaRPr lang="en-US" altLang="ko-KR" sz="5300" b="1">
               <a:solidFill>
@@ -8517,7 +8799,7 @@
                 <a:latin typeface="+mn-ea"/>
                 <a:ea typeface="+mn-ea"/>
               </a:rPr>
-              <a:t>(Fab SOLO)</a:t>
+              <a:t>(FAB SOLO)</a:t>
             </a:r>
             <a:endParaRPr lang="en-US" altLang="ko-KR" sz="5300" b="1">
               <a:solidFill>
@@ -13665,7 +13947,7 @@
                 <a:ea typeface="맑은 고딕"/>
                 <a:cs typeface="Arial Unicode MS"/>
               </a:rPr>
-              <a:t>File</a:t>
+              <a:t>.cfg &amp; .csv eeFile</a:t>
             </a:r>
             <a:r>
               <a:rPr kumimoji="0" lang="ko-KR" altLang="en-US" b="1" i="0" u="none" strike="noStrike" kern="1200" cap="none" spc="0" normalizeH="0" baseline="0">
@@ -17620,7 +17902,7 @@
         </p:nvCxnSpPr>
         <p:spPr>
           <a:xfrm>
-            <a:off x="3983346" y="3046875"/>
+            <a:off x="3983346" y="3113550"/>
             <a:ext cx="2701476" cy="0"/>
           </a:xfrm>
           <a:prstGeom prst="straightConnector1">
@@ -17884,7 +18166,7 @@
         </p:nvCxnSpPr>
         <p:spPr>
           <a:xfrm>
-            <a:off x="5203544" y="3476625"/>
+            <a:off x="5203544" y="3533775"/>
             <a:ext cx="2701476" cy="0"/>
           </a:xfrm>
           <a:prstGeom prst="straightConnector1">
@@ -17910,7 +18192,7 @@
         </p:nvCxnSpPr>
         <p:spPr>
           <a:xfrm>
-            <a:off x="7577274" y="3046875"/>
+            <a:off x="7577274" y="3113550"/>
             <a:ext cx="2701476" cy="0"/>
           </a:xfrm>
           <a:prstGeom prst="straightConnector1">
@@ -18044,7 +18326,7 @@
         </p:nvCxnSpPr>
         <p:spPr>
           <a:xfrm>
-            <a:off x="8797476" y="3476625"/>
+            <a:off x="8797476" y="3533775"/>
             <a:ext cx="2701476" cy="0"/>
           </a:xfrm>
           <a:prstGeom prst="straightConnector1">
@@ -18122,7 +18404,7 @@
         </p:nvSpPr>
         <p:spPr>
           <a:xfrm>
-            <a:off x="3241693" y="2848586"/>
+            <a:off x="3241693" y="2915261"/>
             <a:ext cx="741653" cy="330859"/>
           </a:xfrm>
           <a:prstGeom prst="rect">
@@ -18166,7 +18448,7 @@
         </p:nvSpPr>
         <p:spPr>
           <a:xfrm>
-            <a:off x="4545825" y="3306911"/>
+            <a:off x="4545825" y="3364061"/>
             <a:ext cx="657719" cy="329734"/>
           </a:xfrm>
           <a:prstGeom prst="rect">
@@ -18320,6 +18602,50 @@
           </a:p>
         </p:txBody>
       </p:sp>
+      <p:sp>
+        <p:nvSpPr>
+          <p:cNvPr id="229" name=""/>
+          <p:cNvSpPr/>
+          <p:nvPr/>
+        </p:nvSpPr>
+        <p:spPr>
+          <a:xfrm>
+            <a:off x="2763142" y="1653554"/>
+            <a:ext cx="1220201" cy="1195031"/>
+          </a:xfrm>
+          <a:prstGeom prst="rect">
+            <a:avLst/>
+          </a:prstGeom>
+          <a:noFill/>
+          <a:ln w="38100">
+            <a:solidFill>
+              <a:srgbClr val="ff0000"/>
+            </a:solidFill>
+            <a:miter/>
+          </a:ln>
+        </p:spPr>
+        <p:txBody>
+          <a:bodyPr anchor="ctr"/>
+          <a:p>
+            <a:pPr algn="l">
+              <a:lnSpc>
+                <a:spcPct val="150000"/>
+              </a:lnSpc>
+              <a:buFontTx/>
+              <a:buNone/>
+              <a:defRPr/>
+            </a:pPr>
+            <a:endParaRPr>
+              <a:solidFill>
+                <a:srgbClr val="000099"/>
+              </a:solidFill>
+              <a:latin typeface="+mn-ea"/>
+              <a:ea typeface="+mn-ea"/>
+              <a:cs typeface="Arial Unicode MS"/>
+            </a:endParaRPr>
+          </a:p>
+        </p:txBody>
+      </p:sp>
     </p:spTree>
   </p:cSld>
   <p:clrMapOvr>
@@ -18333,6 +18659,84 @@
       <p:transition/>
     </mc:Fallback>
   </mc:AlternateContent>
+  <p:timing>
+    <p:tnLst>
+      <p:par>
+        <p:cTn id="1" dur="indefinite" restart="never" nodeType="tmRoot">
+          <p:childTnLst>
+            <p:seq concurrent="1" nextAc="seek">
+              <p:cTn id="2" dur="indefinite" nodeType="mainSeq">
+                <p:childTnLst>
+                  <p:par>
+                    <p:cTn id="3" fill="hold">
+                      <p:stCondLst>
+                        <p:cond delay="indefinite"/>
+                      </p:stCondLst>
+                      <p:childTnLst>
+                        <p:par>
+                          <p:cTn id="4" fill="hold">
+                            <p:stCondLst>
+                              <p:cond delay="0"/>
+                            </p:stCondLst>
+                            <p:childTnLst>
+                              <p:par>
+                                <p:cTn id="5" presetID="1" presetClass="entr" presetSubtype="0" fill="hold" grpId="0" nodeType="clickEffect">
+                                  <p:stCondLst>
+                                    <p:cond delay="0"/>
+                                  </p:stCondLst>
+                                  <p:childTnLst>
+                                    <p:set>
+                                      <p:cBhvr>
+                                        <p:cTn id="6" dur="1" fill="hold">
+                                          <p:stCondLst>
+                                            <p:cond delay="0"/>
+                                          </p:stCondLst>
+                                        </p:cTn>
+                                        <p:tgtEl>
+                                          <p:spTgt spid="229"/>
+                                        </p:tgtEl>
+                                        <p:attrNameLst>
+                                          <p:attrName>style.visibility</p:attrName>
+                                        </p:attrNameLst>
+                                      </p:cBhvr>
+                                      <p:to>
+                                        <p:strVal val="visible"/>
+                                      </p:to>
+                                    </p:set>
+                                  </p:childTnLst>
+                                </p:cTn>
+                              </p:par>
+                            </p:childTnLst>
+                          </p:cTn>
+                        </p:par>
+                      </p:childTnLst>
+                    </p:cTn>
+                  </p:par>
+                </p:childTnLst>
+              </p:cTn>
+              <p:prevCondLst>
+                <p:cond evt="onPrev" delay="0">
+                  <p:tgtEl>
+                    <p:sldTgt/>
+                  </p:tgtEl>
+                </p:cond>
+              </p:prevCondLst>
+              <p:nextCondLst>
+                <p:cond evt="onNext" delay="0">
+                  <p:tgtEl>
+                    <p:sldTgt/>
+                  </p:tgtEl>
+                </p:cond>
+              </p:nextCondLst>
+            </p:seq>
+          </p:childTnLst>
+        </p:cTn>
+      </p:par>
+    </p:tnLst>
+    <p:bldLst>
+      <p:bldP spid="229" grpId="0" animBg="1"/>
+    </p:bldLst>
+  </p:timing>
 </p:sld>
 </file>
 

--- a/A조 발표/A조 발표.pptx
+++ b/A조 발표/A조 발표.pptx
@@ -2,7 +2,7 @@
 <file path=ppt/presentation.xml><?xml version="1.0" encoding="utf-8"?>
 <p:presentation xmlns:r="http://schemas.openxmlformats.org/officeDocument/2006/relationships" xmlns:c="http://schemas.openxmlformats.org/drawingml/2006/chart" xmlns:a="http://schemas.openxmlformats.org/drawingml/2006/main" xmlns:dgm="http://schemas.openxmlformats.org/drawingml/2006/diagram" xmlns:dsp="http://schemas.microsoft.com/office/drawing/2008/diagram" xmlns:p="http://schemas.openxmlformats.org/presentationml/2006/main">
   <p:sldMasterIdLst>
-    <p:sldMasterId id="2147483793" r:id="rId1"/>
+    <p:sldMasterId id="2147483792" r:id="rId1"/>
   </p:sldMasterIdLst>
   <p:notesMasterIdLst>
     <p:notesMasterId r:id="rId2"/>
@@ -977,7 +977,7 @@
               <a:t>을 표현한 </a:t>
             </a:r>
             <a:r>
-              <a:rPr xmlns:mc="http://schemas.openxmlformats.org/markup-compatibility/2006" xmlns:hp="http://schemas.haansoft.com/office/presentation/8.0" lang="EN-US" b="0" i="0" u="none" strike="noStrike" mc:Ignorable="hp" hp:hslEmbossed="0">
+              <a:rPr xmlns:mc="http://schemas.openxmlformats.org/markup-compatibility/2006" xmlns:hp="http://schemas.haansoft.com/office/presentation/8.0" lang="en-US" altLang="ko-KR" b="0" i="0" u="none" strike="noStrike" mc:Ignorable="hp" hp:hslEmbossed="0">
                 <a:solidFill>
                   <a:srgbClr val="000000"/>
                 </a:solidFill>
@@ -985,7 +985,18 @@
                 <a:ea typeface="돋움"/>
                 <a:cs typeface="돋움"/>
               </a:rPr>
-              <a:t>GDI </a:t>
+              <a:t>UI</a:t>
+            </a:r>
+            <a:r>
+              <a:rPr xmlns:mc="http://schemas.openxmlformats.org/markup-compatibility/2006" xmlns:hp="http://schemas.haansoft.com/office/presentation/8.0" lang="EN-US" b="0" i="0" u="none" strike="noStrike" mc:Ignorable="hp" hp:hslEmbossed="0">
+                <a:solidFill>
+                  <a:srgbClr val="000000"/>
+                </a:solidFill>
+                <a:latin typeface="돋움"/>
+                <a:ea typeface="돋움"/>
+                <a:cs typeface="돋움"/>
+              </a:rPr>
+              <a:t> </a:t>
             </a:r>
             <a:r>
               <a:rPr xmlns:mc="http://schemas.openxmlformats.org/markup-compatibility/2006" xmlns:hp="http://schemas.haansoft.com/office/presentation/8.0" b="0" i="0" u="none" strike="noStrike" mc:Ignorable="hp" hp:hslEmbossed="0">
@@ -3750,7 +3761,7 @@
             </a:r>
             <a:r>
               <a:rPr lang="en-US" altLang="ko-KR"/>
-              <a:t>System Info UI</a:t>
+              <a:t>System Config UI</a:t>
             </a:r>
             <a:r>
               <a:rPr lang="ko-KR" altLang="en-US"/>
@@ -3772,7 +3783,75 @@
               <a:rPr lang="ko-KR" altLang="en-US"/>
               <a:t>들이 </a:t>
             </a:r>
-            <a:endParaRPr lang="ko-KR" altLang="en-US"/>
+            <a:r>
+              <a:rPr lang="en-US" altLang="ko-KR"/>
+              <a:t>cfg</a:t>
+            </a:r>
+            <a:r>
+              <a:rPr lang="ko-KR" altLang="en-US"/>
+              <a:t>파일로 </a:t>
+            </a:r>
+            <a:r>
+              <a:rPr lang="en-US" altLang="ko-KR"/>
+              <a:t>Save</a:t>
+            </a:r>
+            <a:r>
+              <a:rPr lang="ko-KR" altLang="en-US"/>
+              <a:t> 및 </a:t>
+            </a:r>
+            <a:r>
+              <a:rPr lang="en-US" altLang="ko-KR"/>
+              <a:t>Load</a:t>
+            </a:r>
+            <a:r>
+              <a:rPr lang="ko-KR" altLang="en-US"/>
+              <a:t>도 될 수</a:t>
+            </a:r>
+            <a:r>
+              <a:rPr lang="en-US" altLang="ko-KR"/>
+              <a:t> </a:t>
+            </a:r>
+            <a:r>
+              <a:rPr lang="ko-KR" altLang="en-US"/>
+              <a:t>있도록 기능 구현을 하였습니다</a:t>
+            </a:r>
+            <a:r>
+              <a:rPr lang="en-US" altLang="ko-KR"/>
+              <a:t>.</a:t>
+            </a:r>
+            <a:r>
+              <a:rPr lang="ko-KR" altLang="en-US"/>
+              <a:t> 또한</a:t>
+            </a:r>
+            <a:r>
+              <a:rPr lang="en-US" altLang="ko-KR"/>
+              <a:t>,</a:t>
+            </a:r>
+            <a:r>
+              <a:rPr lang="ko-KR" altLang="en-US"/>
+              <a:t> 이후 추가과제로 내주신</a:t>
+            </a:r>
+            <a:r>
+              <a:rPr lang="en-US" altLang="ko-KR"/>
+              <a:t> MDB to Excel</a:t>
+            </a:r>
+            <a:r>
+              <a:rPr lang="ko-KR" altLang="en-US"/>
+              <a:t>인 </a:t>
+            </a:r>
+            <a:r>
+              <a:rPr lang="en-US" altLang="ko-KR"/>
+              <a:t>Sub Project</a:t>
+            </a:r>
+            <a:r>
+              <a:rPr lang="ko-KR" altLang="en-US"/>
+              <a:t>를 구현하였습니다</a:t>
+            </a:r>
+            <a:r>
+              <a:rPr lang="en-US" altLang="ko-KR"/>
+              <a:t>.</a:t>
+            </a:r>
+            <a:endParaRPr lang="en-US" altLang="ko-KR"/>
           </a:p>
           <a:p>
             <a:pPr>
@@ -4126,7 +4205,7 @@
               <a:rPr lang="en-US" altLang="ko-KR"/>
               <a:t>.</a:t>
             </a:r>
-            <a:endParaRPr lang="ko-KR" altLang="en-US"/>
+            <a:endParaRPr lang="en-US" altLang="ko-KR"/>
           </a:p>
           <a:p>
             <a:pPr>
@@ -4261,20 +4340,44 @@
               <a:defRPr/>
             </a:pPr>
             <a:r>
+              <a:rPr lang="ko-KR" altLang="en-US"/>
+              <a:t>다음으로 스레드 구성입니다</a:t>
+            </a:r>
+            <a:r>
+              <a:rPr lang="en-US" altLang="ko-KR"/>
+              <a:t>.</a:t>
+            </a:r>
+            <a:endParaRPr lang="en-US" altLang="ko-KR"/>
+          </a:p>
+          <a:p>
+            <a:pPr>
+              <a:defRPr/>
+            </a:pPr>
+            <a:r>
               <a:rPr lang="en-US" altLang="ko-KR"/>
               <a:t>FAB SOLO</a:t>
             </a:r>
             <a:r>
               <a:rPr lang="ko-KR" altLang="en-US"/>
-              <a:t>는 스레드와의 연결을 통해서 만들었는데요</a:t>
+              <a:t>는 총 </a:t>
             </a:r>
             <a:r>
               <a:rPr lang="en-US" altLang="ko-KR"/>
-              <a:t>,</a:t>
+              <a:t>10</a:t>
             </a:r>
             <a:r>
               <a:rPr lang="ko-KR" altLang="en-US"/>
-              <a:t> 구성은 다음과 같습니다</a:t>
+              <a:t>개의 스레드를  통해서 만들었는데요 </a:t>
+            </a:r>
+            <a:endParaRPr lang="ko-KR" altLang="en-US"/>
+          </a:p>
+          <a:p>
+            <a:pPr>
+              <a:defRPr/>
+            </a:pPr>
+            <a:r>
+              <a:rPr lang="ko-KR" altLang="en-US"/>
+              <a:t>다음과 같이 구성 되어있고 각각의 스레드의 역할에 대해서 말씀드리겠습니다</a:t>
             </a:r>
             <a:r>
               <a:rPr lang="en-US" altLang="ko-KR"/>
@@ -4288,7 +4391,15 @@
             </a:pPr>
             <a:r>
               <a:rPr lang="ko-KR" altLang="en-US"/>
-              <a:t>중앙제어스레드는 작동 되어야 할 스레드를 관리해줍니다</a:t>
+              <a:t>중앙제어스레드는 </a:t>
+            </a:r>
+            <a:r>
+              <a:rPr lang="en-US" altLang="ko-KR"/>
+              <a:t>9</a:t>
+            </a:r>
+            <a:r>
+              <a:rPr lang="ko-KR" altLang="en-US"/>
+              <a:t>개의 스레드를 관리해줍니다</a:t>
             </a:r>
             <a:r>
               <a:rPr lang="en-US" altLang="ko-KR"/>
@@ -5532,10 +5643,10 @@
                 <a:ea typeface="돋움"/>
                 <a:cs typeface="돋움"/>
               </a:rPr>
-              <a:t>Total Time </a:t>
-            </a:r>
-            <a:r>
-              <a:rPr xmlns:mc="http://schemas.openxmlformats.org/markup-compatibility/2006" xmlns:hp="http://schemas.haansoft.com/office/presentation/8.0" b="0" i="0" u="none" strike="noStrike" mc:Ignorable="hp" hp:hslEmbossed="0">
+              <a:t>Total </a:t>
+            </a:r>
+            <a:r>
+              <a:rPr xmlns:mc="http://schemas.openxmlformats.org/markup-compatibility/2006" xmlns:hp="http://schemas.haansoft.com/office/presentation/8.0" lang="en-US" altLang="ko-KR" b="0" i="0" u="none" strike="noStrike" mc:Ignorable="hp" hp:hslEmbossed="0">
                 <a:solidFill>
                   <a:srgbClr val="000000"/>
                 </a:solidFill>
@@ -5543,7 +5654,40 @@
                 <a:ea typeface="돋움"/>
                 <a:cs typeface="돋움"/>
               </a:rPr>
+              <a:t>Running </a:t>
+            </a:r>
+            <a:r>
+              <a:rPr xmlns:mc="http://schemas.openxmlformats.org/markup-compatibility/2006" xmlns:hp="http://schemas.haansoft.com/office/presentation/8.0" lang="EN-US" b="0" i="0" u="none" strike="noStrike" mc:Ignorable="hp" hp:hslEmbossed="0">
+                <a:solidFill>
+                  <a:srgbClr val="000000"/>
+                </a:solidFill>
+                <a:latin typeface="돋움"/>
+                <a:ea typeface="돋움"/>
+                <a:cs typeface="돋움"/>
+              </a:rPr>
+              <a:t>Time </a:t>
+            </a:r>
+            <a:r>
+              <a:rPr xmlns:mc="http://schemas.openxmlformats.org/markup-compatibility/2006" xmlns:hp="http://schemas.haansoft.com/office/presentation/8.0" b="0" i="0" u="none" strike="noStrike" mc:Ignorable="hp" hp:hslEmbossed="0">
+                <a:solidFill>
+                  <a:srgbClr val="000000"/>
+                </a:solidFill>
+                <a:latin typeface="돋움"/>
+                <a:ea typeface="돋움"/>
+                <a:cs typeface="돋움"/>
+              </a:rPr>
               <a:t>과 </a:t>
+            </a:r>
+            <a:r>
+              <a:rPr xmlns:mc="http://schemas.openxmlformats.org/markup-compatibility/2006" xmlns:hp="http://schemas.haansoft.com/office/presentation/8.0" lang="en-US" altLang="ko-KR" b="0" i="0" u="none" strike="noStrike" mc:Ignorable="hp" hp:hslEmbossed="0">
+                <a:solidFill>
+                  <a:srgbClr val="000000"/>
+                </a:solidFill>
+                <a:latin typeface="돋움"/>
+                <a:ea typeface="돋움"/>
+                <a:cs typeface="돋움"/>
+              </a:rPr>
+              <a:t>Total </a:t>
             </a:r>
             <a:r>
               <a:rPr xmlns:mc="http://schemas.openxmlformats.org/markup-compatibility/2006" xmlns:hp="http://schemas.haansoft.com/office/presentation/8.0" lang="EN-US" b="0" i="0" u="none" strike="noStrike" mc:Ignorable="hp" hp:hslEmbossed="0">
@@ -13913,7 +14057,7 @@
                 <a:ea typeface="맑은 고딕"/>
                 <a:cs typeface="Arial Unicode MS"/>
               </a:rPr>
-              <a:t>System Info UI </a:t>
+              <a:t>System Config UI </a:t>
             </a:r>
             <a:r>
               <a:rPr kumimoji="0" lang="ko-KR" altLang="en-US" b="1" i="0" u="none" strike="noStrike" kern="1200" cap="none" spc="0" normalizeH="0" baseline="0">
@@ -13947,7 +14091,7 @@
                 <a:ea typeface="맑은 고딕"/>
                 <a:cs typeface="Arial Unicode MS"/>
               </a:rPr>
-              <a:t>.cfg &amp; .csv eeFile</a:t>
+              <a:t>.cfg &amp; .csv File</a:t>
             </a:r>
             <a:r>
               <a:rPr kumimoji="0" lang="ko-KR" altLang="en-US" b="1" i="0" u="none" strike="noStrike" kern="1200" cap="none" spc="0" normalizeH="0" baseline="0">
@@ -15556,7 +15700,7 @@
               <a:pPr lvl="0">
                 <a:defRPr/>
               </a:pPr>
-              <a:t>7</a:t>
+              <a:t>6</a:t>
             </a:fld>
             <a:endParaRPr lang="en-US" altLang="en-US"/>
           </a:p>
@@ -16278,6 +16422,478 @@
           </a:p>
         </p:txBody>
       </p:sp>
+      <p:sp>
+        <p:nvSpPr>
+          <p:cNvPr id="49" name=""/>
+          <p:cNvSpPr/>
+          <p:nvPr/>
+        </p:nvSpPr>
+        <p:spPr>
+          <a:xfrm>
+            <a:off x="5371839" y="4109356"/>
+            <a:ext cx="1448322" cy="1225490"/>
+          </a:xfrm>
+          <a:prstGeom prst="upArrow">
+            <a:avLst>
+              <a:gd name="adj1" fmla="val 50000"/>
+              <a:gd name="adj2" fmla="val 50000"/>
+            </a:avLst>
+          </a:prstGeom>
+          <a:solidFill>
+            <a:srgbClr val="ffffff">
+              <a:alpha val="100000"/>
+            </a:srgbClr>
+          </a:solidFill>
+          <a:ln w="38100">
+            <a:solidFill>
+              <a:srgbClr val="ff0000">
+                <a:alpha val="100000"/>
+              </a:srgbClr>
+            </a:solidFill>
+            <a:miter/>
+          </a:ln>
+        </p:spPr>
+        <p:txBody>
+          <a:bodyPr anchor="ctr"/>
+          <a:p>
+            <a:pPr marL="0" indent="0" algn="l" defTabSz="914400" rtl="0" eaLnBrk="1" latinLnBrk="1" hangingPunct="1">
+              <a:lnSpc>
+                <a:spcPct val="150000"/>
+              </a:lnSpc>
+              <a:spcBef>
+                <a:spcPct val="0"/>
+              </a:spcBef>
+              <a:spcAft>
+                <a:spcPts val="0"/>
+              </a:spcAft>
+              <a:buFontTx/>
+              <a:buNone/>
+              <a:defRPr/>
+            </a:pPr>
+            <a:endParaRPr xmlns:mc="http://schemas.openxmlformats.org/markup-compatibility/2006" xmlns:hp="http://schemas.haansoft.com/office/presentation/8.0" kumimoji="0" sz="1800" b="0" i="0" u="none" strike="noStrike" kern="1200" cap="none" spc="0" normalizeH="0" baseline="0" mc:Ignorable="hp" hp:hslEmbossed="0">
+              <a:solidFill>
+                <a:srgbClr val="000099"/>
+              </a:solidFill>
+              <a:latin typeface="맑은 고딕"/>
+              <a:ea typeface="맑은 고딕"/>
+              <a:cs typeface="Arial Unicode MS"/>
+            </a:endParaRPr>
+          </a:p>
+        </p:txBody>
+      </p:sp>
+      <p:sp>
+        <p:nvSpPr>
+          <p:cNvPr id="50" name=""/>
+          <p:cNvSpPr/>
+          <p:nvPr/>
+        </p:nvSpPr>
+        <p:spPr>
+          <a:xfrm>
+            <a:off x="1492688" y="2091663"/>
+            <a:ext cx="1448322" cy="1225490"/>
+          </a:xfrm>
+          <a:prstGeom prst="upArrow">
+            <a:avLst>
+              <a:gd name="adj1" fmla="val 50000"/>
+              <a:gd name="adj2" fmla="val 50000"/>
+            </a:avLst>
+          </a:prstGeom>
+          <a:solidFill>
+            <a:srgbClr val="ffffff">
+              <a:alpha val="100000"/>
+            </a:srgbClr>
+          </a:solidFill>
+          <a:ln w="38100">
+            <a:solidFill>
+              <a:srgbClr val="ff0000">
+                <a:alpha val="100000"/>
+              </a:srgbClr>
+            </a:solidFill>
+            <a:miter/>
+          </a:ln>
+        </p:spPr>
+        <p:txBody>
+          <a:bodyPr anchor="ctr"/>
+          <a:p>
+            <a:pPr marL="0" indent="0" algn="l" defTabSz="914400" rtl="0" eaLnBrk="1" latinLnBrk="1" hangingPunct="1">
+              <a:lnSpc>
+                <a:spcPct val="150000"/>
+              </a:lnSpc>
+              <a:spcBef>
+                <a:spcPct val="0"/>
+              </a:spcBef>
+              <a:spcAft>
+                <a:spcPts val="0"/>
+              </a:spcAft>
+              <a:buFontTx/>
+              <a:buNone/>
+              <a:defRPr/>
+            </a:pPr>
+            <a:endParaRPr xmlns:mc="http://schemas.openxmlformats.org/markup-compatibility/2006" xmlns:hp="http://schemas.haansoft.com/office/presentation/8.0" kumimoji="0" sz="1800" b="0" i="0" u="none" strike="noStrike" kern="1200" cap="none" spc="0" normalizeH="0" baseline="0" mc:Ignorable="hp" hp:hslEmbossed="0">
+              <a:solidFill>
+                <a:srgbClr val="000099"/>
+              </a:solidFill>
+              <a:latin typeface="맑은 고딕"/>
+              <a:ea typeface="맑은 고딕"/>
+              <a:cs typeface="Arial Unicode MS"/>
+            </a:endParaRPr>
+          </a:p>
+        </p:txBody>
+      </p:sp>
+      <p:sp>
+        <p:nvSpPr>
+          <p:cNvPr id="51" name=""/>
+          <p:cNvSpPr/>
+          <p:nvPr/>
+        </p:nvSpPr>
+        <p:spPr>
+          <a:xfrm>
+            <a:off x="5371839" y="2091663"/>
+            <a:ext cx="1448322" cy="1225490"/>
+          </a:xfrm>
+          <a:prstGeom prst="upArrow">
+            <a:avLst>
+              <a:gd name="adj1" fmla="val 50000"/>
+              <a:gd name="adj2" fmla="val 50000"/>
+            </a:avLst>
+          </a:prstGeom>
+          <a:solidFill>
+            <a:srgbClr val="ffffff">
+              <a:alpha val="100000"/>
+            </a:srgbClr>
+          </a:solidFill>
+          <a:ln w="38100">
+            <a:solidFill>
+              <a:srgbClr val="ff0000">
+                <a:alpha val="100000"/>
+              </a:srgbClr>
+            </a:solidFill>
+            <a:miter/>
+          </a:ln>
+        </p:spPr>
+        <p:txBody>
+          <a:bodyPr anchor="ctr"/>
+          <a:p>
+            <a:pPr marL="0" indent="0" algn="l" defTabSz="914400" rtl="0" eaLnBrk="1" latinLnBrk="1" hangingPunct="1">
+              <a:lnSpc>
+                <a:spcPct val="150000"/>
+              </a:lnSpc>
+              <a:spcBef>
+                <a:spcPct val="0"/>
+              </a:spcBef>
+              <a:spcAft>
+                <a:spcPts val="0"/>
+              </a:spcAft>
+              <a:buFontTx/>
+              <a:buNone/>
+              <a:defRPr/>
+            </a:pPr>
+            <a:endParaRPr xmlns:mc="http://schemas.openxmlformats.org/markup-compatibility/2006" xmlns:hp="http://schemas.haansoft.com/office/presentation/8.0" kumimoji="0" sz="1800" b="0" i="0" u="none" strike="noStrike" kern="1200" cap="none" spc="0" normalizeH="0" baseline="0" mc:Ignorable="hp" hp:hslEmbossed="0">
+              <a:solidFill>
+                <a:srgbClr val="000099"/>
+              </a:solidFill>
+              <a:latin typeface="맑은 고딕"/>
+              <a:ea typeface="맑은 고딕"/>
+              <a:cs typeface="Arial Unicode MS"/>
+            </a:endParaRPr>
+          </a:p>
+        </p:txBody>
+      </p:sp>
+      <p:sp>
+        <p:nvSpPr>
+          <p:cNvPr id="52" name=""/>
+          <p:cNvSpPr/>
+          <p:nvPr/>
+        </p:nvSpPr>
+        <p:spPr>
+          <a:xfrm>
+            <a:off x="9222972" y="2091663"/>
+            <a:ext cx="1448322" cy="1225490"/>
+          </a:xfrm>
+          <a:prstGeom prst="upArrow">
+            <a:avLst>
+              <a:gd name="adj1" fmla="val 50000"/>
+              <a:gd name="adj2" fmla="val 50000"/>
+            </a:avLst>
+          </a:prstGeom>
+          <a:solidFill>
+            <a:srgbClr val="ffffff">
+              <a:alpha val="100000"/>
+            </a:srgbClr>
+          </a:solidFill>
+          <a:ln w="38100">
+            <a:solidFill>
+              <a:srgbClr val="ff0000">
+                <a:alpha val="100000"/>
+              </a:srgbClr>
+            </a:solidFill>
+            <a:miter/>
+          </a:ln>
+        </p:spPr>
+        <p:txBody>
+          <a:bodyPr anchor="ctr"/>
+          <a:p>
+            <a:pPr marL="0" indent="0" algn="l" defTabSz="914400" rtl="0" eaLnBrk="1" latinLnBrk="1" hangingPunct="1">
+              <a:lnSpc>
+                <a:spcPct val="150000"/>
+              </a:lnSpc>
+              <a:spcBef>
+                <a:spcPct val="0"/>
+              </a:spcBef>
+              <a:spcAft>
+                <a:spcPts val="0"/>
+              </a:spcAft>
+              <a:buFontTx/>
+              <a:buNone/>
+              <a:defRPr/>
+            </a:pPr>
+            <a:endParaRPr xmlns:mc="http://schemas.openxmlformats.org/markup-compatibility/2006" xmlns:hp="http://schemas.haansoft.com/office/presentation/8.0" kumimoji="0" sz="1800" b="0" i="0" u="none" strike="noStrike" kern="1200" cap="none" spc="0" normalizeH="0" baseline="0" mc:Ignorable="hp" hp:hslEmbossed="0">
+              <a:solidFill>
+                <a:srgbClr val="000099"/>
+              </a:solidFill>
+              <a:latin typeface="맑은 고딕"/>
+              <a:ea typeface="맑은 고딕"/>
+              <a:cs typeface="Arial Unicode MS"/>
+            </a:endParaRPr>
+          </a:p>
+        </p:txBody>
+      </p:sp>
+      <p:sp>
+        <p:nvSpPr>
+          <p:cNvPr id="53" name=""/>
+          <p:cNvSpPr/>
+          <p:nvPr/>
+        </p:nvSpPr>
+        <p:spPr>
+          <a:xfrm>
+            <a:off x="1463850" y="4109356"/>
+            <a:ext cx="1448322" cy="1225490"/>
+          </a:xfrm>
+          <a:prstGeom prst="upArrow">
+            <a:avLst>
+              <a:gd name="adj1" fmla="val 50000"/>
+              <a:gd name="adj2" fmla="val 50000"/>
+            </a:avLst>
+          </a:prstGeom>
+          <a:solidFill>
+            <a:srgbClr val="ffffff">
+              <a:alpha val="100000"/>
+            </a:srgbClr>
+          </a:solidFill>
+          <a:ln w="38100">
+            <a:solidFill>
+              <a:srgbClr val="ff0000">
+                <a:alpha val="100000"/>
+              </a:srgbClr>
+            </a:solidFill>
+            <a:miter/>
+          </a:ln>
+        </p:spPr>
+        <p:txBody>
+          <a:bodyPr anchor="ctr"/>
+          <a:p>
+            <a:pPr marL="0" indent="0" algn="l" defTabSz="914400" rtl="0" eaLnBrk="1" latinLnBrk="1" hangingPunct="1">
+              <a:lnSpc>
+                <a:spcPct val="150000"/>
+              </a:lnSpc>
+              <a:spcBef>
+                <a:spcPct val="0"/>
+              </a:spcBef>
+              <a:spcAft>
+                <a:spcPts val="0"/>
+              </a:spcAft>
+              <a:buFontTx/>
+              <a:buNone/>
+              <a:defRPr/>
+            </a:pPr>
+            <a:endParaRPr xmlns:mc="http://schemas.openxmlformats.org/markup-compatibility/2006" xmlns:hp="http://schemas.haansoft.com/office/presentation/8.0" kumimoji="0" sz="1800" b="0" i="0" u="none" strike="noStrike" kern="1200" cap="none" spc="0" normalizeH="0" baseline="0" mc:Ignorable="hp" hp:hslEmbossed="0">
+              <a:solidFill>
+                <a:srgbClr val="000099"/>
+              </a:solidFill>
+              <a:latin typeface="맑은 고딕"/>
+              <a:ea typeface="맑은 고딕"/>
+              <a:cs typeface="Arial Unicode MS"/>
+            </a:endParaRPr>
+          </a:p>
+        </p:txBody>
+      </p:sp>
+      <p:sp>
+        <p:nvSpPr>
+          <p:cNvPr id="54" name=""/>
+          <p:cNvSpPr/>
+          <p:nvPr/>
+        </p:nvSpPr>
+        <p:spPr>
+          <a:xfrm>
+            <a:off x="9222971" y="4109355"/>
+            <a:ext cx="1448322" cy="1225490"/>
+          </a:xfrm>
+          <a:prstGeom prst="upArrow">
+            <a:avLst>
+              <a:gd name="adj1" fmla="val 50000"/>
+              <a:gd name="adj2" fmla="val 50000"/>
+            </a:avLst>
+          </a:prstGeom>
+          <a:solidFill>
+            <a:srgbClr val="ffffff">
+              <a:alpha val="100000"/>
+            </a:srgbClr>
+          </a:solidFill>
+          <a:ln w="38100">
+            <a:solidFill>
+              <a:srgbClr val="ff0000">
+                <a:alpha val="100000"/>
+              </a:srgbClr>
+            </a:solidFill>
+            <a:miter/>
+          </a:ln>
+        </p:spPr>
+        <p:txBody>
+          <a:bodyPr anchor="ctr"/>
+          <a:p>
+            <a:pPr marL="0" indent="0" algn="l" defTabSz="914400" rtl="0" eaLnBrk="1" latinLnBrk="1" hangingPunct="1">
+              <a:lnSpc>
+                <a:spcPct val="150000"/>
+              </a:lnSpc>
+              <a:spcBef>
+                <a:spcPct val="0"/>
+              </a:spcBef>
+              <a:spcAft>
+                <a:spcPts val="0"/>
+              </a:spcAft>
+              <a:buFontTx/>
+              <a:buNone/>
+              <a:defRPr/>
+            </a:pPr>
+            <a:endParaRPr xmlns:mc="http://schemas.openxmlformats.org/markup-compatibility/2006" xmlns:hp="http://schemas.haansoft.com/office/presentation/8.0" kumimoji="0" sz="1800" b="0" i="0" u="none" strike="noStrike" kern="1200" cap="none" spc="0" normalizeH="0" baseline="0" mc:Ignorable="hp" hp:hslEmbossed="0">
+              <a:solidFill>
+                <a:srgbClr val="000099"/>
+              </a:solidFill>
+              <a:latin typeface="맑은 고딕"/>
+              <a:ea typeface="맑은 고딕"/>
+              <a:cs typeface="Arial Unicode MS"/>
+            </a:endParaRPr>
+          </a:p>
+        </p:txBody>
+      </p:sp>
+      <p:sp>
+        <p:nvSpPr>
+          <p:cNvPr id="55" name=""/>
+          <p:cNvSpPr/>
+          <p:nvPr/>
+        </p:nvSpPr>
+        <p:spPr>
+          <a:xfrm>
+            <a:off x="1463850" y="5975885"/>
+            <a:ext cx="1448322" cy="1225490"/>
+          </a:xfrm>
+          <a:prstGeom prst="upArrow">
+            <a:avLst>
+              <a:gd name="adj1" fmla="val 50000"/>
+              <a:gd name="adj2" fmla="val 50000"/>
+            </a:avLst>
+          </a:prstGeom>
+          <a:solidFill>
+            <a:srgbClr val="ffffff">
+              <a:alpha val="100000"/>
+            </a:srgbClr>
+          </a:solidFill>
+          <a:ln w="38100">
+            <a:solidFill>
+              <a:srgbClr val="ff0000">
+                <a:alpha val="100000"/>
+              </a:srgbClr>
+            </a:solidFill>
+            <a:miter/>
+          </a:ln>
+        </p:spPr>
+        <p:txBody>
+          <a:bodyPr anchor="ctr"/>
+          <a:p>
+            <a:pPr marL="0" indent="0" algn="l" defTabSz="914400" rtl="0" eaLnBrk="1" latinLnBrk="1" hangingPunct="1">
+              <a:lnSpc>
+                <a:spcPct val="150000"/>
+              </a:lnSpc>
+              <a:spcBef>
+                <a:spcPct val="0"/>
+              </a:spcBef>
+              <a:spcAft>
+                <a:spcPts val="0"/>
+              </a:spcAft>
+              <a:buFontTx/>
+              <a:buNone/>
+              <a:defRPr/>
+            </a:pPr>
+            <a:endParaRPr xmlns:mc="http://schemas.openxmlformats.org/markup-compatibility/2006" xmlns:hp="http://schemas.haansoft.com/office/presentation/8.0" kumimoji="0" sz="1800" b="0" i="0" u="none" strike="noStrike" kern="1200" cap="none" spc="0" normalizeH="0" baseline="0" mc:Ignorable="hp" hp:hslEmbossed="0">
+              <a:solidFill>
+                <a:srgbClr val="000099"/>
+              </a:solidFill>
+              <a:latin typeface="맑은 고딕"/>
+              <a:ea typeface="맑은 고딕"/>
+              <a:cs typeface="Arial Unicode MS"/>
+            </a:endParaRPr>
+          </a:p>
+        </p:txBody>
+      </p:sp>
+      <p:sp>
+        <p:nvSpPr>
+          <p:cNvPr id="56" name=""/>
+          <p:cNvSpPr/>
+          <p:nvPr/>
+        </p:nvSpPr>
+        <p:spPr>
+          <a:xfrm>
+            <a:off x="9222970" y="5975885"/>
+            <a:ext cx="1448322" cy="1225490"/>
+          </a:xfrm>
+          <a:prstGeom prst="upArrow">
+            <a:avLst>
+              <a:gd name="adj1" fmla="val 50000"/>
+              <a:gd name="adj2" fmla="val 50000"/>
+            </a:avLst>
+          </a:prstGeom>
+          <a:solidFill>
+            <a:srgbClr val="ffffff">
+              <a:alpha val="100000"/>
+            </a:srgbClr>
+          </a:solidFill>
+          <a:ln w="38100">
+            <a:solidFill>
+              <a:srgbClr val="ff0000">
+                <a:alpha val="100000"/>
+              </a:srgbClr>
+            </a:solidFill>
+            <a:miter/>
+          </a:ln>
+        </p:spPr>
+        <p:txBody>
+          <a:bodyPr anchor="ctr"/>
+          <a:p>
+            <a:pPr marL="0" indent="0" algn="l" defTabSz="914400" rtl="0" eaLnBrk="1" latinLnBrk="1" hangingPunct="1">
+              <a:lnSpc>
+                <a:spcPct val="150000"/>
+              </a:lnSpc>
+              <a:spcBef>
+                <a:spcPct val="0"/>
+              </a:spcBef>
+              <a:spcAft>
+                <a:spcPts val="0"/>
+              </a:spcAft>
+              <a:buFontTx/>
+              <a:buNone/>
+              <a:defRPr/>
+            </a:pPr>
+            <a:endParaRPr xmlns:mc="http://schemas.openxmlformats.org/markup-compatibility/2006" xmlns:hp="http://schemas.haansoft.com/office/presentation/8.0" kumimoji="0" sz="1800" b="0" i="0" u="none" strike="noStrike" kern="1200" cap="none" spc="0" normalizeH="0" baseline="0" mc:Ignorable="hp" hp:hslEmbossed="0">
+              <a:solidFill>
+                <a:srgbClr val="000099"/>
+              </a:solidFill>
+              <a:latin typeface="맑은 고딕"/>
+              <a:ea typeface="맑은 고딕"/>
+              <a:cs typeface="Arial Unicode MS"/>
+            </a:endParaRPr>
+          </a:p>
+        </p:txBody>
+      </p:sp>
     </p:spTree>
   </p:cSld>
   <p:clrMapOvr>
@@ -16325,34 +16941,7 @@
                                           </p:stCondLst>
                                         </p:cTn>
                                         <p:tgtEl>
-                                          <p:spTgt spid="34"/>
-                                        </p:tgtEl>
-                                        <p:attrNameLst>
-                                          <p:attrName>style.visibility</p:attrName>
-                                        </p:attrNameLst>
-                                      </p:cBhvr>
-                                      <p:to>
-                                        <p:strVal val="visible"/>
-                                      </p:to>
-                                    </p:set>
-                                  </p:childTnLst>
-                                </p:cTn>
-                              </p:par>
-                              <p:par>
-                                <p:cTn id="7" presetID="1" presetClass="entr" presetSubtype="0" fill="hold" grpId="1" nodeType="withEffect">
-                                  <p:stCondLst>
-                                    <p:cond delay="0"/>
-                                  </p:stCondLst>
-                                  <p:childTnLst>
-                                    <p:set>
-                                      <p:cBhvr>
-                                        <p:cTn id="8" dur="1" fill="hold">
-                                          <p:stCondLst>
-                                            <p:cond delay="0"/>
-                                          </p:stCondLst>
-                                        </p:cTn>
-                                        <p:tgtEl>
-                                          <p:spTgt spid="25"/>
+                                          <p:spTgt spid="49"/>
                                         </p:tgtEl>
                                         <p:attrNameLst>
                                           <p:attrName>style.visibility</p:attrName>
@@ -16372,46 +16961,64 @@
                     </p:cTn>
                   </p:par>
                   <p:par>
-                    <p:cTn id="9" fill="hold">
+                    <p:cTn id="7" fill="hold">
                       <p:stCondLst>
                         <p:cond delay="indefinite"/>
                       </p:stCondLst>
                       <p:childTnLst>
                         <p:par>
-                          <p:cTn id="10" fill="hold">
+                          <p:cTn id="8" fill="hold">
                             <p:stCondLst>
                               <p:cond delay="0"/>
                             </p:stCondLst>
                             <p:childTnLst>
                               <p:par>
-                                <p:cTn id="11" presetID="1" presetClass="entr" presetSubtype="0" fill="hold" grpId="2" nodeType="clickEffect">
+                                <p:cTn id="9" presetID="1" presetClass="exit" presetSubtype="0" fill="hold" grpId="1" nodeType="clickEffect">
                                   <p:stCondLst>
                                     <p:cond delay="0"/>
                                   </p:stCondLst>
                                   <p:childTnLst>
                                     <p:set>
                                       <p:cBhvr>
-                                        <p:cTn id="12" dur="1" fill="hold">
+                                        <p:cTn id="10" dur="1" fill="hold">
                                           <p:stCondLst>
                                             <p:cond delay="0"/>
                                           </p:stCondLst>
                                         </p:cTn>
                                         <p:tgtEl>
-                                          <p:spTgt spid="26"/>
+                                          <p:spTgt spid="49"/>
                                         </p:tgtEl>
                                         <p:attrNameLst>
                                           <p:attrName>style.visibility</p:attrName>
                                         </p:attrNameLst>
                                       </p:cBhvr>
                                       <p:to>
-                                        <p:strVal val="visible"/>
+                                        <p:strVal val="hidden"/>
                                       </p:to>
                                     </p:set>
                                   </p:childTnLst>
                                 </p:cTn>
                               </p:par>
+                            </p:childTnLst>
+                          </p:cTn>
+                        </p:par>
+                      </p:childTnLst>
+                    </p:cTn>
+                  </p:par>
+                  <p:par>
+                    <p:cTn id="11" fill="hold">
+                      <p:stCondLst>
+                        <p:cond delay="indefinite"/>
+                      </p:stCondLst>
+                      <p:childTnLst>
+                        <p:par>
+                          <p:cTn id="12" fill="hold">
+                            <p:stCondLst>
+                              <p:cond delay="0"/>
+                            </p:stCondLst>
+                            <p:childTnLst>
                               <p:par>
-                                <p:cTn id="13" presetID="1" presetClass="entr" presetSubtype="0" fill="hold" grpId="3" nodeType="withEffect">
+                                <p:cTn id="13" presetID="1" presetClass="entr" presetSubtype="0" fill="hold" grpId="2" nodeType="clickEffect">
                                   <p:stCondLst>
                                     <p:cond delay="0"/>
                                   </p:stCondLst>
@@ -16424,7 +17031,7 @@
                                           </p:stCondLst>
                                         </p:cTn>
                                         <p:tgtEl>
-                                          <p:spTgt spid="32"/>
+                                          <p:spTgt spid="50"/>
                                         </p:tgtEl>
                                         <p:attrNameLst>
                                           <p:attrName>style.visibility</p:attrName>
@@ -16456,7 +17063,7 @@
                             </p:stCondLst>
                             <p:childTnLst>
                               <p:par>
-                                <p:cTn id="17" presetID="1" presetClass="entr" presetSubtype="0" fill="hold" grpId="4" nodeType="clickEffect">
+                                <p:cTn id="17" presetID="1" presetClass="exit" presetSubtype="0" fill="hold" grpId="3" nodeType="clickEffect">
                                   <p:stCondLst>
                                     <p:cond delay="0"/>
                                   </p:stCondLst>
@@ -16469,34 +17076,52 @@
                                           </p:stCondLst>
                                         </p:cTn>
                                         <p:tgtEl>
-                                          <p:spTgt spid="33"/>
+                                          <p:spTgt spid="50"/>
                                         </p:tgtEl>
                                         <p:attrNameLst>
                                           <p:attrName>style.visibility</p:attrName>
                                         </p:attrNameLst>
                                       </p:cBhvr>
                                       <p:to>
-                                        <p:strVal val="visible"/>
+                                        <p:strVal val="hidden"/>
                                       </p:to>
                                     </p:set>
                                   </p:childTnLst>
                                 </p:cTn>
                               </p:par>
+                            </p:childTnLst>
+                          </p:cTn>
+                        </p:par>
+                      </p:childTnLst>
+                    </p:cTn>
+                  </p:par>
+                  <p:par>
+                    <p:cTn id="19" fill="hold">
+                      <p:stCondLst>
+                        <p:cond delay="indefinite"/>
+                      </p:stCondLst>
+                      <p:childTnLst>
+                        <p:par>
+                          <p:cTn id="20" fill="hold">
+                            <p:stCondLst>
+                              <p:cond delay="0"/>
+                            </p:stCondLst>
+                            <p:childTnLst>
                               <p:par>
-                                <p:cTn id="19" presetID="1" presetClass="entr" presetSubtype="0" fill="hold" grpId="5" nodeType="withEffect">
+                                <p:cTn id="21" presetID="1" presetClass="entr" presetSubtype="0" fill="hold" grpId="4" nodeType="clickEffect">
                                   <p:stCondLst>
                                     <p:cond delay="0"/>
                                   </p:stCondLst>
                                   <p:childTnLst>
                                     <p:set>
                                       <p:cBhvr>
-                                        <p:cTn id="20" dur="1" fill="hold">
+                                        <p:cTn id="22" dur="1" fill="hold">
                                           <p:stCondLst>
                                             <p:cond delay="0"/>
                                           </p:stCondLst>
                                         </p:cTn>
                                         <p:tgtEl>
-                                          <p:spTgt spid="27"/>
+                                          <p:spTgt spid="51"/>
                                         </p:tgtEl>
                                         <p:attrNameLst>
                                           <p:attrName>style.visibility</p:attrName>
@@ -16516,46 +17141,19 @@
                     </p:cTn>
                   </p:par>
                   <p:par>
-                    <p:cTn id="21" fill="hold">
+                    <p:cTn id="23" fill="hold">
                       <p:stCondLst>
                         <p:cond delay="indefinite"/>
                       </p:stCondLst>
                       <p:childTnLst>
                         <p:par>
-                          <p:cTn id="22" fill="hold">
+                          <p:cTn id="24" fill="hold">
                             <p:stCondLst>
                               <p:cond delay="0"/>
                             </p:stCondLst>
                             <p:childTnLst>
                               <p:par>
-                                <p:cTn id="23" presetID="1" presetClass="entr" presetSubtype="0" fill="hold" grpId="6" nodeType="clickEffect">
-                                  <p:stCondLst>
-                                    <p:cond delay="0"/>
-                                  </p:stCondLst>
-                                  <p:childTnLst>
-                                    <p:set>
-                                      <p:cBhvr>
-                                        <p:cTn id="24" dur="1" fill="hold">
-                                          <p:stCondLst>
-                                            <p:cond delay="0"/>
-                                          </p:stCondLst>
-                                        </p:cTn>
-                                        <p:tgtEl>
-                                          <p:spTgt spid="29"/>
-                                        </p:tgtEl>
-                                        <p:attrNameLst>
-                                          <p:attrName>style.visibility</p:attrName>
-                                        </p:attrNameLst>
-                                      </p:cBhvr>
-                                      <p:to>
-                                        <p:strVal val="visible"/>
-                                      </p:to>
-                                    </p:set>
-                                  </p:childTnLst>
-                                </p:cTn>
-                              </p:par>
-                              <p:par>
-                                <p:cTn id="25" presetID="1" presetClass="entr" presetSubtype="0" fill="hold" grpId="7" nodeType="withEffect">
+                                <p:cTn id="25" presetID="1" presetClass="exit" presetSubtype="0" fill="hold" grpId="5" nodeType="clickEffect">
                                   <p:stCondLst>
                                     <p:cond delay="0"/>
                                   </p:stCondLst>
@@ -16568,14 +17166,14 @@
                                           </p:stCondLst>
                                         </p:cTn>
                                         <p:tgtEl>
-                                          <p:spTgt spid="35"/>
+                                          <p:spTgt spid="51"/>
                                         </p:tgtEl>
                                         <p:attrNameLst>
                                           <p:attrName>style.visibility</p:attrName>
                                         </p:attrNameLst>
                                       </p:cBhvr>
                                       <p:to>
-                                        <p:strVal val="visible"/>
+                                        <p:strVal val="hidden"/>
                                       </p:to>
                                     </p:set>
                                   </p:childTnLst>
@@ -16600,7 +17198,7 @@
                             </p:stCondLst>
                             <p:childTnLst>
                               <p:par>
-                                <p:cTn id="29" presetID="1" presetClass="entr" presetSubtype="0" fill="hold" grpId="8" nodeType="clickEffect">
+                                <p:cTn id="29" presetID="1" presetClass="entr" presetSubtype="0" fill="hold" grpId="6" nodeType="clickEffect">
                                   <p:stCondLst>
                                     <p:cond delay="0"/>
                                   </p:stCondLst>
@@ -16613,34 +17211,7 @@
                                           </p:stCondLst>
                                         </p:cTn>
                                         <p:tgtEl>
-                                          <p:spTgt spid="30"/>
-                                        </p:tgtEl>
-                                        <p:attrNameLst>
-                                          <p:attrName>style.visibility</p:attrName>
-                                        </p:attrNameLst>
-                                      </p:cBhvr>
-                                      <p:to>
-                                        <p:strVal val="visible"/>
-                                      </p:to>
-                                    </p:set>
-                                  </p:childTnLst>
-                                </p:cTn>
-                              </p:par>
-                              <p:par>
-                                <p:cTn id="31" presetID="1" presetClass="entr" presetSubtype="0" fill="hold" grpId="9" nodeType="withEffect">
-                                  <p:stCondLst>
-                                    <p:cond delay="0"/>
-                                  </p:stCondLst>
-                                  <p:childTnLst>
-                                    <p:set>
-                                      <p:cBhvr>
-                                        <p:cTn id="32" dur="1" fill="hold">
-                                          <p:stCondLst>
-                                            <p:cond delay="0"/>
-                                          </p:stCondLst>
-                                        </p:cTn>
-                                        <p:tgtEl>
-                                          <p:spTgt spid="36"/>
+                                          <p:spTgt spid="52"/>
                                         </p:tgtEl>
                                         <p:attrNameLst>
                                           <p:attrName>style.visibility</p:attrName>
@@ -16660,46 +17231,64 @@
                     </p:cTn>
                   </p:par>
                   <p:par>
-                    <p:cTn id="33" fill="hold">
+                    <p:cTn id="31" fill="hold">
                       <p:stCondLst>
                         <p:cond delay="indefinite"/>
                       </p:stCondLst>
                       <p:childTnLst>
                         <p:par>
-                          <p:cTn id="34" fill="hold">
+                          <p:cTn id="32" fill="hold">
                             <p:stCondLst>
                               <p:cond delay="0"/>
                             </p:stCondLst>
                             <p:childTnLst>
                               <p:par>
-                                <p:cTn id="35" presetID="1" presetClass="entr" presetSubtype="0" fill="hold" grpId="10" nodeType="clickEffect">
+                                <p:cTn id="33" presetID="1" presetClass="exit" presetSubtype="0" fill="hold" grpId="7" nodeType="clickEffect">
                                   <p:stCondLst>
                                     <p:cond delay="0"/>
                                   </p:stCondLst>
                                   <p:childTnLst>
                                     <p:set>
                                       <p:cBhvr>
-                                        <p:cTn id="36" dur="1" fill="hold">
+                                        <p:cTn id="34" dur="1" fill="hold">
                                           <p:stCondLst>
                                             <p:cond delay="0"/>
                                           </p:stCondLst>
                                         </p:cTn>
                                         <p:tgtEl>
-                                          <p:spTgt spid="37"/>
+                                          <p:spTgt spid="52"/>
                                         </p:tgtEl>
                                         <p:attrNameLst>
                                           <p:attrName>style.visibility</p:attrName>
                                         </p:attrNameLst>
                                       </p:cBhvr>
                                       <p:to>
-                                        <p:strVal val="visible"/>
+                                        <p:strVal val="hidden"/>
                                       </p:to>
                                     </p:set>
                                   </p:childTnLst>
                                 </p:cTn>
                               </p:par>
+                            </p:childTnLst>
+                          </p:cTn>
+                        </p:par>
+                      </p:childTnLst>
+                    </p:cTn>
+                  </p:par>
+                  <p:par>
+                    <p:cTn id="35" fill="hold">
+                      <p:stCondLst>
+                        <p:cond delay="indefinite"/>
+                      </p:stCondLst>
+                      <p:childTnLst>
+                        <p:par>
+                          <p:cTn id="36" fill="hold">
+                            <p:stCondLst>
+                              <p:cond delay="0"/>
+                            </p:stCondLst>
+                            <p:childTnLst>
                               <p:par>
-                                <p:cTn id="37" presetID="1" presetClass="entr" presetSubtype="0" fill="hold" grpId="11" nodeType="withEffect">
+                                <p:cTn id="37" presetID="1" presetClass="entr" presetSubtype="0" fill="hold" grpId="8" nodeType="clickEffect">
                                   <p:stCondLst>
                                     <p:cond delay="0"/>
                                   </p:stCondLst>
@@ -16712,7 +17301,7 @@
                                           </p:stCondLst>
                                         </p:cTn>
                                         <p:tgtEl>
-                                          <p:spTgt spid="28"/>
+                                          <p:spTgt spid="53"/>
                                         </p:tgtEl>
                                         <p:attrNameLst>
                                           <p:attrName>style.visibility</p:attrName>
@@ -16744,7 +17333,7 @@
                             </p:stCondLst>
                             <p:childTnLst>
                               <p:par>
-                                <p:cTn id="41" presetID="1" presetClass="entr" presetSubtype="0" fill="hold" grpId="12" nodeType="clickEffect">
+                                <p:cTn id="41" presetID="1" presetClass="exit" presetSubtype="0" fill="hold" grpId="9" nodeType="clickEffect">
                                   <p:stCondLst>
                                     <p:cond delay="0"/>
                                   </p:stCondLst>
@@ -16757,7 +17346,52 @@
                                           </p:stCondLst>
                                         </p:cTn>
                                         <p:tgtEl>
-                                          <p:spTgt spid="38"/>
+                                          <p:spTgt spid="53"/>
+                                        </p:tgtEl>
+                                        <p:attrNameLst>
+                                          <p:attrName>style.visibility</p:attrName>
+                                        </p:attrNameLst>
+                                      </p:cBhvr>
+                                      <p:to>
+                                        <p:strVal val="hidden"/>
+                                      </p:to>
+                                    </p:set>
+                                  </p:childTnLst>
+                                </p:cTn>
+                              </p:par>
+                            </p:childTnLst>
+                          </p:cTn>
+                        </p:par>
+                      </p:childTnLst>
+                    </p:cTn>
+                  </p:par>
+                  <p:par>
+                    <p:cTn id="43" fill="hold">
+                      <p:stCondLst>
+                        <p:cond delay="indefinite"/>
+                      </p:stCondLst>
+                      <p:childTnLst>
+                        <p:par>
+                          <p:cTn id="44" fill="hold">
+                            <p:stCondLst>
+                              <p:cond delay="0"/>
+                            </p:stCondLst>
+                            <p:childTnLst>
+                              <p:par>
+                                <p:cTn id="45" presetID="1" presetClass="entr" presetSubtype="0" fill="hold" grpId="10" nodeType="clickEffect">
+                                  <p:stCondLst>
+                                    <p:cond delay="0"/>
+                                  </p:stCondLst>
+                                  <p:childTnLst>
+                                    <p:set>
+                                      <p:cBhvr>
+                                        <p:cTn id="46" dur="1" fill="hold">
+                                          <p:stCondLst>
+                                            <p:cond delay="0"/>
+                                          </p:stCondLst>
+                                        </p:cTn>
+                                        <p:tgtEl>
+                                          <p:spTgt spid="54"/>
                                         </p:tgtEl>
                                         <p:attrNameLst>
                                           <p:attrName>style.visibility</p:attrName>
@@ -16770,21 +17404,84 @@
                                   </p:childTnLst>
                                 </p:cTn>
                               </p:par>
+                            </p:childTnLst>
+                          </p:cTn>
+                        </p:par>
+                      </p:childTnLst>
+                    </p:cTn>
+                  </p:par>
+                  <p:par>
+                    <p:cTn id="47" fill="hold">
+                      <p:stCondLst>
+                        <p:cond delay="indefinite"/>
+                      </p:stCondLst>
+                      <p:childTnLst>
+                        <p:par>
+                          <p:cTn id="48" fill="hold">
+                            <p:stCondLst>
+                              <p:cond delay="0"/>
+                            </p:stCondLst>
+                            <p:childTnLst>
                               <p:par>
-                                <p:cTn id="43" presetID="1" presetClass="entr" presetSubtype="0" fill="hold" grpId="13" nodeType="withEffect">
+                                <p:cTn id="49" presetID="1" presetClass="exit" presetSubtype="0" fill="hold" grpId="11" nodeType="clickEffect">
                                   <p:stCondLst>
                                     <p:cond delay="0"/>
                                   </p:stCondLst>
                                   <p:childTnLst>
                                     <p:set>
                                       <p:cBhvr>
-                                        <p:cTn id="44" dur="1" fill="hold">
+                                        <p:cTn id="50" dur="1" fill="hold">
                                           <p:stCondLst>
                                             <p:cond delay="0"/>
                                           </p:stCondLst>
                                         </p:cTn>
                                         <p:tgtEl>
-                                          <p:spTgt spid="31"/>
+                                          <p:spTgt spid="54"/>
+                                        </p:tgtEl>
+                                        <p:attrNameLst>
+                                          <p:attrName>style.visibility</p:attrName>
+                                        </p:attrNameLst>
+                                      </p:cBhvr>
+                                      <p:to>
+                                        <p:strVal val="hidden"/>
+                                      </p:to>
+                                    </p:set>
+                                  </p:childTnLst>
+                                </p:cTn>
+                              </p:par>
+                            </p:childTnLst>
+                          </p:cTn>
+                        </p:par>
+                      </p:childTnLst>
+                    </p:cTn>
+                  </p:par>
+                  <p:par>
+                    <p:cTn id="51" fill="hold">
+                      <p:stCondLst>
+                        <p:cond delay="indefinite"/>
+                      </p:stCondLst>
+                      <p:childTnLst>
+                        <p:par>
+                          <p:cTn id="52" fill="hold">
+                            <p:stCondLst>
+                              <p:cond delay="0"/>
+                            </p:stCondLst>
+                            <p:childTnLst>
+                              <p:par>
+                                <p:cTn id="53" presetID="1" presetClass="entr" presetSubtype="0" fill="hold" grpId="12" nodeType="clickEffect">
+                                  <p:stCondLst>
+                                    <p:cond delay="0"/>
+                                  </p:stCondLst>
+                                  <p:childTnLst>
+                                    <p:set>
+                                      <p:cBhvr>
+                                        <p:cTn id="54" dur="1" fill="hold">
+                                          <p:stCondLst>
+                                            <p:cond delay="0"/>
+                                          </p:stCondLst>
+                                        </p:cTn>
+                                        <p:tgtEl>
+                                          <p:spTgt spid="55"/>
                                         </p:tgtEl>
                                         <p:attrNameLst>
                                           <p:attrName>style.visibility</p:attrName>
@@ -16792,6 +17489,141 @@
                                       </p:cBhvr>
                                       <p:to>
                                         <p:strVal val="visible"/>
+                                      </p:to>
+                                    </p:set>
+                                  </p:childTnLst>
+                                </p:cTn>
+                              </p:par>
+                            </p:childTnLst>
+                          </p:cTn>
+                        </p:par>
+                      </p:childTnLst>
+                    </p:cTn>
+                  </p:par>
+                  <p:par>
+                    <p:cTn id="55" fill="hold">
+                      <p:stCondLst>
+                        <p:cond delay="indefinite"/>
+                      </p:stCondLst>
+                      <p:childTnLst>
+                        <p:par>
+                          <p:cTn id="56" fill="hold">
+                            <p:stCondLst>
+                              <p:cond delay="0"/>
+                            </p:stCondLst>
+                            <p:childTnLst>
+                              <p:par>
+                                <p:cTn id="57" presetID="1" presetClass="exit" presetSubtype="0" fill="hold" grpId="13" nodeType="clickEffect">
+                                  <p:stCondLst>
+                                    <p:cond delay="0"/>
+                                  </p:stCondLst>
+                                  <p:childTnLst>
+                                    <p:set>
+                                      <p:cBhvr>
+                                        <p:cTn id="58" dur="1" fill="hold">
+                                          <p:stCondLst>
+                                            <p:cond delay="0"/>
+                                          </p:stCondLst>
+                                        </p:cTn>
+                                        <p:tgtEl>
+                                          <p:spTgt spid="55"/>
+                                        </p:tgtEl>
+                                        <p:attrNameLst>
+                                          <p:attrName>style.visibility</p:attrName>
+                                        </p:attrNameLst>
+                                      </p:cBhvr>
+                                      <p:to>
+                                        <p:strVal val="hidden"/>
+                                      </p:to>
+                                    </p:set>
+                                  </p:childTnLst>
+                                </p:cTn>
+                              </p:par>
+                            </p:childTnLst>
+                          </p:cTn>
+                        </p:par>
+                      </p:childTnLst>
+                    </p:cTn>
+                  </p:par>
+                  <p:par>
+                    <p:cTn id="59" fill="hold">
+                      <p:stCondLst>
+                        <p:cond delay="indefinite"/>
+                      </p:stCondLst>
+                      <p:childTnLst>
+                        <p:par>
+                          <p:cTn id="60" fill="hold">
+                            <p:stCondLst>
+                              <p:cond delay="0"/>
+                            </p:stCondLst>
+                            <p:childTnLst>
+                              <p:par>
+                                <p:cTn id="61" presetID="1" presetClass="entr" presetSubtype="0" fill="hold" grpId="14" nodeType="clickEffect">
+                                  <p:stCondLst>
+                                    <p:cond delay="0"/>
+                                  </p:stCondLst>
+                                  <p:childTnLst>
+                                    <p:set>
+                                      <p:cBhvr>
+                                        <p:cTn id="62" dur="1" fill="hold">
+                                          <p:stCondLst>
+                                            <p:cond delay="0"/>
+                                          </p:stCondLst>
+                                        </p:cTn>
+                                        <p:tgtEl>
+                                          <p:spTgt spid="56"/>
+                                        </p:tgtEl>
+                                        <p:attrNameLst>
+                                          <p:attrName>style.visibility</p:attrName>
+                                        </p:attrNameLst>
+                                      </p:cBhvr>
+                                      <p:to>
+                                        <p:strVal val="visible"/>
+                                      </p:to>
+                                    </p:set>
+                                  </p:childTnLst>
+                                </p:cTn>
+                              </p:par>
+                            </p:childTnLst>
+                          </p:cTn>
+                        </p:par>
+                      </p:childTnLst>
+                    </p:cTn>
+                  </p:par>
+                  <p:par>
+                    <p:cTn id="63" fill="hold">
+                      <p:stCondLst>
+                        <p:cond delay="indefinite"/>
+                      </p:stCondLst>
+                      <p:childTnLst>
+                        <p:par>
+                          <p:cTn id="64" fill="hold">
+                            <p:stCondLst>
+                              <p:cond delay="0"/>
+                            </p:stCondLst>
+                            <p:childTnLst>
+                              <p:par>
+                                <p:cTn id="65" presetID="1" presetClass="exit" presetSubtype="0" fill="hold" grpId="15" nodeType="clickEffect">
+                                  <p:stCondLst>
+                                    <p:cond delay="0"/>
+                                  </p:stCondLst>
+                                  <p:childTnLst>
+                                    <p:set>
+                                      <p:cBhvr>
+                                        <p:cTn id="66" dur="1" fill="hold">
+                                          <p:stCondLst>
+                                            <p:cond delay="0"/>
+                                          </p:stCondLst>
+                                        </p:cTn>
+                                        <p:tgtEl>
+                                          <p:spTgt spid="56"/>
+                                        </p:tgtEl>
+                                        <p:attrNameLst>
+                                          <p:attrName>style.visibility</p:attrName>
+                                        </p:attrNameLst>
+                                      </p:cBhvr>
+                                      <p:to>
+                                        <p:strVal val="hidden"/>
                                       </p:to>
                                     </p:set>
                                   </p:childTnLst>
@@ -16825,20 +17657,22 @@
       </p:par>
     </p:tnLst>
     <p:bldLst>
-      <p:bldP spid="34" grpId="0" animBg="1"/>
-      <p:bldP spid="25" grpId="1" animBg="1"/>
-      <p:bldP spid="26" grpId="2" animBg="1"/>
-      <p:bldP spid="32" grpId="3" animBg="1"/>
-      <p:bldP spid="33" grpId="4" animBg="1"/>
-      <p:bldP spid="27" grpId="5" animBg="1"/>
-      <p:bldP spid="29" grpId="6" animBg="1"/>
-      <p:bldP spid="35" grpId="7" animBg="1"/>
-      <p:bldP spid="30" grpId="8" animBg="1"/>
-      <p:bldP spid="36" grpId="9" animBg="1"/>
-      <p:bldP spid="37" grpId="10" animBg="1"/>
-      <p:bldP spid="28" grpId="11" animBg="1"/>
-      <p:bldP spid="38" grpId="12" animBg="1"/>
-      <p:bldP spid="31" grpId="13" animBg="1"/>
+      <p:bldP spid="49" grpId="0" animBg="1"/>
+      <p:bldP spid="49" grpId="1" animBg="1"/>
+      <p:bldP spid="50" grpId="2" animBg="1"/>
+      <p:bldP spid="50" grpId="3" animBg="1"/>
+      <p:bldP spid="51" grpId="4" animBg="1"/>
+      <p:bldP spid="51" grpId="5" animBg="1"/>
+      <p:bldP spid="52" grpId="6" animBg="1"/>
+      <p:bldP spid="52" grpId="7" animBg="1"/>
+      <p:bldP spid="53" grpId="8" animBg="1"/>
+      <p:bldP spid="53" grpId="9" animBg="1"/>
+      <p:bldP spid="54" grpId="10" animBg="1"/>
+      <p:bldP spid="54" grpId="11" animBg="1"/>
+      <p:bldP spid="55" grpId="12" animBg="1"/>
+      <p:bldP spid="55" grpId="13" animBg="1"/>
+      <p:bldP spid="56" grpId="14" animBg="1"/>
+      <p:bldP spid="56" grpId="15" animBg="1"/>
     </p:bldLst>
   </p:timing>
 </p:sld>

--- a/A조 발표/A조 발표.pptx
+++ b/A조 발표/A조 발표.pptx
@@ -2,7 +2,7 @@
 <file path=ppt/presentation.xml><?xml version="1.0" encoding="utf-8"?>
 <p:presentation xmlns:r="http://schemas.openxmlformats.org/officeDocument/2006/relationships" xmlns:c="http://schemas.openxmlformats.org/drawingml/2006/chart" xmlns:a="http://schemas.openxmlformats.org/drawingml/2006/main" xmlns:dgm="http://schemas.openxmlformats.org/drawingml/2006/diagram" xmlns:dsp="http://schemas.microsoft.com/office/drawing/2008/diagram" xmlns:p="http://schemas.openxmlformats.org/presentationml/2006/main">
   <p:sldMasterIdLst>
-    <p:sldMasterId id="2147483792" r:id="rId1"/>
+    <p:sldMasterId id="2147483807" r:id="rId1"/>
   </p:sldMasterIdLst>
   <p:notesMasterIdLst>
     <p:notesMasterId r:id="rId2"/>
@@ -25,6 +25,7 @@
     <p:sldId id="296" r:id="rId15"/>
     <p:sldId id="297" r:id="rId16"/>
     <p:sldId id="298" r:id="rId17"/>
+    <p:sldId id="300" r:id="rId18"/>
   </p:sldIdLst>
   <p:sldSz cx="12192000" cy="6858000"/>
   <p:notesSz cx="6858000" cy="9144000"/>
@@ -4353,6 +4354,12 @@
             <a:pPr>
               <a:defRPr/>
             </a:pPr>
+            <a:endParaRPr lang="en-US" altLang="ko-KR"/>
+          </a:p>
+          <a:p>
+            <a:pPr>
+              <a:defRPr/>
+            </a:pPr>
             <a:r>
               <a:rPr lang="en-US" altLang="ko-KR"/>
               <a:t>FAB SOLO</a:t>
@@ -4375,6 +4382,12 @@
             <a:pPr>
               <a:defRPr/>
             </a:pPr>
+            <a:endParaRPr lang="ko-KR" altLang="en-US"/>
+          </a:p>
+          <a:p>
+            <a:pPr>
+              <a:defRPr/>
+            </a:pPr>
             <a:r>
               <a:rPr lang="ko-KR" altLang="en-US"/>
               <a:t>다음과 같이 구성 되어있고 각각의 스레드의 역할에 대해서 말씀드리겠습니다</a:t>
@@ -4389,6 +4402,12 @@
             <a:pPr>
               <a:defRPr/>
             </a:pPr>
+            <a:endParaRPr lang="ko-KR" altLang="en-US"/>
+          </a:p>
+          <a:p>
+            <a:pPr>
+              <a:defRPr/>
+            </a:pPr>
             <a:r>
               <a:rPr lang="ko-KR" altLang="en-US"/>
               <a:t>중앙제어스레드는 </a:t>
@@ -4411,6 +4430,12 @@
             <a:pPr>
               <a:defRPr/>
             </a:pPr>
+            <a:endParaRPr lang="en-US" altLang="ko-KR"/>
+          </a:p>
+          <a:p>
+            <a:pPr>
+              <a:defRPr/>
+            </a:pPr>
             <a:r>
               <a:rPr lang="en-US" altLang="ko-KR"/>
               <a:t>Time</a:t>
@@ -4461,6 +4486,12 @@
             <a:pPr>
               <a:defRPr/>
             </a:pPr>
+            <a:endParaRPr lang="en-US" altLang="ko-KR"/>
+          </a:p>
+          <a:p>
+            <a:pPr>
+              <a:defRPr/>
+            </a:pPr>
             <a:r>
               <a:rPr lang="en-US" altLang="ko-KR"/>
               <a:t>LPMtoLL</a:t>
@@ -4503,6 +4534,12 @@
             <a:pPr>
               <a:defRPr/>
             </a:pPr>
+            <a:endParaRPr lang="en-US" altLang="ko-KR"/>
+          </a:p>
+          <a:p>
+            <a:pPr>
+              <a:defRPr/>
+            </a:pPr>
             <a:r>
               <a:rPr lang="en-US" altLang="ko-KR"/>
               <a:t>LL</a:t>
@@ -4529,6 +4566,12 @@
             <a:pPr>
               <a:defRPr/>
             </a:pPr>
+            <a:endParaRPr lang="en-US" altLang="ko-KR"/>
+          </a:p>
+          <a:p>
+            <a:pPr>
+              <a:defRPr/>
+            </a:pPr>
             <a:r>
               <a:rPr lang="en-US" altLang="ko-KR"/>
               <a:t>LL2PM</a:t>
@@ -4571,6 +4614,12 @@
             <a:pPr>
               <a:defRPr/>
             </a:pPr>
+            <a:endParaRPr lang="en-US" altLang="ko-KR"/>
+          </a:p>
+          <a:p>
+            <a:pPr>
+              <a:defRPr/>
+            </a:pPr>
             <a:r>
               <a:rPr lang="en-US" altLang="ko-KR"/>
               <a:t>PM</a:t>
@@ -4597,6 +4646,12 @@
             <a:pPr>
               <a:defRPr/>
             </a:pPr>
+            <a:endParaRPr lang="en-US" altLang="ko-KR"/>
+          </a:p>
+          <a:p>
+            <a:pPr>
+              <a:defRPr/>
+            </a:pPr>
             <a:r>
               <a:rPr lang="en-US" altLang="ko-KR"/>
               <a:t>PM2LL</a:t>
@@ -4633,6 +4688,12 @@
               <a:rPr lang="en-US" altLang="ko-KR"/>
               <a:t>.</a:t>
             </a:r>
+            <a:endParaRPr lang="en-US" altLang="ko-KR"/>
+          </a:p>
+          <a:p>
+            <a:pPr>
+              <a:defRPr/>
+            </a:pPr>
             <a:endParaRPr lang="en-US" altLang="ko-KR"/>
           </a:p>
           <a:p>
@@ -9245,10 +9306,10 @@
         </p:nvGrpSpPr>
         <p:grpSpPr>
           <a:xfrm rot="0">
-            <a:off x="6528914" y="846328"/>
-            <a:ext cx="4946648" cy="5141446"/>
-            <a:chOff x="6528914" y="846328"/>
-            <a:chExt cx="4946648" cy="5141446"/>
+            <a:off x="6528914" y="2197892"/>
+            <a:ext cx="4946648" cy="3789882"/>
+            <a:chOff x="6528914" y="2197892"/>
+            <a:chExt cx="4946648" cy="3789882"/>
           </a:xfrm>
         </p:grpSpPr>
         <p:pic>
@@ -9363,30 +9424,6 @@
                 <a:srgbClr val="ffffff"/>
               </a:contourClr>
             </a:sp3d>
-          </p:spPr>
-        </p:pic>
-        <p:pic>
-          <p:nvPicPr>
-            <p:cNvPr id="7" name="그림 6"/>
-            <p:cNvPicPr>
-              <a:picLocks noChangeAspect="1"/>
-            </p:cNvPicPr>
-            <p:nvPr/>
-          </p:nvPicPr>
-          <p:blipFill rotWithShape="1">
-            <a:blip r:embed="rId5"/>
-            <a:stretch>
-              <a:fillRect/>
-            </a:stretch>
-          </p:blipFill>
-          <p:spPr>
-            <a:xfrm>
-              <a:off x="6604331" y="846328"/>
-              <a:ext cx="3528860" cy="1185475"/>
-            </a:xfrm>
-            <a:prstGeom prst="rect">
-              <a:avLst/>
-            </a:prstGeom>
           </p:spPr>
         </p:pic>
         <p:sp>
@@ -9511,7 +9548,7 @@
             <p:nvPr/>
           </p:nvPicPr>
           <p:blipFill rotWithShape="1">
-            <a:blip r:embed="rId6"/>
+            <a:blip r:embed="rId5"/>
             <a:stretch>
               <a:fillRect/>
             </a:stretch>
@@ -9617,6 +9654,101 @@
           </p:txBody>
         </p:sp>
       </p:grpSp>
+      <p:pic>
+        <p:nvPicPr>
+          <p:cNvPr id="32" name=""/>
+          <p:cNvPicPr>
+            <a:picLocks noChangeAspect="1"/>
+          </p:cNvPicPr>
+          <p:nvPr/>
+        </p:nvPicPr>
+        <p:blipFill rotWithShape="1">
+          <a:blip r:embed="rId6"/>
+          <a:stretch>
+            <a:fillRect/>
+          </a:stretch>
+        </p:blipFill>
+        <p:spPr>
+          <a:xfrm>
+            <a:off x="6528914" y="1011704"/>
+            <a:ext cx="3909031" cy="1186188"/>
+          </a:xfrm>
+          <a:prstGeom prst="rect">
+            <a:avLst/>
+          </a:prstGeom>
+        </p:spPr>
+      </p:pic>
+      <p:sp>
+        <p:nvSpPr>
+          <p:cNvPr id="33" name="TextBox 7"/>
+          <p:cNvSpPr txBox="1"/>
+          <p:nvPr/>
+        </p:nvSpPr>
+        <p:spPr>
+          <a:xfrm>
+            <a:off x="6528914" y="626745"/>
+            <a:ext cx="3401339" cy="338554"/>
+          </a:xfrm>
+          <a:prstGeom prst="rect">
+            <a:avLst/>
+          </a:prstGeom>
+          <a:noFill/>
+        </p:spPr>
+        <p:txBody>
+          <a:bodyPr wrap="square">
+            <a:spAutoFit/>
+          </a:bodyPr>
+          <a:lstStyle/>
+          <a:p>
+            <a:pPr marL="0" lvl="0" indent="0" algn="l" defTabSz="457200" rtl="0" eaLnBrk="1" latinLnBrk="0" hangingPunct="1">
+              <a:lnSpc>
+                <a:spcPct val="100000"/>
+              </a:lnSpc>
+              <a:spcBef>
+                <a:spcPct val="0"/>
+              </a:spcBef>
+              <a:spcAft>
+                <a:spcPts val="0"/>
+              </a:spcAft>
+              <a:buNone/>
+              <a:defRPr/>
+            </a:pPr>
+            <a:r>
+              <a:rPr xmlns:mc="http://schemas.openxmlformats.org/markup-compatibility/2006" xmlns:hp="http://schemas.haansoft.com/office/presentation/8.0" kumimoji="0" lang="en-US" altLang="ko-KR" sz="1600" b="1" i="0" u="none" strike="noStrike" kern="1200" cap="none" spc="0" normalizeH="0" baseline="0" mc:Ignorable="hp" hp:hslEmbossed="0">
+                <a:solidFill>
+                  <a:srgbClr val="000000"/>
+                </a:solidFill>
+                <a:latin typeface="맑은 고딕"/>
+              </a:rPr>
+              <a:t>[ Color Info</a:t>
+            </a:r>
+            <a:r>
+              <a:rPr xmlns:mc="http://schemas.openxmlformats.org/markup-compatibility/2006" xmlns:hp="http://schemas.haansoft.com/office/presentation/8.0" kumimoji="0" lang="ko-KR" altLang="en-US" sz="1600" b="1" i="0" u="none" strike="noStrike" kern="1200" cap="none" spc="0" normalizeH="0" baseline="0" mc:Ignorable="hp" hp:hslEmbossed="0">
+                <a:solidFill>
+                  <a:srgbClr val="000000"/>
+                </a:solidFill>
+                <a:latin typeface="맑은 고딕"/>
+              </a:rPr>
+              <a:t> </a:t>
+            </a:r>
+            <a:r>
+              <a:rPr xmlns:mc="http://schemas.openxmlformats.org/markup-compatibility/2006" xmlns:hp="http://schemas.haansoft.com/office/presentation/8.0" kumimoji="0" lang="en-US" altLang="ko-KR" sz="1600" b="1" i="0" u="none" strike="noStrike" kern="1200" cap="none" spc="0" normalizeH="0" baseline="0" mc:Ignorable="hp" hp:hslEmbossed="0">
+                <a:solidFill>
+                  <a:srgbClr val="000000"/>
+                </a:solidFill>
+                <a:latin typeface="맑은 고딕"/>
+              </a:rPr>
+              <a:t>]</a:t>
+            </a:r>
+            <a:endParaRPr xmlns:mc="http://schemas.openxmlformats.org/markup-compatibility/2006" xmlns:hp="http://schemas.haansoft.com/office/presentation/8.0" kumimoji="0" lang="en-US" altLang="ko-KR" sz="1600" b="1" i="0" u="none" strike="noStrike" kern="1200" cap="none" spc="0" normalizeH="0" baseline="0" mc:Ignorable="hp" hp:hslEmbossed="0">
+              <a:solidFill>
+                <a:srgbClr val="000000"/>
+              </a:solidFill>
+              <a:latin typeface="맑은 고딕"/>
+            </a:endParaRPr>
+          </a:p>
+        </p:txBody>
+      </p:sp>
     </p:spTree>
   </p:cSld>
   <p:clrMapOvr>
@@ -11086,7 +11218,7 @@
       </p:grpSpPr>
       <p:pic>
         <p:nvPicPr>
-          <p:cNvPr id="4" name="그림 3"/>
+          <p:cNvPr id="37" name=""/>
           <p:cNvPicPr>
             <a:picLocks noChangeAspect="1"/>
           </p:cNvPicPr>
@@ -11100,8 +11232,8 @@
         </p:blipFill>
         <p:spPr>
           <a:xfrm>
-            <a:off x="6058676" y="671265"/>
-            <a:ext cx="5014817" cy="5942333"/>
+            <a:off x="5949357" y="541020"/>
+            <a:ext cx="5322486" cy="6117485"/>
           </a:xfrm>
           <a:prstGeom prst="rect">
             <a:avLst/>
@@ -11117,7 +11249,7 @@
         <p:spPr>
           <a:xfrm>
             <a:off x="0" y="28575"/>
-            <a:ext cx="2927701" cy="512445"/>
+            <a:ext cx="4262564" cy="512445"/>
           </a:xfrm>
           <a:prstGeom prst="rect">
             <a:avLst/>
@@ -11195,7 +11327,7 @@
                 <a:ea typeface="맑은 고딕"/>
                 <a:cs typeface="맑은 고딕"/>
               </a:rPr>
-              <a:t> (Info)</a:t>
+              <a:t> (System Config)</a:t>
             </a:r>
             <a:endParaRPr kumimoji="0" lang="en-US" altLang="ko-KR" sz="2800" b="1" i="0" u="none" strike="noStrike" kern="1200" cap="none" spc="0" normalizeH="0" baseline="0">
               <a:solidFill>
@@ -11245,7 +11377,7 @@
         </p:nvGrpSpPr>
         <p:grpSpPr>
           <a:xfrm rot="0">
-            <a:off x="5914053" y="975602"/>
+            <a:off x="5914053" y="803463"/>
             <a:ext cx="363894" cy="400110"/>
             <a:chOff x="5914053" y="975602"/>
             <a:chExt cx="363894" cy="400110"/>
@@ -11810,12 +11942,10 @@
               <a:gd name="adj2" fmla="val 50000"/>
             </a:avLst>
           </a:prstGeom>
-          <a:solidFill>
-            <a:srgbClr val="c00000"/>
-          </a:solidFill>
-          <a:ln w="12700">
+          <a:noFill/>
+          <a:ln w="38100">
             <a:solidFill>
-              <a:schemeClr val="tx1"/>
+              <a:srgbClr val="bd3d00"/>
             </a:solidFill>
             <a:miter/>
           </a:ln>
@@ -11860,12 +11990,10 @@
               <a:gd name="adj2" fmla="val 50000"/>
             </a:avLst>
           </a:prstGeom>
-          <a:solidFill>
-            <a:srgbClr val="c00000"/>
-          </a:solidFill>
-          <a:ln w="12700">
+          <a:noFill/>
+          <a:ln w="38100">
             <a:solidFill>
-              <a:schemeClr val="tx1"/>
+              <a:srgbClr val="bd3d00"/>
             </a:solidFill>
             <a:miter/>
           </a:ln>
@@ -11889,6 +12017,328 @@
               <a:latin typeface="+mn-ea"/>
               <a:ea typeface="+mn-ea"/>
               <a:cs typeface="Arial Unicode MS"/>
+            </a:endParaRPr>
+          </a:p>
+        </p:txBody>
+      </p:sp>
+    </p:spTree>
+  </p:cSld>
+  <p:clrMapOvr>
+    <a:masterClrMapping/>
+  </p:clrMapOvr>
+  <mc:AlternateContent xmlns:mc="http://schemas.openxmlformats.org/markup-compatibility/2006">
+    <mc:Choice xmlns:p14="http://schemas.microsoft.com/office/powerpoint/2010/main" Requires="p14">
+      <p:transition xmlns:mc="http://schemas.openxmlformats.org/markup-compatibility/2006" xmlns:p14="http://schemas.microsoft.com/office/powerpoint/2010/main" mc:Ignorable="p14" p14:dur="500"/>
+    </mc:Choice>
+    <mc:Fallback>
+      <p:transition/>
+    </mc:Fallback>
+  </mc:AlternateContent>
+</p:sld>
+</file>
+
+<file path=ppt/slides/slide15.xml><?xml version="1.0" encoding="utf-8"?>
+<p:sld xmlns:r="http://schemas.openxmlformats.org/officeDocument/2006/relationships" xmlns:c="http://schemas.openxmlformats.org/drawingml/2006/chart" xmlns:a="http://schemas.openxmlformats.org/drawingml/2006/main" xmlns:dgm="http://schemas.openxmlformats.org/drawingml/2006/diagram" xmlns:dsp="http://schemas.microsoft.com/office/drawing/2008/diagram" xmlns:p="http://schemas.openxmlformats.org/presentationml/2006/main">
+  <p:cSld>
+    <p:spTree>
+      <p:nvGrpSpPr>
+        <p:cNvPr id="1" name=""/>
+        <p:cNvGrpSpPr/>
+        <p:nvPr/>
+      </p:nvGrpSpPr>
+      <p:grpSpPr>
+        <a:xfrm>
+          <a:off x="0" y="0"/>
+          <a:ext cx="0" cy="0"/>
+          <a:chOff x="0" y="0"/>
+          <a:chExt cx="0" cy="0"/>
+        </a:xfrm>
+      </p:grpSpPr>
+      <p:sp>
+        <p:nvSpPr>
+          <p:cNvPr id="4" name="슬라이드 번호 개체 틀 5"/>
+          <p:cNvSpPr>
+            <a:spLocks noGrp="1"/>
+          </p:cNvSpPr>
+          <p:nvPr>
+            <p:ph type="sldNum" sz="quarter" idx="12"/>
+          </p:nvPr>
+        </p:nvSpPr>
+        <p:spPr/>
+        <p:txBody>
+          <a:bodyPr/>
+          <a:lstStyle/>
+          <a:p>
+            <a:pPr lvl="0">
+              <a:defRPr/>
+            </a:pPr>
+            <a:fld id="{AD22CD3B-FDDF-4998-970C-76E6E0BEC65F}" type="slidenum">
+              <a:rPr lang="en-US" altLang="en-US"/>
+              <a:pPr lvl="0">
+                <a:defRPr/>
+              </a:pPr>
+              <a:t>15</a:t>
+            </a:fld>
+            <a:endParaRPr lang="en-US" altLang="en-US"/>
+          </a:p>
+        </p:txBody>
+      </p:sp>
+      <p:sp>
+        <p:nvSpPr>
+          <p:cNvPr id="5" name="TextBox 16"/>
+          <p:cNvSpPr txBox="1"/>
+          <p:nvPr/>
+        </p:nvSpPr>
+        <p:spPr>
+          <a:xfrm>
+            <a:off x="0" y="28575"/>
+            <a:ext cx="3960532" cy="512445"/>
+          </a:xfrm>
+          <a:prstGeom prst="rect">
+            <a:avLst/>
+          </a:prstGeom>
+        </p:spPr>
+        <p:txBody>
+          <a:bodyPr wrap="square">
+            <a:spAutoFit/>
+          </a:bodyPr>
+          <a:p>
+            <a:pPr marL="0" indent="0" algn="ctr" defTabSz="914400" rtl="0" eaLnBrk="1" latinLnBrk="1" hangingPunct="1">
+              <a:lnSpc>
+                <a:spcPct val="100000"/>
+              </a:lnSpc>
+              <a:spcBef>
+                <a:spcPct val="0"/>
+              </a:spcBef>
+              <a:spcAft>
+                <a:spcPts val="0"/>
+              </a:spcAft>
+              <a:buNone/>
+              <a:defRPr/>
+            </a:pPr>
+            <a:r>
+              <a:rPr xmlns:mc="http://schemas.openxmlformats.org/markup-compatibility/2006" xmlns:hp="http://schemas.haansoft.com/office/presentation/8.0" kumimoji="0" lang="en-US" altLang="ko-KR" sz="2800" b="1" i="0" u="none" strike="noStrike" kern="1200" cap="none" spc="0" normalizeH="0" baseline="0" mc:Ignorable="hp" hp:hslEmbossed="0">
+                <a:solidFill>
+                  <a:srgbClr val="000000"/>
+                </a:solidFill>
+                <a:latin typeface="Calibri"/>
+                <a:ea typeface="맑은 고딕"/>
+                <a:cs typeface="맑은 고딕"/>
+              </a:rPr>
+              <a:t>5.</a:t>
+            </a:r>
+            <a:r>
+              <a:rPr xmlns:mc="http://schemas.openxmlformats.org/markup-compatibility/2006" xmlns:hp="http://schemas.haansoft.com/office/presentation/8.0" kumimoji="0" lang="ko-KR" altLang="en-US" sz="2800" b="1" i="0" u="none" strike="noStrike" kern="1200" cap="none" spc="0" normalizeH="0" baseline="0" mc:Ignorable="hp" hp:hslEmbossed="0">
+                <a:solidFill>
+                  <a:srgbClr val="000000"/>
+                </a:solidFill>
+                <a:latin typeface="Calibri"/>
+                <a:ea typeface="맑은 고딕"/>
+                <a:cs typeface="맑은 고딕"/>
+              </a:rPr>
+              <a:t> 보완점 및 기대효과</a:t>
+            </a:r>
+            <a:endParaRPr xmlns:mc="http://schemas.openxmlformats.org/markup-compatibility/2006" xmlns:hp="http://schemas.haansoft.com/office/presentation/8.0" kumimoji="0" lang="ko-KR" altLang="en-US" sz="2800" b="1" i="0" u="none" strike="noStrike" kern="1200" cap="none" spc="0" normalizeH="0" baseline="0" mc:Ignorable="hp" hp:hslEmbossed="0">
+              <a:solidFill>
+                <a:srgbClr val="000000"/>
+              </a:solidFill>
+              <a:latin typeface="Calibri"/>
+              <a:ea typeface="맑은 고딕"/>
+              <a:cs typeface="맑은 고딕"/>
+            </a:endParaRPr>
+          </a:p>
+        </p:txBody>
+      </p:sp>
+      <p:sp>
+        <p:nvSpPr>
+          <p:cNvPr id="6" name=""/>
+          <p:cNvSpPr txBox="1"/>
+          <p:nvPr/>
+        </p:nvSpPr>
+        <p:spPr>
+          <a:xfrm>
+            <a:off x="1465473" y="1242840"/>
+            <a:ext cx="6311748" cy="872100"/>
+          </a:xfrm>
+          <a:prstGeom prst="rect">
+            <a:avLst/>
+          </a:prstGeom>
+          <a:noFill/>
+        </p:spPr>
+        <p:txBody>
+          <a:bodyPr wrap="square">
+            <a:spAutoFit/>
+          </a:bodyPr>
+          <a:p>
+            <a:pPr>
+              <a:defRPr/>
+            </a:pPr>
+            <a:r>
+              <a:rPr lang="ko-KR" altLang="en-US" sz="1700">
+                <a:latin typeface="+mn-ea"/>
+                <a:ea typeface="+mn-ea"/>
+              </a:rPr>
+              <a:t>코드를 절차지향에 가깝게 구성하여 유지보수에 어려움 존재</a:t>
+            </a:r>
+            <a:endParaRPr lang="ko-KR" altLang="en-US" sz="1700">
+              <a:latin typeface="+mn-ea"/>
+              <a:ea typeface="+mn-ea"/>
+            </a:endParaRPr>
+          </a:p>
+          <a:p>
+            <a:pPr>
+              <a:defRPr/>
+            </a:pPr>
+            <a:r>
+              <a:rPr lang="en-US" altLang="ko-KR" sz="1700">
+                <a:latin typeface="+mn-ea"/>
+                <a:ea typeface="+mn-ea"/>
+              </a:rPr>
+              <a:t>Receipe</a:t>
+            </a:r>
+            <a:r>
+              <a:rPr lang="ko-KR" altLang="en-US" sz="1700">
+                <a:latin typeface="+mn-ea"/>
+                <a:ea typeface="+mn-ea"/>
+              </a:rPr>
+              <a:t>를 설정해서 할 수 없다는 점</a:t>
+            </a:r>
+            <a:endParaRPr lang="ko-KR" altLang="en-US" sz="1700">
+              <a:latin typeface="+mn-ea"/>
+              <a:ea typeface="+mn-ea"/>
+            </a:endParaRPr>
+          </a:p>
+          <a:p>
+            <a:pPr>
+              <a:defRPr/>
+            </a:pPr>
+            <a:r>
+              <a:rPr lang="en-US" altLang="ko-KR" sz="1700">
+                <a:latin typeface="+mn-ea"/>
+                <a:ea typeface="+mn-ea"/>
+              </a:rPr>
+              <a:t>ALD</a:t>
+            </a:r>
+            <a:r>
+              <a:rPr lang="ko-KR" altLang="en-US" sz="1700">
+                <a:latin typeface="+mn-ea"/>
+                <a:ea typeface="+mn-ea"/>
+              </a:rPr>
+              <a:t> 방식이 아닌 </a:t>
+            </a:r>
+            <a:r>
+              <a:rPr lang="en-US" altLang="ko-KR" sz="1700">
+                <a:latin typeface="+mn-ea"/>
+                <a:ea typeface="+mn-ea"/>
+              </a:rPr>
+              <a:t>CVD</a:t>
+            </a:r>
+            <a:r>
+              <a:rPr lang="ko-KR" altLang="en-US" sz="1700">
+                <a:latin typeface="+mn-ea"/>
+                <a:ea typeface="+mn-ea"/>
+              </a:rPr>
+              <a:t> 방식으로 가까운 점</a:t>
+            </a:r>
+            <a:endParaRPr lang="ko-KR" altLang="en-US" sz="1700">
+              <a:latin typeface="+mn-ea"/>
+              <a:ea typeface="+mn-ea"/>
+            </a:endParaRPr>
+          </a:p>
+        </p:txBody>
+      </p:sp>
+      <p:sp>
+        <p:nvSpPr>
+          <p:cNvPr id="7" name=""/>
+          <p:cNvSpPr txBox="1"/>
+          <p:nvPr/>
+        </p:nvSpPr>
+        <p:spPr>
+          <a:xfrm>
+            <a:off x="1465473" y="2556900"/>
+            <a:ext cx="6311748" cy="603495"/>
+          </a:xfrm>
+          <a:prstGeom prst="rect">
+            <a:avLst/>
+          </a:prstGeom>
+          <a:noFill/>
+        </p:spPr>
+        <p:txBody>
+          <a:bodyPr wrap="square">
+            <a:spAutoFit/>
+          </a:bodyPr>
+          <a:p>
+            <a:pPr marL="0" indent="0" algn="l" defTabSz="914400" rtl="0" eaLnBrk="1" latinLnBrk="1" hangingPunct="1">
+              <a:lnSpc>
+                <a:spcPct val="100000"/>
+              </a:lnSpc>
+              <a:spcBef>
+                <a:spcPct val="0"/>
+              </a:spcBef>
+              <a:spcAft>
+                <a:spcPts val="0"/>
+              </a:spcAft>
+              <a:buNone/>
+              <a:defRPr/>
+            </a:pPr>
+            <a:r>
+              <a:rPr xmlns:mc="http://schemas.openxmlformats.org/markup-compatibility/2006" xmlns:hp="http://schemas.haansoft.com/office/presentation/8.0" kumimoji="0" lang="ko-KR" altLang="en-US" sz="1700" b="0" i="0" u="none" strike="noStrike" kern="1200" cap="none" spc="0" normalizeH="0" baseline="0" mc:Ignorable="hp" hp:hslEmbossed="0">
+                <a:solidFill>
+                  <a:srgbClr val="000000"/>
+                </a:solidFill>
+                <a:latin typeface="맑은 고딕"/>
+                <a:ea typeface="맑은 고딕"/>
+              </a:rPr>
+              <a:t>직관적으로 </a:t>
+            </a:r>
+            <a:r>
+              <a:rPr xmlns:mc="http://schemas.openxmlformats.org/markup-compatibility/2006" xmlns:hp="http://schemas.haansoft.com/office/presentation/8.0" kumimoji="0" lang="en-US" altLang="ko-KR" sz="1700" b="0" i="0" u="none" strike="noStrike" kern="1200" cap="none" spc="0" normalizeH="0" baseline="0" mc:Ignorable="hp" hp:hslEmbossed="0">
+                <a:solidFill>
+                  <a:srgbClr val="000000"/>
+                </a:solidFill>
+                <a:latin typeface="맑은 고딕"/>
+                <a:ea typeface="맑은 고딕"/>
+              </a:rPr>
+              <a:t>Wafer</a:t>
+            </a:r>
+            <a:r>
+              <a:rPr xmlns:mc="http://schemas.openxmlformats.org/markup-compatibility/2006" xmlns:hp="http://schemas.haansoft.com/office/presentation/8.0" kumimoji="0" lang="ko-KR" altLang="en-US" sz="1700" b="0" i="0" u="none" strike="noStrike" kern="1200" cap="none" spc="0" normalizeH="0" baseline="0" mc:Ignorable="hp" hp:hslEmbossed="0">
+                <a:solidFill>
+                  <a:srgbClr val="000000"/>
+                </a:solidFill>
+                <a:latin typeface="맑은 고딕"/>
+                <a:ea typeface="맑은 고딕"/>
+              </a:rPr>
+              <a:t>의 이동이 확인이 가능하다는 점</a:t>
+            </a:r>
+            <a:endParaRPr xmlns:mc="http://schemas.openxmlformats.org/markup-compatibility/2006" xmlns:hp="http://schemas.haansoft.com/office/presentation/8.0" kumimoji="0" lang="ko-KR" altLang="en-US" sz="1700" b="0" i="0" u="none" strike="noStrike" kern="1200" cap="none" spc="0" normalizeH="0" baseline="0" mc:Ignorable="hp" hp:hslEmbossed="0">
+              <a:solidFill>
+                <a:srgbClr val="000000"/>
+              </a:solidFill>
+              <a:latin typeface="맑은 고딕"/>
+              <a:ea typeface="맑은 고딕"/>
+            </a:endParaRPr>
+          </a:p>
+          <a:p>
+            <a:pPr marL="0" indent="0" algn="l" defTabSz="914400" rtl="0" eaLnBrk="1" latinLnBrk="1" hangingPunct="1">
+              <a:lnSpc>
+                <a:spcPct val="100000"/>
+              </a:lnSpc>
+              <a:spcBef>
+                <a:spcPct val="0"/>
+              </a:spcBef>
+              <a:spcAft>
+                <a:spcPts val="0"/>
+              </a:spcAft>
+              <a:buNone/>
+              <a:defRPr/>
+            </a:pPr>
+            <a:endParaRPr xmlns:mc="http://schemas.openxmlformats.org/markup-compatibility/2006" xmlns:hp="http://schemas.haansoft.com/office/presentation/8.0" kumimoji="0" lang="ko-KR" altLang="en-US" sz="1700" b="0" i="0" u="none" strike="noStrike" kern="1200" cap="none" spc="0" normalizeH="0" baseline="0" mc:Ignorable="hp" hp:hslEmbossed="0">
+              <a:solidFill>
+                <a:srgbClr val="000000"/>
+              </a:solidFill>
+              <a:latin typeface="맑은 고딕"/>
+              <a:ea typeface="맑은 고딕"/>
             </a:endParaRPr>
           </a:p>
         </p:txBody>
@@ -12945,9 +13395,13 @@
             </a:r>
             <a:r>
               <a:rPr lang="ko-KR" sz="2600" b="1" i="0" kern="1200" baseline="0"/>
-              <a:t> 의견 및 평가</a:t>
-            </a:r>
-            <a:endParaRPr lang="ko-KR" sz="2600" b="1" i="0" kern="1200" baseline="0"/>
+              <a:t> </a:t>
+            </a:r>
+            <a:r>
+              <a:rPr lang="ko-KR" altLang="en-US" sz="2600" b="1" i="0" kern="1200" baseline="0"/>
+              <a:t>보완점 및 기대효과</a:t>
+            </a:r>
+            <a:endParaRPr lang="ko-KR" altLang="en-US" sz="2600" b="1" i="0" kern="1200" baseline="0"/>
           </a:p>
         </p:txBody>
       </p:sp>
@@ -13580,7 +14034,7 @@
                 <a:ea typeface="맑은 고딕"/>
                 <a:cs typeface="Arial Unicode MS"/>
               </a:rPr>
-              <a:t>System Info UI</a:t>
+              <a:t>System Config UI</a:t>
             </a:r>
             <a:r>
               <a:rPr xmlns:mc="http://schemas.openxmlformats.org/markup-compatibility/2006" xmlns:hp="http://schemas.haansoft.com/office/presentation/8.0" kumimoji="0" lang="ko-KR" altLang="en-US" b="1" i="0" u="none" strike="noStrike" kern="1200" cap="none" spc="0" normalizeH="0" baseline="0" mc:Ignorable="hp" hp:hslEmbossed="0">
